--- a/project ILS-HR.pptx
+++ b/project ILS-HR.pptx
@@ -265,7 +265,7 @@
           <a:p>
             <a:fld id="{040E3C9C-8DB6-4660-8A72-4C02FA3F4C48}" type="datetimeFigureOut">
               <a:rPr lang="en-US" smtClean="0"/>
-              <a:t>12/9/2019</a:t>
+              <a:t>12/11/2019</a:t>
             </a:fld>
             <a:endParaRPr lang="en-US"/>
           </a:p>
@@ -443,7 +443,7 @@
           <a:p>
             <a:fld id="{2DFD0631-95FE-4E12-814A-92001C87D3BF}" type="datetimeFigureOut">
               <a:rPr lang="en-US" smtClean="0"/>
-              <a:t>12/9/2019</a:t>
+              <a:t>12/11/2019</a:t>
             </a:fld>
             <a:endParaRPr lang="en-US"/>
           </a:p>
@@ -897,7 +897,7 @@
           <a:p>
             <a:fld id="{F4473CA4-D490-47D3-8F02-AA8A4EE17AD8}" type="datetime1">
               <a:rPr lang="en-US" smtClean="0"/>
-              <a:t>12/9/2019</a:t>
+              <a:t>12/11/2019</a:t>
             </a:fld>
             <a:endParaRPr lang="en-US"/>
           </a:p>
@@ -1172,7 +1172,7 @@
           <a:p>
             <a:fld id="{C202AECF-6A63-4EFF-8C29-DC208F42773B}" type="datetime1">
               <a:rPr lang="en-US" smtClean="0"/>
-              <a:t>12/9/2019</a:t>
+              <a:t>12/11/2019</a:t>
             </a:fld>
             <a:endParaRPr lang="en-US"/>
           </a:p>
@@ -1366,7 +1366,7 @@
           <a:p>
             <a:fld id="{6EF58914-85C9-4A1E-B8DF-E5D41C2553BD}" type="datetime1">
               <a:rPr lang="en-US" smtClean="0"/>
-              <a:t>12/9/2019</a:t>
+              <a:t>12/11/2019</a:t>
             </a:fld>
             <a:endParaRPr lang="en-US"/>
           </a:p>
@@ -1639,7 +1639,7 @@
           <a:p>
             <a:fld id="{5AF070AD-0650-47B5-9A73-F04380A298EB}" type="datetime1">
               <a:rPr lang="en-US" smtClean="0"/>
-              <a:t>12/9/2019</a:t>
+              <a:t>12/11/2019</a:t>
             </a:fld>
             <a:endParaRPr lang="en-US"/>
           </a:p>
@@ -1980,7 +1980,7 @@
           <a:p>
             <a:fld id="{BE16294B-1864-4C46-95B7-B8819176AB9D}" type="datetime1">
               <a:rPr lang="en-US" smtClean="0"/>
-              <a:t>12/9/2019</a:t>
+              <a:t>12/11/2019</a:t>
             </a:fld>
             <a:endParaRPr lang="en-US"/>
           </a:p>
@@ -2603,7 +2603,7 @@
           <a:p>
             <a:fld id="{F280D95F-5255-4B8D-AD21-636EDA59EB8A}" type="datetime1">
               <a:rPr lang="en-US" smtClean="0"/>
-              <a:t>12/9/2019</a:t>
+              <a:t>12/11/2019</a:t>
             </a:fld>
             <a:endParaRPr lang="en-US"/>
           </a:p>
@@ -3463,7 +3463,7 @@
           <a:p>
             <a:fld id="{50610A60-44FB-4424-9D3C-8D5D09CA8EFB}" type="datetime1">
               <a:rPr lang="en-US" smtClean="0"/>
-              <a:t>12/9/2019</a:t>
+              <a:t>12/11/2019</a:t>
             </a:fld>
             <a:endParaRPr lang="en-US"/>
           </a:p>
@@ -3633,7 +3633,7 @@
           <a:p>
             <a:fld id="{F05E5C00-B3C7-4A10-94BC-959C5BA50FC1}" type="datetime1">
               <a:rPr lang="en-US" smtClean="0"/>
-              <a:t>12/9/2019</a:t>
+              <a:t>12/11/2019</a:t>
             </a:fld>
             <a:endParaRPr lang="en-US"/>
           </a:p>
@@ -3813,7 +3813,7 @@
           <a:p>
             <a:fld id="{92D8AA3D-8DA7-492F-84D7-3946EB0D88F4}" type="datetime1">
               <a:rPr lang="en-US" smtClean="0"/>
-              <a:t>12/9/2019</a:t>
+              <a:t>12/11/2019</a:t>
             </a:fld>
             <a:endParaRPr lang="en-US"/>
           </a:p>
@@ -3983,7 +3983,7 @@
           <a:p>
             <a:fld id="{B2E1AD9A-4951-486E-9EA7-AC4FAE76D7E6}" type="datetime1">
               <a:rPr lang="en-US" smtClean="0"/>
-              <a:t>12/9/2019</a:t>
+              <a:t>12/11/2019</a:t>
             </a:fld>
             <a:endParaRPr lang="en-US"/>
           </a:p>
@@ -4230,7 +4230,7 @@
           <a:p>
             <a:fld id="{CE46A12C-9E0A-4164-B004-B14487B3B397}" type="datetime1">
               <a:rPr lang="en-US" smtClean="0"/>
-              <a:t>12/9/2019</a:t>
+              <a:t>12/11/2019</a:t>
             </a:fld>
             <a:endParaRPr lang="en-US"/>
           </a:p>
@@ -4522,7 +4522,7 @@
           <a:p>
             <a:fld id="{D1880828-55DB-4B77-BCA6-B4779F78B071}" type="datetime1">
               <a:rPr lang="en-US" smtClean="0"/>
-              <a:t>12/9/2019</a:t>
+              <a:t>12/11/2019</a:t>
             </a:fld>
             <a:endParaRPr lang="en-US"/>
           </a:p>
@@ -4966,7 +4966,7 @@
           <a:p>
             <a:fld id="{3B0C6979-9AEE-472E-91B2-68FD14A4F66F}" type="datetime1">
               <a:rPr lang="en-US" smtClean="0"/>
-              <a:t>12/9/2019</a:t>
+              <a:t>12/11/2019</a:t>
             </a:fld>
             <a:endParaRPr lang="en-US"/>
           </a:p>
@@ -5084,7 +5084,7 @@
           <a:p>
             <a:fld id="{7A41B3B6-AE8B-46D9-9EDA-FE04D78E9020}" type="datetime1">
               <a:rPr lang="en-US" smtClean="0"/>
-              <a:t>12/9/2019</a:t>
+              <a:t>12/11/2019</a:t>
             </a:fld>
             <a:endParaRPr lang="en-US"/>
           </a:p>
@@ -5179,7 +5179,7 @@
           <a:p>
             <a:fld id="{9DBB64A5-8152-4669-99BA-62DE27017709}" type="datetime1">
               <a:rPr lang="en-US" smtClean="0"/>
-              <a:t>12/9/2019</a:t>
+              <a:t>12/11/2019</a:t>
             </a:fld>
             <a:endParaRPr lang="en-US"/>
           </a:p>
@@ -5458,7 +5458,7 @@
           <a:p>
             <a:fld id="{4E998AF9-AE51-4C0A-9CD4-36B24463C0D7}" type="datetime1">
               <a:rPr lang="en-US" smtClean="0"/>
-              <a:t>12/9/2019</a:t>
+              <a:t>12/11/2019</a:t>
             </a:fld>
             <a:endParaRPr lang="en-US"/>
           </a:p>
@@ -5733,7 +5733,7 @@
           <a:p>
             <a:fld id="{31AC2A6E-ACDC-4E59-B213-293B4D3434D6}" type="datetime1">
               <a:rPr lang="en-US" smtClean="0"/>
-              <a:t>12/9/2019</a:t>
+              <a:t>12/11/2019</a:t>
             </a:fld>
             <a:endParaRPr lang="en-US"/>
           </a:p>
@@ -6162,7 +6162,7 @@
           <a:p>
             <a:fld id="{1A836E36-6491-4481-9E42-5285FA43A7BB}" type="datetime1">
               <a:rPr lang="en-US" smtClean="0"/>
-              <a:t>12/9/2019</a:t>
+              <a:t>12/11/2019</a:t>
             </a:fld>
             <a:endParaRPr lang="en-US"/>
           </a:p>
@@ -9584,10 +9584,10 @@
       </p:sp>
       <p:pic>
         <p:nvPicPr>
-          <p:cNvPr id="7" name="Picture 6">
+          <p:cNvPr id="3" name="Picture 2">
             <a:extLst>
               <a:ext uri="{FF2B5EF4-FFF2-40B4-BE49-F238E27FC236}">
-                <a16:creationId xmlns:a16="http://schemas.microsoft.com/office/drawing/2014/main" id="{70988174-A25C-444E-BA2D-46D849D799BA}"/>
+                <a16:creationId xmlns:a16="http://schemas.microsoft.com/office/drawing/2014/main" id="{948ACD20-0589-47FB-8E4C-A1D38CBA6A19}"/>
               </a:ext>
             </a:extLst>
           </p:cNvPr>
@@ -9604,8 +9604,8 @@
         </p:blipFill>
         <p:spPr>
           <a:xfrm>
-            <a:off x="235840" y="1063416"/>
-            <a:ext cx="11720320" cy="5541801"/>
+            <a:off x="139136" y="1063416"/>
+            <a:ext cx="11913723" cy="5669010"/>
           </a:xfrm>
           <a:prstGeom prst="rect">
             <a:avLst/>

--- a/project ILS-HR.pptx
+++ b/project ILS-HR.pptx
@@ -5,66 +5,64 @@
     <p:sldMasterId id="2147483677" r:id="rId1"/>
   </p:sldMasterIdLst>
   <p:notesMasterIdLst>
-    <p:notesMasterId r:id="rId56"/>
+    <p:notesMasterId r:id="rId54"/>
   </p:notesMasterIdLst>
   <p:handoutMasterIdLst>
-    <p:handoutMasterId r:id="rId57"/>
+    <p:handoutMasterId r:id="rId55"/>
   </p:handoutMasterIdLst>
   <p:sldIdLst>
     <p:sldId id="256" r:id="rId2"/>
     <p:sldId id="303" r:id="rId3"/>
     <p:sldId id="324" r:id="rId4"/>
     <p:sldId id="257" r:id="rId5"/>
-    <p:sldId id="258" r:id="rId6"/>
-    <p:sldId id="304" r:id="rId7"/>
-    <p:sldId id="259" r:id="rId8"/>
-    <p:sldId id="260" r:id="rId9"/>
-    <p:sldId id="261" r:id="rId10"/>
-    <p:sldId id="263" r:id="rId11"/>
-    <p:sldId id="264" r:id="rId12"/>
-    <p:sldId id="300" r:id="rId13"/>
-    <p:sldId id="265" r:id="rId14"/>
-    <p:sldId id="267" r:id="rId15"/>
-    <p:sldId id="266" r:id="rId16"/>
-    <p:sldId id="302" r:id="rId17"/>
-    <p:sldId id="305" r:id="rId18"/>
-    <p:sldId id="268" r:id="rId19"/>
-    <p:sldId id="269" r:id="rId20"/>
-    <p:sldId id="306" r:id="rId21"/>
-    <p:sldId id="307" r:id="rId22"/>
-    <p:sldId id="298" r:id="rId23"/>
-    <p:sldId id="271" r:id="rId24"/>
-    <p:sldId id="308" r:id="rId25"/>
-    <p:sldId id="316" r:id="rId26"/>
-    <p:sldId id="325" r:id="rId27"/>
-    <p:sldId id="299" r:id="rId28"/>
-    <p:sldId id="273" r:id="rId29"/>
-    <p:sldId id="309" r:id="rId30"/>
-    <p:sldId id="317" r:id="rId31"/>
-    <p:sldId id="274" r:id="rId32"/>
-    <p:sldId id="275" r:id="rId33"/>
-    <p:sldId id="310" r:id="rId34"/>
-    <p:sldId id="318" r:id="rId35"/>
-    <p:sldId id="276" r:id="rId36"/>
-    <p:sldId id="277" r:id="rId37"/>
-    <p:sldId id="311" r:id="rId38"/>
-    <p:sldId id="319" r:id="rId39"/>
-    <p:sldId id="278" r:id="rId40"/>
-    <p:sldId id="279" r:id="rId41"/>
-    <p:sldId id="312" r:id="rId42"/>
-    <p:sldId id="321" r:id="rId43"/>
-    <p:sldId id="326" r:id="rId44"/>
-    <p:sldId id="280" r:id="rId45"/>
-    <p:sldId id="281" r:id="rId46"/>
-    <p:sldId id="313" r:id="rId47"/>
-    <p:sldId id="322" r:id="rId48"/>
-    <p:sldId id="282" r:id="rId49"/>
-    <p:sldId id="283" r:id="rId50"/>
-    <p:sldId id="314" r:id="rId51"/>
-    <p:sldId id="323" r:id="rId52"/>
-    <p:sldId id="284" r:id="rId53"/>
-    <p:sldId id="285" r:id="rId54"/>
-    <p:sldId id="315" r:id="rId55"/>
+    <p:sldId id="327" r:id="rId6"/>
+    <p:sldId id="258" r:id="rId7"/>
+    <p:sldId id="304" r:id="rId8"/>
+    <p:sldId id="259" r:id="rId9"/>
+    <p:sldId id="260" r:id="rId10"/>
+    <p:sldId id="261" r:id="rId11"/>
+    <p:sldId id="263" r:id="rId12"/>
+    <p:sldId id="264" r:id="rId13"/>
+    <p:sldId id="300" r:id="rId14"/>
+    <p:sldId id="265" r:id="rId15"/>
+    <p:sldId id="267" r:id="rId16"/>
+    <p:sldId id="266" r:id="rId17"/>
+    <p:sldId id="302" r:id="rId18"/>
+    <p:sldId id="305" r:id="rId19"/>
+    <p:sldId id="268" r:id="rId20"/>
+    <p:sldId id="269" r:id="rId21"/>
+    <p:sldId id="306" r:id="rId22"/>
+    <p:sldId id="307" r:id="rId23"/>
+    <p:sldId id="316" r:id="rId24"/>
+    <p:sldId id="325" r:id="rId25"/>
+    <p:sldId id="299" r:id="rId26"/>
+    <p:sldId id="273" r:id="rId27"/>
+    <p:sldId id="309" r:id="rId28"/>
+    <p:sldId id="317" r:id="rId29"/>
+    <p:sldId id="274" r:id="rId30"/>
+    <p:sldId id="275" r:id="rId31"/>
+    <p:sldId id="310" r:id="rId32"/>
+    <p:sldId id="318" r:id="rId33"/>
+    <p:sldId id="276" r:id="rId34"/>
+    <p:sldId id="277" r:id="rId35"/>
+    <p:sldId id="311" r:id="rId36"/>
+    <p:sldId id="319" r:id="rId37"/>
+    <p:sldId id="278" r:id="rId38"/>
+    <p:sldId id="279" r:id="rId39"/>
+    <p:sldId id="312" r:id="rId40"/>
+    <p:sldId id="321" r:id="rId41"/>
+    <p:sldId id="326" r:id="rId42"/>
+    <p:sldId id="280" r:id="rId43"/>
+    <p:sldId id="281" r:id="rId44"/>
+    <p:sldId id="313" r:id="rId45"/>
+    <p:sldId id="322" r:id="rId46"/>
+    <p:sldId id="282" r:id="rId47"/>
+    <p:sldId id="283" r:id="rId48"/>
+    <p:sldId id="314" r:id="rId49"/>
+    <p:sldId id="323" r:id="rId50"/>
+    <p:sldId id="284" r:id="rId51"/>
+    <p:sldId id="285" r:id="rId52"/>
+    <p:sldId id="315" r:id="rId53"/>
   </p:sldIdLst>
   <p:sldSz cx="12192000" cy="6858000"/>
   <p:notesSz cx="6858000" cy="9144000"/>
@@ -265,7 +263,7 @@
           <a:p>
             <a:fld id="{040E3C9C-8DB6-4660-8A72-4C02FA3F4C48}" type="datetimeFigureOut">
               <a:rPr lang="en-US" smtClean="0"/>
-              <a:t>12/11/2019</a:t>
+              <a:t>12/14/2019</a:t>
             </a:fld>
             <a:endParaRPr lang="en-US"/>
           </a:p>
@@ -443,7 +441,7 @@
           <a:p>
             <a:fld id="{2DFD0631-95FE-4E12-814A-92001C87D3BF}" type="datetimeFigureOut">
               <a:rPr lang="en-US" smtClean="0"/>
-              <a:t>12/11/2019</a:t>
+              <a:t>12/14/2019</a:t>
             </a:fld>
             <a:endParaRPr lang="en-US"/>
           </a:p>
@@ -897,7 +895,7 @@
           <a:p>
             <a:fld id="{F4473CA4-D490-47D3-8F02-AA8A4EE17AD8}" type="datetime1">
               <a:rPr lang="en-US" smtClean="0"/>
-              <a:t>12/11/2019</a:t>
+              <a:t>12/14/2019</a:t>
             </a:fld>
             <a:endParaRPr lang="en-US"/>
           </a:p>
@@ -1172,7 +1170,7 @@
           <a:p>
             <a:fld id="{C202AECF-6A63-4EFF-8C29-DC208F42773B}" type="datetime1">
               <a:rPr lang="en-US" smtClean="0"/>
-              <a:t>12/11/2019</a:t>
+              <a:t>12/14/2019</a:t>
             </a:fld>
             <a:endParaRPr lang="en-US"/>
           </a:p>
@@ -1366,7 +1364,7 @@
           <a:p>
             <a:fld id="{6EF58914-85C9-4A1E-B8DF-E5D41C2553BD}" type="datetime1">
               <a:rPr lang="en-US" smtClean="0"/>
-              <a:t>12/11/2019</a:t>
+              <a:t>12/14/2019</a:t>
             </a:fld>
             <a:endParaRPr lang="en-US"/>
           </a:p>
@@ -1639,7 +1637,7 @@
           <a:p>
             <a:fld id="{5AF070AD-0650-47B5-9A73-F04380A298EB}" type="datetime1">
               <a:rPr lang="en-US" smtClean="0"/>
-              <a:t>12/11/2019</a:t>
+              <a:t>12/14/2019</a:t>
             </a:fld>
             <a:endParaRPr lang="en-US"/>
           </a:p>
@@ -1980,7 +1978,7 @@
           <a:p>
             <a:fld id="{BE16294B-1864-4C46-95B7-B8819176AB9D}" type="datetime1">
               <a:rPr lang="en-US" smtClean="0"/>
-              <a:t>12/11/2019</a:t>
+              <a:t>12/14/2019</a:t>
             </a:fld>
             <a:endParaRPr lang="en-US"/>
           </a:p>
@@ -2603,7 +2601,7 @@
           <a:p>
             <a:fld id="{F280D95F-5255-4B8D-AD21-636EDA59EB8A}" type="datetime1">
               <a:rPr lang="en-US" smtClean="0"/>
-              <a:t>12/11/2019</a:t>
+              <a:t>12/14/2019</a:t>
             </a:fld>
             <a:endParaRPr lang="en-US"/>
           </a:p>
@@ -3463,7 +3461,7 @@
           <a:p>
             <a:fld id="{50610A60-44FB-4424-9D3C-8D5D09CA8EFB}" type="datetime1">
               <a:rPr lang="en-US" smtClean="0"/>
-              <a:t>12/11/2019</a:t>
+              <a:t>12/14/2019</a:t>
             </a:fld>
             <a:endParaRPr lang="en-US"/>
           </a:p>
@@ -3633,7 +3631,7 @@
           <a:p>
             <a:fld id="{F05E5C00-B3C7-4A10-94BC-959C5BA50FC1}" type="datetime1">
               <a:rPr lang="en-US" smtClean="0"/>
-              <a:t>12/11/2019</a:t>
+              <a:t>12/14/2019</a:t>
             </a:fld>
             <a:endParaRPr lang="en-US"/>
           </a:p>
@@ -3813,7 +3811,7 @@
           <a:p>
             <a:fld id="{92D8AA3D-8DA7-492F-84D7-3946EB0D88F4}" type="datetime1">
               <a:rPr lang="en-US" smtClean="0"/>
-              <a:t>12/11/2019</a:t>
+              <a:t>12/14/2019</a:t>
             </a:fld>
             <a:endParaRPr lang="en-US"/>
           </a:p>
@@ -3983,7 +3981,7 @@
           <a:p>
             <a:fld id="{B2E1AD9A-4951-486E-9EA7-AC4FAE76D7E6}" type="datetime1">
               <a:rPr lang="en-US" smtClean="0"/>
-              <a:t>12/11/2019</a:t>
+              <a:t>12/14/2019</a:t>
             </a:fld>
             <a:endParaRPr lang="en-US"/>
           </a:p>
@@ -4230,7 +4228,7 @@
           <a:p>
             <a:fld id="{CE46A12C-9E0A-4164-B004-B14487B3B397}" type="datetime1">
               <a:rPr lang="en-US" smtClean="0"/>
-              <a:t>12/11/2019</a:t>
+              <a:t>12/14/2019</a:t>
             </a:fld>
             <a:endParaRPr lang="en-US"/>
           </a:p>
@@ -4522,7 +4520,7 @@
           <a:p>
             <a:fld id="{D1880828-55DB-4B77-BCA6-B4779F78B071}" type="datetime1">
               <a:rPr lang="en-US" smtClean="0"/>
-              <a:t>12/11/2019</a:t>
+              <a:t>12/14/2019</a:t>
             </a:fld>
             <a:endParaRPr lang="en-US"/>
           </a:p>
@@ -4966,7 +4964,7 @@
           <a:p>
             <a:fld id="{3B0C6979-9AEE-472E-91B2-68FD14A4F66F}" type="datetime1">
               <a:rPr lang="en-US" smtClean="0"/>
-              <a:t>12/11/2019</a:t>
+              <a:t>12/14/2019</a:t>
             </a:fld>
             <a:endParaRPr lang="en-US"/>
           </a:p>
@@ -5084,7 +5082,7 @@
           <a:p>
             <a:fld id="{7A41B3B6-AE8B-46D9-9EDA-FE04D78E9020}" type="datetime1">
               <a:rPr lang="en-US" smtClean="0"/>
-              <a:t>12/11/2019</a:t>
+              <a:t>12/14/2019</a:t>
             </a:fld>
             <a:endParaRPr lang="en-US"/>
           </a:p>
@@ -5179,7 +5177,7 @@
           <a:p>
             <a:fld id="{9DBB64A5-8152-4669-99BA-62DE27017709}" type="datetime1">
               <a:rPr lang="en-US" smtClean="0"/>
-              <a:t>12/11/2019</a:t>
+              <a:t>12/14/2019</a:t>
             </a:fld>
             <a:endParaRPr lang="en-US"/>
           </a:p>
@@ -5458,7 +5456,7 @@
           <a:p>
             <a:fld id="{4E998AF9-AE51-4C0A-9CD4-36B24463C0D7}" type="datetime1">
               <a:rPr lang="en-US" smtClean="0"/>
-              <a:t>12/11/2019</a:t>
+              <a:t>12/14/2019</a:t>
             </a:fld>
             <a:endParaRPr lang="en-US"/>
           </a:p>
@@ -5733,7 +5731,7 @@
           <a:p>
             <a:fld id="{31AC2A6E-ACDC-4E59-B213-293B4D3434D6}" type="datetime1">
               <a:rPr lang="en-US" smtClean="0"/>
-              <a:t>12/11/2019</a:t>
+              <a:t>12/14/2019</a:t>
             </a:fld>
             <a:endParaRPr lang="en-US"/>
           </a:p>
@@ -6162,7 +6160,7 @@
           <a:p>
             <a:fld id="{1A836E36-6491-4481-9E42-5285FA43A7BB}" type="datetime1">
               <a:rPr lang="en-US" smtClean="0"/>
-              <a:t>12/11/2019</a:t>
+              <a:t>12/14/2019</a:t>
             </a:fld>
             <a:endParaRPr lang="en-US"/>
           </a:p>
@@ -6900,6 +6898,142 @@
           <p:cNvPr id="3" name="Rectangle 2">
             <a:extLst>
               <a:ext uri="{FF2B5EF4-FFF2-40B4-BE49-F238E27FC236}">
+                <a16:creationId xmlns:a16="http://schemas.microsoft.com/office/drawing/2014/main" id="{3EEF70BB-189F-4CC9-A0B5-76AE745BF649}"/>
+              </a:ext>
+            </a:extLst>
+          </p:cNvPr>
+          <p:cNvSpPr/>
+          <p:nvPr/>
+        </p:nvSpPr>
+        <p:spPr>
+          <a:xfrm>
+            <a:off x="2080591" y="125574"/>
+            <a:ext cx="8030817" cy="1107996"/>
+          </a:xfrm>
+          <a:prstGeom prst="rect">
+            <a:avLst/>
+          </a:prstGeom>
+        </p:spPr>
+        <p:txBody>
+          <a:bodyPr wrap="square">
+            <a:spAutoFit/>
+          </a:bodyPr>
+          <a:lstStyle/>
+          <a:p>
+            <a:r>
+              <a:rPr lang="en-US" sz="4800" b="1" dirty="0">
+                <a:latin typeface="TH Sarabun New" panose="020B0500040200020003" pitchFamily="34" charset="-34"/>
+                <a:cs typeface="Andalus" panose="02010000000000000000" pitchFamily="2" charset="-78"/>
+              </a:rPr>
+              <a:t> </a:t>
+            </a:r>
+            <a:r>
+              <a:rPr lang="en-US" sz="6600" b="1" dirty="0">
+                <a:latin typeface="TH Sarabun New" panose="020B0500040200020003" pitchFamily="34" charset="-34"/>
+                <a:cs typeface="Andalus" panose="02010000000000000000" pitchFamily="2" charset="-78"/>
+              </a:rPr>
+              <a:t>System Use Case For HR</a:t>
+            </a:r>
+            <a:endParaRPr lang="en-US" sz="6600" b="1" dirty="0">
+              <a:cs typeface="Andalus" panose="02010000000000000000" pitchFamily="2" charset="-78"/>
+            </a:endParaRPr>
+          </a:p>
+        </p:txBody>
+      </p:sp>
+      <p:pic>
+        <p:nvPicPr>
+          <p:cNvPr id="6" name="Picture 5">
+            <a:extLst>
+              <a:ext uri="{FF2B5EF4-FFF2-40B4-BE49-F238E27FC236}">
+                <a16:creationId xmlns:a16="http://schemas.microsoft.com/office/drawing/2014/main" id="{F5845DF8-CD11-4F03-84D3-C9749B817D96}"/>
+              </a:ext>
+            </a:extLst>
+          </p:cNvPr>
+          <p:cNvPicPr>
+            <a:picLocks noChangeAspect="1"/>
+          </p:cNvPicPr>
+          <p:nvPr/>
+        </p:nvPicPr>
+        <p:blipFill>
+          <a:blip r:embed="rId2"/>
+          <a:stretch>
+            <a:fillRect/>
+          </a:stretch>
+        </p:blipFill>
+        <p:spPr>
+          <a:xfrm>
+            <a:off x="1665889" y="1233570"/>
+            <a:ext cx="8860219" cy="5420739"/>
+          </a:xfrm>
+          <a:prstGeom prst="rect">
+            <a:avLst/>
+          </a:prstGeom>
+        </p:spPr>
+      </p:pic>
+    </p:spTree>
+    <p:extLst>
+      <p:ext uri="{BB962C8B-B14F-4D97-AF65-F5344CB8AC3E}">
+        <p14:creationId xmlns:p14="http://schemas.microsoft.com/office/powerpoint/2010/main" val="2000149658"/>
+      </p:ext>
+    </p:extLst>
+  </p:cSld>
+  <p:clrMapOvr>
+    <a:masterClrMapping/>
+  </p:clrMapOvr>
+</p:sld>
+</file>
+
+<file path=ppt/slides/slide11.xml><?xml version="1.0" encoding="utf-8"?>
+<p:sld xmlns:a="http://schemas.openxmlformats.org/drawingml/2006/main" xmlns:r="http://schemas.openxmlformats.org/officeDocument/2006/relationships" xmlns:p="http://schemas.openxmlformats.org/presentationml/2006/main">
+  <p:cSld>
+    <p:spTree>
+      <p:nvGrpSpPr>
+        <p:cNvPr id="1" name=""/>
+        <p:cNvGrpSpPr/>
+        <p:nvPr/>
+      </p:nvGrpSpPr>
+      <p:grpSpPr>
+        <a:xfrm>
+          <a:off x="0" y="0"/>
+          <a:ext cx="0" cy="0"/>
+          <a:chOff x="0" y="0"/>
+          <a:chExt cx="0" cy="0"/>
+        </a:xfrm>
+      </p:grpSpPr>
+      <p:sp>
+        <p:nvSpPr>
+          <p:cNvPr id="4" name="Slide Number Placeholder 3">
+            <a:extLst>
+              <a:ext uri="{FF2B5EF4-FFF2-40B4-BE49-F238E27FC236}">
+                <a16:creationId xmlns:a16="http://schemas.microsoft.com/office/drawing/2014/main" id="{3D9A5FCF-B429-46A8-B92B-1CF5A6F9246E}"/>
+              </a:ext>
+            </a:extLst>
+          </p:cNvPr>
+          <p:cNvSpPr>
+            <a:spLocks noGrp="1"/>
+          </p:cNvSpPr>
+          <p:nvPr>
+            <p:ph type="sldNum" sz="quarter" idx="12"/>
+          </p:nvPr>
+        </p:nvSpPr>
+        <p:spPr/>
+        <p:txBody>
+          <a:bodyPr/>
+          <a:lstStyle/>
+          <a:p>
+            <a:fld id="{856BCB40-DA03-48F7-A2D3-509646EF08FA}" type="slidenum">
+              <a:rPr lang="en-US" smtClean="0"/>
+              <a:t>11</a:t>
+            </a:fld>
+            <a:endParaRPr lang="en-US"/>
+          </a:p>
+        </p:txBody>
+      </p:sp>
+      <p:sp>
+        <p:nvSpPr>
+          <p:cNvPr id="3" name="Rectangle 2">
+            <a:extLst>
+              <a:ext uri="{FF2B5EF4-FFF2-40B4-BE49-F238E27FC236}">
                 <a16:creationId xmlns:a16="http://schemas.microsoft.com/office/drawing/2014/main" id="{B9F695E7-4924-4E71-AF73-BFF71EE620F4}"/>
               </a:ext>
             </a:extLst>
@@ -6985,7 +7119,7 @@
 </p:sld>
 </file>
 
-<file path=ppt/slides/slide11.xml><?xml version="1.0" encoding="utf-8"?>
+<file path=ppt/slides/slide12.xml><?xml version="1.0" encoding="utf-8"?>
 <p:sld xmlns:a="http://schemas.openxmlformats.org/drawingml/2006/main" xmlns:r="http://schemas.openxmlformats.org/officeDocument/2006/relationships" xmlns:p="http://schemas.openxmlformats.org/presentationml/2006/main">
   <p:cSld>
     <p:spTree>
@@ -7025,7 +7159,7 @@
           <a:p>
             <a:fld id="{856BCB40-DA03-48F7-A2D3-509646EF08FA}" type="slidenum">
               <a:rPr lang="en-US" smtClean="0"/>
-              <a:t>11</a:t>
+              <a:t>12</a:t>
             </a:fld>
             <a:endParaRPr lang="en-US"/>
           </a:p>
@@ -7121,106 +7255,6 @@
 </p:sld>
 </file>
 
-<file path=ppt/slides/slide12.xml><?xml version="1.0" encoding="utf-8"?>
-<p:sld xmlns:a="http://schemas.openxmlformats.org/drawingml/2006/main" xmlns:r="http://schemas.openxmlformats.org/officeDocument/2006/relationships" xmlns:p="http://schemas.openxmlformats.org/presentationml/2006/main">
-  <p:cSld>
-    <p:spTree>
-      <p:nvGrpSpPr>
-        <p:cNvPr id="1" name=""/>
-        <p:cNvGrpSpPr/>
-        <p:nvPr/>
-      </p:nvGrpSpPr>
-      <p:grpSpPr>
-        <a:xfrm>
-          <a:off x="0" y="0"/>
-          <a:ext cx="0" cy="0"/>
-          <a:chOff x="0" y="0"/>
-          <a:chExt cx="0" cy="0"/>
-        </a:xfrm>
-      </p:grpSpPr>
-      <p:sp>
-        <p:nvSpPr>
-          <p:cNvPr id="2" name="Title 1">
-            <a:extLst>
-              <a:ext uri="{FF2B5EF4-FFF2-40B4-BE49-F238E27FC236}">
-                <a16:creationId xmlns:a16="http://schemas.microsoft.com/office/drawing/2014/main" id="{89E05A28-06C8-49A2-A759-6124FBE09FB0}"/>
-              </a:ext>
-            </a:extLst>
-          </p:cNvPr>
-          <p:cNvSpPr>
-            <a:spLocks noGrp="1"/>
-          </p:cNvSpPr>
-          <p:nvPr>
-            <p:ph type="title"/>
-          </p:nvPr>
-        </p:nvSpPr>
-        <p:spPr>
-          <a:xfrm>
-            <a:off x="491411" y="2728735"/>
-            <a:ext cx="11209178" cy="1400530"/>
-          </a:xfrm>
-        </p:spPr>
-        <p:txBody>
-          <a:bodyPr/>
-          <a:lstStyle/>
-          <a:p>
-            <a:pPr algn="ctr"/>
-            <a:r>
-              <a:rPr lang="en-US" sz="8800" b="1" dirty="0">
-                <a:solidFill>
-                  <a:schemeClr val="accent3">
-                    <a:lumMod val="60000"/>
-                    <a:lumOff val="40000"/>
-                  </a:schemeClr>
-                </a:solidFill>
-              </a:rPr>
-              <a:t>EMPLOYEE MASTER</a:t>
-            </a:r>
-          </a:p>
-        </p:txBody>
-      </p:sp>
-      <p:sp>
-        <p:nvSpPr>
-          <p:cNvPr id="4" name="Slide Number Placeholder 3">
-            <a:extLst>
-              <a:ext uri="{FF2B5EF4-FFF2-40B4-BE49-F238E27FC236}">
-                <a16:creationId xmlns:a16="http://schemas.microsoft.com/office/drawing/2014/main" id="{D1B85F67-A45C-4FC7-B75D-DFF096FEE71B}"/>
-              </a:ext>
-            </a:extLst>
-          </p:cNvPr>
-          <p:cNvSpPr>
-            <a:spLocks noGrp="1"/>
-          </p:cNvSpPr>
-          <p:nvPr>
-            <p:ph type="sldNum" sz="quarter" idx="12"/>
-          </p:nvPr>
-        </p:nvSpPr>
-        <p:spPr/>
-        <p:txBody>
-          <a:bodyPr/>
-          <a:lstStyle/>
-          <a:p>
-            <a:fld id="{856BCB40-DA03-48F7-A2D3-509646EF08FA}" type="slidenum">
-              <a:rPr lang="en-US" smtClean="0"/>
-              <a:t>12</a:t>
-            </a:fld>
-            <a:endParaRPr lang="en-US"/>
-          </a:p>
-        </p:txBody>
-      </p:sp>
-    </p:spTree>
-    <p:extLst>
-      <p:ext uri="{BB962C8B-B14F-4D97-AF65-F5344CB8AC3E}">
-        <p14:creationId xmlns:p14="http://schemas.microsoft.com/office/powerpoint/2010/main" val="2587553785"/>
-      </p:ext>
-    </p:extLst>
-  </p:cSld>
-  <p:clrMapOvr>
-    <a:masterClrMapping/>
-  </p:clrMapOvr>
-</p:sld>
-</file>
-
 <file path=ppt/slides/slide13.xml><?xml version="1.0" encoding="utf-8"?>
 <p:sld xmlns:a="http://schemas.openxmlformats.org/drawingml/2006/main" xmlns:r="http://schemas.openxmlformats.org/officeDocument/2006/relationships" xmlns:p="http://schemas.openxmlformats.org/presentationml/2006/main">
   <p:cSld>
@@ -7240,6 +7274,106 @@
       </p:grpSpPr>
       <p:sp>
         <p:nvSpPr>
+          <p:cNvPr id="2" name="Title 1">
+            <a:extLst>
+              <a:ext uri="{FF2B5EF4-FFF2-40B4-BE49-F238E27FC236}">
+                <a16:creationId xmlns:a16="http://schemas.microsoft.com/office/drawing/2014/main" id="{89E05A28-06C8-49A2-A759-6124FBE09FB0}"/>
+              </a:ext>
+            </a:extLst>
+          </p:cNvPr>
+          <p:cNvSpPr>
+            <a:spLocks noGrp="1"/>
+          </p:cNvSpPr>
+          <p:nvPr>
+            <p:ph type="title"/>
+          </p:nvPr>
+        </p:nvSpPr>
+        <p:spPr>
+          <a:xfrm>
+            <a:off x="491411" y="2728735"/>
+            <a:ext cx="11209178" cy="1400530"/>
+          </a:xfrm>
+        </p:spPr>
+        <p:txBody>
+          <a:bodyPr/>
+          <a:lstStyle/>
+          <a:p>
+            <a:pPr algn="ctr"/>
+            <a:r>
+              <a:rPr lang="en-US" sz="8800" b="1" dirty="0">
+                <a:solidFill>
+                  <a:schemeClr val="accent3">
+                    <a:lumMod val="60000"/>
+                    <a:lumOff val="40000"/>
+                  </a:schemeClr>
+                </a:solidFill>
+              </a:rPr>
+              <a:t>EMPLOYEE MASTER</a:t>
+            </a:r>
+          </a:p>
+        </p:txBody>
+      </p:sp>
+      <p:sp>
+        <p:nvSpPr>
+          <p:cNvPr id="4" name="Slide Number Placeholder 3">
+            <a:extLst>
+              <a:ext uri="{FF2B5EF4-FFF2-40B4-BE49-F238E27FC236}">
+                <a16:creationId xmlns:a16="http://schemas.microsoft.com/office/drawing/2014/main" id="{D1B85F67-A45C-4FC7-B75D-DFF096FEE71B}"/>
+              </a:ext>
+            </a:extLst>
+          </p:cNvPr>
+          <p:cNvSpPr>
+            <a:spLocks noGrp="1"/>
+          </p:cNvSpPr>
+          <p:nvPr>
+            <p:ph type="sldNum" sz="quarter" idx="12"/>
+          </p:nvPr>
+        </p:nvSpPr>
+        <p:spPr/>
+        <p:txBody>
+          <a:bodyPr/>
+          <a:lstStyle/>
+          <a:p>
+            <a:fld id="{856BCB40-DA03-48F7-A2D3-509646EF08FA}" type="slidenum">
+              <a:rPr lang="en-US" smtClean="0"/>
+              <a:t>13</a:t>
+            </a:fld>
+            <a:endParaRPr lang="en-US"/>
+          </a:p>
+        </p:txBody>
+      </p:sp>
+    </p:spTree>
+    <p:extLst>
+      <p:ext uri="{BB962C8B-B14F-4D97-AF65-F5344CB8AC3E}">
+        <p14:creationId xmlns:p14="http://schemas.microsoft.com/office/powerpoint/2010/main" val="2587553785"/>
+      </p:ext>
+    </p:extLst>
+  </p:cSld>
+  <p:clrMapOvr>
+    <a:masterClrMapping/>
+  </p:clrMapOvr>
+</p:sld>
+</file>
+
+<file path=ppt/slides/slide14.xml><?xml version="1.0" encoding="utf-8"?>
+<p:sld xmlns:a="http://schemas.openxmlformats.org/drawingml/2006/main" xmlns:r="http://schemas.openxmlformats.org/officeDocument/2006/relationships" xmlns:p="http://schemas.openxmlformats.org/presentationml/2006/main">
+  <p:cSld>
+    <p:spTree>
+      <p:nvGrpSpPr>
+        <p:cNvPr id="1" name=""/>
+        <p:cNvGrpSpPr/>
+        <p:nvPr/>
+      </p:nvGrpSpPr>
+      <p:grpSpPr>
+        <a:xfrm>
+          <a:off x="0" y="0"/>
+          <a:ext cx="0" cy="0"/>
+          <a:chOff x="0" y="0"/>
+          <a:chExt cx="0" cy="0"/>
+        </a:xfrm>
+      </p:grpSpPr>
+      <p:sp>
+        <p:nvSpPr>
           <p:cNvPr id="4" name="Slide Number Placeholder 3">
             <a:extLst>
               <a:ext uri="{FF2B5EF4-FFF2-40B4-BE49-F238E27FC236}">
@@ -7261,7 +7395,7 @@
           <a:p>
             <a:fld id="{856BCB40-DA03-48F7-A2D3-509646EF08FA}" type="slidenum">
               <a:rPr lang="en-US" smtClean="0"/>
-              <a:t>13</a:t>
+              <a:t>14</a:t>
             </a:fld>
             <a:endParaRPr lang="en-US"/>
           </a:p>
@@ -7351,110 +7485,6 @@
 </p:sld>
 </file>
 
-<file path=ppt/slides/slide14.xml><?xml version="1.0" encoding="utf-8"?>
-<p:sld xmlns:a="http://schemas.openxmlformats.org/drawingml/2006/main" xmlns:r="http://schemas.openxmlformats.org/officeDocument/2006/relationships" xmlns:p="http://schemas.openxmlformats.org/presentationml/2006/main">
-  <p:cSld>
-    <p:spTree>
-      <p:nvGrpSpPr>
-        <p:cNvPr id="1" name=""/>
-        <p:cNvGrpSpPr/>
-        <p:nvPr/>
-      </p:nvGrpSpPr>
-      <p:grpSpPr>
-        <a:xfrm>
-          <a:off x="0" y="0"/>
-          <a:ext cx="0" cy="0"/>
-          <a:chOff x="0" y="0"/>
-          <a:chExt cx="0" cy="0"/>
-        </a:xfrm>
-      </p:grpSpPr>
-      <p:sp>
-        <p:nvSpPr>
-          <p:cNvPr id="2" name="Title 1">
-            <a:extLst>
-              <a:ext uri="{FF2B5EF4-FFF2-40B4-BE49-F238E27FC236}">
-                <a16:creationId xmlns:a16="http://schemas.microsoft.com/office/drawing/2014/main" id="{A31DA540-E376-42CB-BF43-AF1957682A73}"/>
-              </a:ext>
-            </a:extLst>
-          </p:cNvPr>
-          <p:cNvSpPr>
-            <a:spLocks noGrp="1"/>
-          </p:cNvSpPr>
-          <p:nvPr>
-            <p:ph type="title"/>
-          </p:nvPr>
-        </p:nvSpPr>
-        <p:spPr>
-          <a:xfrm>
-            <a:off x="782958" y="2301959"/>
-            <a:ext cx="10626083" cy="2254082"/>
-          </a:xfrm>
-        </p:spPr>
-        <p:txBody>
-          <a:bodyPr/>
-          <a:lstStyle/>
-          <a:p>
-            <a:pPr algn="ctr"/>
-            <a:r>
-              <a:rPr lang="en-US" sz="8800" b="1" dirty="0"/>
-              <a:t>Activity Diagram </a:t>
-            </a:r>
-            <a:br>
-              <a:rPr lang="en-US" sz="8800" b="1" dirty="0"/>
-            </a:br>
-            <a:r>
-              <a:rPr lang="en-US" sz="8800" b="1" dirty="0"/>
-              <a:t>Employee master</a:t>
-            </a:r>
-            <a:br>
-              <a:rPr lang="en-US" sz="8800" b="1" dirty="0"/>
-            </a:br>
-            <a:endParaRPr lang="en-US" sz="8800" b="1" dirty="0"/>
-          </a:p>
-        </p:txBody>
-      </p:sp>
-      <p:sp>
-        <p:nvSpPr>
-          <p:cNvPr id="4" name="Slide Number Placeholder 3">
-            <a:extLst>
-              <a:ext uri="{FF2B5EF4-FFF2-40B4-BE49-F238E27FC236}">
-                <a16:creationId xmlns:a16="http://schemas.microsoft.com/office/drawing/2014/main" id="{C4B025A2-3773-4B62-9AE0-D45841D6DEDB}"/>
-              </a:ext>
-            </a:extLst>
-          </p:cNvPr>
-          <p:cNvSpPr>
-            <a:spLocks noGrp="1"/>
-          </p:cNvSpPr>
-          <p:nvPr>
-            <p:ph type="sldNum" sz="quarter" idx="12"/>
-          </p:nvPr>
-        </p:nvSpPr>
-        <p:spPr/>
-        <p:txBody>
-          <a:bodyPr/>
-          <a:lstStyle/>
-          <a:p>
-            <a:fld id="{856BCB40-DA03-48F7-A2D3-509646EF08FA}" type="slidenum">
-              <a:rPr lang="en-US" smtClean="0"/>
-              <a:t>14</a:t>
-            </a:fld>
-            <a:endParaRPr lang="en-US"/>
-          </a:p>
-        </p:txBody>
-      </p:sp>
-    </p:spTree>
-    <p:extLst>
-      <p:ext uri="{BB962C8B-B14F-4D97-AF65-F5344CB8AC3E}">
-        <p14:creationId xmlns:p14="http://schemas.microsoft.com/office/powerpoint/2010/main" val="3501775552"/>
-      </p:ext>
-    </p:extLst>
-  </p:cSld>
-  <p:clrMapOvr>
-    <a:masterClrMapping/>
-  </p:clrMapOvr>
-</p:sld>
-</file>
-
 <file path=ppt/slides/slide15.xml><?xml version="1.0" encoding="utf-8"?>
 <p:sld xmlns:a="http://schemas.openxmlformats.org/drawingml/2006/main" xmlns:r="http://schemas.openxmlformats.org/officeDocument/2006/relationships" xmlns:p="http://schemas.openxmlformats.org/presentationml/2006/main">
   <p:cSld>
@@ -7474,6 +7504,110 @@
       </p:grpSpPr>
       <p:sp>
         <p:nvSpPr>
+          <p:cNvPr id="2" name="Title 1">
+            <a:extLst>
+              <a:ext uri="{FF2B5EF4-FFF2-40B4-BE49-F238E27FC236}">
+                <a16:creationId xmlns:a16="http://schemas.microsoft.com/office/drawing/2014/main" id="{A31DA540-E376-42CB-BF43-AF1957682A73}"/>
+              </a:ext>
+            </a:extLst>
+          </p:cNvPr>
+          <p:cNvSpPr>
+            <a:spLocks noGrp="1"/>
+          </p:cNvSpPr>
+          <p:nvPr>
+            <p:ph type="title"/>
+          </p:nvPr>
+        </p:nvSpPr>
+        <p:spPr>
+          <a:xfrm>
+            <a:off x="782958" y="2301959"/>
+            <a:ext cx="10626083" cy="2254082"/>
+          </a:xfrm>
+        </p:spPr>
+        <p:txBody>
+          <a:bodyPr/>
+          <a:lstStyle/>
+          <a:p>
+            <a:pPr algn="ctr"/>
+            <a:r>
+              <a:rPr lang="en-US" sz="8800" b="1" dirty="0"/>
+              <a:t>Activity Diagram </a:t>
+            </a:r>
+            <a:br>
+              <a:rPr lang="en-US" sz="8800" b="1" dirty="0"/>
+            </a:br>
+            <a:r>
+              <a:rPr lang="en-US" sz="8800" b="1" dirty="0"/>
+              <a:t>Employee master</a:t>
+            </a:r>
+            <a:br>
+              <a:rPr lang="en-US" sz="8800" b="1" dirty="0"/>
+            </a:br>
+            <a:endParaRPr lang="en-US" sz="8800" b="1" dirty="0"/>
+          </a:p>
+        </p:txBody>
+      </p:sp>
+      <p:sp>
+        <p:nvSpPr>
+          <p:cNvPr id="4" name="Slide Number Placeholder 3">
+            <a:extLst>
+              <a:ext uri="{FF2B5EF4-FFF2-40B4-BE49-F238E27FC236}">
+                <a16:creationId xmlns:a16="http://schemas.microsoft.com/office/drawing/2014/main" id="{C4B025A2-3773-4B62-9AE0-D45841D6DEDB}"/>
+              </a:ext>
+            </a:extLst>
+          </p:cNvPr>
+          <p:cNvSpPr>
+            <a:spLocks noGrp="1"/>
+          </p:cNvSpPr>
+          <p:nvPr>
+            <p:ph type="sldNum" sz="quarter" idx="12"/>
+          </p:nvPr>
+        </p:nvSpPr>
+        <p:spPr/>
+        <p:txBody>
+          <a:bodyPr/>
+          <a:lstStyle/>
+          <a:p>
+            <a:fld id="{856BCB40-DA03-48F7-A2D3-509646EF08FA}" type="slidenum">
+              <a:rPr lang="en-US" smtClean="0"/>
+              <a:t>15</a:t>
+            </a:fld>
+            <a:endParaRPr lang="en-US"/>
+          </a:p>
+        </p:txBody>
+      </p:sp>
+    </p:spTree>
+    <p:extLst>
+      <p:ext uri="{BB962C8B-B14F-4D97-AF65-F5344CB8AC3E}">
+        <p14:creationId xmlns:p14="http://schemas.microsoft.com/office/powerpoint/2010/main" val="3501775552"/>
+      </p:ext>
+    </p:extLst>
+  </p:cSld>
+  <p:clrMapOvr>
+    <a:masterClrMapping/>
+  </p:clrMapOvr>
+</p:sld>
+</file>
+
+<file path=ppt/slides/slide16.xml><?xml version="1.0" encoding="utf-8"?>
+<p:sld xmlns:a="http://schemas.openxmlformats.org/drawingml/2006/main" xmlns:r="http://schemas.openxmlformats.org/officeDocument/2006/relationships" xmlns:p="http://schemas.openxmlformats.org/presentationml/2006/main">
+  <p:cSld>
+    <p:spTree>
+      <p:nvGrpSpPr>
+        <p:cNvPr id="1" name=""/>
+        <p:cNvGrpSpPr/>
+        <p:nvPr/>
+      </p:nvGrpSpPr>
+      <p:grpSpPr>
+        <a:xfrm>
+          <a:off x="0" y="0"/>
+          <a:ext cx="0" cy="0"/>
+          <a:chOff x="0" y="0"/>
+          <a:chExt cx="0" cy="0"/>
+        </a:xfrm>
+      </p:grpSpPr>
+      <p:sp>
+        <p:nvSpPr>
           <p:cNvPr id="4" name="Slide Number Placeholder 3">
             <a:extLst>
               <a:ext uri="{FF2B5EF4-FFF2-40B4-BE49-F238E27FC236}">
@@ -7495,7 +7629,7 @@
           <a:p>
             <a:fld id="{856BCB40-DA03-48F7-A2D3-509646EF08FA}" type="slidenum">
               <a:rPr lang="en-US" smtClean="0"/>
-              <a:t>15</a:t>
+              <a:t>16</a:t>
             </a:fld>
             <a:endParaRPr lang="en-US"/>
           </a:p>
@@ -7544,140 +7678,6 @@
 </p:sld>
 </file>
 
-<file path=ppt/slides/slide16.xml><?xml version="1.0" encoding="utf-8"?>
-<p:sld xmlns:a="http://schemas.openxmlformats.org/drawingml/2006/main" xmlns:r="http://schemas.openxmlformats.org/officeDocument/2006/relationships" xmlns:p="http://schemas.openxmlformats.org/presentationml/2006/main">
-  <p:cSld>
-    <p:spTree>
-      <p:nvGrpSpPr>
-        <p:cNvPr id="1" name=""/>
-        <p:cNvGrpSpPr/>
-        <p:nvPr/>
-      </p:nvGrpSpPr>
-      <p:grpSpPr>
-        <a:xfrm>
-          <a:off x="0" y="0"/>
-          <a:ext cx="0" cy="0"/>
-          <a:chOff x="0" y="0"/>
-          <a:chExt cx="0" cy="0"/>
-        </a:xfrm>
-      </p:grpSpPr>
-      <p:sp>
-        <p:nvSpPr>
-          <p:cNvPr id="4" name="Slide Number Placeholder 3">
-            <a:extLst>
-              <a:ext uri="{FF2B5EF4-FFF2-40B4-BE49-F238E27FC236}">
-                <a16:creationId xmlns:a16="http://schemas.microsoft.com/office/drawing/2014/main" id="{3E17E1F1-C756-4263-9523-1CD31C656259}"/>
-              </a:ext>
-            </a:extLst>
-          </p:cNvPr>
-          <p:cNvSpPr>
-            <a:spLocks noGrp="1"/>
-          </p:cNvSpPr>
-          <p:nvPr>
-            <p:ph type="sldNum" sz="quarter" idx="12"/>
-          </p:nvPr>
-        </p:nvSpPr>
-        <p:spPr/>
-        <p:txBody>
-          <a:bodyPr/>
-          <a:lstStyle/>
-          <a:p>
-            <a:fld id="{856BCB40-DA03-48F7-A2D3-509646EF08FA}" type="slidenum">
-              <a:rPr lang="en-US" smtClean="0"/>
-              <a:t>16</a:t>
-            </a:fld>
-            <a:endParaRPr lang="en-US"/>
-          </a:p>
-        </p:txBody>
-      </p:sp>
-      <p:pic>
-        <p:nvPicPr>
-          <p:cNvPr id="6" name="Picture 5">
-            <a:extLst>
-              <a:ext uri="{FF2B5EF4-FFF2-40B4-BE49-F238E27FC236}">
-                <a16:creationId xmlns:a16="http://schemas.microsoft.com/office/drawing/2014/main" id="{E8C86CF7-DCF8-43B9-A7CB-F0E03E8289B1}"/>
-              </a:ext>
-            </a:extLst>
-          </p:cNvPr>
-          <p:cNvPicPr>
-            <a:picLocks noChangeAspect="1"/>
-          </p:cNvPicPr>
-          <p:nvPr/>
-        </p:nvPicPr>
-        <p:blipFill>
-          <a:blip r:embed="rId2"/>
-          <a:stretch>
-            <a:fillRect/>
-          </a:stretch>
-        </p:blipFill>
-        <p:spPr>
-          <a:xfrm>
-            <a:off x="0" y="1270744"/>
-            <a:ext cx="12192000" cy="5587256"/>
-          </a:xfrm>
-          <a:prstGeom prst="rect">
-            <a:avLst/>
-          </a:prstGeom>
-        </p:spPr>
-      </p:pic>
-      <p:sp>
-        <p:nvSpPr>
-          <p:cNvPr id="7" name="Title 1">
-            <a:extLst>
-              <a:ext uri="{FF2B5EF4-FFF2-40B4-BE49-F238E27FC236}">
-                <a16:creationId xmlns:a16="http://schemas.microsoft.com/office/drawing/2014/main" id="{B1EDFCA7-4935-4B01-AB7E-2D76D03B0BEF}"/>
-              </a:ext>
-            </a:extLst>
-          </p:cNvPr>
-          <p:cNvSpPr>
-            <a:spLocks noGrp="1"/>
-          </p:cNvSpPr>
-          <p:nvPr>
-            <p:ph type="title"/>
-          </p:nvPr>
-        </p:nvSpPr>
-        <p:spPr>
-          <a:xfrm>
-            <a:off x="782958" y="143703"/>
-            <a:ext cx="10626083" cy="2254082"/>
-          </a:xfrm>
-        </p:spPr>
-        <p:txBody>
-          <a:bodyPr/>
-          <a:lstStyle/>
-          <a:p>
-            <a:pPr algn="ctr"/>
-            <a:r>
-              <a:rPr lang="en-US" sz="3600" b="1" dirty="0"/>
-              <a:t>User Interface</a:t>
-            </a:r>
-            <a:br>
-              <a:rPr lang="en-US" sz="3600" b="1" dirty="0"/>
-            </a:br>
-            <a:r>
-              <a:rPr lang="en-US" sz="3600" b="1" dirty="0"/>
-              <a:t>Employee master</a:t>
-            </a:r>
-            <a:br>
-              <a:rPr lang="en-US" sz="3600" b="1" dirty="0"/>
-            </a:br>
-            <a:endParaRPr lang="en-US" sz="3600" b="1" dirty="0"/>
-          </a:p>
-        </p:txBody>
-      </p:sp>
-    </p:spTree>
-    <p:extLst>
-      <p:ext uri="{BB962C8B-B14F-4D97-AF65-F5344CB8AC3E}">
-        <p14:creationId xmlns:p14="http://schemas.microsoft.com/office/powerpoint/2010/main" val="82181572"/>
-      </p:ext>
-    </p:extLst>
-  </p:cSld>
-  <p:clrMapOvr>
-    <a:masterClrMapping/>
-  </p:clrMapOvr>
-</p:sld>
-</file>
-
 <file path=ppt/slides/slide17.xml><?xml version="1.0" encoding="utf-8"?>
 <p:sld xmlns:a="http://schemas.openxmlformats.org/drawingml/2006/main" xmlns:r="http://schemas.openxmlformats.org/officeDocument/2006/relationships" xmlns:p="http://schemas.openxmlformats.org/presentationml/2006/main">
   <p:cSld>
@@ -7697,51 +7697,10 @@
       </p:grpSpPr>
       <p:sp>
         <p:nvSpPr>
-          <p:cNvPr id="2" name="Title 1">
-            <a:extLst>
-              <a:ext uri="{FF2B5EF4-FFF2-40B4-BE49-F238E27FC236}">
-                <a16:creationId xmlns:a16="http://schemas.microsoft.com/office/drawing/2014/main" id="{89E05A28-06C8-49A2-A759-6124FBE09FB0}"/>
-              </a:ext>
-            </a:extLst>
-          </p:cNvPr>
-          <p:cNvSpPr>
-            <a:spLocks noGrp="1"/>
-          </p:cNvSpPr>
-          <p:nvPr>
-            <p:ph type="title"/>
-          </p:nvPr>
-        </p:nvSpPr>
-        <p:spPr>
-          <a:xfrm>
-            <a:off x="491411" y="2028470"/>
-            <a:ext cx="11209178" cy="1400530"/>
-          </a:xfrm>
-        </p:spPr>
-        <p:txBody>
-          <a:bodyPr/>
-          <a:lstStyle/>
-          <a:p>
-            <a:pPr algn="ctr"/>
-            <a:r>
-              <a:rPr lang="en-US" sz="8800" b="1" dirty="0">
-                <a:solidFill>
-                  <a:schemeClr val="accent3">
-                    <a:lumMod val="60000"/>
-                    <a:lumOff val="40000"/>
-                  </a:schemeClr>
-                </a:solidFill>
-              </a:rPr>
-              <a:t>NEW EMPLOYEE MASTER</a:t>
-            </a:r>
-          </a:p>
-        </p:txBody>
-      </p:sp>
-      <p:sp>
-        <p:nvSpPr>
           <p:cNvPr id="4" name="Slide Number Placeholder 3">
             <a:extLst>
               <a:ext uri="{FF2B5EF4-FFF2-40B4-BE49-F238E27FC236}">
-                <a16:creationId xmlns:a16="http://schemas.microsoft.com/office/drawing/2014/main" id="{D1B85F67-A45C-4FC7-B75D-DFF096FEE71B}"/>
+                <a16:creationId xmlns:a16="http://schemas.microsoft.com/office/drawing/2014/main" id="{3E17E1F1-C756-4263-9523-1CD31C656259}"/>
               </a:ext>
             </a:extLst>
           </p:cNvPr>
@@ -7765,10 +7724,85 @@
           </a:p>
         </p:txBody>
       </p:sp>
+      <p:sp>
+        <p:nvSpPr>
+          <p:cNvPr id="7" name="Title 1">
+            <a:extLst>
+              <a:ext uri="{FF2B5EF4-FFF2-40B4-BE49-F238E27FC236}">
+                <a16:creationId xmlns:a16="http://schemas.microsoft.com/office/drawing/2014/main" id="{B1EDFCA7-4935-4B01-AB7E-2D76D03B0BEF}"/>
+              </a:ext>
+            </a:extLst>
+          </p:cNvPr>
+          <p:cNvSpPr>
+            <a:spLocks noGrp="1"/>
+          </p:cNvSpPr>
+          <p:nvPr>
+            <p:ph type="title"/>
+          </p:nvPr>
+        </p:nvSpPr>
+        <p:spPr>
+          <a:xfrm>
+            <a:off x="782958" y="143703"/>
+            <a:ext cx="10626083" cy="2254082"/>
+          </a:xfrm>
+        </p:spPr>
+        <p:txBody>
+          <a:bodyPr/>
+          <a:lstStyle/>
+          <a:p>
+            <a:pPr algn="ctr"/>
+            <a:r>
+              <a:rPr lang="en-US" sz="3600" b="1" dirty="0"/>
+              <a:t>User Interface</a:t>
+            </a:r>
+            <a:br>
+              <a:rPr lang="en-US" sz="3600" b="1" dirty="0"/>
+            </a:br>
+            <a:r>
+              <a:rPr lang="en-US" sz="3600" b="1" dirty="0"/>
+              <a:t>Employee master</a:t>
+            </a:r>
+            <a:br>
+              <a:rPr lang="en-US" sz="3600" b="1" dirty="0"/>
+            </a:br>
+            <a:endParaRPr lang="en-US" sz="3600" b="1" dirty="0"/>
+          </a:p>
+        </p:txBody>
+      </p:sp>
+      <p:pic>
+        <p:nvPicPr>
+          <p:cNvPr id="3" name="Picture 2">
+            <a:extLst>
+              <a:ext uri="{FF2B5EF4-FFF2-40B4-BE49-F238E27FC236}">
+                <a16:creationId xmlns:a16="http://schemas.microsoft.com/office/drawing/2014/main" id="{C1016A4D-5E08-4763-B9D6-416785AFF353}"/>
+              </a:ext>
+            </a:extLst>
+          </p:cNvPr>
+          <p:cNvPicPr>
+            <a:picLocks noChangeAspect="1"/>
+          </p:cNvPicPr>
+          <p:nvPr/>
+        </p:nvPicPr>
+        <p:blipFill>
+          <a:blip r:embed="rId2"/>
+          <a:stretch>
+            <a:fillRect/>
+          </a:stretch>
+        </p:blipFill>
+        <p:spPr>
+          <a:xfrm>
+            <a:off x="0" y="1319425"/>
+            <a:ext cx="12192000" cy="5538575"/>
+          </a:xfrm>
+          <a:prstGeom prst="rect">
+            <a:avLst/>
+          </a:prstGeom>
+        </p:spPr>
+      </p:pic>
     </p:spTree>
     <p:extLst>
       <p:ext uri="{BB962C8B-B14F-4D97-AF65-F5344CB8AC3E}">
-        <p14:creationId xmlns:p14="http://schemas.microsoft.com/office/powerpoint/2010/main" val="3251965380"/>
+        <p14:creationId xmlns:p14="http://schemas.microsoft.com/office/powerpoint/2010/main" val="82181572"/>
       </p:ext>
     </p:extLst>
   </p:cSld>
@@ -7797,6 +7831,106 @@
       </p:grpSpPr>
       <p:sp>
         <p:nvSpPr>
+          <p:cNvPr id="2" name="Title 1">
+            <a:extLst>
+              <a:ext uri="{FF2B5EF4-FFF2-40B4-BE49-F238E27FC236}">
+                <a16:creationId xmlns:a16="http://schemas.microsoft.com/office/drawing/2014/main" id="{89E05A28-06C8-49A2-A759-6124FBE09FB0}"/>
+              </a:ext>
+            </a:extLst>
+          </p:cNvPr>
+          <p:cNvSpPr>
+            <a:spLocks noGrp="1"/>
+          </p:cNvSpPr>
+          <p:nvPr>
+            <p:ph type="title"/>
+          </p:nvPr>
+        </p:nvSpPr>
+        <p:spPr>
+          <a:xfrm>
+            <a:off x="491411" y="2028470"/>
+            <a:ext cx="11209178" cy="1400530"/>
+          </a:xfrm>
+        </p:spPr>
+        <p:txBody>
+          <a:bodyPr/>
+          <a:lstStyle/>
+          <a:p>
+            <a:pPr algn="ctr"/>
+            <a:r>
+              <a:rPr lang="en-US" sz="8800" b="1" dirty="0">
+                <a:solidFill>
+                  <a:schemeClr val="accent3">
+                    <a:lumMod val="60000"/>
+                    <a:lumOff val="40000"/>
+                  </a:schemeClr>
+                </a:solidFill>
+              </a:rPr>
+              <a:t>NEW EMPLOYEE MASTER</a:t>
+            </a:r>
+          </a:p>
+        </p:txBody>
+      </p:sp>
+      <p:sp>
+        <p:nvSpPr>
+          <p:cNvPr id="4" name="Slide Number Placeholder 3">
+            <a:extLst>
+              <a:ext uri="{FF2B5EF4-FFF2-40B4-BE49-F238E27FC236}">
+                <a16:creationId xmlns:a16="http://schemas.microsoft.com/office/drawing/2014/main" id="{D1B85F67-A45C-4FC7-B75D-DFF096FEE71B}"/>
+              </a:ext>
+            </a:extLst>
+          </p:cNvPr>
+          <p:cNvSpPr>
+            <a:spLocks noGrp="1"/>
+          </p:cNvSpPr>
+          <p:nvPr>
+            <p:ph type="sldNum" sz="quarter" idx="12"/>
+          </p:nvPr>
+        </p:nvSpPr>
+        <p:spPr/>
+        <p:txBody>
+          <a:bodyPr/>
+          <a:lstStyle/>
+          <a:p>
+            <a:fld id="{856BCB40-DA03-48F7-A2D3-509646EF08FA}" type="slidenum">
+              <a:rPr lang="en-US" smtClean="0"/>
+              <a:t>18</a:t>
+            </a:fld>
+            <a:endParaRPr lang="en-US"/>
+          </a:p>
+        </p:txBody>
+      </p:sp>
+    </p:spTree>
+    <p:extLst>
+      <p:ext uri="{BB962C8B-B14F-4D97-AF65-F5344CB8AC3E}">
+        <p14:creationId xmlns:p14="http://schemas.microsoft.com/office/powerpoint/2010/main" val="3251965380"/>
+      </p:ext>
+    </p:extLst>
+  </p:cSld>
+  <p:clrMapOvr>
+    <a:masterClrMapping/>
+  </p:clrMapOvr>
+</p:sld>
+</file>
+
+<file path=ppt/slides/slide19.xml><?xml version="1.0" encoding="utf-8"?>
+<p:sld xmlns:a="http://schemas.openxmlformats.org/drawingml/2006/main" xmlns:r="http://schemas.openxmlformats.org/officeDocument/2006/relationships" xmlns:p="http://schemas.openxmlformats.org/presentationml/2006/main">
+  <p:cSld>
+    <p:spTree>
+      <p:nvGrpSpPr>
+        <p:cNvPr id="1" name=""/>
+        <p:cNvGrpSpPr/>
+        <p:nvPr/>
+      </p:nvGrpSpPr>
+      <p:grpSpPr>
+        <a:xfrm>
+          <a:off x="0" y="0"/>
+          <a:ext cx="0" cy="0"/>
+          <a:chOff x="0" y="0"/>
+          <a:chExt cx="0" cy="0"/>
+        </a:xfrm>
+      </p:grpSpPr>
+      <p:sp>
+        <p:nvSpPr>
           <p:cNvPr id="4" name="Slide Number Placeholder 3">
             <a:extLst>
               <a:ext uri="{FF2B5EF4-FFF2-40B4-BE49-F238E27FC236}">
@@ -7818,7 +7952,7 @@
           <a:p>
             <a:fld id="{856BCB40-DA03-48F7-A2D3-509646EF08FA}" type="slidenum">
               <a:rPr lang="en-US" smtClean="0"/>
-              <a:t>18</a:t>
+              <a:t>19</a:t>
             </a:fld>
             <a:endParaRPr lang="en-US"/>
           </a:p>
@@ -7956,7 +8090,7 @@
 </p:sld>
 </file>
 
-<file path=ppt/slides/slide19.xml><?xml version="1.0" encoding="utf-8"?>
+<file path=ppt/slides/slide2.xml><?xml version="1.0" encoding="utf-8"?>
 <p:sld xmlns:a="http://schemas.openxmlformats.org/drawingml/2006/main" xmlns:r="http://schemas.openxmlformats.org/officeDocument/2006/relationships" xmlns:p="http://schemas.openxmlformats.org/presentationml/2006/main">
   <p:cSld>
     <p:spTree>
@@ -7975,6 +8109,673 @@
       </p:grpSpPr>
       <p:sp>
         <p:nvSpPr>
+          <p:cNvPr id="2" name="Title 1">
+            <a:extLst>
+              <a:ext uri="{FF2B5EF4-FFF2-40B4-BE49-F238E27FC236}">
+                <a16:creationId xmlns:a16="http://schemas.microsoft.com/office/drawing/2014/main" id="{46BD51E6-427F-4EC0-9453-5759F413E930}"/>
+              </a:ext>
+            </a:extLst>
+          </p:cNvPr>
+          <p:cNvSpPr>
+            <a:spLocks noGrp="1"/>
+          </p:cNvSpPr>
+          <p:nvPr>
+            <p:ph type="title"/>
+          </p:nvPr>
+        </p:nvSpPr>
+        <p:spPr>
+          <a:xfrm>
+            <a:off x="874220" y="0"/>
+            <a:ext cx="9404723" cy="1400530"/>
+          </a:xfrm>
+        </p:spPr>
+        <p:txBody>
+          <a:bodyPr/>
+          <a:lstStyle/>
+          <a:p>
+            <a:pPr algn="ctr"/>
+            <a:r>
+              <a:rPr lang="th-TH" sz="6000" b="1" dirty="0">
+                <a:solidFill>
+                  <a:schemeClr val="tx1"/>
+                </a:solidFill>
+              </a:rPr>
+              <a:t>สารบัญ</a:t>
+            </a:r>
+            <a:endParaRPr lang="en-US" sz="6000" b="1" dirty="0">
+              <a:solidFill>
+                <a:schemeClr val="tx1"/>
+              </a:solidFill>
+            </a:endParaRPr>
+          </a:p>
+        </p:txBody>
+      </p:sp>
+      <p:sp>
+        <p:nvSpPr>
+          <p:cNvPr id="4" name="Slide Number Placeholder 3">
+            <a:extLst>
+              <a:ext uri="{FF2B5EF4-FFF2-40B4-BE49-F238E27FC236}">
+                <a16:creationId xmlns:a16="http://schemas.microsoft.com/office/drawing/2014/main" id="{ED7D12FF-1022-4B71-A371-C7AF6527D29A}"/>
+              </a:ext>
+            </a:extLst>
+          </p:cNvPr>
+          <p:cNvSpPr>
+            <a:spLocks noGrp="1"/>
+          </p:cNvSpPr>
+          <p:nvPr>
+            <p:ph type="sldNum" sz="quarter" idx="12"/>
+          </p:nvPr>
+        </p:nvSpPr>
+        <p:spPr/>
+        <p:txBody>
+          <a:bodyPr/>
+          <a:lstStyle/>
+          <a:p>
+            <a:fld id="{856BCB40-DA03-48F7-A2D3-509646EF08FA}" type="slidenum">
+              <a:rPr lang="en-US" smtClean="0"/>
+              <a:t>2</a:t>
+            </a:fld>
+            <a:endParaRPr lang="en-US"/>
+          </a:p>
+        </p:txBody>
+      </p:sp>
+      <p:sp>
+        <p:nvSpPr>
+          <p:cNvPr id="5" name="TextBox 4">
+            <a:extLst>
+              <a:ext uri="{FF2B5EF4-FFF2-40B4-BE49-F238E27FC236}">
+                <a16:creationId xmlns:a16="http://schemas.microsoft.com/office/drawing/2014/main" id="{DF5C17F1-6324-4E9D-A228-A1FB18B0C25C}"/>
+              </a:ext>
+            </a:extLst>
+          </p:cNvPr>
+          <p:cNvSpPr txBox="1"/>
+          <p:nvPr/>
+        </p:nvSpPr>
+        <p:spPr>
+          <a:xfrm>
+            <a:off x="587349" y="1151981"/>
+            <a:ext cx="11017301" cy="6494085"/>
+          </a:xfrm>
+          <a:prstGeom prst="rect">
+            <a:avLst/>
+          </a:prstGeom>
+          <a:noFill/>
+        </p:spPr>
+        <p:txBody>
+          <a:bodyPr wrap="square" numCol="2" rtlCol="0">
+            <a:spAutoFit/>
+          </a:bodyPr>
+          <a:lstStyle/>
+          <a:p>
+            <a:pPr marL="342900" indent="-342900" algn="thaiDist">
+              <a:buAutoNum type="arabicPeriod"/>
+            </a:pPr>
+            <a:r>
+              <a:rPr lang="en-US" sz="2400" b="1" dirty="0">
+                <a:latin typeface="+mj-lt"/>
+                <a:hlinkClick r:id="rId2" action="ppaction://hlinksldjump"/>
+              </a:rPr>
+              <a:t>User story</a:t>
+            </a:r>
+            <a:endParaRPr lang="en-US" sz="2400" b="1" dirty="0">
+              <a:latin typeface="+mj-lt"/>
+            </a:endParaRPr>
+          </a:p>
+          <a:p>
+            <a:pPr marL="342900" indent="-342900" algn="thaiDist">
+              <a:buAutoNum type="arabicPeriod"/>
+            </a:pPr>
+            <a:r>
+              <a:rPr lang="en-US" sz="2400" b="1" dirty="0">
+                <a:latin typeface="+mj-lt"/>
+                <a:hlinkClick r:id="rId3" action="ppaction://hlinksldjump"/>
+              </a:rPr>
+              <a:t>Languages</a:t>
+            </a:r>
+            <a:endParaRPr lang="th-TH" sz="2400" b="1" dirty="0">
+              <a:latin typeface="+mj-lt"/>
+            </a:endParaRPr>
+          </a:p>
+          <a:p>
+            <a:pPr marL="342900" indent="-342900" algn="thaiDist">
+              <a:buAutoNum type="arabicPeriod"/>
+            </a:pPr>
+            <a:r>
+              <a:rPr lang="en-US" sz="2400" b="1" dirty="0">
+                <a:latin typeface="+mj-lt"/>
+                <a:hlinkClick r:id="rId4" action="ppaction://hlinksldjump"/>
+              </a:rPr>
+              <a:t>System user case</a:t>
+            </a:r>
+            <a:endParaRPr lang="en-US" sz="2400" b="1" dirty="0">
+              <a:latin typeface="+mj-lt"/>
+            </a:endParaRPr>
+          </a:p>
+          <a:p>
+            <a:pPr marL="914400" lvl="1" indent="-457200" algn="thaiDist">
+              <a:buFont typeface="Arial" panose="020B0604020202020204" pitchFamily="34" charset="0"/>
+              <a:buChar char="•"/>
+            </a:pPr>
+            <a:r>
+              <a:rPr lang="en-US" dirty="0">
+                <a:latin typeface="+mj-lt"/>
+                <a:hlinkClick r:id="rId5" action="ppaction://hlinksldjump"/>
+              </a:rPr>
+              <a:t>System user case for User</a:t>
+            </a:r>
+            <a:endParaRPr lang="en-US" dirty="0">
+              <a:latin typeface="+mj-lt"/>
+            </a:endParaRPr>
+          </a:p>
+          <a:p>
+            <a:pPr marL="914400" lvl="1" indent="-457200" algn="thaiDist">
+              <a:buFont typeface="Arial" panose="020B0604020202020204" pitchFamily="34" charset="0"/>
+              <a:buChar char="•"/>
+            </a:pPr>
+            <a:r>
+              <a:rPr lang="en-US" dirty="0">
+                <a:hlinkClick r:id="rId6" action="ppaction://hlinksldjump"/>
+              </a:rPr>
+              <a:t>System user case for Admin </a:t>
+            </a:r>
+            <a:endParaRPr lang="en-US" dirty="0"/>
+          </a:p>
+          <a:p>
+            <a:pPr marL="914400" lvl="1" indent="-457200" algn="thaiDist">
+              <a:buFont typeface="Arial" panose="020B0604020202020204" pitchFamily="34" charset="0"/>
+              <a:buChar char="•"/>
+            </a:pPr>
+            <a:r>
+              <a:rPr lang="en-US" dirty="0">
+                <a:hlinkClick r:id="rId7" action="ppaction://hlinksldjump"/>
+              </a:rPr>
+              <a:t>System user case for HR</a:t>
+            </a:r>
+            <a:endParaRPr lang="en-US" dirty="0"/>
+          </a:p>
+          <a:p>
+            <a:pPr marL="914400" lvl="1" indent="-457200" algn="thaiDist">
+              <a:buFont typeface="Arial" panose="020B0604020202020204" pitchFamily="34" charset="0"/>
+              <a:buChar char="•"/>
+            </a:pPr>
+            <a:r>
+              <a:rPr lang="en-US" dirty="0">
+                <a:hlinkClick r:id="rId8" action="ppaction://hlinksldjump"/>
+              </a:rPr>
+              <a:t>System user case for Manager</a:t>
+            </a:r>
+            <a:endParaRPr lang="en-US" dirty="0"/>
+          </a:p>
+          <a:p>
+            <a:pPr marL="914400" lvl="1" indent="-457200" algn="thaiDist">
+              <a:buFont typeface="Arial" panose="020B0604020202020204" pitchFamily="34" charset="0"/>
+              <a:buChar char="•"/>
+            </a:pPr>
+            <a:r>
+              <a:rPr lang="en-US" dirty="0">
+                <a:hlinkClick r:id="rId9" action="ppaction://hlinksldjump"/>
+              </a:rPr>
+              <a:t>System user case for Supervisor</a:t>
+            </a:r>
+            <a:endParaRPr lang="en-US" dirty="0"/>
+          </a:p>
+          <a:p>
+            <a:pPr marL="342900" indent="-342900" algn="thaiDist">
+              <a:buFont typeface="+mj-lt"/>
+              <a:buAutoNum type="arabicPeriod"/>
+            </a:pPr>
+            <a:r>
+              <a:rPr lang="en-US" sz="2400" b="1" dirty="0"/>
+              <a:t>EMPLOYEE</a:t>
+            </a:r>
+          </a:p>
+          <a:p>
+            <a:pPr marL="800100" lvl="1" indent="-342900" algn="thaiDist">
+              <a:buFont typeface="Wingdings" panose="05000000000000000000" pitchFamily="2" charset="2"/>
+              <a:buChar char="q"/>
+            </a:pPr>
+            <a:r>
+              <a:rPr lang="en-US" sz="2400" dirty="0">
+                <a:cs typeface="2005_iannnnnDVD" panose="02000000000000000000" pitchFamily="2" charset="0"/>
+                <a:hlinkClick r:id="rId10" action="ppaction://hlinksldjump"/>
+              </a:rPr>
+              <a:t> Employee master</a:t>
+            </a:r>
+            <a:endParaRPr lang="en-US" sz="2400" dirty="0">
+              <a:cs typeface="2005_iannnnnDVD" panose="02000000000000000000" pitchFamily="2" charset="0"/>
+            </a:endParaRPr>
+          </a:p>
+          <a:p>
+            <a:pPr marL="1371600" lvl="2" indent="-457200" algn="thaiDist">
+              <a:buFont typeface="Arial" panose="020B0604020202020204" pitchFamily="34" charset="0"/>
+              <a:buChar char="•"/>
+            </a:pPr>
+            <a:r>
+              <a:rPr lang="en-US" dirty="0">
+                <a:cs typeface="2005_iannnnnDVD" panose="02000000000000000000" pitchFamily="2" charset="0"/>
+                <a:hlinkClick r:id="rId11" action="ppaction://hlinksldjump"/>
+              </a:rPr>
+              <a:t>Class diagram employee</a:t>
+            </a:r>
+            <a:endParaRPr lang="en-US" dirty="0">
+              <a:cs typeface="2005_iannnnnDVD" panose="02000000000000000000" pitchFamily="2" charset="0"/>
+            </a:endParaRPr>
+          </a:p>
+          <a:p>
+            <a:pPr marL="1371600" lvl="2" indent="-457200" algn="thaiDist">
+              <a:buFont typeface="Arial" panose="020B0604020202020204" pitchFamily="34" charset="0"/>
+              <a:buChar char="•"/>
+            </a:pPr>
+            <a:r>
+              <a:rPr lang="en-US" dirty="0">
+                <a:cs typeface="2005_iannnnnDVD" panose="02000000000000000000" pitchFamily="2" charset="0"/>
+                <a:hlinkClick r:id="rId12" action="ppaction://hlinksldjump"/>
+              </a:rPr>
+              <a:t>Activity diagram employee master</a:t>
+            </a:r>
+            <a:endParaRPr lang="en-US" dirty="0">
+              <a:cs typeface="2005_iannnnnDVD" panose="02000000000000000000" pitchFamily="2" charset="0"/>
+            </a:endParaRPr>
+          </a:p>
+          <a:p>
+            <a:pPr marL="1371600" lvl="2" indent="-457200" algn="thaiDist">
+              <a:buFont typeface="Arial" panose="020B0604020202020204" pitchFamily="34" charset="0"/>
+              <a:buChar char="•"/>
+            </a:pPr>
+            <a:r>
+              <a:rPr lang="en-US" dirty="0">
+                <a:cs typeface="2005_iannnnnDVD" panose="02000000000000000000" pitchFamily="2" charset="0"/>
+                <a:hlinkClick r:id="rId13" action="ppaction://hlinksldjump"/>
+              </a:rPr>
+              <a:t>User interface employee master</a:t>
+            </a:r>
+            <a:endParaRPr lang="en-US" dirty="0">
+              <a:cs typeface="2005_iannnnnDVD" panose="02000000000000000000" pitchFamily="2" charset="0"/>
+            </a:endParaRPr>
+          </a:p>
+          <a:p>
+            <a:pPr marL="971550" lvl="1" indent="-514350" algn="thaiDist">
+              <a:buFont typeface="Wingdings" panose="05000000000000000000" pitchFamily="2" charset="2"/>
+              <a:buChar char="q"/>
+            </a:pPr>
+            <a:r>
+              <a:rPr lang="en-US" sz="2400" dirty="0">
+                <a:cs typeface="2005_iannnnnDVD" panose="02000000000000000000" pitchFamily="2" charset="0"/>
+                <a:hlinkClick r:id="rId14" action="ppaction://hlinksldjump"/>
+              </a:rPr>
+              <a:t>New employee master</a:t>
+            </a:r>
+            <a:endParaRPr lang="en-US" sz="2400" dirty="0">
+              <a:cs typeface="2005_iannnnnDVD" panose="02000000000000000000" pitchFamily="2" charset="0"/>
+            </a:endParaRPr>
+          </a:p>
+          <a:p>
+            <a:pPr marL="1371600" lvl="2" indent="-457200">
+              <a:buFont typeface="Arial" panose="020B0604020202020204" pitchFamily="34" charset="0"/>
+              <a:buChar char="•"/>
+            </a:pPr>
+            <a:r>
+              <a:rPr lang="en-US" sz="1600" dirty="0">
+                <a:cs typeface="2005_iannnnnDVD" panose="02000000000000000000" pitchFamily="2" charset="0"/>
+                <a:hlinkClick r:id="rId15" action="ppaction://hlinksldjump"/>
+              </a:rPr>
+              <a:t>Activity diagram new employee master</a:t>
+            </a:r>
+            <a:endParaRPr lang="en-US" sz="1600" dirty="0">
+              <a:cs typeface="2005_iannnnnDVD" panose="02000000000000000000" pitchFamily="2" charset="0"/>
+            </a:endParaRPr>
+          </a:p>
+          <a:p>
+            <a:pPr marL="1371600" lvl="2" indent="-457200">
+              <a:buFont typeface="Arial" panose="020B0604020202020204" pitchFamily="34" charset="0"/>
+              <a:buChar char="•"/>
+            </a:pPr>
+            <a:r>
+              <a:rPr lang="en-US" sz="1600" dirty="0">
+                <a:cs typeface="2005_iannnnnDVD" panose="02000000000000000000" pitchFamily="2" charset="0"/>
+                <a:hlinkClick r:id="rId16" action="ppaction://hlinksldjump"/>
+              </a:rPr>
+              <a:t>User interface new employee master</a:t>
+            </a:r>
+            <a:endParaRPr lang="en-US" sz="1600" dirty="0">
+              <a:cs typeface="2005_iannnnnDVD" panose="02000000000000000000" pitchFamily="2" charset="0"/>
+            </a:endParaRPr>
+          </a:p>
+          <a:p>
+            <a:pPr marL="1371600" lvl="2" indent="-457200">
+              <a:buFont typeface="Arial" panose="020B0604020202020204" pitchFamily="34" charset="0"/>
+              <a:buChar char="•"/>
+            </a:pPr>
+            <a:endParaRPr lang="en-US" dirty="0">
+              <a:cs typeface="2005_iannnnnDVD" panose="02000000000000000000" pitchFamily="2" charset="0"/>
+            </a:endParaRPr>
+          </a:p>
+          <a:p>
+            <a:pPr marL="1371600" lvl="2" indent="-457200">
+              <a:buFont typeface="Arial" panose="020B0604020202020204" pitchFamily="34" charset="0"/>
+              <a:buChar char="•"/>
+            </a:pPr>
+            <a:endParaRPr lang="en-US" dirty="0">
+              <a:cs typeface="2005_iannnnnDVD" panose="02000000000000000000" pitchFamily="2" charset="0"/>
+            </a:endParaRPr>
+          </a:p>
+          <a:p>
+            <a:pPr marL="1371600" lvl="2" indent="-457200">
+              <a:buFont typeface="Arial" panose="020B0604020202020204" pitchFamily="34" charset="0"/>
+              <a:buChar char="•"/>
+            </a:pPr>
+            <a:endParaRPr lang="en-US" dirty="0">
+              <a:cs typeface="2005_iannnnnDVD" panose="02000000000000000000" pitchFamily="2" charset="0"/>
+            </a:endParaRPr>
+          </a:p>
+          <a:p>
+            <a:pPr marL="1371600" lvl="2" indent="-457200">
+              <a:buFont typeface="Arial" panose="020B0604020202020204" pitchFamily="34" charset="0"/>
+              <a:buChar char="•"/>
+            </a:pPr>
+            <a:endParaRPr lang="en-US" dirty="0">
+              <a:cs typeface="2005_iannnnnDVD" panose="02000000000000000000" pitchFamily="2" charset="0"/>
+            </a:endParaRPr>
+          </a:p>
+          <a:p>
+            <a:pPr marL="1371600" lvl="2" indent="-457200">
+              <a:buFont typeface="Arial" panose="020B0604020202020204" pitchFamily="34" charset="0"/>
+              <a:buChar char="•"/>
+            </a:pPr>
+            <a:endParaRPr lang="en-US" dirty="0">
+              <a:cs typeface="2005_iannnnnDVD" panose="02000000000000000000" pitchFamily="2" charset="0"/>
+            </a:endParaRPr>
+          </a:p>
+          <a:p>
+            <a:pPr marL="457200" indent="-457200" algn="thaiDist">
+              <a:buFont typeface="+mj-lt"/>
+              <a:buAutoNum type="arabicPeriod"/>
+            </a:pPr>
+            <a:r>
+              <a:rPr lang="en-US" sz="2400" b="1" dirty="0">
+                <a:cs typeface="2005_iannnnnDVD" panose="02000000000000000000" pitchFamily="2" charset="0"/>
+              </a:rPr>
+              <a:t>ATTENDANCE</a:t>
+            </a:r>
+          </a:p>
+          <a:p>
+            <a:pPr marL="971550" lvl="1" indent="-514350" algn="thaiDist">
+              <a:buFont typeface="Wingdings" panose="05000000000000000000" pitchFamily="2" charset="2"/>
+              <a:buChar char="q"/>
+            </a:pPr>
+            <a:r>
+              <a:rPr lang="en-US" sz="2400" dirty="0">
+                <a:cs typeface="2005_iannnnnDVD" panose="02000000000000000000" pitchFamily="2" charset="0"/>
+                <a:hlinkClick r:id="rId17" action="ppaction://hlinksldjump"/>
+              </a:rPr>
+              <a:t>Attendance</a:t>
+            </a:r>
+            <a:endParaRPr lang="en-US" sz="2400" dirty="0">
+              <a:cs typeface="2005_iannnnnDVD" panose="02000000000000000000" pitchFamily="2" charset="0"/>
+            </a:endParaRPr>
+          </a:p>
+          <a:p>
+            <a:pPr marL="1428750" lvl="2" indent="-514350" algn="thaiDist">
+              <a:buFont typeface="Arial" panose="020B0604020202020204" pitchFamily="34" charset="0"/>
+              <a:buChar char="•"/>
+            </a:pPr>
+            <a:r>
+              <a:rPr lang="en-US" sz="1600" dirty="0">
+                <a:cs typeface="2005_iannnnnDVD" panose="02000000000000000000" pitchFamily="2" charset="0"/>
+                <a:hlinkClick r:id="rId18" action="ppaction://hlinksldjump"/>
+              </a:rPr>
+              <a:t>Class diagram attendance</a:t>
+            </a:r>
+            <a:endParaRPr lang="en-US" sz="1600" dirty="0">
+              <a:cs typeface="2005_iannnnnDVD" panose="02000000000000000000" pitchFamily="2" charset="0"/>
+            </a:endParaRPr>
+          </a:p>
+          <a:p>
+            <a:pPr marL="1428750" lvl="2" indent="-514350">
+              <a:buFont typeface="Arial" panose="020B0604020202020204" pitchFamily="34" charset="0"/>
+              <a:buChar char="•"/>
+            </a:pPr>
+            <a:r>
+              <a:rPr lang="en-US" sz="1600" dirty="0">
+                <a:cs typeface="2005_iannnnnDVD" panose="02000000000000000000" pitchFamily="2" charset="0"/>
+                <a:hlinkClick r:id="rId19" action="ppaction://hlinksldjump"/>
+              </a:rPr>
+              <a:t>Activity diagram attendance</a:t>
+            </a:r>
+            <a:endParaRPr lang="en-US" sz="1600" dirty="0">
+              <a:cs typeface="2005_iannnnnDVD" panose="02000000000000000000" pitchFamily="2" charset="0"/>
+            </a:endParaRPr>
+          </a:p>
+          <a:p>
+            <a:pPr marL="1428750" lvl="2" indent="-514350">
+              <a:buFont typeface="Arial" panose="020B0604020202020204" pitchFamily="34" charset="0"/>
+              <a:buChar char="•"/>
+            </a:pPr>
+            <a:r>
+              <a:rPr lang="en-US" sz="1600" dirty="0">
+                <a:hlinkClick r:id="rId20" action="ppaction://hlinksldjump"/>
+              </a:rPr>
+              <a:t>User interface attendance</a:t>
+            </a:r>
+            <a:endParaRPr lang="en-US" sz="1600" dirty="0"/>
+          </a:p>
+          <a:p>
+            <a:pPr marL="800100" lvl="1" indent="-342900">
+              <a:buFont typeface="Wingdings" panose="05000000000000000000" pitchFamily="2" charset="2"/>
+              <a:buChar char="q"/>
+            </a:pPr>
+            <a:r>
+              <a:rPr lang="en-US" sz="2400" dirty="0"/>
+              <a:t>  </a:t>
+            </a:r>
+            <a:r>
+              <a:rPr lang="en-US" sz="2400" dirty="0">
+                <a:hlinkClick r:id="rId21" action="ppaction://hlinksldjump"/>
+              </a:rPr>
+              <a:t>Data Attendance</a:t>
+            </a:r>
+            <a:endParaRPr lang="en-US" sz="900" dirty="0">
+              <a:cs typeface="2005_iannnnnDVD" panose="02000000000000000000" pitchFamily="2" charset="0"/>
+            </a:endParaRPr>
+          </a:p>
+          <a:p>
+            <a:pPr marL="1428750" lvl="2" indent="-514350" algn="thaiDist">
+              <a:buFont typeface="Arial" panose="020B0604020202020204" pitchFamily="34" charset="0"/>
+              <a:buChar char="•"/>
+            </a:pPr>
+            <a:r>
+              <a:rPr lang="en-US" sz="1600" dirty="0">
+                <a:cs typeface="2005_iannnnnDVD" panose="02000000000000000000" pitchFamily="2" charset="0"/>
+                <a:hlinkClick r:id="rId22" action="ppaction://hlinksldjump"/>
+              </a:rPr>
+              <a:t>Activity diagram data attendance</a:t>
+            </a:r>
+            <a:endParaRPr lang="en-US" sz="1600" dirty="0">
+              <a:cs typeface="2005_iannnnnDVD" panose="02000000000000000000" pitchFamily="2" charset="0"/>
+            </a:endParaRPr>
+          </a:p>
+          <a:p>
+            <a:pPr marL="1428750" lvl="2" indent="-514350" algn="thaiDist">
+              <a:buFont typeface="Arial" panose="020B0604020202020204" pitchFamily="34" charset="0"/>
+              <a:buChar char="•"/>
+            </a:pPr>
+            <a:r>
+              <a:rPr lang="en-US" sz="1600" dirty="0">
+                <a:cs typeface="2005_iannnnnDVD" panose="02000000000000000000" pitchFamily="2" charset="0"/>
+                <a:hlinkClick r:id="rId23" action="ppaction://hlinksldjump"/>
+              </a:rPr>
+              <a:t>User interface data attendance</a:t>
+            </a:r>
+            <a:endParaRPr lang="en-US" sz="1600" dirty="0">
+              <a:cs typeface="2005_iannnnnDVD" panose="02000000000000000000" pitchFamily="2" charset="0"/>
+            </a:endParaRPr>
+          </a:p>
+          <a:p>
+            <a:pPr marL="971550" lvl="1" indent="-514350" algn="thaiDist">
+              <a:buFont typeface="Wingdings" panose="05000000000000000000" pitchFamily="2" charset="2"/>
+              <a:buChar char="q"/>
+            </a:pPr>
+            <a:r>
+              <a:rPr lang="en-US" sz="2400" dirty="0">
+                <a:cs typeface="2005_iannnnnDVD" panose="02000000000000000000" pitchFamily="2" charset="0"/>
+                <a:hlinkClick r:id="rId24" action="ppaction://hlinksldjump"/>
+              </a:rPr>
+              <a:t>Approve by supervisor</a:t>
+            </a:r>
+            <a:endParaRPr lang="en-US" sz="2400" dirty="0">
+              <a:cs typeface="2005_iannnnnDVD" panose="02000000000000000000" pitchFamily="2" charset="0"/>
+            </a:endParaRPr>
+          </a:p>
+          <a:p>
+            <a:pPr marL="1428750" lvl="2" indent="-514350">
+              <a:buFont typeface="Arial" panose="020B0604020202020204" pitchFamily="34" charset="0"/>
+              <a:buChar char="•"/>
+            </a:pPr>
+            <a:r>
+              <a:rPr lang="en-US" sz="1600" dirty="0">
+                <a:cs typeface="2005_iannnnnDVD" panose="02000000000000000000" pitchFamily="2" charset="0"/>
+                <a:hlinkClick r:id="rId25" action="ppaction://hlinksldjump"/>
+              </a:rPr>
+              <a:t>Activity diagram approve by supervisor</a:t>
+            </a:r>
+            <a:endParaRPr lang="en-US" sz="1600" dirty="0">
+              <a:cs typeface="2005_iannnnnDVD" panose="02000000000000000000" pitchFamily="2" charset="0"/>
+            </a:endParaRPr>
+          </a:p>
+          <a:p>
+            <a:pPr marL="1428750" lvl="2" indent="-514350">
+              <a:buFont typeface="Arial" panose="020B0604020202020204" pitchFamily="34" charset="0"/>
+              <a:buChar char="•"/>
+            </a:pPr>
+            <a:r>
+              <a:rPr lang="en-US" sz="1600" dirty="0">
+                <a:cs typeface="2005_iannnnnDVD" panose="02000000000000000000" pitchFamily="2" charset="0"/>
+                <a:hlinkClick r:id="rId26" action="ppaction://hlinksldjump"/>
+              </a:rPr>
+              <a:t>User interface approve by supervisor</a:t>
+            </a:r>
+            <a:endParaRPr lang="en-US" sz="1600" dirty="0">
+              <a:cs typeface="2005_iannnnnDVD" panose="02000000000000000000" pitchFamily="2" charset="0"/>
+            </a:endParaRPr>
+          </a:p>
+          <a:p>
+            <a:pPr marL="971550" lvl="1" indent="-514350">
+              <a:buFont typeface="Wingdings" panose="05000000000000000000" pitchFamily="2" charset="2"/>
+              <a:buChar char="q"/>
+            </a:pPr>
+            <a:r>
+              <a:rPr lang="en-US" sz="2400" dirty="0">
+                <a:cs typeface="2005_iannnnnDVD" panose="02000000000000000000" pitchFamily="2" charset="0"/>
+                <a:hlinkClick r:id="rId27" action="ppaction://hlinksldjump"/>
+              </a:rPr>
+              <a:t>Approve by manager</a:t>
+            </a:r>
+            <a:endParaRPr lang="en-US" sz="2400" dirty="0">
+              <a:cs typeface="2005_iannnnnDVD" panose="02000000000000000000" pitchFamily="2" charset="0"/>
+            </a:endParaRPr>
+          </a:p>
+          <a:p>
+            <a:pPr marL="1428750" lvl="2" indent="-514350">
+              <a:buFont typeface="Arial" panose="020B0604020202020204" pitchFamily="34" charset="0"/>
+              <a:buChar char="•"/>
+            </a:pPr>
+            <a:r>
+              <a:rPr lang="en-US" sz="1600" dirty="0">
+                <a:cs typeface="2005_iannnnnDVD" panose="02000000000000000000" pitchFamily="2" charset="0"/>
+                <a:hlinkClick r:id="rId28" action="ppaction://hlinksldjump"/>
+              </a:rPr>
+              <a:t>Activity diagram approve by manager</a:t>
+            </a:r>
+            <a:endParaRPr lang="en-US" sz="1600" dirty="0">
+              <a:cs typeface="2005_iannnnnDVD" panose="02000000000000000000" pitchFamily="2" charset="0"/>
+            </a:endParaRPr>
+          </a:p>
+          <a:p>
+            <a:pPr marL="1428750" lvl="2" indent="-514350">
+              <a:buFont typeface="Arial" panose="020B0604020202020204" pitchFamily="34" charset="0"/>
+              <a:buChar char="•"/>
+            </a:pPr>
+            <a:r>
+              <a:rPr lang="en-US" sz="1600" dirty="0">
+                <a:cs typeface="2005_iannnnnDVD" panose="02000000000000000000" pitchFamily="2" charset="0"/>
+                <a:hlinkClick r:id="rId29" action="ppaction://hlinksldjump"/>
+              </a:rPr>
+              <a:t>User interface approve by manager</a:t>
+            </a:r>
+            <a:endParaRPr lang="en-US" sz="1600" dirty="0">
+              <a:cs typeface="2005_iannnnnDVD" panose="02000000000000000000" pitchFamily="2" charset="0"/>
+            </a:endParaRPr>
+          </a:p>
+          <a:p>
+            <a:pPr marL="1428750" lvl="2" indent="-514350">
+              <a:buFont typeface="Arial" panose="020B0604020202020204" pitchFamily="34" charset="0"/>
+              <a:buChar char="•"/>
+            </a:pPr>
+            <a:endParaRPr lang="en-US" sz="1600" dirty="0">
+              <a:cs typeface="2005_iannnnnDVD" panose="02000000000000000000" pitchFamily="2" charset="0"/>
+            </a:endParaRPr>
+          </a:p>
+          <a:p>
+            <a:pPr marL="1428750" lvl="2" indent="-514350">
+              <a:buFont typeface="Arial" panose="020B0604020202020204" pitchFamily="34" charset="0"/>
+              <a:buChar char="•"/>
+            </a:pPr>
+            <a:endParaRPr lang="en-US" sz="1600" dirty="0">
+              <a:cs typeface="2005_iannnnnDVD" panose="02000000000000000000" pitchFamily="2" charset="0"/>
+            </a:endParaRPr>
+          </a:p>
+          <a:p>
+            <a:pPr marL="1428750" lvl="2" indent="-514350">
+              <a:buFont typeface="Arial" panose="020B0604020202020204" pitchFamily="34" charset="0"/>
+              <a:buChar char="•"/>
+            </a:pPr>
+            <a:endParaRPr lang="en-US" sz="1600" dirty="0">
+              <a:cs typeface="2005_iannnnnDVD" panose="02000000000000000000" pitchFamily="2" charset="0"/>
+            </a:endParaRPr>
+          </a:p>
+          <a:p>
+            <a:pPr marL="1428750" lvl="2" indent="-514350">
+              <a:buFont typeface="Arial" panose="020B0604020202020204" pitchFamily="34" charset="0"/>
+              <a:buChar char="•"/>
+            </a:pPr>
+            <a:endParaRPr lang="en-US" sz="1600" dirty="0">
+              <a:cs typeface="2005_iannnnnDVD" panose="02000000000000000000" pitchFamily="2" charset="0"/>
+            </a:endParaRPr>
+          </a:p>
+        </p:txBody>
+      </p:sp>
+    </p:spTree>
+    <p:extLst>
+      <p:ext uri="{BB962C8B-B14F-4D97-AF65-F5344CB8AC3E}">
+        <p14:creationId xmlns:p14="http://schemas.microsoft.com/office/powerpoint/2010/main" val="1246468569"/>
+      </p:ext>
+    </p:extLst>
+  </p:cSld>
+  <p:clrMapOvr>
+    <a:masterClrMapping/>
+  </p:clrMapOvr>
+</p:sld>
+</file>
+
+<file path=ppt/slides/slide20.xml><?xml version="1.0" encoding="utf-8"?>
+<p:sld xmlns:a="http://schemas.openxmlformats.org/drawingml/2006/main" xmlns:r="http://schemas.openxmlformats.org/officeDocument/2006/relationships" xmlns:p="http://schemas.openxmlformats.org/presentationml/2006/main">
+  <p:cSld>
+    <p:spTree>
+      <p:nvGrpSpPr>
+        <p:cNvPr id="1" name=""/>
+        <p:cNvGrpSpPr/>
+        <p:nvPr/>
+      </p:nvGrpSpPr>
+      <p:grpSpPr>
+        <a:xfrm>
+          <a:off x="0" y="0"/>
+          <a:ext cx="0" cy="0"/>
+          <a:chOff x="0" y="0"/>
+          <a:chExt cx="0" cy="0"/>
+        </a:xfrm>
+      </p:grpSpPr>
+      <p:sp>
+        <p:nvSpPr>
           <p:cNvPr id="4" name="Slide Number Placeholder 3">
             <a:extLst>
               <a:ext uri="{FF2B5EF4-FFF2-40B4-BE49-F238E27FC236}">
@@ -7996,7 +8797,7 @@
           <a:p>
             <a:fld id="{856BCB40-DA03-48F7-A2D3-509646EF08FA}" type="slidenum">
               <a:rPr lang="en-US" smtClean="0"/>
-              <a:t>19</a:t>
+              <a:t>20</a:t>
             </a:fld>
             <a:endParaRPr lang="en-US"/>
           </a:p>
@@ -8045,855 +8846,6 @@
 </p:sld>
 </file>
 
-<file path=ppt/slides/slide2.xml><?xml version="1.0" encoding="utf-8"?>
-<p:sld xmlns:a="http://schemas.openxmlformats.org/drawingml/2006/main" xmlns:r="http://schemas.openxmlformats.org/officeDocument/2006/relationships" xmlns:p="http://schemas.openxmlformats.org/presentationml/2006/main">
-  <p:cSld>
-    <p:spTree>
-      <p:nvGrpSpPr>
-        <p:cNvPr id="1" name=""/>
-        <p:cNvGrpSpPr/>
-        <p:nvPr/>
-      </p:nvGrpSpPr>
-      <p:grpSpPr>
-        <a:xfrm>
-          <a:off x="0" y="0"/>
-          <a:ext cx="0" cy="0"/>
-          <a:chOff x="0" y="0"/>
-          <a:chExt cx="0" cy="0"/>
-        </a:xfrm>
-      </p:grpSpPr>
-      <p:sp>
-        <p:nvSpPr>
-          <p:cNvPr id="2" name="Title 1">
-            <a:extLst>
-              <a:ext uri="{FF2B5EF4-FFF2-40B4-BE49-F238E27FC236}">
-                <a16:creationId xmlns:a16="http://schemas.microsoft.com/office/drawing/2014/main" id="{46BD51E6-427F-4EC0-9453-5759F413E930}"/>
-              </a:ext>
-            </a:extLst>
-          </p:cNvPr>
-          <p:cNvSpPr>
-            <a:spLocks noGrp="1"/>
-          </p:cNvSpPr>
-          <p:nvPr>
-            <p:ph type="title"/>
-          </p:nvPr>
-        </p:nvSpPr>
-        <p:spPr>
-          <a:xfrm>
-            <a:off x="874220" y="0"/>
-            <a:ext cx="9404723" cy="1400530"/>
-          </a:xfrm>
-        </p:spPr>
-        <p:txBody>
-          <a:bodyPr/>
-          <a:lstStyle/>
-          <a:p>
-            <a:pPr algn="ctr"/>
-            <a:r>
-              <a:rPr lang="th-TH" sz="6000" b="1" dirty="0">
-                <a:solidFill>
-                  <a:schemeClr val="tx1"/>
-                </a:solidFill>
-              </a:rPr>
-              <a:t>สารบัญ</a:t>
-            </a:r>
-            <a:endParaRPr lang="en-US" sz="6000" b="1" dirty="0">
-              <a:solidFill>
-                <a:schemeClr val="tx1"/>
-              </a:solidFill>
-            </a:endParaRPr>
-          </a:p>
-        </p:txBody>
-      </p:sp>
-      <p:sp>
-        <p:nvSpPr>
-          <p:cNvPr id="4" name="Slide Number Placeholder 3">
-            <a:extLst>
-              <a:ext uri="{FF2B5EF4-FFF2-40B4-BE49-F238E27FC236}">
-                <a16:creationId xmlns:a16="http://schemas.microsoft.com/office/drawing/2014/main" id="{ED7D12FF-1022-4B71-A371-C7AF6527D29A}"/>
-              </a:ext>
-            </a:extLst>
-          </p:cNvPr>
-          <p:cNvSpPr>
-            <a:spLocks noGrp="1"/>
-          </p:cNvSpPr>
-          <p:nvPr>
-            <p:ph type="sldNum" sz="quarter" idx="12"/>
-          </p:nvPr>
-        </p:nvSpPr>
-        <p:spPr/>
-        <p:txBody>
-          <a:bodyPr/>
-          <a:lstStyle/>
-          <a:p>
-            <a:fld id="{856BCB40-DA03-48F7-A2D3-509646EF08FA}" type="slidenum">
-              <a:rPr lang="en-US" smtClean="0"/>
-              <a:t>2</a:t>
-            </a:fld>
-            <a:endParaRPr lang="en-US"/>
-          </a:p>
-        </p:txBody>
-      </p:sp>
-      <p:sp>
-        <p:nvSpPr>
-          <p:cNvPr id="5" name="TextBox 4">
-            <a:extLst>
-              <a:ext uri="{FF2B5EF4-FFF2-40B4-BE49-F238E27FC236}">
-                <a16:creationId xmlns:a16="http://schemas.microsoft.com/office/drawing/2014/main" id="{DF5C17F1-6324-4E9D-A228-A1FB18B0C25C}"/>
-              </a:ext>
-            </a:extLst>
-          </p:cNvPr>
-          <p:cNvSpPr txBox="1"/>
-          <p:nvPr/>
-        </p:nvSpPr>
-        <p:spPr>
-          <a:xfrm>
-            <a:off x="587349" y="1151981"/>
-            <a:ext cx="11017301" cy="6494085"/>
-          </a:xfrm>
-          <a:prstGeom prst="rect">
-            <a:avLst/>
-          </a:prstGeom>
-          <a:noFill/>
-        </p:spPr>
-        <p:txBody>
-          <a:bodyPr wrap="square" numCol="2" rtlCol="0">
-            <a:spAutoFit/>
-          </a:bodyPr>
-          <a:lstStyle/>
-          <a:p>
-            <a:pPr marL="342900" indent="-342900" algn="thaiDist">
-              <a:buAutoNum type="arabicPeriod"/>
-            </a:pPr>
-            <a:r>
-              <a:rPr lang="en-US" sz="2400" b="1" dirty="0">
-                <a:latin typeface="+mj-lt"/>
-                <a:hlinkClick r:id="rId2" action="ppaction://hlinksldjump"/>
-              </a:rPr>
-              <a:t>User story</a:t>
-            </a:r>
-            <a:endParaRPr lang="en-US" sz="2400" b="1" dirty="0">
-              <a:latin typeface="+mj-lt"/>
-            </a:endParaRPr>
-          </a:p>
-          <a:p>
-            <a:pPr marL="342900" indent="-342900" algn="thaiDist">
-              <a:buAutoNum type="arabicPeriod"/>
-            </a:pPr>
-            <a:r>
-              <a:rPr lang="en-US" sz="2400" b="1" dirty="0">
-                <a:latin typeface="+mj-lt"/>
-                <a:hlinkClick r:id="rId3" action="ppaction://hlinksldjump"/>
-              </a:rPr>
-              <a:t>Languages</a:t>
-            </a:r>
-            <a:endParaRPr lang="th-TH" sz="2400" b="1" dirty="0">
-              <a:latin typeface="+mj-lt"/>
-            </a:endParaRPr>
-          </a:p>
-          <a:p>
-            <a:pPr marL="342900" indent="-342900" algn="thaiDist">
-              <a:buAutoNum type="arabicPeriod"/>
-            </a:pPr>
-            <a:r>
-              <a:rPr lang="en-US" sz="2400" b="1" dirty="0">
-                <a:latin typeface="+mj-lt"/>
-                <a:hlinkClick r:id="rId4" action="ppaction://hlinksldjump"/>
-              </a:rPr>
-              <a:t>System user case</a:t>
-            </a:r>
-            <a:endParaRPr lang="en-US" sz="2400" b="1" dirty="0">
-              <a:latin typeface="+mj-lt"/>
-            </a:endParaRPr>
-          </a:p>
-          <a:p>
-            <a:pPr marL="914400" lvl="1" indent="-457200" algn="thaiDist">
-              <a:buFont typeface="Arial" panose="020B0604020202020204" pitchFamily="34" charset="0"/>
-              <a:buChar char="•"/>
-            </a:pPr>
-            <a:r>
-              <a:rPr lang="en-US" dirty="0">
-                <a:latin typeface="+mj-lt"/>
-                <a:hlinkClick r:id="rId5" action="ppaction://hlinksldjump"/>
-              </a:rPr>
-              <a:t>System user case for User</a:t>
-            </a:r>
-            <a:endParaRPr lang="en-US" dirty="0">
-              <a:latin typeface="+mj-lt"/>
-            </a:endParaRPr>
-          </a:p>
-          <a:p>
-            <a:pPr marL="914400" lvl="1" indent="-457200" algn="thaiDist">
-              <a:buFont typeface="Arial" panose="020B0604020202020204" pitchFamily="34" charset="0"/>
-              <a:buChar char="•"/>
-            </a:pPr>
-            <a:r>
-              <a:rPr lang="en-US" dirty="0">
-                <a:hlinkClick r:id="rId6" action="ppaction://hlinksldjump"/>
-              </a:rPr>
-              <a:t>System user case for Admin </a:t>
-            </a:r>
-            <a:endParaRPr lang="en-US" dirty="0"/>
-          </a:p>
-          <a:p>
-            <a:pPr marL="914400" lvl="1" indent="-457200" algn="thaiDist">
-              <a:buFont typeface="Arial" panose="020B0604020202020204" pitchFamily="34" charset="0"/>
-              <a:buChar char="•"/>
-            </a:pPr>
-            <a:r>
-              <a:rPr lang="en-US" dirty="0">
-                <a:hlinkClick r:id="rId7" action="ppaction://hlinksldjump"/>
-              </a:rPr>
-              <a:t>System user case for HR</a:t>
-            </a:r>
-            <a:endParaRPr lang="en-US" dirty="0"/>
-          </a:p>
-          <a:p>
-            <a:pPr marL="914400" lvl="1" indent="-457200" algn="thaiDist">
-              <a:buFont typeface="Arial" panose="020B0604020202020204" pitchFamily="34" charset="0"/>
-              <a:buChar char="•"/>
-            </a:pPr>
-            <a:r>
-              <a:rPr lang="en-US" dirty="0">
-                <a:hlinkClick r:id="rId8" action="ppaction://hlinksldjump"/>
-              </a:rPr>
-              <a:t>System user case for Manager</a:t>
-            </a:r>
-            <a:endParaRPr lang="en-US" dirty="0"/>
-          </a:p>
-          <a:p>
-            <a:pPr marL="914400" lvl="1" indent="-457200" algn="thaiDist">
-              <a:buFont typeface="Arial" panose="020B0604020202020204" pitchFamily="34" charset="0"/>
-              <a:buChar char="•"/>
-            </a:pPr>
-            <a:r>
-              <a:rPr lang="en-US" dirty="0">
-                <a:hlinkClick r:id="rId9" action="ppaction://hlinksldjump"/>
-              </a:rPr>
-              <a:t>System user case for Supervisor</a:t>
-            </a:r>
-            <a:endParaRPr lang="en-US" dirty="0"/>
-          </a:p>
-          <a:p>
-            <a:pPr marL="342900" indent="-342900" algn="thaiDist">
-              <a:buFont typeface="+mj-lt"/>
-              <a:buAutoNum type="arabicPeriod"/>
-            </a:pPr>
-            <a:r>
-              <a:rPr lang="en-US" sz="2400" b="1" dirty="0"/>
-              <a:t>EMPLOYEE</a:t>
-            </a:r>
-          </a:p>
-          <a:p>
-            <a:pPr marL="800100" lvl="1" indent="-342900" algn="thaiDist">
-              <a:buFont typeface="Wingdings" panose="05000000000000000000" pitchFamily="2" charset="2"/>
-              <a:buChar char="q"/>
-            </a:pPr>
-            <a:r>
-              <a:rPr lang="en-US" sz="2400" dirty="0">
-                <a:cs typeface="2005_iannnnnDVD" panose="02000000000000000000" pitchFamily="2" charset="0"/>
-                <a:hlinkClick r:id="rId10" action="ppaction://hlinksldjump"/>
-              </a:rPr>
-              <a:t> Employee master</a:t>
-            </a:r>
-            <a:endParaRPr lang="en-US" sz="2400" dirty="0">
-              <a:cs typeface="2005_iannnnnDVD" panose="02000000000000000000" pitchFamily="2" charset="0"/>
-            </a:endParaRPr>
-          </a:p>
-          <a:p>
-            <a:pPr marL="1371600" lvl="2" indent="-457200" algn="thaiDist">
-              <a:buFont typeface="Arial" panose="020B0604020202020204" pitchFamily="34" charset="0"/>
-              <a:buChar char="•"/>
-            </a:pPr>
-            <a:r>
-              <a:rPr lang="en-US" dirty="0">
-                <a:cs typeface="2005_iannnnnDVD" panose="02000000000000000000" pitchFamily="2" charset="0"/>
-                <a:hlinkClick r:id="rId11" action="ppaction://hlinksldjump"/>
-              </a:rPr>
-              <a:t>Class diagram employee</a:t>
-            </a:r>
-            <a:endParaRPr lang="en-US" dirty="0">
-              <a:cs typeface="2005_iannnnnDVD" panose="02000000000000000000" pitchFamily="2" charset="0"/>
-            </a:endParaRPr>
-          </a:p>
-          <a:p>
-            <a:pPr marL="1371600" lvl="2" indent="-457200" algn="thaiDist">
-              <a:buFont typeface="Arial" panose="020B0604020202020204" pitchFamily="34" charset="0"/>
-              <a:buChar char="•"/>
-            </a:pPr>
-            <a:r>
-              <a:rPr lang="en-US" dirty="0">
-                <a:cs typeface="2005_iannnnnDVD" panose="02000000000000000000" pitchFamily="2" charset="0"/>
-                <a:hlinkClick r:id="rId12" action="ppaction://hlinksldjump"/>
-              </a:rPr>
-              <a:t>Activity diagram employee master</a:t>
-            </a:r>
-            <a:endParaRPr lang="en-US" dirty="0">
-              <a:cs typeface="2005_iannnnnDVD" panose="02000000000000000000" pitchFamily="2" charset="0"/>
-            </a:endParaRPr>
-          </a:p>
-          <a:p>
-            <a:pPr marL="1371600" lvl="2" indent="-457200" algn="thaiDist">
-              <a:buFont typeface="Arial" panose="020B0604020202020204" pitchFamily="34" charset="0"/>
-              <a:buChar char="•"/>
-            </a:pPr>
-            <a:r>
-              <a:rPr lang="en-US" dirty="0">
-                <a:cs typeface="2005_iannnnnDVD" panose="02000000000000000000" pitchFamily="2" charset="0"/>
-                <a:hlinkClick r:id="rId13" action="ppaction://hlinksldjump"/>
-              </a:rPr>
-              <a:t>User interface employee master</a:t>
-            </a:r>
-            <a:endParaRPr lang="en-US" dirty="0">
-              <a:cs typeface="2005_iannnnnDVD" panose="02000000000000000000" pitchFamily="2" charset="0"/>
-            </a:endParaRPr>
-          </a:p>
-          <a:p>
-            <a:pPr marL="971550" lvl="1" indent="-514350" algn="thaiDist">
-              <a:buFont typeface="Wingdings" panose="05000000000000000000" pitchFamily="2" charset="2"/>
-              <a:buChar char="q"/>
-            </a:pPr>
-            <a:r>
-              <a:rPr lang="en-US" sz="2400" dirty="0">
-                <a:cs typeface="2005_iannnnnDVD" panose="02000000000000000000" pitchFamily="2" charset="0"/>
-                <a:hlinkClick r:id="rId14" action="ppaction://hlinksldjump"/>
-              </a:rPr>
-              <a:t>New employee master</a:t>
-            </a:r>
-            <a:endParaRPr lang="en-US" sz="2400" dirty="0">
-              <a:cs typeface="2005_iannnnnDVD" panose="02000000000000000000" pitchFamily="2" charset="0"/>
-            </a:endParaRPr>
-          </a:p>
-          <a:p>
-            <a:pPr marL="1371600" lvl="2" indent="-457200">
-              <a:buFont typeface="Arial" panose="020B0604020202020204" pitchFamily="34" charset="0"/>
-              <a:buChar char="•"/>
-            </a:pPr>
-            <a:r>
-              <a:rPr lang="en-US" sz="1600" dirty="0">
-                <a:cs typeface="2005_iannnnnDVD" panose="02000000000000000000" pitchFamily="2" charset="0"/>
-                <a:hlinkClick r:id="rId15" action="ppaction://hlinksldjump"/>
-              </a:rPr>
-              <a:t>Activity diagram new employee master</a:t>
-            </a:r>
-            <a:endParaRPr lang="en-US" sz="1600" dirty="0">
-              <a:cs typeface="2005_iannnnnDVD" panose="02000000000000000000" pitchFamily="2" charset="0"/>
-            </a:endParaRPr>
-          </a:p>
-          <a:p>
-            <a:pPr marL="1371600" lvl="2" indent="-457200">
-              <a:buFont typeface="Arial" panose="020B0604020202020204" pitchFamily="34" charset="0"/>
-              <a:buChar char="•"/>
-            </a:pPr>
-            <a:r>
-              <a:rPr lang="en-US" sz="1600" dirty="0">
-                <a:cs typeface="2005_iannnnnDVD" panose="02000000000000000000" pitchFamily="2" charset="0"/>
-                <a:hlinkClick r:id="rId16" action="ppaction://hlinksldjump"/>
-              </a:rPr>
-              <a:t>User interface new employee master</a:t>
-            </a:r>
-            <a:endParaRPr lang="en-US" sz="1600" dirty="0">
-              <a:cs typeface="2005_iannnnnDVD" panose="02000000000000000000" pitchFamily="2" charset="0"/>
-            </a:endParaRPr>
-          </a:p>
-          <a:p>
-            <a:pPr marL="1371600" lvl="2" indent="-457200">
-              <a:buFont typeface="Arial" panose="020B0604020202020204" pitchFamily="34" charset="0"/>
-              <a:buChar char="•"/>
-            </a:pPr>
-            <a:endParaRPr lang="en-US" dirty="0">
-              <a:cs typeface="2005_iannnnnDVD" panose="02000000000000000000" pitchFamily="2" charset="0"/>
-            </a:endParaRPr>
-          </a:p>
-          <a:p>
-            <a:pPr marL="1371600" lvl="2" indent="-457200">
-              <a:buFont typeface="Arial" panose="020B0604020202020204" pitchFamily="34" charset="0"/>
-              <a:buChar char="•"/>
-            </a:pPr>
-            <a:endParaRPr lang="en-US" dirty="0">
-              <a:cs typeface="2005_iannnnnDVD" panose="02000000000000000000" pitchFamily="2" charset="0"/>
-            </a:endParaRPr>
-          </a:p>
-          <a:p>
-            <a:pPr marL="1371600" lvl="2" indent="-457200">
-              <a:buFont typeface="Arial" panose="020B0604020202020204" pitchFamily="34" charset="0"/>
-              <a:buChar char="•"/>
-            </a:pPr>
-            <a:endParaRPr lang="en-US" dirty="0">
-              <a:cs typeface="2005_iannnnnDVD" panose="02000000000000000000" pitchFamily="2" charset="0"/>
-            </a:endParaRPr>
-          </a:p>
-          <a:p>
-            <a:pPr marL="1371600" lvl="2" indent="-457200">
-              <a:buFont typeface="Arial" panose="020B0604020202020204" pitchFamily="34" charset="0"/>
-              <a:buChar char="•"/>
-            </a:pPr>
-            <a:endParaRPr lang="en-US" dirty="0">
-              <a:cs typeface="2005_iannnnnDVD" panose="02000000000000000000" pitchFamily="2" charset="0"/>
-            </a:endParaRPr>
-          </a:p>
-          <a:p>
-            <a:pPr marL="1371600" lvl="2" indent="-457200">
-              <a:buFont typeface="Arial" panose="020B0604020202020204" pitchFamily="34" charset="0"/>
-              <a:buChar char="•"/>
-            </a:pPr>
-            <a:endParaRPr lang="en-US" dirty="0">
-              <a:cs typeface="2005_iannnnnDVD" panose="02000000000000000000" pitchFamily="2" charset="0"/>
-            </a:endParaRPr>
-          </a:p>
-          <a:p>
-            <a:pPr marL="914400" lvl="1" indent="-457200" algn="thaiDist">
-              <a:buFont typeface="Wingdings" panose="05000000000000000000" pitchFamily="2" charset="2"/>
-              <a:buChar char="q"/>
-            </a:pPr>
-            <a:r>
-              <a:rPr lang="en-US" sz="2400" dirty="0">
-                <a:cs typeface="2005_iannnnnDVD" panose="02000000000000000000" pitchFamily="2" charset="0"/>
-                <a:hlinkClick r:id="rId17" action="ppaction://hlinksldjump"/>
-              </a:rPr>
-              <a:t>Create new account</a:t>
-            </a:r>
-            <a:endParaRPr lang="en-US" sz="2400" dirty="0">
-              <a:cs typeface="2005_iannnnnDVD" panose="02000000000000000000" pitchFamily="2" charset="0"/>
-            </a:endParaRPr>
-          </a:p>
-          <a:p>
-            <a:pPr marL="1371600" lvl="2" indent="-457200" algn="thaiDist">
-              <a:buFont typeface="Arial" panose="020B0604020202020204" pitchFamily="34" charset="0"/>
-              <a:buChar char="•"/>
-            </a:pPr>
-            <a:r>
-              <a:rPr lang="en-US" sz="1600" dirty="0">
-                <a:cs typeface="2005_iannnnnDVD" panose="02000000000000000000" pitchFamily="2" charset="0"/>
-                <a:hlinkClick r:id="rId18" action="ppaction://hlinksldjump"/>
-              </a:rPr>
-              <a:t>Activity diagram create new account </a:t>
-            </a:r>
-            <a:endParaRPr lang="en-US" sz="1600" dirty="0">
-              <a:cs typeface="2005_iannnnnDVD" panose="02000000000000000000" pitchFamily="2" charset="0"/>
-            </a:endParaRPr>
-          </a:p>
-          <a:p>
-            <a:pPr marL="1371600" lvl="2" indent="-457200" algn="thaiDist">
-              <a:buFont typeface="Arial" panose="020B0604020202020204" pitchFamily="34" charset="0"/>
-              <a:buChar char="•"/>
-            </a:pPr>
-            <a:r>
-              <a:rPr lang="en-US" sz="1600" dirty="0">
-                <a:cs typeface="2005_iannnnnDVD" panose="02000000000000000000" pitchFamily="2" charset="0"/>
-                <a:hlinkClick r:id="rId19" action="ppaction://hlinksldjump"/>
-              </a:rPr>
-              <a:t>User interface create new account</a:t>
-            </a:r>
-            <a:endParaRPr lang="en-US" sz="1600" dirty="0">
-              <a:cs typeface="2005_iannnnnDVD" panose="02000000000000000000" pitchFamily="2" charset="0"/>
-            </a:endParaRPr>
-          </a:p>
-          <a:p>
-            <a:pPr marL="457200" indent="-457200" algn="thaiDist">
-              <a:buFont typeface="+mj-lt"/>
-              <a:buAutoNum type="arabicPeriod"/>
-            </a:pPr>
-            <a:r>
-              <a:rPr lang="en-US" sz="2400" b="1" dirty="0">
-                <a:cs typeface="2005_iannnnnDVD" panose="02000000000000000000" pitchFamily="2" charset="0"/>
-              </a:rPr>
-              <a:t>ATTENDANCE</a:t>
-            </a:r>
-          </a:p>
-          <a:p>
-            <a:pPr marL="971550" lvl="1" indent="-514350" algn="thaiDist">
-              <a:buFont typeface="Wingdings" panose="05000000000000000000" pitchFamily="2" charset="2"/>
-              <a:buChar char="q"/>
-            </a:pPr>
-            <a:r>
-              <a:rPr lang="en-US" sz="2400" dirty="0">
-                <a:cs typeface="2005_iannnnnDVD" panose="02000000000000000000" pitchFamily="2" charset="0"/>
-                <a:hlinkClick r:id="rId20" action="ppaction://hlinksldjump"/>
-              </a:rPr>
-              <a:t>Attendance</a:t>
-            </a:r>
-            <a:endParaRPr lang="en-US" sz="2400" dirty="0">
-              <a:cs typeface="2005_iannnnnDVD" panose="02000000000000000000" pitchFamily="2" charset="0"/>
-            </a:endParaRPr>
-          </a:p>
-          <a:p>
-            <a:pPr marL="1428750" lvl="2" indent="-514350" algn="thaiDist">
-              <a:buFont typeface="Arial" panose="020B0604020202020204" pitchFamily="34" charset="0"/>
-              <a:buChar char="•"/>
-            </a:pPr>
-            <a:r>
-              <a:rPr lang="en-US" sz="1600" dirty="0">
-                <a:cs typeface="2005_iannnnnDVD" panose="02000000000000000000" pitchFamily="2" charset="0"/>
-                <a:hlinkClick r:id="rId21" action="ppaction://hlinksldjump"/>
-              </a:rPr>
-              <a:t>Class diagram attendance</a:t>
-            </a:r>
-            <a:endParaRPr lang="en-US" sz="1600" dirty="0">
-              <a:cs typeface="2005_iannnnnDVD" panose="02000000000000000000" pitchFamily="2" charset="0"/>
-            </a:endParaRPr>
-          </a:p>
-          <a:p>
-            <a:pPr marL="1428750" lvl="2" indent="-514350">
-              <a:buFont typeface="Arial" panose="020B0604020202020204" pitchFamily="34" charset="0"/>
-              <a:buChar char="•"/>
-            </a:pPr>
-            <a:r>
-              <a:rPr lang="en-US" sz="1600" dirty="0">
-                <a:cs typeface="2005_iannnnnDVD" panose="02000000000000000000" pitchFamily="2" charset="0"/>
-                <a:hlinkClick r:id="rId22" action="ppaction://hlinksldjump"/>
-              </a:rPr>
-              <a:t>Activity diagram attendance</a:t>
-            </a:r>
-            <a:endParaRPr lang="en-US" sz="1600" dirty="0">
-              <a:cs typeface="2005_iannnnnDVD" panose="02000000000000000000" pitchFamily="2" charset="0"/>
-            </a:endParaRPr>
-          </a:p>
-          <a:p>
-            <a:pPr marL="1428750" lvl="2" indent="-514350">
-              <a:buFont typeface="Arial" panose="020B0604020202020204" pitchFamily="34" charset="0"/>
-              <a:buChar char="•"/>
-            </a:pPr>
-            <a:r>
-              <a:rPr lang="en-US" sz="1600" dirty="0">
-                <a:hlinkClick r:id="rId23" action="ppaction://hlinksldjump"/>
-              </a:rPr>
-              <a:t>User interface attendance</a:t>
-            </a:r>
-            <a:endParaRPr lang="en-US" sz="1600" dirty="0"/>
-          </a:p>
-          <a:p>
-            <a:pPr marL="800100" lvl="1" indent="-342900">
-              <a:buFont typeface="Wingdings" panose="05000000000000000000" pitchFamily="2" charset="2"/>
-              <a:buChar char="q"/>
-            </a:pPr>
-            <a:r>
-              <a:rPr lang="en-US" sz="2400" dirty="0"/>
-              <a:t>  </a:t>
-            </a:r>
-            <a:r>
-              <a:rPr lang="en-US" sz="2400" dirty="0">
-                <a:hlinkClick r:id="rId24" action="ppaction://hlinksldjump"/>
-              </a:rPr>
-              <a:t>Data Attendance</a:t>
-            </a:r>
-            <a:endParaRPr lang="en-US" sz="900" dirty="0">
-              <a:cs typeface="2005_iannnnnDVD" panose="02000000000000000000" pitchFamily="2" charset="0"/>
-            </a:endParaRPr>
-          </a:p>
-          <a:p>
-            <a:pPr marL="1428750" lvl="2" indent="-514350" algn="thaiDist">
-              <a:buFont typeface="Arial" panose="020B0604020202020204" pitchFamily="34" charset="0"/>
-              <a:buChar char="•"/>
-            </a:pPr>
-            <a:r>
-              <a:rPr lang="en-US" sz="1600" dirty="0">
-                <a:cs typeface="2005_iannnnnDVD" panose="02000000000000000000" pitchFamily="2" charset="0"/>
-                <a:hlinkClick r:id="rId25" action="ppaction://hlinksldjump"/>
-              </a:rPr>
-              <a:t>Activity diagram data attendance</a:t>
-            </a:r>
-            <a:endParaRPr lang="en-US" sz="1600" dirty="0">
-              <a:cs typeface="2005_iannnnnDVD" panose="02000000000000000000" pitchFamily="2" charset="0"/>
-            </a:endParaRPr>
-          </a:p>
-          <a:p>
-            <a:pPr marL="1428750" lvl="2" indent="-514350" algn="thaiDist">
-              <a:buFont typeface="Arial" panose="020B0604020202020204" pitchFamily="34" charset="0"/>
-              <a:buChar char="•"/>
-            </a:pPr>
-            <a:r>
-              <a:rPr lang="en-US" sz="1600" dirty="0">
-                <a:cs typeface="2005_iannnnnDVD" panose="02000000000000000000" pitchFamily="2" charset="0"/>
-                <a:hlinkClick r:id="rId26" action="ppaction://hlinksldjump"/>
-              </a:rPr>
-              <a:t>User interface data attendance</a:t>
-            </a:r>
-            <a:endParaRPr lang="en-US" sz="1600" dirty="0">
-              <a:cs typeface="2005_iannnnnDVD" panose="02000000000000000000" pitchFamily="2" charset="0"/>
-            </a:endParaRPr>
-          </a:p>
-          <a:p>
-            <a:pPr marL="971550" lvl="1" indent="-514350" algn="thaiDist">
-              <a:buFont typeface="Wingdings" panose="05000000000000000000" pitchFamily="2" charset="2"/>
-              <a:buChar char="q"/>
-            </a:pPr>
-            <a:r>
-              <a:rPr lang="en-US" sz="2400" dirty="0">
-                <a:cs typeface="2005_iannnnnDVD" panose="02000000000000000000" pitchFamily="2" charset="0"/>
-                <a:hlinkClick r:id="rId27" action="ppaction://hlinksldjump"/>
-              </a:rPr>
-              <a:t>Approve by supervisor</a:t>
-            </a:r>
-            <a:endParaRPr lang="en-US" sz="2400" dirty="0">
-              <a:cs typeface="2005_iannnnnDVD" panose="02000000000000000000" pitchFamily="2" charset="0"/>
-            </a:endParaRPr>
-          </a:p>
-          <a:p>
-            <a:pPr marL="1428750" lvl="2" indent="-514350">
-              <a:buFont typeface="Arial" panose="020B0604020202020204" pitchFamily="34" charset="0"/>
-              <a:buChar char="•"/>
-            </a:pPr>
-            <a:r>
-              <a:rPr lang="en-US" sz="1600" dirty="0">
-                <a:cs typeface="2005_iannnnnDVD" panose="02000000000000000000" pitchFamily="2" charset="0"/>
-                <a:hlinkClick r:id="rId28" action="ppaction://hlinksldjump"/>
-              </a:rPr>
-              <a:t>Activity diagram approve by supervisor</a:t>
-            </a:r>
-            <a:endParaRPr lang="en-US" sz="1600" dirty="0">
-              <a:cs typeface="2005_iannnnnDVD" panose="02000000000000000000" pitchFamily="2" charset="0"/>
-            </a:endParaRPr>
-          </a:p>
-          <a:p>
-            <a:pPr marL="1428750" lvl="2" indent="-514350">
-              <a:buFont typeface="Arial" panose="020B0604020202020204" pitchFamily="34" charset="0"/>
-              <a:buChar char="•"/>
-            </a:pPr>
-            <a:r>
-              <a:rPr lang="en-US" sz="1600" dirty="0">
-                <a:cs typeface="2005_iannnnnDVD" panose="02000000000000000000" pitchFamily="2" charset="0"/>
-                <a:hlinkClick r:id="rId29" action="ppaction://hlinksldjump"/>
-              </a:rPr>
-              <a:t>User interface approve by supervisor</a:t>
-            </a:r>
-            <a:endParaRPr lang="en-US" sz="1600" dirty="0">
-              <a:cs typeface="2005_iannnnnDVD" panose="02000000000000000000" pitchFamily="2" charset="0"/>
-            </a:endParaRPr>
-          </a:p>
-          <a:p>
-            <a:pPr marL="971550" lvl="1" indent="-514350">
-              <a:buFont typeface="Wingdings" panose="05000000000000000000" pitchFamily="2" charset="2"/>
-              <a:buChar char="q"/>
-            </a:pPr>
-            <a:r>
-              <a:rPr lang="en-US" sz="2400" dirty="0">
-                <a:cs typeface="2005_iannnnnDVD" panose="02000000000000000000" pitchFamily="2" charset="0"/>
-                <a:hlinkClick r:id="rId30" action="ppaction://hlinksldjump"/>
-              </a:rPr>
-              <a:t>Approve by manager</a:t>
-            </a:r>
-            <a:endParaRPr lang="en-US" sz="2400" dirty="0">
-              <a:cs typeface="2005_iannnnnDVD" panose="02000000000000000000" pitchFamily="2" charset="0"/>
-            </a:endParaRPr>
-          </a:p>
-          <a:p>
-            <a:pPr marL="1428750" lvl="2" indent="-514350">
-              <a:buFont typeface="Arial" panose="020B0604020202020204" pitchFamily="34" charset="0"/>
-              <a:buChar char="•"/>
-            </a:pPr>
-            <a:r>
-              <a:rPr lang="en-US" sz="1600" dirty="0">
-                <a:cs typeface="2005_iannnnnDVD" panose="02000000000000000000" pitchFamily="2" charset="0"/>
-                <a:hlinkClick r:id="rId31" action="ppaction://hlinksldjump"/>
-              </a:rPr>
-              <a:t>Activity diagram approve by manager</a:t>
-            </a:r>
-            <a:endParaRPr lang="en-US" sz="1600" dirty="0">
-              <a:cs typeface="2005_iannnnnDVD" panose="02000000000000000000" pitchFamily="2" charset="0"/>
-            </a:endParaRPr>
-          </a:p>
-          <a:p>
-            <a:pPr marL="1428750" lvl="2" indent="-514350">
-              <a:buFont typeface="Arial" panose="020B0604020202020204" pitchFamily="34" charset="0"/>
-              <a:buChar char="•"/>
-            </a:pPr>
-            <a:r>
-              <a:rPr lang="en-US" sz="1600" dirty="0">
-                <a:cs typeface="2005_iannnnnDVD" panose="02000000000000000000" pitchFamily="2" charset="0"/>
-                <a:hlinkClick r:id="rId32" action="ppaction://hlinksldjump"/>
-              </a:rPr>
-              <a:t>User interface approve by manager</a:t>
-            </a:r>
-            <a:endParaRPr lang="en-US" sz="1600" dirty="0">
-              <a:cs typeface="2005_iannnnnDVD" panose="02000000000000000000" pitchFamily="2" charset="0"/>
-            </a:endParaRPr>
-          </a:p>
-          <a:p>
-            <a:pPr marL="1428750" lvl="2" indent="-514350">
-              <a:buFont typeface="Arial" panose="020B0604020202020204" pitchFamily="34" charset="0"/>
-              <a:buChar char="•"/>
-            </a:pPr>
-            <a:endParaRPr lang="en-US" sz="1600" dirty="0">
-              <a:cs typeface="2005_iannnnnDVD" panose="02000000000000000000" pitchFamily="2" charset="0"/>
-            </a:endParaRPr>
-          </a:p>
-          <a:p>
-            <a:pPr marL="1428750" lvl="2" indent="-514350">
-              <a:buFont typeface="Arial" panose="020B0604020202020204" pitchFamily="34" charset="0"/>
-              <a:buChar char="•"/>
-            </a:pPr>
-            <a:endParaRPr lang="en-US" sz="1600" dirty="0">
-              <a:cs typeface="2005_iannnnnDVD" panose="02000000000000000000" pitchFamily="2" charset="0"/>
-            </a:endParaRPr>
-          </a:p>
-          <a:p>
-            <a:pPr marL="1428750" lvl="2" indent="-514350">
-              <a:buFont typeface="Arial" panose="020B0604020202020204" pitchFamily="34" charset="0"/>
-              <a:buChar char="•"/>
-            </a:pPr>
-            <a:endParaRPr lang="en-US" sz="1600" dirty="0">
-              <a:cs typeface="2005_iannnnnDVD" panose="02000000000000000000" pitchFamily="2" charset="0"/>
-            </a:endParaRPr>
-          </a:p>
-          <a:p>
-            <a:pPr marL="1428750" lvl="2" indent="-514350">
-              <a:buFont typeface="Arial" panose="020B0604020202020204" pitchFamily="34" charset="0"/>
-              <a:buChar char="•"/>
-            </a:pPr>
-            <a:endParaRPr lang="en-US" sz="1600" dirty="0">
-              <a:cs typeface="2005_iannnnnDVD" panose="02000000000000000000" pitchFamily="2" charset="0"/>
-            </a:endParaRPr>
-          </a:p>
-        </p:txBody>
-      </p:sp>
-    </p:spTree>
-    <p:extLst>
-      <p:ext uri="{BB962C8B-B14F-4D97-AF65-F5344CB8AC3E}">
-        <p14:creationId xmlns:p14="http://schemas.microsoft.com/office/powerpoint/2010/main" val="1246468569"/>
-      </p:ext>
-    </p:extLst>
-  </p:cSld>
-  <p:clrMapOvr>
-    <a:masterClrMapping/>
-  </p:clrMapOvr>
-</p:sld>
-</file>
-
-<file path=ppt/slides/slide20.xml><?xml version="1.0" encoding="utf-8"?>
-<p:sld xmlns:a="http://schemas.openxmlformats.org/drawingml/2006/main" xmlns:r="http://schemas.openxmlformats.org/officeDocument/2006/relationships" xmlns:p="http://schemas.openxmlformats.org/presentationml/2006/main">
-  <p:cSld>
-    <p:spTree>
-      <p:nvGrpSpPr>
-        <p:cNvPr id="1" name=""/>
-        <p:cNvGrpSpPr/>
-        <p:nvPr/>
-      </p:nvGrpSpPr>
-      <p:grpSpPr>
-        <a:xfrm>
-          <a:off x="0" y="0"/>
-          <a:ext cx="0" cy="0"/>
-          <a:chOff x="0" y="0"/>
-          <a:chExt cx="0" cy="0"/>
-        </a:xfrm>
-      </p:grpSpPr>
-      <p:sp>
-        <p:nvSpPr>
-          <p:cNvPr id="4" name="Slide Number Placeholder 3">
-            <a:extLst>
-              <a:ext uri="{FF2B5EF4-FFF2-40B4-BE49-F238E27FC236}">
-                <a16:creationId xmlns:a16="http://schemas.microsoft.com/office/drawing/2014/main" id="{3E17E1F1-C756-4263-9523-1CD31C656259}"/>
-              </a:ext>
-            </a:extLst>
-          </p:cNvPr>
-          <p:cNvSpPr>
-            <a:spLocks noGrp="1"/>
-          </p:cNvSpPr>
-          <p:nvPr>
-            <p:ph type="sldNum" sz="quarter" idx="12"/>
-          </p:nvPr>
-        </p:nvSpPr>
-        <p:spPr/>
-        <p:txBody>
-          <a:bodyPr/>
-          <a:lstStyle/>
-          <a:p>
-            <a:fld id="{856BCB40-DA03-48F7-A2D3-509646EF08FA}" type="slidenum">
-              <a:rPr lang="en-US" smtClean="0"/>
-              <a:t>20</a:t>
-            </a:fld>
-            <a:endParaRPr lang="en-US"/>
-          </a:p>
-        </p:txBody>
-      </p:sp>
-      <p:sp>
-        <p:nvSpPr>
-          <p:cNvPr id="7" name="Title 1">
-            <a:extLst>
-              <a:ext uri="{FF2B5EF4-FFF2-40B4-BE49-F238E27FC236}">
-                <a16:creationId xmlns:a16="http://schemas.microsoft.com/office/drawing/2014/main" id="{B1EDFCA7-4935-4B01-AB7E-2D76D03B0BEF}"/>
-              </a:ext>
-            </a:extLst>
-          </p:cNvPr>
-          <p:cNvSpPr>
-            <a:spLocks noGrp="1"/>
-          </p:cNvSpPr>
-          <p:nvPr>
-            <p:ph type="title"/>
-          </p:nvPr>
-        </p:nvSpPr>
-        <p:spPr>
-          <a:xfrm>
-            <a:off x="782958" y="143703"/>
-            <a:ext cx="10626083" cy="2254082"/>
-          </a:xfrm>
-        </p:spPr>
-        <p:txBody>
-          <a:bodyPr/>
-          <a:lstStyle/>
-          <a:p>
-            <a:pPr algn="ctr"/>
-            <a:r>
-              <a:rPr lang="en-US" sz="3600" b="1" dirty="0"/>
-              <a:t>User Interface</a:t>
-            </a:r>
-            <a:br>
-              <a:rPr lang="en-US" sz="3600" b="1" dirty="0"/>
-            </a:br>
-            <a:r>
-              <a:rPr lang="en-US" sz="3600" b="1" dirty="0"/>
-              <a:t>New Employee master</a:t>
-            </a:r>
-            <a:br>
-              <a:rPr lang="en-US" sz="3600" b="1" dirty="0"/>
-            </a:br>
-            <a:endParaRPr lang="en-US" sz="3600" b="1" dirty="0"/>
-          </a:p>
-        </p:txBody>
-      </p:sp>
-      <p:pic>
-        <p:nvPicPr>
-          <p:cNvPr id="2" name="Picture 1">
-            <a:extLst>
-              <a:ext uri="{FF2B5EF4-FFF2-40B4-BE49-F238E27FC236}">
-                <a16:creationId xmlns:a16="http://schemas.microsoft.com/office/drawing/2014/main" id="{20874DAE-A139-4848-B12D-805E7B2612D8}"/>
-              </a:ext>
-            </a:extLst>
-          </p:cNvPr>
-          <p:cNvPicPr>
-            <a:picLocks noChangeAspect="1"/>
-          </p:cNvPicPr>
-          <p:nvPr/>
-        </p:nvPicPr>
-        <p:blipFill>
-          <a:blip r:embed="rId2"/>
-          <a:stretch>
-            <a:fillRect/>
-          </a:stretch>
-        </p:blipFill>
-        <p:spPr>
-          <a:xfrm>
-            <a:off x="0" y="1270744"/>
-            <a:ext cx="12192000" cy="5622958"/>
-          </a:xfrm>
-          <a:prstGeom prst="rect">
-            <a:avLst/>
-          </a:prstGeom>
-        </p:spPr>
-      </p:pic>
-    </p:spTree>
-    <p:extLst>
-      <p:ext uri="{BB962C8B-B14F-4D97-AF65-F5344CB8AC3E}">
-        <p14:creationId xmlns:p14="http://schemas.microsoft.com/office/powerpoint/2010/main" val="3206034205"/>
-      </p:ext>
-    </p:extLst>
-  </p:cSld>
-  <p:clrMapOvr>
-    <a:masterClrMapping/>
-  </p:clrMapOvr>
-</p:sld>
-</file>
-
 <file path=ppt/slides/slide21.xml><?xml version="1.0" encoding="utf-8"?>
 <p:sld xmlns:a="http://schemas.openxmlformats.org/drawingml/2006/main" xmlns:r="http://schemas.openxmlformats.org/officeDocument/2006/relationships" xmlns:p="http://schemas.openxmlformats.org/presentationml/2006/main">
   <p:cSld>
@@ -8913,51 +8865,10 @@
       </p:grpSpPr>
       <p:sp>
         <p:nvSpPr>
-          <p:cNvPr id="2" name="Title 1">
-            <a:extLst>
-              <a:ext uri="{FF2B5EF4-FFF2-40B4-BE49-F238E27FC236}">
-                <a16:creationId xmlns:a16="http://schemas.microsoft.com/office/drawing/2014/main" id="{89E05A28-06C8-49A2-A759-6124FBE09FB0}"/>
-              </a:ext>
-            </a:extLst>
-          </p:cNvPr>
-          <p:cNvSpPr>
-            <a:spLocks noGrp="1"/>
-          </p:cNvSpPr>
-          <p:nvPr>
-            <p:ph type="title"/>
-          </p:nvPr>
-        </p:nvSpPr>
-        <p:spPr>
-          <a:xfrm>
-            <a:off x="491411" y="2028470"/>
-            <a:ext cx="11209178" cy="1400530"/>
-          </a:xfrm>
-        </p:spPr>
-        <p:txBody>
-          <a:bodyPr/>
-          <a:lstStyle/>
-          <a:p>
-            <a:pPr algn="ctr"/>
-            <a:r>
-              <a:rPr lang="en-US" sz="8800" b="1" dirty="0">
-                <a:solidFill>
-                  <a:schemeClr val="accent3">
-                    <a:lumMod val="60000"/>
-                    <a:lumOff val="40000"/>
-                  </a:schemeClr>
-                </a:solidFill>
-              </a:rPr>
-              <a:t>CREATE NEW ACCOUNT</a:t>
-            </a:r>
-          </a:p>
-        </p:txBody>
-      </p:sp>
-      <p:sp>
-        <p:nvSpPr>
           <p:cNvPr id="4" name="Slide Number Placeholder 3">
             <a:extLst>
               <a:ext uri="{FF2B5EF4-FFF2-40B4-BE49-F238E27FC236}">
-                <a16:creationId xmlns:a16="http://schemas.microsoft.com/office/drawing/2014/main" id="{D1B85F67-A45C-4FC7-B75D-DFF096FEE71B}"/>
+                <a16:creationId xmlns:a16="http://schemas.microsoft.com/office/drawing/2014/main" id="{3E17E1F1-C756-4263-9523-1CD31C656259}"/>
               </a:ext>
             </a:extLst>
           </p:cNvPr>
@@ -8981,10 +8892,85 @@
           </a:p>
         </p:txBody>
       </p:sp>
+      <p:sp>
+        <p:nvSpPr>
+          <p:cNvPr id="7" name="Title 1">
+            <a:extLst>
+              <a:ext uri="{FF2B5EF4-FFF2-40B4-BE49-F238E27FC236}">
+                <a16:creationId xmlns:a16="http://schemas.microsoft.com/office/drawing/2014/main" id="{B1EDFCA7-4935-4B01-AB7E-2D76D03B0BEF}"/>
+              </a:ext>
+            </a:extLst>
+          </p:cNvPr>
+          <p:cNvSpPr>
+            <a:spLocks noGrp="1"/>
+          </p:cNvSpPr>
+          <p:nvPr>
+            <p:ph type="title"/>
+          </p:nvPr>
+        </p:nvSpPr>
+        <p:spPr>
+          <a:xfrm>
+            <a:off x="782958" y="143703"/>
+            <a:ext cx="10626083" cy="2254082"/>
+          </a:xfrm>
+        </p:spPr>
+        <p:txBody>
+          <a:bodyPr/>
+          <a:lstStyle/>
+          <a:p>
+            <a:pPr algn="ctr"/>
+            <a:r>
+              <a:rPr lang="en-US" sz="3600" b="1" dirty="0"/>
+              <a:t>User Interface</a:t>
+            </a:r>
+            <a:br>
+              <a:rPr lang="en-US" sz="3600" b="1" dirty="0"/>
+            </a:br>
+            <a:r>
+              <a:rPr lang="en-US" sz="3600" b="1" dirty="0"/>
+              <a:t>New Employee master</a:t>
+            </a:r>
+            <a:br>
+              <a:rPr lang="en-US" sz="3600" b="1" dirty="0"/>
+            </a:br>
+            <a:endParaRPr lang="en-US" sz="3600" b="1" dirty="0"/>
+          </a:p>
+        </p:txBody>
+      </p:sp>
+      <p:pic>
+        <p:nvPicPr>
+          <p:cNvPr id="3" name="Picture 2">
+            <a:extLst>
+              <a:ext uri="{FF2B5EF4-FFF2-40B4-BE49-F238E27FC236}">
+                <a16:creationId xmlns:a16="http://schemas.microsoft.com/office/drawing/2014/main" id="{2AB38417-D9DC-429B-82B9-7CB0C316A52F}"/>
+              </a:ext>
+            </a:extLst>
+          </p:cNvPr>
+          <p:cNvPicPr>
+            <a:picLocks noChangeAspect="1"/>
+          </p:cNvPicPr>
+          <p:nvPr/>
+        </p:nvPicPr>
+        <p:blipFill>
+          <a:blip r:embed="rId2"/>
+          <a:stretch>
+            <a:fillRect/>
+          </a:stretch>
+        </p:blipFill>
+        <p:spPr>
+          <a:xfrm>
+            <a:off x="0" y="1274831"/>
+            <a:ext cx="12192000" cy="5583169"/>
+          </a:xfrm>
+          <a:prstGeom prst="rect">
+            <a:avLst/>
+          </a:prstGeom>
+        </p:spPr>
+      </p:pic>
     </p:spTree>
     <p:extLst>
       <p:ext uri="{BB962C8B-B14F-4D97-AF65-F5344CB8AC3E}">
-        <p14:creationId xmlns:p14="http://schemas.microsoft.com/office/powerpoint/2010/main" val="2762727768"/>
+        <p14:creationId xmlns:p14="http://schemas.microsoft.com/office/powerpoint/2010/main" val="3206034205"/>
       </p:ext>
     </p:extLst>
   </p:cSld>
@@ -9013,6 +8999,336 @@
       </p:grpSpPr>
       <p:sp>
         <p:nvSpPr>
+          <p:cNvPr id="2" name="Title 1">
+            <a:extLst>
+              <a:ext uri="{FF2B5EF4-FFF2-40B4-BE49-F238E27FC236}">
+                <a16:creationId xmlns:a16="http://schemas.microsoft.com/office/drawing/2014/main" id="{89E05A28-06C8-49A2-A759-6124FBE09FB0}"/>
+              </a:ext>
+            </a:extLst>
+          </p:cNvPr>
+          <p:cNvSpPr>
+            <a:spLocks noGrp="1"/>
+          </p:cNvSpPr>
+          <p:nvPr>
+            <p:ph type="title"/>
+          </p:nvPr>
+        </p:nvSpPr>
+        <p:spPr>
+          <a:xfrm>
+            <a:off x="491411" y="2028470"/>
+            <a:ext cx="11209178" cy="1400530"/>
+          </a:xfrm>
+        </p:spPr>
+        <p:txBody>
+          <a:bodyPr/>
+          <a:lstStyle/>
+          <a:p>
+            <a:pPr algn="ctr"/>
+            <a:r>
+              <a:rPr lang="en-US" sz="8800" b="1" dirty="0">
+                <a:solidFill>
+                  <a:schemeClr val="accent3">
+                    <a:lumMod val="60000"/>
+                    <a:lumOff val="40000"/>
+                  </a:schemeClr>
+                </a:solidFill>
+              </a:rPr>
+              <a:t>CREATE NEW ACCOUNT</a:t>
+            </a:r>
+          </a:p>
+        </p:txBody>
+      </p:sp>
+      <p:sp>
+        <p:nvSpPr>
+          <p:cNvPr id="4" name="Slide Number Placeholder 3">
+            <a:extLst>
+              <a:ext uri="{FF2B5EF4-FFF2-40B4-BE49-F238E27FC236}">
+                <a16:creationId xmlns:a16="http://schemas.microsoft.com/office/drawing/2014/main" id="{D1B85F67-A45C-4FC7-B75D-DFF096FEE71B}"/>
+              </a:ext>
+            </a:extLst>
+          </p:cNvPr>
+          <p:cNvSpPr>
+            <a:spLocks noGrp="1"/>
+          </p:cNvSpPr>
+          <p:nvPr>
+            <p:ph type="sldNum" sz="quarter" idx="12"/>
+          </p:nvPr>
+        </p:nvSpPr>
+        <p:spPr/>
+        <p:txBody>
+          <a:bodyPr/>
+          <a:lstStyle/>
+          <a:p>
+            <a:fld id="{856BCB40-DA03-48F7-A2D3-509646EF08FA}" type="slidenum">
+              <a:rPr lang="en-US" smtClean="0"/>
+              <a:t>22</a:t>
+            </a:fld>
+            <a:endParaRPr lang="en-US"/>
+          </a:p>
+        </p:txBody>
+      </p:sp>
+    </p:spTree>
+    <p:extLst>
+      <p:ext uri="{BB962C8B-B14F-4D97-AF65-F5344CB8AC3E}">
+        <p14:creationId xmlns:p14="http://schemas.microsoft.com/office/powerpoint/2010/main" val="2762727768"/>
+      </p:ext>
+    </p:extLst>
+  </p:cSld>
+  <p:clrMapOvr>
+    <a:masterClrMapping/>
+  </p:clrMapOvr>
+</p:sld>
+</file>
+
+<file path=ppt/slides/slide23.xml><?xml version="1.0" encoding="utf-8"?>
+<p:sld xmlns:a="http://schemas.openxmlformats.org/drawingml/2006/main" xmlns:r="http://schemas.openxmlformats.org/officeDocument/2006/relationships" xmlns:p="http://schemas.openxmlformats.org/presentationml/2006/main">
+  <p:cSld>
+    <p:spTree>
+      <p:nvGrpSpPr>
+        <p:cNvPr id="1" name=""/>
+        <p:cNvGrpSpPr/>
+        <p:nvPr/>
+      </p:nvGrpSpPr>
+      <p:grpSpPr>
+        <a:xfrm>
+          <a:off x="0" y="0"/>
+          <a:ext cx="0" cy="0"/>
+          <a:chOff x="0" y="0"/>
+          <a:chExt cx="0" cy="0"/>
+        </a:xfrm>
+      </p:grpSpPr>
+      <p:sp>
+        <p:nvSpPr>
+          <p:cNvPr id="2" name="Title 1">
+            <a:extLst>
+              <a:ext uri="{FF2B5EF4-FFF2-40B4-BE49-F238E27FC236}">
+                <a16:creationId xmlns:a16="http://schemas.microsoft.com/office/drawing/2014/main" id="{89E05A28-06C8-49A2-A759-6124FBE09FB0}"/>
+              </a:ext>
+            </a:extLst>
+          </p:cNvPr>
+          <p:cNvSpPr>
+            <a:spLocks noGrp="1"/>
+          </p:cNvSpPr>
+          <p:nvPr>
+            <p:ph type="title"/>
+          </p:nvPr>
+        </p:nvSpPr>
+        <p:spPr>
+          <a:xfrm>
+            <a:off x="491411" y="2728735"/>
+            <a:ext cx="11209178" cy="1400530"/>
+          </a:xfrm>
+        </p:spPr>
+        <p:txBody>
+          <a:bodyPr/>
+          <a:lstStyle/>
+          <a:p>
+            <a:pPr algn="ctr"/>
+            <a:r>
+              <a:rPr lang="en-US" sz="8800" b="1" dirty="0">
+                <a:solidFill>
+                  <a:schemeClr val="accent2">
+                    <a:lumMod val="60000"/>
+                    <a:lumOff val="40000"/>
+                  </a:schemeClr>
+                </a:solidFill>
+              </a:rPr>
+              <a:t>ATTENDANCE</a:t>
+            </a:r>
+          </a:p>
+        </p:txBody>
+      </p:sp>
+      <p:sp>
+        <p:nvSpPr>
+          <p:cNvPr id="4" name="Slide Number Placeholder 3">
+            <a:extLst>
+              <a:ext uri="{FF2B5EF4-FFF2-40B4-BE49-F238E27FC236}">
+                <a16:creationId xmlns:a16="http://schemas.microsoft.com/office/drawing/2014/main" id="{D1B85F67-A45C-4FC7-B75D-DFF096FEE71B}"/>
+              </a:ext>
+            </a:extLst>
+          </p:cNvPr>
+          <p:cNvSpPr>
+            <a:spLocks noGrp="1"/>
+          </p:cNvSpPr>
+          <p:nvPr>
+            <p:ph type="sldNum" sz="quarter" idx="12"/>
+          </p:nvPr>
+        </p:nvSpPr>
+        <p:spPr/>
+        <p:txBody>
+          <a:bodyPr/>
+          <a:lstStyle/>
+          <a:p>
+            <a:fld id="{856BCB40-DA03-48F7-A2D3-509646EF08FA}" type="slidenum">
+              <a:rPr lang="en-US" smtClean="0"/>
+              <a:t>23</a:t>
+            </a:fld>
+            <a:endParaRPr lang="en-US"/>
+          </a:p>
+        </p:txBody>
+      </p:sp>
+    </p:spTree>
+    <p:extLst>
+      <p:ext uri="{BB962C8B-B14F-4D97-AF65-F5344CB8AC3E}">
+        <p14:creationId xmlns:p14="http://schemas.microsoft.com/office/powerpoint/2010/main" val="4086220265"/>
+      </p:ext>
+    </p:extLst>
+  </p:cSld>
+  <p:clrMapOvr>
+    <a:masterClrMapping/>
+  </p:clrMapOvr>
+</p:sld>
+</file>
+
+<file path=ppt/slides/slide24.xml><?xml version="1.0" encoding="utf-8"?>
+<p:sld xmlns:a="http://schemas.openxmlformats.org/drawingml/2006/main" xmlns:r="http://schemas.openxmlformats.org/officeDocument/2006/relationships" xmlns:p="http://schemas.openxmlformats.org/presentationml/2006/main">
+  <p:cSld>
+    <p:spTree>
+      <p:nvGrpSpPr>
+        <p:cNvPr id="1" name=""/>
+        <p:cNvGrpSpPr/>
+        <p:nvPr/>
+      </p:nvGrpSpPr>
+      <p:grpSpPr>
+        <a:xfrm>
+          <a:off x="0" y="0"/>
+          <a:ext cx="0" cy="0"/>
+          <a:chOff x="0" y="0"/>
+          <a:chExt cx="0" cy="0"/>
+        </a:xfrm>
+      </p:grpSpPr>
+      <p:sp>
+        <p:nvSpPr>
+          <p:cNvPr id="4" name="Slide Number Placeholder 3">
+            <a:extLst>
+              <a:ext uri="{FF2B5EF4-FFF2-40B4-BE49-F238E27FC236}">
+                <a16:creationId xmlns:a16="http://schemas.microsoft.com/office/drawing/2014/main" id="{93B04E02-80F0-44FD-86C2-044645213E6D}"/>
+              </a:ext>
+            </a:extLst>
+          </p:cNvPr>
+          <p:cNvSpPr>
+            <a:spLocks noGrp="1"/>
+          </p:cNvSpPr>
+          <p:nvPr>
+            <p:ph type="sldNum" sz="quarter" idx="12"/>
+          </p:nvPr>
+        </p:nvSpPr>
+        <p:spPr/>
+        <p:txBody>
+          <a:bodyPr/>
+          <a:lstStyle/>
+          <a:p>
+            <a:fld id="{856BCB40-DA03-48F7-A2D3-509646EF08FA}" type="slidenum">
+              <a:rPr lang="en-US" smtClean="0"/>
+              <a:t>24</a:t>
+            </a:fld>
+            <a:endParaRPr lang="en-US"/>
+          </a:p>
+        </p:txBody>
+      </p:sp>
+      <p:sp>
+        <p:nvSpPr>
+          <p:cNvPr id="5" name="Rectangle 4">
+            <a:extLst>
+              <a:ext uri="{FF2B5EF4-FFF2-40B4-BE49-F238E27FC236}">
+                <a16:creationId xmlns:a16="http://schemas.microsoft.com/office/drawing/2014/main" id="{D6376FFB-BDAF-4C73-8A1B-D6CBEB919106}"/>
+              </a:ext>
+            </a:extLst>
+          </p:cNvPr>
+          <p:cNvSpPr/>
+          <p:nvPr/>
+        </p:nvSpPr>
+        <p:spPr>
+          <a:xfrm>
+            <a:off x="1540925" y="125574"/>
+            <a:ext cx="9110147" cy="1107996"/>
+          </a:xfrm>
+          <a:prstGeom prst="rect">
+            <a:avLst/>
+          </a:prstGeom>
+        </p:spPr>
+        <p:txBody>
+          <a:bodyPr wrap="square">
+            <a:spAutoFit/>
+          </a:bodyPr>
+          <a:lstStyle/>
+          <a:p>
+            <a:pPr algn="ctr"/>
+            <a:r>
+              <a:rPr lang="en-US" sz="6600" b="1" dirty="0">
+                <a:latin typeface="TH Sarabun New" panose="020B0500040200020003" pitchFamily="34" charset="-34"/>
+                <a:cs typeface="Andalus" panose="02010000000000000000" pitchFamily="2" charset="-78"/>
+              </a:rPr>
+              <a:t>Class Diagram Attendance</a:t>
+            </a:r>
+            <a:endParaRPr lang="en-US" sz="8800" b="1" dirty="0">
+              <a:cs typeface="Andalus" panose="02010000000000000000" pitchFamily="2" charset="-78"/>
+            </a:endParaRPr>
+          </a:p>
+        </p:txBody>
+      </p:sp>
+      <p:pic>
+        <p:nvPicPr>
+          <p:cNvPr id="2" name="Picture 1">
+            <a:extLst>
+              <a:ext uri="{FF2B5EF4-FFF2-40B4-BE49-F238E27FC236}">
+                <a16:creationId xmlns:a16="http://schemas.microsoft.com/office/drawing/2014/main" id="{3B7F2C3B-5900-4080-83F9-1237AE99A9B6}"/>
+              </a:ext>
+            </a:extLst>
+          </p:cNvPr>
+          <p:cNvPicPr>
+            <a:picLocks noChangeAspect="1"/>
+          </p:cNvPicPr>
+          <p:nvPr/>
+        </p:nvPicPr>
+        <p:blipFill>
+          <a:blip r:embed="rId2"/>
+          <a:stretch>
+            <a:fillRect/>
+          </a:stretch>
+        </p:blipFill>
+        <p:spPr>
+          <a:xfrm>
+            <a:off x="1887190" y="1069666"/>
+            <a:ext cx="8417616" cy="5662760"/>
+          </a:xfrm>
+          <a:prstGeom prst="rect">
+            <a:avLst/>
+          </a:prstGeom>
+        </p:spPr>
+      </p:pic>
+    </p:spTree>
+    <p:extLst>
+      <p:ext uri="{BB962C8B-B14F-4D97-AF65-F5344CB8AC3E}">
+        <p14:creationId xmlns:p14="http://schemas.microsoft.com/office/powerpoint/2010/main" val="3415566253"/>
+      </p:ext>
+    </p:extLst>
+  </p:cSld>
+  <p:clrMapOvr>
+    <a:masterClrMapping/>
+  </p:clrMapOvr>
+</p:sld>
+</file>
+
+<file path=ppt/slides/slide25.xml><?xml version="1.0" encoding="utf-8"?>
+<p:sld xmlns:a="http://schemas.openxmlformats.org/drawingml/2006/main" xmlns:r="http://schemas.openxmlformats.org/officeDocument/2006/relationships" xmlns:p="http://schemas.openxmlformats.org/presentationml/2006/main">
+  <p:cSld>
+    <p:spTree>
+      <p:nvGrpSpPr>
+        <p:cNvPr id="1" name=""/>
+        <p:cNvGrpSpPr/>
+        <p:nvPr/>
+      </p:nvGrpSpPr>
+      <p:grpSpPr>
+        <a:xfrm>
+          <a:off x="0" y="0"/>
+          <a:ext cx="0" cy="0"/>
+          <a:chOff x="0" y="0"/>
+          <a:chExt cx="0" cy="0"/>
+        </a:xfrm>
+      </p:grpSpPr>
+      <p:sp>
+        <p:nvSpPr>
           <p:cNvPr id="4" name="Slide Number Placeholder 3">
             <a:extLst>
               <a:ext uri="{FF2B5EF4-FFF2-40B4-BE49-F238E27FC236}">
@@ -9034,7 +9350,7 @@
           <a:p>
             <a:fld id="{856BCB40-DA03-48F7-A2D3-509646EF08FA}" type="slidenum">
               <a:rPr lang="en-US" smtClean="0"/>
-              <a:t>22</a:t>
+              <a:t>25</a:t>
             </a:fld>
             <a:endParaRPr lang="en-US"/>
           </a:p>
@@ -9056,7 +9372,7 @@
         </p:nvSpPr>
         <p:spPr>
           <a:xfrm>
-            <a:off x="782958" y="2516700"/>
+            <a:off x="782958" y="2397430"/>
             <a:ext cx="10626083" cy="1400530"/>
           </a:xfrm>
           <a:prstGeom prst="rect">
@@ -9143,349 +9459,23 @@
             <a:pPr algn="ctr"/>
             <a:r>
               <a:rPr lang="en-US" sz="6000" b="1" dirty="0"/>
-              <a:t>Activity Diagram </a:t>
-            </a:r>
-          </a:p>
-          <a:p>
-            <a:pPr algn="ctr"/>
-            <a:r>
-              <a:rPr lang="en-US" sz="6000" b="1" dirty="0"/>
-              <a:t>Create new account</a:t>
+              <a:t>Activity</a:t>
+            </a:r>
+            <a:r>
+              <a:rPr lang="en-US" sz="6600" b="1" dirty="0"/>
+              <a:t> Diagram Attendance</a:t>
             </a:r>
             <a:br>
-              <a:rPr lang="en-US" sz="6000" b="1" dirty="0"/>
+              <a:rPr lang="en-US" sz="6600" b="1" dirty="0"/>
             </a:br>
-            <a:endParaRPr lang="en-US" sz="6000" b="1" dirty="0"/>
+            <a:endParaRPr lang="en-US" sz="6600" b="1" dirty="0"/>
           </a:p>
         </p:txBody>
       </p:sp>
     </p:spTree>
     <p:extLst>
       <p:ext uri="{BB962C8B-B14F-4D97-AF65-F5344CB8AC3E}">
-        <p14:creationId xmlns:p14="http://schemas.microsoft.com/office/powerpoint/2010/main" val="873911441"/>
-      </p:ext>
-    </p:extLst>
-  </p:cSld>
-  <p:clrMapOvr>
-    <a:masterClrMapping/>
-  </p:clrMapOvr>
-</p:sld>
-</file>
-
-<file path=ppt/slides/slide23.xml><?xml version="1.0" encoding="utf-8"?>
-<p:sld xmlns:a="http://schemas.openxmlformats.org/drawingml/2006/main" xmlns:r="http://schemas.openxmlformats.org/officeDocument/2006/relationships" xmlns:p="http://schemas.openxmlformats.org/presentationml/2006/main">
-  <p:cSld>
-    <p:spTree>
-      <p:nvGrpSpPr>
-        <p:cNvPr id="1" name=""/>
-        <p:cNvGrpSpPr/>
-        <p:nvPr/>
-      </p:nvGrpSpPr>
-      <p:grpSpPr>
-        <a:xfrm>
-          <a:off x="0" y="0"/>
-          <a:ext cx="0" cy="0"/>
-          <a:chOff x="0" y="0"/>
-          <a:chExt cx="0" cy="0"/>
-        </a:xfrm>
-      </p:grpSpPr>
-      <p:sp>
-        <p:nvSpPr>
-          <p:cNvPr id="4" name="Slide Number Placeholder 3">
-            <a:extLst>
-              <a:ext uri="{FF2B5EF4-FFF2-40B4-BE49-F238E27FC236}">
-                <a16:creationId xmlns:a16="http://schemas.microsoft.com/office/drawing/2014/main" id="{CBC505C8-107C-4F2E-AF0C-7E7C0E308541}"/>
-              </a:ext>
-            </a:extLst>
-          </p:cNvPr>
-          <p:cNvSpPr>
-            <a:spLocks noGrp="1"/>
-          </p:cNvSpPr>
-          <p:nvPr>
-            <p:ph type="sldNum" sz="quarter" idx="12"/>
-          </p:nvPr>
-        </p:nvSpPr>
-        <p:spPr/>
-        <p:txBody>
-          <a:bodyPr/>
-          <a:lstStyle/>
-          <a:p>
-            <a:fld id="{856BCB40-DA03-48F7-A2D3-509646EF08FA}" type="slidenum">
-              <a:rPr lang="en-US" smtClean="0"/>
-              <a:t>23</a:t>
-            </a:fld>
-            <a:endParaRPr lang="en-US"/>
-          </a:p>
-        </p:txBody>
-      </p:sp>
-      <p:pic>
-        <p:nvPicPr>
-          <p:cNvPr id="2" name="Picture 1">
-            <a:extLst>
-              <a:ext uri="{FF2B5EF4-FFF2-40B4-BE49-F238E27FC236}">
-                <a16:creationId xmlns:a16="http://schemas.microsoft.com/office/drawing/2014/main" id="{3C1BD685-0756-4B9C-BF59-6D49ECA124BF}"/>
-              </a:ext>
-            </a:extLst>
-          </p:cNvPr>
-          <p:cNvPicPr>
-            <a:picLocks noChangeAspect="1"/>
-          </p:cNvPicPr>
-          <p:nvPr/>
-        </p:nvPicPr>
-        <p:blipFill>
-          <a:blip r:embed="rId2"/>
-          <a:stretch>
-            <a:fillRect/>
-          </a:stretch>
-        </p:blipFill>
-        <p:spPr>
-          <a:xfrm>
-            <a:off x="3054457" y="0"/>
-            <a:ext cx="6083085" cy="6858000"/>
-          </a:xfrm>
-          <a:prstGeom prst="rect">
-            <a:avLst/>
-          </a:prstGeom>
-        </p:spPr>
-      </p:pic>
-    </p:spTree>
-    <p:extLst>
-      <p:ext uri="{BB962C8B-B14F-4D97-AF65-F5344CB8AC3E}">
-        <p14:creationId xmlns:p14="http://schemas.microsoft.com/office/powerpoint/2010/main" val="3642993503"/>
-      </p:ext>
-    </p:extLst>
-  </p:cSld>
-  <p:clrMapOvr>
-    <a:masterClrMapping/>
-  </p:clrMapOvr>
-</p:sld>
-</file>
-
-<file path=ppt/slides/slide24.xml><?xml version="1.0" encoding="utf-8"?>
-<p:sld xmlns:a="http://schemas.openxmlformats.org/drawingml/2006/main" xmlns:r="http://schemas.openxmlformats.org/officeDocument/2006/relationships" xmlns:p="http://schemas.openxmlformats.org/presentationml/2006/main">
-  <p:cSld>
-    <p:spTree>
-      <p:nvGrpSpPr>
-        <p:cNvPr id="1" name=""/>
-        <p:cNvGrpSpPr/>
-        <p:nvPr/>
-      </p:nvGrpSpPr>
-      <p:grpSpPr>
-        <a:xfrm>
-          <a:off x="0" y="0"/>
-          <a:ext cx="0" cy="0"/>
-          <a:chOff x="0" y="0"/>
-          <a:chExt cx="0" cy="0"/>
-        </a:xfrm>
-      </p:grpSpPr>
-      <p:sp>
-        <p:nvSpPr>
-          <p:cNvPr id="4" name="Slide Number Placeholder 3">
-            <a:extLst>
-              <a:ext uri="{FF2B5EF4-FFF2-40B4-BE49-F238E27FC236}">
-                <a16:creationId xmlns:a16="http://schemas.microsoft.com/office/drawing/2014/main" id="{3E17E1F1-C756-4263-9523-1CD31C656259}"/>
-              </a:ext>
-            </a:extLst>
-          </p:cNvPr>
-          <p:cNvSpPr>
-            <a:spLocks noGrp="1"/>
-          </p:cNvSpPr>
-          <p:nvPr>
-            <p:ph type="sldNum" sz="quarter" idx="12"/>
-          </p:nvPr>
-        </p:nvSpPr>
-        <p:spPr/>
-        <p:txBody>
-          <a:bodyPr/>
-          <a:lstStyle/>
-          <a:p>
-            <a:fld id="{856BCB40-DA03-48F7-A2D3-509646EF08FA}" type="slidenum">
-              <a:rPr lang="en-US" smtClean="0"/>
-              <a:t>24</a:t>
-            </a:fld>
-            <a:endParaRPr lang="en-US"/>
-          </a:p>
-        </p:txBody>
-      </p:sp>
-      <p:sp>
-        <p:nvSpPr>
-          <p:cNvPr id="7" name="Title 1">
-            <a:extLst>
-              <a:ext uri="{FF2B5EF4-FFF2-40B4-BE49-F238E27FC236}">
-                <a16:creationId xmlns:a16="http://schemas.microsoft.com/office/drawing/2014/main" id="{B1EDFCA7-4935-4B01-AB7E-2D76D03B0BEF}"/>
-              </a:ext>
-            </a:extLst>
-          </p:cNvPr>
-          <p:cNvSpPr>
-            <a:spLocks noGrp="1"/>
-          </p:cNvSpPr>
-          <p:nvPr>
-            <p:ph type="title"/>
-          </p:nvPr>
-        </p:nvSpPr>
-        <p:spPr>
-          <a:xfrm>
-            <a:off x="782958" y="143703"/>
-            <a:ext cx="10626083" cy="2254082"/>
-          </a:xfrm>
-        </p:spPr>
-        <p:txBody>
-          <a:bodyPr/>
-          <a:lstStyle/>
-          <a:p>
-            <a:pPr algn="ctr"/>
-            <a:r>
-              <a:rPr lang="en-US" sz="3600" b="1" dirty="0"/>
-              <a:t>User Interface</a:t>
-            </a:r>
-            <a:br>
-              <a:rPr lang="en-US" sz="3600" b="1" dirty="0"/>
-            </a:br>
-            <a:r>
-              <a:rPr lang="en-US" sz="3600" b="1" dirty="0"/>
-              <a:t>Create new account</a:t>
-            </a:r>
-            <a:br>
-              <a:rPr lang="en-US" sz="3600" b="1" dirty="0"/>
-            </a:br>
-            <a:endParaRPr lang="en-US" sz="3600" b="1" dirty="0"/>
-          </a:p>
-        </p:txBody>
-      </p:sp>
-      <p:pic>
-        <p:nvPicPr>
-          <p:cNvPr id="3" name="Picture 2">
-            <a:extLst>
-              <a:ext uri="{FF2B5EF4-FFF2-40B4-BE49-F238E27FC236}">
-                <a16:creationId xmlns:a16="http://schemas.microsoft.com/office/drawing/2014/main" id="{E9C0695B-E202-4326-B261-B8D2CAFE0848}"/>
-              </a:ext>
-            </a:extLst>
-          </p:cNvPr>
-          <p:cNvPicPr>
-            <a:picLocks noChangeAspect="1"/>
-          </p:cNvPicPr>
-          <p:nvPr/>
-        </p:nvPicPr>
-        <p:blipFill>
-          <a:blip r:embed="rId2"/>
-          <a:stretch>
-            <a:fillRect/>
-          </a:stretch>
-        </p:blipFill>
-        <p:spPr>
-          <a:xfrm>
-            <a:off x="-1" y="1261818"/>
-            <a:ext cx="12192000" cy="5596182"/>
-          </a:xfrm>
-          <a:prstGeom prst="rect">
-            <a:avLst/>
-          </a:prstGeom>
-        </p:spPr>
-      </p:pic>
-    </p:spTree>
-    <p:extLst>
-      <p:ext uri="{BB962C8B-B14F-4D97-AF65-F5344CB8AC3E}">
-        <p14:creationId xmlns:p14="http://schemas.microsoft.com/office/powerpoint/2010/main" val="2481888106"/>
-      </p:ext>
-    </p:extLst>
-  </p:cSld>
-  <p:clrMapOvr>
-    <a:masterClrMapping/>
-  </p:clrMapOvr>
-</p:sld>
-</file>
-
-<file path=ppt/slides/slide25.xml><?xml version="1.0" encoding="utf-8"?>
-<p:sld xmlns:a="http://schemas.openxmlformats.org/drawingml/2006/main" xmlns:r="http://schemas.openxmlformats.org/officeDocument/2006/relationships" xmlns:p="http://schemas.openxmlformats.org/presentationml/2006/main">
-  <p:cSld>
-    <p:spTree>
-      <p:nvGrpSpPr>
-        <p:cNvPr id="1" name=""/>
-        <p:cNvGrpSpPr/>
-        <p:nvPr/>
-      </p:nvGrpSpPr>
-      <p:grpSpPr>
-        <a:xfrm>
-          <a:off x="0" y="0"/>
-          <a:ext cx="0" cy="0"/>
-          <a:chOff x="0" y="0"/>
-          <a:chExt cx="0" cy="0"/>
-        </a:xfrm>
-      </p:grpSpPr>
-      <p:sp>
-        <p:nvSpPr>
-          <p:cNvPr id="2" name="Title 1">
-            <a:extLst>
-              <a:ext uri="{FF2B5EF4-FFF2-40B4-BE49-F238E27FC236}">
-                <a16:creationId xmlns:a16="http://schemas.microsoft.com/office/drawing/2014/main" id="{89E05A28-06C8-49A2-A759-6124FBE09FB0}"/>
-              </a:ext>
-            </a:extLst>
-          </p:cNvPr>
-          <p:cNvSpPr>
-            <a:spLocks noGrp="1"/>
-          </p:cNvSpPr>
-          <p:nvPr>
-            <p:ph type="title"/>
-          </p:nvPr>
-        </p:nvSpPr>
-        <p:spPr>
-          <a:xfrm>
-            <a:off x="491411" y="2728735"/>
-            <a:ext cx="11209178" cy="1400530"/>
-          </a:xfrm>
-        </p:spPr>
-        <p:txBody>
-          <a:bodyPr/>
-          <a:lstStyle/>
-          <a:p>
-            <a:pPr algn="ctr"/>
-            <a:r>
-              <a:rPr lang="en-US" sz="8800" b="1" dirty="0">
-                <a:solidFill>
-                  <a:schemeClr val="accent2">
-                    <a:lumMod val="60000"/>
-                    <a:lumOff val="40000"/>
-                  </a:schemeClr>
-                </a:solidFill>
-              </a:rPr>
-              <a:t>ATTENDANCE</a:t>
-            </a:r>
-          </a:p>
-        </p:txBody>
-      </p:sp>
-      <p:sp>
-        <p:nvSpPr>
-          <p:cNvPr id="4" name="Slide Number Placeholder 3">
-            <a:extLst>
-              <a:ext uri="{FF2B5EF4-FFF2-40B4-BE49-F238E27FC236}">
-                <a16:creationId xmlns:a16="http://schemas.microsoft.com/office/drawing/2014/main" id="{D1B85F67-A45C-4FC7-B75D-DFF096FEE71B}"/>
-              </a:ext>
-            </a:extLst>
-          </p:cNvPr>
-          <p:cNvSpPr>
-            <a:spLocks noGrp="1"/>
-          </p:cNvSpPr>
-          <p:nvPr>
-            <p:ph type="sldNum" sz="quarter" idx="12"/>
-          </p:nvPr>
-        </p:nvSpPr>
-        <p:spPr/>
-        <p:txBody>
-          <a:bodyPr/>
-          <a:lstStyle/>
-          <a:p>
-            <a:fld id="{856BCB40-DA03-48F7-A2D3-509646EF08FA}" type="slidenum">
-              <a:rPr lang="en-US" smtClean="0"/>
-              <a:t>25</a:t>
-            </a:fld>
-            <a:endParaRPr lang="en-US"/>
-          </a:p>
-        </p:txBody>
-      </p:sp>
-    </p:spTree>
-    <p:extLst>
-      <p:ext uri="{BB962C8B-B14F-4D97-AF65-F5344CB8AC3E}">
-        <p14:creationId xmlns:p14="http://schemas.microsoft.com/office/powerpoint/2010/main" val="4086220265"/>
+        <p14:creationId xmlns:p14="http://schemas.microsoft.com/office/powerpoint/2010/main" val="630191201"/>
       </p:ext>
     </p:extLst>
   </p:cSld>
@@ -9517,7 +9507,7 @@
           <p:cNvPr id="4" name="Slide Number Placeholder 3">
             <a:extLst>
               <a:ext uri="{FF2B5EF4-FFF2-40B4-BE49-F238E27FC236}">
-                <a16:creationId xmlns:a16="http://schemas.microsoft.com/office/drawing/2014/main" id="{93B04E02-80F0-44FD-86C2-044645213E6D}"/>
+                <a16:creationId xmlns:a16="http://schemas.microsoft.com/office/drawing/2014/main" id="{CBC505C8-107C-4F2E-AF0C-7E7C0E308541}"/>
               </a:ext>
             </a:extLst>
           </p:cNvPr>
@@ -9541,53 +9531,12 @@
           </a:p>
         </p:txBody>
       </p:sp>
-      <p:sp>
-        <p:nvSpPr>
-          <p:cNvPr id="5" name="Rectangle 4">
+      <p:pic>
+        <p:nvPicPr>
+          <p:cNvPr id="2" name="Picture 1">
             <a:extLst>
               <a:ext uri="{FF2B5EF4-FFF2-40B4-BE49-F238E27FC236}">
-                <a16:creationId xmlns:a16="http://schemas.microsoft.com/office/drawing/2014/main" id="{D6376FFB-BDAF-4C73-8A1B-D6CBEB919106}"/>
-              </a:ext>
-            </a:extLst>
-          </p:cNvPr>
-          <p:cNvSpPr/>
-          <p:nvPr/>
-        </p:nvSpPr>
-        <p:spPr>
-          <a:xfrm>
-            <a:off x="1540925" y="125574"/>
-            <a:ext cx="9110147" cy="1107996"/>
-          </a:xfrm>
-          <a:prstGeom prst="rect">
-            <a:avLst/>
-          </a:prstGeom>
-        </p:spPr>
-        <p:txBody>
-          <a:bodyPr wrap="square">
-            <a:spAutoFit/>
-          </a:bodyPr>
-          <a:lstStyle/>
-          <a:p>
-            <a:pPr algn="ctr"/>
-            <a:r>
-              <a:rPr lang="en-US" sz="6600" b="1" dirty="0">
-                <a:latin typeface="TH Sarabun New" panose="020B0500040200020003" pitchFamily="34" charset="-34"/>
-                <a:cs typeface="Andalus" panose="02010000000000000000" pitchFamily="2" charset="-78"/>
-              </a:rPr>
-              <a:t>Class Diagram Attendance</a:t>
-            </a:r>
-            <a:endParaRPr lang="en-US" sz="8800" b="1" dirty="0">
-              <a:cs typeface="Andalus" panose="02010000000000000000" pitchFamily="2" charset="-78"/>
-            </a:endParaRPr>
-          </a:p>
-        </p:txBody>
-      </p:sp>
-      <p:pic>
-        <p:nvPicPr>
-          <p:cNvPr id="3" name="Picture 2">
-            <a:extLst>
-              <a:ext uri="{FF2B5EF4-FFF2-40B4-BE49-F238E27FC236}">
-                <a16:creationId xmlns:a16="http://schemas.microsoft.com/office/drawing/2014/main" id="{948ACD20-0589-47FB-8E4C-A1D38CBA6A19}"/>
+                <a16:creationId xmlns:a16="http://schemas.microsoft.com/office/drawing/2014/main" id="{052A1305-3E05-4591-AB7F-2615AFECECEA}"/>
               </a:ext>
             </a:extLst>
           </p:cNvPr>
@@ -9604,8 +9553,8 @@
         </p:blipFill>
         <p:spPr>
           <a:xfrm>
-            <a:off x="139136" y="1063416"/>
-            <a:ext cx="11913723" cy="5669010"/>
+            <a:off x="3031037" y="0"/>
+            <a:ext cx="6129925" cy="6858000"/>
           </a:xfrm>
           <a:prstGeom prst="rect">
             <a:avLst/>
@@ -9615,7 +9564,7 @@
     </p:spTree>
     <p:extLst>
       <p:ext uri="{BB962C8B-B14F-4D97-AF65-F5344CB8AC3E}">
-        <p14:creationId xmlns:p14="http://schemas.microsoft.com/office/powerpoint/2010/main" val="3415566253"/>
+        <p14:creationId xmlns:p14="http://schemas.microsoft.com/office/powerpoint/2010/main" val="2046997341"/>
       </p:ext>
     </p:extLst>
   </p:cSld>
@@ -9647,7 +9596,7 @@
           <p:cNvPr id="4" name="Slide Number Placeholder 3">
             <a:extLst>
               <a:ext uri="{FF2B5EF4-FFF2-40B4-BE49-F238E27FC236}">
-                <a16:creationId xmlns:a16="http://schemas.microsoft.com/office/drawing/2014/main" id="{DD3164EF-B06B-4941-A289-950E933B5D09}"/>
+                <a16:creationId xmlns:a16="http://schemas.microsoft.com/office/drawing/2014/main" id="{3E17E1F1-C756-4263-9523-1CD31C656259}"/>
               </a:ext>
             </a:extLst>
           </p:cNvPr>
@@ -9673,10 +9622,244 @@
       </p:sp>
       <p:sp>
         <p:nvSpPr>
-          <p:cNvPr id="5" name="Title 1">
+          <p:cNvPr id="7" name="Title 1">
             <a:extLst>
               <a:ext uri="{FF2B5EF4-FFF2-40B4-BE49-F238E27FC236}">
-                <a16:creationId xmlns:a16="http://schemas.microsoft.com/office/drawing/2014/main" id="{35D9C864-BB91-4ED1-B305-735A8F407F9C}"/>
+                <a16:creationId xmlns:a16="http://schemas.microsoft.com/office/drawing/2014/main" id="{B1EDFCA7-4935-4B01-AB7E-2D76D03B0BEF}"/>
+              </a:ext>
+            </a:extLst>
+          </p:cNvPr>
+          <p:cNvSpPr>
+            <a:spLocks noGrp="1"/>
+          </p:cNvSpPr>
+          <p:nvPr>
+            <p:ph type="title"/>
+          </p:nvPr>
+        </p:nvSpPr>
+        <p:spPr>
+          <a:xfrm>
+            <a:off x="782958" y="143703"/>
+            <a:ext cx="10626083" cy="2254082"/>
+          </a:xfrm>
+        </p:spPr>
+        <p:txBody>
+          <a:bodyPr/>
+          <a:lstStyle/>
+          <a:p>
+            <a:pPr algn="ctr"/>
+            <a:r>
+              <a:rPr lang="en-US" sz="3600" b="1" dirty="0"/>
+              <a:t>User Interface</a:t>
+            </a:r>
+            <a:br>
+              <a:rPr lang="en-US" sz="3600" b="1" dirty="0"/>
+            </a:br>
+            <a:r>
+              <a:rPr lang="en-US" sz="3600" b="1" dirty="0"/>
+              <a:t>Attendance</a:t>
+            </a:r>
+            <a:br>
+              <a:rPr lang="en-US" sz="3600" b="1" dirty="0"/>
+            </a:br>
+            <a:endParaRPr lang="en-US" sz="3600" b="1" dirty="0"/>
+          </a:p>
+        </p:txBody>
+      </p:sp>
+      <p:pic>
+        <p:nvPicPr>
+          <p:cNvPr id="2" name="Picture 1">
+            <a:extLst>
+              <a:ext uri="{FF2B5EF4-FFF2-40B4-BE49-F238E27FC236}">
+                <a16:creationId xmlns:a16="http://schemas.microsoft.com/office/drawing/2014/main" id="{1DF148FC-6921-4F7E-85F8-11511333EF6C}"/>
+              </a:ext>
+            </a:extLst>
+          </p:cNvPr>
+          <p:cNvPicPr>
+            <a:picLocks noChangeAspect="1"/>
+          </p:cNvPicPr>
+          <p:nvPr/>
+        </p:nvPicPr>
+        <p:blipFill>
+          <a:blip r:embed="rId2"/>
+          <a:stretch>
+            <a:fillRect/>
+          </a:stretch>
+        </p:blipFill>
+        <p:spPr>
+          <a:xfrm>
+            <a:off x="-1" y="1270744"/>
+            <a:ext cx="12192000" cy="5587256"/>
+          </a:xfrm>
+          <a:prstGeom prst="rect">
+            <a:avLst/>
+          </a:prstGeom>
+        </p:spPr>
+      </p:pic>
+    </p:spTree>
+    <p:extLst>
+      <p:ext uri="{BB962C8B-B14F-4D97-AF65-F5344CB8AC3E}">
+        <p14:creationId xmlns:p14="http://schemas.microsoft.com/office/powerpoint/2010/main" val="1888168863"/>
+      </p:ext>
+    </p:extLst>
+  </p:cSld>
+  <p:clrMapOvr>
+    <a:masterClrMapping/>
+  </p:clrMapOvr>
+</p:sld>
+</file>
+
+<file path=ppt/slides/slide28.xml><?xml version="1.0" encoding="utf-8"?>
+<p:sld xmlns:a="http://schemas.openxmlformats.org/drawingml/2006/main" xmlns:r="http://schemas.openxmlformats.org/officeDocument/2006/relationships" xmlns:p="http://schemas.openxmlformats.org/presentationml/2006/main">
+  <p:cSld>
+    <p:spTree>
+      <p:nvGrpSpPr>
+        <p:cNvPr id="1" name=""/>
+        <p:cNvGrpSpPr/>
+        <p:nvPr/>
+      </p:nvGrpSpPr>
+      <p:grpSpPr>
+        <a:xfrm>
+          <a:off x="0" y="0"/>
+          <a:ext cx="0" cy="0"/>
+          <a:chOff x="0" y="0"/>
+          <a:chExt cx="0" cy="0"/>
+        </a:xfrm>
+      </p:grpSpPr>
+      <p:sp>
+        <p:nvSpPr>
+          <p:cNvPr id="2" name="Title 1">
+            <a:extLst>
+              <a:ext uri="{FF2B5EF4-FFF2-40B4-BE49-F238E27FC236}">
+                <a16:creationId xmlns:a16="http://schemas.microsoft.com/office/drawing/2014/main" id="{89E05A28-06C8-49A2-A759-6124FBE09FB0}"/>
+              </a:ext>
+            </a:extLst>
+          </p:cNvPr>
+          <p:cNvSpPr>
+            <a:spLocks noGrp="1"/>
+          </p:cNvSpPr>
+          <p:nvPr>
+            <p:ph type="title"/>
+          </p:nvPr>
+        </p:nvSpPr>
+        <p:spPr>
+          <a:xfrm>
+            <a:off x="491411" y="2028470"/>
+            <a:ext cx="11209178" cy="1400530"/>
+          </a:xfrm>
+        </p:spPr>
+        <p:txBody>
+          <a:bodyPr/>
+          <a:lstStyle/>
+          <a:p>
+            <a:pPr algn="ctr"/>
+            <a:r>
+              <a:rPr lang="en-US" sz="8800" b="1" dirty="0">
+                <a:solidFill>
+                  <a:schemeClr val="accent3">
+                    <a:lumMod val="60000"/>
+                    <a:lumOff val="40000"/>
+                  </a:schemeClr>
+                </a:solidFill>
+              </a:rPr>
+              <a:t>DATA ATTENDANCE</a:t>
+            </a:r>
+          </a:p>
+        </p:txBody>
+      </p:sp>
+      <p:sp>
+        <p:nvSpPr>
+          <p:cNvPr id="4" name="Slide Number Placeholder 3">
+            <a:extLst>
+              <a:ext uri="{FF2B5EF4-FFF2-40B4-BE49-F238E27FC236}">
+                <a16:creationId xmlns:a16="http://schemas.microsoft.com/office/drawing/2014/main" id="{D1B85F67-A45C-4FC7-B75D-DFF096FEE71B}"/>
+              </a:ext>
+            </a:extLst>
+          </p:cNvPr>
+          <p:cNvSpPr>
+            <a:spLocks noGrp="1"/>
+          </p:cNvSpPr>
+          <p:nvPr>
+            <p:ph type="sldNum" sz="quarter" idx="12"/>
+          </p:nvPr>
+        </p:nvSpPr>
+        <p:spPr/>
+        <p:txBody>
+          <a:bodyPr/>
+          <a:lstStyle/>
+          <a:p>
+            <a:fld id="{856BCB40-DA03-48F7-A2D3-509646EF08FA}" type="slidenum">
+              <a:rPr lang="en-US" smtClean="0"/>
+              <a:t>28</a:t>
+            </a:fld>
+            <a:endParaRPr lang="en-US"/>
+          </a:p>
+        </p:txBody>
+      </p:sp>
+    </p:spTree>
+    <p:extLst>
+      <p:ext uri="{BB962C8B-B14F-4D97-AF65-F5344CB8AC3E}">
+        <p14:creationId xmlns:p14="http://schemas.microsoft.com/office/powerpoint/2010/main" val="2359476511"/>
+      </p:ext>
+    </p:extLst>
+  </p:cSld>
+  <p:clrMapOvr>
+    <a:masterClrMapping/>
+  </p:clrMapOvr>
+</p:sld>
+</file>
+
+<file path=ppt/slides/slide29.xml><?xml version="1.0" encoding="utf-8"?>
+<p:sld xmlns:a="http://schemas.openxmlformats.org/drawingml/2006/main" xmlns:r="http://schemas.openxmlformats.org/officeDocument/2006/relationships" xmlns:p="http://schemas.openxmlformats.org/presentationml/2006/main">
+  <p:cSld>
+    <p:spTree>
+      <p:nvGrpSpPr>
+        <p:cNvPr id="1" name=""/>
+        <p:cNvGrpSpPr/>
+        <p:nvPr/>
+      </p:nvGrpSpPr>
+      <p:grpSpPr>
+        <a:xfrm>
+          <a:off x="0" y="0"/>
+          <a:ext cx="0" cy="0"/>
+          <a:chOff x="0" y="0"/>
+          <a:chExt cx="0" cy="0"/>
+        </a:xfrm>
+      </p:grpSpPr>
+      <p:sp>
+        <p:nvSpPr>
+          <p:cNvPr id="4" name="Slide Number Placeholder 3">
+            <a:extLst>
+              <a:ext uri="{FF2B5EF4-FFF2-40B4-BE49-F238E27FC236}">
+                <a16:creationId xmlns:a16="http://schemas.microsoft.com/office/drawing/2014/main" id="{CBC505C8-107C-4F2E-AF0C-7E7C0E308541}"/>
+              </a:ext>
+            </a:extLst>
+          </p:cNvPr>
+          <p:cNvSpPr>
+            <a:spLocks noGrp="1"/>
+          </p:cNvSpPr>
+          <p:nvPr>
+            <p:ph type="sldNum" sz="quarter" idx="12"/>
+          </p:nvPr>
+        </p:nvSpPr>
+        <p:spPr/>
+        <p:txBody>
+          <a:bodyPr/>
+          <a:lstStyle/>
+          <a:p>
+            <a:fld id="{856BCB40-DA03-48F7-A2D3-509646EF08FA}" type="slidenum">
+              <a:rPr lang="en-US" smtClean="0"/>
+              <a:t>29</a:t>
+            </a:fld>
+            <a:endParaRPr lang="en-US"/>
+          </a:p>
+        </p:txBody>
+      </p:sp>
+      <p:sp>
+        <p:nvSpPr>
+          <p:cNvPr id="3" name="Title 1">
+            <a:extLst>
+              <a:ext uri="{FF2B5EF4-FFF2-40B4-BE49-F238E27FC236}">
+                <a16:creationId xmlns:a16="http://schemas.microsoft.com/office/drawing/2014/main" id="{FDCF00B9-CD68-49E7-9CBF-DC5419D1CEC9}"/>
               </a:ext>
             </a:extLst>
           </p:cNvPr>
@@ -9687,8 +9870,8 @@
         </p:nvSpPr>
         <p:spPr>
           <a:xfrm>
-            <a:off x="782958" y="2397430"/>
-            <a:ext cx="10626083" cy="1400530"/>
+            <a:off x="782958" y="2450439"/>
+            <a:ext cx="10626083" cy="1869769"/>
           </a:xfrm>
           <a:prstGeom prst="rect">
             <a:avLst/>
@@ -9774,246 +9957,26 @@
             <a:pPr algn="ctr"/>
             <a:r>
               <a:rPr lang="en-US" sz="6000" b="1" dirty="0"/>
-              <a:t>Activity</a:t>
-            </a:r>
-            <a:r>
-              <a:rPr lang="en-US" sz="6600" b="1" dirty="0"/>
-              <a:t> Diagram Attendance</a:t>
+              <a:t>Activity Diagram </a:t>
+            </a:r>
+          </a:p>
+          <a:p>
+            <a:pPr algn="ctr"/>
+            <a:r>
+              <a:rPr lang="en-US" sz="6000" b="1" dirty="0"/>
+              <a:t>Data Attendance</a:t>
             </a:r>
             <a:br>
-              <a:rPr lang="en-US" sz="6600" b="1" dirty="0"/>
+              <a:rPr lang="en-US" sz="6000" b="1" dirty="0"/>
             </a:br>
-            <a:endParaRPr lang="en-US" sz="6600" b="1" dirty="0"/>
+            <a:endParaRPr lang="en-US" sz="6000" b="1" dirty="0"/>
           </a:p>
         </p:txBody>
       </p:sp>
     </p:spTree>
     <p:extLst>
       <p:ext uri="{BB962C8B-B14F-4D97-AF65-F5344CB8AC3E}">
-        <p14:creationId xmlns:p14="http://schemas.microsoft.com/office/powerpoint/2010/main" val="630191201"/>
-      </p:ext>
-    </p:extLst>
-  </p:cSld>
-  <p:clrMapOvr>
-    <a:masterClrMapping/>
-  </p:clrMapOvr>
-</p:sld>
-</file>
-
-<file path=ppt/slides/slide28.xml><?xml version="1.0" encoding="utf-8"?>
-<p:sld xmlns:a="http://schemas.openxmlformats.org/drawingml/2006/main" xmlns:r="http://schemas.openxmlformats.org/officeDocument/2006/relationships" xmlns:p="http://schemas.openxmlformats.org/presentationml/2006/main">
-  <p:cSld>
-    <p:spTree>
-      <p:nvGrpSpPr>
-        <p:cNvPr id="1" name=""/>
-        <p:cNvGrpSpPr/>
-        <p:nvPr/>
-      </p:nvGrpSpPr>
-      <p:grpSpPr>
-        <a:xfrm>
-          <a:off x="0" y="0"/>
-          <a:ext cx="0" cy="0"/>
-          <a:chOff x="0" y="0"/>
-          <a:chExt cx="0" cy="0"/>
-        </a:xfrm>
-      </p:grpSpPr>
-      <p:sp>
-        <p:nvSpPr>
-          <p:cNvPr id="4" name="Slide Number Placeholder 3">
-            <a:extLst>
-              <a:ext uri="{FF2B5EF4-FFF2-40B4-BE49-F238E27FC236}">
-                <a16:creationId xmlns:a16="http://schemas.microsoft.com/office/drawing/2014/main" id="{CBC505C8-107C-4F2E-AF0C-7E7C0E308541}"/>
-              </a:ext>
-            </a:extLst>
-          </p:cNvPr>
-          <p:cNvSpPr>
-            <a:spLocks noGrp="1"/>
-          </p:cNvSpPr>
-          <p:nvPr>
-            <p:ph type="sldNum" sz="quarter" idx="12"/>
-          </p:nvPr>
-        </p:nvSpPr>
-        <p:spPr/>
-        <p:txBody>
-          <a:bodyPr/>
-          <a:lstStyle/>
-          <a:p>
-            <a:fld id="{856BCB40-DA03-48F7-A2D3-509646EF08FA}" type="slidenum">
-              <a:rPr lang="en-US" smtClean="0"/>
-              <a:t>28</a:t>
-            </a:fld>
-            <a:endParaRPr lang="en-US"/>
-          </a:p>
-        </p:txBody>
-      </p:sp>
-      <p:pic>
-        <p:nvPicPr>
-          <p:cNvPr id="2" name="Picture 1">
-            <a:extLst>
-              <a:ext uri="{FF2B5EF4-FFF2-40B4-BE49-F238E27FC236}">
-                <a16:creationId xmlns:a16="http://schemas.microsoft.com/office/drawing/2014/main" id="{052A1305-3E05-4591-AB7F-2615AFECECEA}"/>
-              </a:ext>
-            </a:extLst>
-          </p:cNvPr>
-          <p:cNvPicPr>
-            <a:picLocks noChangeAspect="1"/>
-          </p:cNvPicPr>
-          <p:nvPr/>
-        </p:nvPicPr>
-        <p:blipFill>
-          <a:blip r:embed="rId2"/>
-          <a:stretch>
-            <a:fillRect/>
-          </a:stretch>
-        </p:blipFill>
-        <p:spPr>
-          <a:xfrm>
-            <a:off x="3031037" y="0"/>
-            <a:ext cx="6129925" cy="6858000"/>
-          </a:xfrm>
-          <a:prstGeom prst="rect">
-            <a:avLst/>
-          </a:prstGeom>
-        </p:spPr>
-      </p:pic>
-    </p:spTree>
-    <p:extLst>
-      <p:ext uri="{BB962C8B-B14F-4D97-AF65-F5344CB8AC3E}">
-        <p14:creationId xmlns:p14="http://schemas.microsoft.com/office/powerpoint/2010/main" val="2046997341"/>
-      </p:ext>
-    </p:extLst>
-  </p:cSld>
-  <p:clrMapOvr>
-    <a:masterClrMapping/>
-  </p:clrMapOvr>
-</p:sld>
-</file>
-
-<file path=ppt/slides/slide29.xml><?xml version="1.0" encoding="utf-8"?>
-<p:sld xmlns:a="http://schemas.openxmlformats.org/drawingml/2006/main" xmlns:r="http://schemas.openxmlformats.org/officeDocument/2006/relationships" xmlns:p="http://schemas.openxmlformats.org/presentationml/2006/main">
-  <p:cSld>
-    <p:spTree>
-      <p:nvGrpSpPr>
-        <p:cNvPr id="1" name=""/>
-        <p:cNvGrpSpPr/>
-        <p:nvPr/>
-      </p:nvGrpSpPr>
-      <p:grpSpPr>
-        <a:xfrm>
-          <a:off x="0" y="0"/>
-          <a:ext cx="0" cy="0"/>
-          <a:chOff x="0" y="0"/>
-          <a:chExt cx="0" cy="0"/>
-        </a:xfrm>
-      </p:grpSpPr>
-      <p:sp>
-        <p:nvSpPr>
-          <p:cNvPr id="4" name="Slide Number Placeholder 3">
-            <a:extLst>
-              <a:ext uri="{FF2B5EF4-FFF2-40B4-BE49-F238E27FC236}">
-                <a16:creationId xmlns:a16="http://schemas.microsoft.com/office/drawing/2014/main" id="{3E17E1F1-C756-4263-9523-1CD31C656259}"/>
-              </a:ext>
-            </a:extLst>
-          </p:cNvPr>
-          <p:cNvSpPr>
-            <a:spLocks noGrp="1"/>
-          </p:cNvSpPr>
-          <p:nvPr>
-            <p:ph type="sldNum" sz="quarter" idx="12"/>
-          </p:nvPr>
-        </p:nvSpPr>
-        <p:spPr/>
-        <p:txBody>
-          <a:bodyPr/>
-          <a:lstStyle/>
-          <a:p>
-            <a:fld id="{856BCB40-DA03-48F7-A2D3-509646EF08FA}" type="slidenum">
-              <a:rPr lang="en-US" smtClean="0"/>
-              <a:t>29</a:t>
-            </a:fld>
-            <a:endParaRPr lang="en-US"/>
-          </a:p>
-        </p:txBody>
-      </p:sp>
-      <p:sp>
-        <p:nvSpPr>
-          <p:cNvPr id="7" name="Title 1">
-            <a:extLst>
-              <a:ext uri="{FF2B5EF4-FFF2-40B4-BE49-F238E27FC236}">
-                <a16:creationId xmlns:a16="http://schemas.microsoft.com/office/drawing/2014/main" id="{B1EDFCA7-4935-4B01-AB7E-2D76D03B0BEF}"/>
-              </a:ext>
-            </a:extLst>
-          </p:cNvPr>
-          <p:cNvSpPr>
-            <a:spLocks noGrp="1"/>
-          </p:cNvSpPr>
-          <p:nvPr>
-            <p:ph type="title"/>
-          </p:nvPr>
-        </p:nvSpPr>
-        <p:spPr>
-          <a:xfrm>
-            <a:off x="782958" y="143703"/>
-            <a:ext cx="10626083" cy="2254082"/>
-          </a:xfrm>
-        </p:spPr>
-        <p:txBody>
-          <a:bodyPr/>
-          <a:lstStyle/>
-          <a:p>
-            <a:pPr algn="ctr"/>
-            <a:r>
-              <a:rPr lang="en-US" sz="3600" b="1" dirty="0"/>
-              <a:t>User Interface</a:t>
-            </a:r>
-            <a:br>
-              <a:rPr lang="en-US" sz="3600" b="1" dirty="0"/>
-            </a:br>
-            <a:r>
-              <a:rPr lang="en-US" sz="3600" b="1" dirty="0"/>
-              <a:t>Attendance</a:t>
-            </a:r>
-            <a:br>
-              <a:rPr lang="en-US" sz="3600" b="1" dirty="0"/>
-            </a:br>
-            <a:endParaRPr lang="en-US" sz="3600" b="1" dirty="0"/>
-          </a:p>
-        </p:txBody>
-      </p:sp>
-      <p:pic>
-        <p:nvPicPr>
-          <p:cNvPr id="3" name="Picture 2">
-            <a:extLst>
-              <a:ext uri="{FF2B5EF4-FFF2-40B4-BE49-F238E27FC236}">
-                <a16:creationId xmlns:a16="http://schemas.microsoft.com/office/drawing/2014/main" id="{4512774F-567D-4FEE-832E-52BB0B08704B}"/>
-              </a:ext>
-            </a:extLst>
-          </p:cNvPr>
-          <p:cNvPicPr>
-            <a:picLocks noChangeAspect="1"/>
-          </p:cNvPicPr>
-          <p:nvPr/>
-        </p:nvPicPr>
-        <p:blipFill>
-          <a:blip r:embed="rId2"/>
-          <a:stretch>
-            <a:fillRect/>
-          </a:stretch>
-        </p:blipFill>
-        <p:spPr>
-          <a:xfrm>
-            <a:off x="32770" y="1356180"/>
-            <a:ext cx="12126460" cy="5501820"/>
-          </a:xfrm>
-          <a:prstGeom prst="rect">
-            <a:avLst/>
-          </a:prstGeom>
-        </p:spPr>
-      </p:pic>
-    </p:spTree>
-    <p:extLst>
-      <p:ext uri="{BB962C8B-B14F-4D97-AF65-F5344CB8AC3E}">
-        <p14:creationId xmlns:p14="http://schemas.microsoft.com/office/powerpoint/2010/main" val="1888168863"/>
+        <p14:creationId xmlns:p14="http://schemas.microsoft.com/office/powerpoint/2010/main" val="634237949"/>
       </p:ext>
     </p:extLst>
   </p:cSld>
@@ -10298,51 +10261,10 @@
       </p:grpSpPr>
       <p:sp>
         <p:nvSpPr>
-          <p:cNvPr id="2" name="Title 1">
-            <a:extLst>
-              <a:ext uri="{FF2B5EF4-FFF2-40B4-BE49-F238E27FC236}">
-                <a16:creationId xmlns:a16="http://schemas.microsoft.com/office/drawing/2014/main" id="{89E05A28-06C8-49A2-A759-6124FBE09FB0}"/>
-              </a:ext>
-            </a:extLst>
-          </p:cNvPr>
-          <p:cNvSpPr>
-            <a:spLocks noGrp="1"/>
-          </p:cNvSpPr>
-          <p:nvPr>
-            <p:ph type="title"/>
-          </p:nvPr>
-        </p:nvSpPr>
-        <p:spPr>
-          <a:xfrm>
-            <a:off x="491411" y="2028470"/>
-            <a:ext cx="11209178" cy="1400530"/>
-          </a:xfrm>
-        </p:spPr>
-        <p:txBody>
-          <a:bodyPr/>
-          <a:lstStyle/>
-          <a:p>
-            <a:pPr algn="ctr"/>
-            <a:r>
-              <a:rPr lang="en-US" sz="8800" b="1" dirty="0">
-                <a:solidFill>
-                  <a:schemeClr val="accent3">
-                    <a:lumMod val="60000"/>
-                    <a:lumOff val="40000"/>
-                  </a:schemeClr>
-                </a:solidFill>
-              </a:rPr>
-              <a:t>DATA ATTENDANCE</a:t>
-            </a:r>
-          </a:p>
-        </p:txBody>
-      </p:sp>
-      <p:sp>
-        <p:nvSpPr>
           <p:cNvPr id="4" name="Slide Number Placeholder 3">
             <a:extLst>
               <a:ext uri="{FF2B5EF4-FFF2-40B4-BE49-F238E27FC236}">
-                <a16:creationId xmlns:a16="http://schemas.microsoft.com/office/drawing/2014/main" id="{D1B85F67-A45C-4FC7-B75D-DFF096FEE71B}"/>
+                <a16:creationId xmlns:a16="http://schemas.microsoft.com/office/drawing/2014/main" id="{CBC505C8-107C-4F2E-AF0C-7E7C0E308541}"/>
               </a:ext>
             </a:extLst>
           </p:cNvPr>
@@ -10366,10 +10288,40 @@
           </a:p>
         </p:txBody>
       </p:sp>
+      <p:pic>
+        <p:nvPicPr>
+          <p:cNvPr id="3" name="Picture 2">
+            <a:extLst>
+              <a:ext uri="{FF2B5EF4-FFF2-40B4-BE49-F238E27FC236}">
+                <a16:creationId xmlns:a16="http://schemas.microsoft.com/office/drawing/2014/main" id="{E7B39635-EBCC-4D59-9AA2-D1BAAA0145DE}"/>
+              </a:ext>
+            </a:extLst>
+          </p:cNvPr>
+          <p:cNvPicPr>
+            <a:picLocks noChangeAspect="1"/>
+          </p:cNvPicPr>
+          <p:nvPr/>
+        </p:nvPicPr>
+        <p:blipFill>
+          <a:blip r:embed="rId2"/>
+          <a:stretch>
+            <a:fillRect/>
+          </a:stretch>
+        </p:blipFill>
+        <p:spPr>
+          <a:xfrm>
+            <a:off x="2695575" y="85725"/>
+            <a:ext cx="6800850" cy="6686550"/>
+          </a:xfrm>
+          <a:prstGeom prst="rect">
+            <a:avLst/>
+          </a:prstGeom>
+        </p:spPr>
+      </p:pic>
     </p:spTree>
     <p:extLst>
       <p:ext uri="{BB962C8B-B14F-4D97-AF65-F5344CB8AC3E}">
-        <p14:creationId xmlns:p14="http://schemas.microsoft.com/office/powerpoint/2010/main" val="2359476511"/>
+        <p14:creationId xmlns:p14="http://schemas.microsoft.com/office/powerpoint/2010/main" val="3743428292"/>
       </p:ext>
     </p:extLst>
   </p:cSld>
@@ -10401,7 +10353,7 @@
           <p:cNvPr id="4" name="Slide Number Placeholder 3">
             <a:extLst>
               <a:ext uri="{FF2B5EF4-FFF2-40B4-BE49-F238E27FC236}">
-                <a16:creationId xmlns:a16="http://schemas.microsoft.com/office/drawing/2014/main" id="{CBC505C8-107C-4F2E-AF0C-7E7C0E308541}"/>
+                <a16:creationId xmlns:a16="http://schemas.microsoft.com/office/drawing/2014/main" id="{3E17E1F1-C756-4263-9523-1CD31C656259}"/>
               </a:ext>
             </a:extLst>
           </p:cNvPr>
@@ -10427,10 +10379,262 @@
       </p:sp>
       <p:sp>
         <p:nvSpPr>
+          <p:cNvPr id="7" name="Title 1">
+            <a:extLst>
+              <a:ext uri="{FF2B5EF4-FFF2-40B4-BE49-F238E27FC236}">
+                <a16:creationId xmlns:a16="http://schemas.microsoft.com/office/drawing/2014/main" id="{B1EDFCA7-4935-4B01-AB7E-2D76D03B0BEF}"/>
+              </a:ext>
+            </a:extLst>
+          </p:cNvPr>
+          <p:cNvSpPr>
+            <a:spLocks noGrp="1"/>
+          </p:cNvSpPr>
+          <p:nvPr>
+            <p:ph type="title"/>
+          </p:nvPr>
+        </p:nvSpPr>
+        <p:spPr>
+          <a:xfrm>
+            <a:off x="782958" y="143703"/>
+            <a:ext cx="10626083" cy="2254082"/>
+          </a:xfrm>
+        </p:spPr>
+        <p:txBody>
+          <a:bodyPr/>
+          <a:lstStyle/>
+          <a:p>
+            <a:pPr algn="ctr"/>
+            <a:r>
+              <a:rPr lang="en-US" sz="3600" b="1" dirty="0"/>
+              <a:t>User Interface</a:t>
+            </a:r>
+            <a:br>
+              <a:rPr lang="en-US" sz="3600" b="1" dirty="0"/>
+            </a:br>
+            <a:r>
+              <a:rPr lang="en-US" sz="3600" b="1" dirty="0"/>
+              <a:t>Data attendance </a:t>
+            </a:r>
+            <a:br>
+              <a:rPr lang="en-US" sz="3600" b="1" dirty="0"/>
+            </a:br>
+            <a:endParaRPr lang="en-US" sz="3600" b="1" dirty="0"/>
+          </a:p>
+        </p:txBody>
+      </p:sp>
+      <p:pic>
+        <p:nvPicPr>
+          <p:cNvPr id="3" name="Picture 2">
+            <a:extLst>
+              <a:ext uri="{FF2B5EF4-FFF2-40B4-BE49-F238E27FC236}">
+                <a16:creationId xmlns:a16="http://schemas.microsoft.com/office/drawing/2014/main" id="{09EE168E-42A1-4818-9B6D-DD939B20B7C1}"/>
+              </a:ext>
+            </a:extLst>
+          </p:cNvPr>
+          <p:cNvPicPr>
+            <a:picLocks noChangeAspect="1"/>
+          </p:cNvPicPr>
+          <p:nvPr/>
+        </p:nvPicPr>
+        <p:blipFill>
+          <a:blip r:embed="rId2"/>
+          <a:stretch>
+            <a:fillRect/>
+          </a:stretch>
+        </p:blipFill>
+        <p:spPr>
+          <a:xfrm>
+            <a:off x="-1" y="1283138"/>
+            <a:ext cx="12192000" cy="5587256"/>
+          </a:xfrm>
+          <a:prstGeom prst="rect">
+            <a:avLst/>
+          </a:prstGeom>
+        </p:spPr>
+      </p:pic>
+    </p:spTree>
+    <p:extLst>
+      <p:ext uri="{BB962C8B-B14F-4D97-AF65-F5344CB8AC3E}">
+        <p14:creationId xmlns:p14="http://schemas.microsoft.com/office/powerpoint/2010/main" val="1959736721"/>
+      </p:ext>
+    </p:extLst>
+  </p:cSld>
+  <p:clrMapOvr>
+    <a:masterClrMapping/>
+  </p:clrMapOvr>
+</p:sld>
+</file>
+
+<file path=ppt/slides/slide32.xml><?xml version="1.0" encoding="utf-8"?>
+<p:sld xmlns:a="http://schemas.openxmlformats.org/drawingml/2006/main" xmlns:r="http://schemas.openxmlformats.org/officeDocument/2006/relationships" xmlns:p="http://schemas.openxmlformats.org/presentationml/2006/main">
+  <p:cSld>
+    <p:spTree>
+      <p:nvGrpSpPr>
+        <p:cNvPr id="1" name=""/>
+        <p:cNvGrpSpPr/>
+        <p:nvPr/>
+      </p:nvGrpSpPr>
+      <p:grpSpPr>
+        <a:xfrm>
+          <a:off x="0" y="0"/>
+          <a:ext cx="0" cy="0"/>
+          <a:chOff x="0" y="0"/>
+          <a:chExt cx="0" cy="0"/>
+        </a:xfrm>
+      </p:grpSpPr>
+      <p:sp>
+        <p:nvSpPr>
+          <p:cNvPr id="2" name="Title 1">
+            <a:extLst>
+              <a:ext uri="{FF2B5EF4-FFF2-40B4-BE49-F238E27FC236}">
+                <a16:creationId xmlns:a16="http://schemas.microsoft.com/office/drawing/2014/main" id="{89E05A28-06C8-49A2-A759-6124FBE09FB0}"/>
+              </a:ext>
+            </a:extLst>
+          </p:cNvPr>
+          <p:cNvSpPr>
+            <a:spLocks noGrp="1"/>
+          </p:cNvSpPr>
+          <p:nvPr>
+            <p:ph type="title"/>
+          </p:nvPr>
+        </p:nvSpPr>
+        <p:spPr>
+          <a:xfrm>
+            <a:off x="491411" y="2028470"/>
+            <a:ext cx="11209178" cy="1400530"/>
+          </a:xfrm>
+        </p:spPr>
+        <p:txBody>
+          <a:bodyPr/>
+          <a:lstStyle/>
+          <a:p>
+            <a:pPr algn="ctr"/>
+            <a:r>
+              <a:rPr lang="en-US" sz="8800" b="1" dirty="0">
+                <a:solidFill>
+                  <a:schemeClr val="accent3">
+                    <a:lumMod val="60000"/>
+                    <a:lumOff val="40000"/>
+                  </a:schemeClr>
+                </a:solidFill>
+              </a:rPr>
+              <a:t>APPROVE BY SUPERVISOR</a:t>
+            </a:r>
+            <a:br>
+              <a:rPr lang="en-US" sz="8800" b="1" dirty="0">
+                <a:solidFill>
+                  <a:schemeClr val="accent3">
+                    <a:lumMod val="60000"/>
+                    <a:lumOff val="40000"/>
+                  </a:schemeClr>
+                </a:solidFill>
+              </a:rPr>
+            </a:br>
+            <a:endParaRPr lang="en-US" sz="8800" b="1" dirty="0">
+              <a:solidFill>
+                <a:schemeClr val="accent3">
+                  <a:lumMod val="60000"/>
+                  <a:lumOff val="40000"/>
+                </a:schemeClr>
+              </a:solidFill>
+            </a:endParaRPr>
+          </a:p>
+        </p:txBody>
+      </p:sp>
+      <p:sp>
+        <p:nvSpPr>
+          <p:cNvPr id="4" name="Slide Number Placeholder 3">
+            <a:extLst>
+              <a:ext uri="{FF2B5EF4-FFF2-40B4-BE49-F238E27FC236}">
+                <a16:creationId xmlns:a16="http://schemas.microsoft.com/office/drawing/2014/main" id="{D1B85F67-A45C-4FC7-B75D-DFF096FEE71B}"/>
+              </a:ext>
+            </a:extLst>
+          </p:cNvPr>
+          <p:cNvSpPr>
+            <a:spLocks noGrp="1"/>
+          </p:cNvSpPr>
+          <p:nvPr>
+            <p:ph type="sldNum" sz="quarter" idx="12"/>
+          </p:nvPr>
+        </p:nvSpPr>
+        <p:spPr/>
+        <p:txBody>
+          <a:bodyPr/>
+          <a:lstStyle/>
+          <a:p>
+            <a:fld id="{856BCB40-DA03-48F7-A2D3-509646EF08FA}" type="slidenum">
+              <a:rPr lang="en-US" smtClean="0"/>
+              <a:t>32</a:t>
+            </a:fld>
+            <a:endParaRPr lang="en-US"/>
+          </a:p>
+        </p:txBody>
+      </p:sp>
+    </p:spTree>
+    <p:extLst>
+      <p:ext uri="{BB962C8B-B14F-4D97-AF65-F5344CB8AC3E}">
+        <p14:creationId xmlns:p14="http://schemas.microsoft.com/office/powerpoint/2010/main" val="1798549895"/>
+      </p:ext>
+    </p:extLst>
+  </p:cSld>
+  <p:clrMapOvr>
+    <a:masterClrMapping/>
+  </p:clrMapOvr>
+</p:sld>
+</file>
+
+<file path=ppt/slides/slide33.xml><?xml version="1.0" encoding="utf-8"?>
+<p:sld xmlns:a="http://schemas.openxmlformats.org/drawingml/2006/main" xmlns:r="http://schemas.openxmlformats.org/officeDocument/2006/relationships" xmlns:p="http://schemas.openxmlformats.org/presentationml/2006/main">
+  <p:cSld>
+    <p:spTree>
+      <p:nvGrpSpPr>
+        <p:cNvPr id="1" name=""/>
+        <p:cNvGrpSpPr/>
+        <p:nvPr/>
+      </p:nvGrpSpPr>
+      <p:grpSpPr>
+        <a:xfrm>
+          <a:off x="0" y="0"/>
+          <a:ext cx="0" cy="0"/>
+          <a:chOff x="0" y="0"/>
+          <a:chExt cx="0" cy="0"/>
+        </a:xfrm>
+      </p:grpSpPr>
+      <p:sp>
+        <p:nvSpPr>
+          <p:cNvPr id="4" name="Slide Number Placeholder 3">
+            <a:extLst>
+              <a:ext uri="{FF2B5EF4-FFF2-40B4-BE49-F238E27FC236}">
+                <a16:creationId xmlns:a16="http://schemas.microsoft.com/office/drawing/2014/main" id="{CBC505C8-107C-4F2E-AF0C-7E7C0E308541}"/>
+              </a:ext>
+            </a:extLst>
+          </p:cNvPr>
+          <p:cNvSpPr>
+            <a:spLocks noGrp="1"/>
+          </p:cNvSpPr>
+          <p:nvPr>
+            <p:ph type="sldNum" sz="quarter" idx="12"/>
+          </p:nvPr>
+        </p:nvSpPr>
+        <p:spPr/>
+        <p:txBody>
+          <a:bodyPr/>
+          <a:lstStyle/>
+          <a:p>
+            <a:fld id="{856BCB40-DA03-48F7-A2D3-509646EF08FA}" type="slidenum">
+              <a:rPr lang="en-US" smtClean="0"/>
+              <a:t>33</a:t>
+            </a:fld>
+            <a:endParaRPr lang="en-US"/>
+          </a:p>
+        </p:txBody>
+      </p:sp>
+      <p:sp>
+        <p:nvSpPr>
           <p:cNvPr id="3" name="Title 1">
             <a:extLst>
               <a:ext uri="{FF2B5EF4-FFF2-40B4-BE49-F238E27FC236}">
-                <a16:creationId xmlns:a16="http://schemas.microsoft.com/office/drawing/2014/main" id="{FDCF00B9-CD68-49E7-9CBF-DC5419D1CEC9}"/>
+                <a16:creationId xmlns:a16="http://schemas.microsoft.com/office/drawing/2014/main" id="{DFD63211-DE8E-4358-A8BC-434B1B808A46}"/>
               </a:ext>
             </a:extLst>
           </p:cNvPr>
@@ -10441,8 +10645,8 @@
         </p:nvSpPr>
         <p:spPr>
           <a:xfrm>
-            <a:off x="782958" y="2450439"/>
-            <a:ext cx="10626083" cy="1869769"/>
+            <a:off x="782958" y="2450440"/>
+            <a:ext cx="10626083" cy="2916690"/>
           </a:xfrm>
           <a:prstGeom prst="rect">
             <a:avLst/>
@@ -10535,8 +10739,11 @@
             <a:pPr algn="ctr"/>
             <a:r>
               <a:rPr lang="en-US" sz="6000" b="1" dirty="0"/>
-              <a:t>Data Attendance</a:t>
-            </a:r>
+              <a:t>Approve by supervisor</a:t>
+            </a:r>
+          </a:p>
+          <a:p>
+            <a:pPr algn="ctr"/>
             <a:br>
               <a:rPr lang="en-US" sz="6000" b="1" dirty="0"/>
             </a:br>
@@ -10547,230 +10754,7 @@
     </p:spTree>
     <p:extLst>
       <p:ext uri="{BB962C8B-B14F-4D97-AF65-F5344CB8AC3E}">
-        <p14:creationId xmlns:p14="http://schemas.microsoft.com/office/powerpoint/2010/main" val="634237949"/>
-      </p:ext>
-    </p:extLst>
-  </p:cSld>
-  <p:clrMapOvr>
-    <a:masterClrMapping/>
-  </p:clrMapOvr>
-</p:sld>
-</file>
-
-<file path=ppt/slides/slide32.xml><?xml version="1.0" encoding="utf-8"?>
-<p:sld xmlns:a="http://schemas.openxmlformats.org/drawingml/2006/main" xmlns:r="http://schemas.openxmlformats.org/officeDocument/2006/relationships" xmlns:p="http://schemas.openxmlformats.org/presentationml/2006/main">
-  <p:cSld>
-    <p:spTree>
-      <p:nvGrpSpPr>
-        <p:cNvPr id="1" name=""/>
-        <p:cNvGrpSpPr/>
-        <p:nvPr/>
-      </p:nvGrpSpPr>
-      <p:grpSpPr>
-        <a:xfrm>
-          <a:off x="0" y="0"/>
-          <a:ext cx="0" cy="0"/>
-          <a:chOff x="0" y="0"/>
-          <a:chExt cx="0" cy="0"/>
-        </a:xfrm>
-      </p:grpSpPr>
-      <p:sp>
-        <p:nvSpPr>
-          <p:cNvPr id="4" name="Slide Number Placeholder 3">
-            <a:extLst>
-              <a:ext uri="{FF2B5EF4-FFF2-40B4-BE49-F238E27FC236}">
-                <a16:creationId xmlns:a16="http://schemas.microsoft.com/office/drawing/2014/main" id="{CBC505C8-107C-4F2E-AF0C-7E7C0E308541}"/>
-              </a:ext>
-            </a:extLst>
-          </p:cNvPr>
-          <p:cNvSpPr>
-            <a:spLocks noGrp="1"/>
-          </p:cNvSpPr>
-          <p:nvPr>
-            <p:ph type="sldNum" sz="quarter" idx="12"/>
-          </p:nvPr>
-        </p:nvSpPr>
-        <p:spPr/>
-        <p:txBody>
-          <a:bodyPr/>
-          <a:lstStyle/>
-          <a:p>
-            <a:fld id="{856BCB40-DA03-48F7-A2D3-509646EF08FA}" type="slidenum">
-              <a:rPr lang="en-US" smtClean="0"/>
-              <a:t>32</a:t>
-            </a:fld>
-            <a:endParaRPr lang="en-US"/>
-          </a:p>
-        </p:txBody>
-      </p:sp>
-      <p:pic>
-        <p:nvPicPr>
-          <p:cNvPr id="3" name="Picture 2">
-            <a:extLst>
-              <a:ext uri="{FF2B5EF4-FFF2-40B4-BE49-F238E27FC236}">
-                <a16:creationId xmlns:a16="http://schemas.microsoft.com/office/drawing/2014/main" id="{E7B39635-EBCC-4D59-9AA2-D1BAAA0145DE}"/>
-              </a:ext>
-            </a:extLst>
-          </p:cNvPr>
-          <p:cNvPicPr>
-            <a:picLocks noChangeAspect="1"/>
-          </p:cNvPicPr>
-          <p:nvPr/>
-        </p:nvPicPr>
-        <p:blipFill>
-          <a:blip r:embed="rId2"/>
-          <a:stretch>
-            <a:fillRect/>
-          </a:stretch>
-        </p:blipFill>
-        <p:spPr>
-          <a:xfrm>
-            <a:off x="2695575" y="85725"/>
-            <a:ext cx="6800850" cy="6686550"/>
-          </a:xfrm>
-          <a:prstGeom prst="rect">
-            <a:avLst/>
-          </a:prstGeom>
-        </p:spPr>
-      </p:pic>
-    </p:spTree>
-    <p:extLst>
-      <p:ext uri="{BB962C8B-B14F-4D97-AF65-F5344CB8AC3E}">
-        <p14:creationId xmlns:p14="http://schemas.microsoft.com/office/powerpoint/2010/main" val="3743428292"/>
-      </p:ext>
-    </p:extLst>
-  </p:cSld>
-  <p:clrMapOvr>
-    <a:masterClrMapping/>
-  </p:clrMapOvr>
-</p:sld>
-</file>
-
-<file path=ppt/slides/slide33.xml><?xml version="1.0" encoding="utf-8"?>
-<p:sld xmlns:a="http://schemas.openxmlformats.org/drawingml/2006/main" xmlns:r="http://schemas.openxmlformats.org/officeDocument/2006/relationships" xmlns:p="http://schemas.openxmlformats.org/presentationml/2006/main">
-  <p:cSld>
-    <p:spTree>
-      <p:nvGrpSpPr>
-        <p:cNvPr id="1" name=""/>
-        <p:cNvGrpSpPr/>
-        <p:nvPr/>
-      </p:nvGrpSpPr>
-      <p:grpSpPr>
-        <a:xfrm>
-          <a:off x="0" y="0"/>
-          <a:ext cx="0" cy="0"/>
-          <a:chOff x="0" y="0"/>
-          <a:chExt cx="0" cy="0"/>
-        </a:xfrm>
-      </p:grpSpPr>
-      <p:sp>
-        <p:nvSpPr>
-          <p:cNvPr id="4" name="Slide Number Placeholder 3">
-            <a:extLst>
-              <a:ext uri="{FF2B5EF4-FFF2-40B4-BE49-F238E27FC236}">
-                <a16:creationId xmlns:a16="http://schemas.microsoft.com/office/drawing/2014/main" id="{3E17E1F1-C756-4263-9523-1CD31C656259}"/>
-              </a:ext>
-            </a:extLst>
-          </p:cNvPr>
-          <p:cNvSpPr>
-            <a:spLocks noGrp="1"/>
-          </p:cNvSpPr>
-          <p:nvPr>
-            <p:ph type="sldNum" sz="quarter" idx="12"/>
-          </p:nvPr>
-        </p:nvSpPr>
-        <p:spPr/>
-        <p:txBody>
-          <a:bodyPr/>
-          <a:lstStyle/>
-          <a:p>
-            <a:fld id="{856BCB40-DA03-48F7-A2D3-509646EF08FA}" type="slidenum">
-              <a:rPr lang="en-US" smtClean="0"/>
-              <a:t>33</a:t>
-            </a:fld>
-            <a:endParaRPr lang="en-US"/>
-          </a:p>
-        </p:txBody>
-      </p:sp>
-      <p:sp>
-        <p:nvSpPr>
-          <p:cNvPr id="7" name="Title 1">
-            <a:extLst>
-              <a:ext uri="{FF2B5EF4-FFF2-40B4-BE49-F238E27FC236}">
-                <a16:creationId xmlns:a16="http://schemas.microsoft.com/office/drawing/2014/main" id="{B1EDFCA7-4935-4B01-AB7E-2D76D03B0BEF}"/>
-              </a:ext>
-            </a:extLst>
-          </p:cNvPr>
-          <p:cNvSpPr>
-            <a:spLocks noGrp="1"/>
-          </p:cNvSpPr>
-          <p:nvPr>
-            <p:ph type="title"/>
-          </p:nvPr>
-        </p:nvSpPr>
-        <p:spPr>
-          <a:xfrm>
-            <a:off x="782958" y="143703"/>
-            <a:ext cx="10626083" cy="2254082"/>
-          </a:xfrm>
-        </p:spPr>
-        <p:txBody>
-          <a:bodyPr/>
-          <a:lstStyle/>
-          <a:p>
-            <a:pPr algn="ctr"/>
-            <a:r>
-              <a:rPr lang="en-US" sz="3600" b="1" dirty="0"/>
-              <a:t>User Interface</a:t>
-            </a:r>
-            <a:br>
-              <a:rPr lang="en-US" sz="3600" b="1" dirty="0"/>
-            </a:br>
-            <a:r>
-              <a:rPr lang="en-US" sz="3600" b="1" dirty="0"/>
-              <a:t>Data attendance </a:t>
-            </a:r>
-            <a:br>
-              <a:rPr lang="en-US" sz="3600" b="1" dirty="0"/>
-            </a:br>
-            <a:endParaRPr lang="en-US" sz="3600" b="1" dirty="0"/>
-          </a:p>
-        </p:txBody>
-      </p:sp>
-      <p:pic>
-        <p:nvPicPr>
-          <p:cNvPr id="2" name="Picture 1">
-            <a:extLst>
-              <a:ext uri="{FF2B5EF4-FFF2-40B4-BE49-F238E27FC236}">
-                <a16:creationId xmlns:a16="http://schemas.microsoft.com/office/drawing/2014/main" id="{D119422B-D2F7-434E-BC52-A2D57B01A7A8}"/>
-              </a:ext>
-            </a:extLst>
-          </p:cNvPr>
-          <p:cNvPicPr>
-            <a:picLocks noChangeAspect="1"/>
-          </p:cNvPicPr>
-          <p:nvPr/>
-        </p:nvPicPr>
-        <p:blipFill>
-          <a:blip r:embed="rId2"/>
-          <a:stretch>
-            <a:fillRect/>
-          </a:stretch>
-        </p:blipFill>
-        <p:spPr>
-          <a:xfrm>
-            <a:off x="72309" y="1602048"/>
-            <a:ext cx="12047381" cy="4361430"/>
-          </a:xfrm>
-          <a:prstGeom prst="rect">
-            <a:avLst/>
-          </a:prstGeom>
-        </p:spPr>
-      </p:pic>
-    </p:spTree>
-    <p:extLst>
-      <p:ext uri="{BB962C8B-B14F-4D97-AF65-F5344CB8AC3E}">
-        <p14:creationId xmlns:p14="http://schemas.microsoft.com/office/powerpoint/2010/main" val="1959736721"/>
+        <p14:creationId xmlns:p14="http://schemas.microsoft.com/office/powerpoint/2010/main" val="3538500739"/>
       </p:ext>
     </p:extLst>
   </p:cSld>
@@ -10799,69 +10783,10 @@
       </p:grpSpPr>
       <p:sp>
         <p:nvSpPr>
-          <p:cNvPr id="2" name="Title 1">
-            <a:extLst>
-              <a:ext uri="{FF2B5EF4-FFF2-40B4-BE49-F238E27FC236}">
-                <a16:creationId xmlns:a16="http://schemas.microsoft.com/office/drawing/2014/main" id="{89E05A28-06C8-49A2-A759-6124FBE09FB0}"/>
-              </a:ext>
-            </a:extLst>
-          </p:cNvPr>
-          <p:cNvSpPr>
-            <a:spLocks noGrp="1"/>
-          </p:cNvSpPr>
-          <p:nvPr>
-            <p:ph type="title"/>
-          </p:nvPr>
-        </p:nvSpPr>
-        <p:spPr>
-          <a:xfrm>
-            <a:off x="491411" y="2028470"/>
-            <a:ext cx="11209178" cy="1400530"/>
-          </a:xfrm>
-        </p:spPr>
-        <p:txBody>
-          <a:bodyPr/>
-          <a:lstStyle/>
-          <a:p>
-            <a:pPr algn="ctr"/>
-            <a:r>
-              <a:rPr lang="en-US" sz="8800" b="1" dirty="0">
-                <a:solidFill>
-                  <a:schemeClr val="accent3">
-                    <a:lumMod val="60000"/>
-                    <a:lumOff val="40000"/>
-                  </a:schemeClr>
-                </a:solidFill>
-              </a:rPr>
-              <a:t>APPROVE BY SUPERVISOR</a:t>
-            </a:r>
-            <a:br>
-              <a:rPr lang="en-US" sz="8800" b="1" dirty="0">
-                <a:solidFill>
-                  <a:schemeClr val="accent3">
-                    <a:lumMod val="60000"/>
-                    <a:lumOff val="40000"/>
-                  </a:schemeClr>
-                </a:solidFill>
-              </a:rPr>
-            </a:br>
-            <a:endParaRPr lang="en-US" sz="8800" b="1" dirty="0">
-              <a:solidFill>
-                <a:schemeClr val="accent3">
-                  <a:lumMod val="60000"/>
-                  <a:lumOff val="40000"/>
-                </a:schemeClr>
-              </a:solidFill>
-            </a:endParaRPr>
-          </a:p>
-        </p:txBody>
-      </p:sp>
-      <p:sp>
-        <p:nvSpPr>
           <p:cNvPr id="4" name="Slide Number Placeholder 3">
             <a:extLst>
               <a:ext uri="{FF2B5EF4-FFF2-40B4-BE49-F238E27FC236}">
-                <a16:creationId xmlns:a16="http://schemas.microsoft.com/office/drawing/2014/main" id="{D1B85F67-A45C-4FC7-B75D-DFF096FEE71B}"/>
+                <a16:creationId xmlns:a16="http://schemas.microsoft.com/office/drawing/2014/main" id="{CBC505C8-107C-4F2E-AF0C-7E7C0E308541}"/>
               </a:ext>
             </a:extLst>
           </p:cNvPr>
@@ -10885,10 +10810,40 @@
           </a:p>
         </p:txBody>
       </p:sp>
+      <p:pic>
+        <p:nvPicPr>
+          <p:cNvPr id="2" name="Picture 1">
+            <a:extLst>
+              <a:ext uri="{FF2B5EF4-FFF2-40B4-BE49-F238E27FC236}">
+                <a16:creationId xmlns:a16="http://schemas.microsoft.com/office/drawing/2014/main" id="{51DF9F43-A995-452F-BFE4-FFEF4D204A10}"/>
+              </a:ext>
+            </a:extLst>
+          </p:cNvPr>
+          <p:cNvPicPr>
+            <a:picLocks noChangeAspect="1"/>
+          </p:cNvPicPr>
+          <p:nvPr/>
+        </p:nvPicPr>
+        <p:blipFill>
+          <a:blip r:embed="rId2"/>
+          <a:stretch>
+            <a:fillRect/>
+          </a:stretch>
+        </p:blipFill>
+        <p:spPr>
+          <a:xfrm>
+            <a:off x="2604880" y="45326"/>
+            <a:ext cx="6982239" cy="6767348"/>
+          </a:xfrm>
+          <a:prstGeom prst="rect">
+            <a:avLst/>
+          </a:prstGeom>
+        </p:spPr>
+      </p:pic>
     </p:spTree>
     <p:extLst>
       <p:ext uri="{BB962C8B-B14F-4D97-AF65-F5344CB8AC3E}">
-        <p14:creationId xmlns:p14="http://schemas.microsoft.com/office/powerpoint/2010/main" val="1798549895"/>
+        <p14:creationId xmlns:p14="http://schemas.microsoft.com/office/powerpoint/2010/main" val="1477761666"/>
       </p:ext>
     </p:extLst>
   </p:cSld>
@@ -10920,7 +10875,7 @@
           <p:cNvPr id="4" name="Slide Number Placeholder 3">
             <a:extLst>
               <a:ext uri="{FF2B5EF4-FFF2-40B4-BE49-F238E27FC236}">
-                <a16:creationId xmlns:a16="http://schemas.microsoft.com/office/drawing/2014/main" id="{CBC505C8-107C-4F2E-AF0C-7E7C0E308541}"/>
+                <a16:creationId xmlns:a16="http://schemas.microsoft.com/office/drawing/2014/main" id="{3E17E1F1-C756-4263-9523-1CD31C656259}"/>
               </a:ext>
             </a:extLst>
           </p:cNvPr>
@@ -10946,10 +10901,262 @@
       </p:sp>
       <p:sp>
         <p:nvSpPr>
+          <p:cNvPr id="7" name="Title 1">
+            <a:extLst>
+              <a:ext uri="{FF2B5EF4-FFF2-40B4-BE49-F238E27FC236}">
+                <a16:creationId xmlns:a16="http://schemas.microsoft.com/office/drawing/2014/main" id="{B1EDFCA7-4935-4B01-AB7E-2D76D03B0BEF}"/>
+              </a:ext>
+            </a:extLst>
+          </p:cNvPr>
+          <p:cNvSpPr>
+            <a:spLocks noGrp="1"/>
+          </p:cNvSpPr>
+          <p:nvPr>
+            <p:ph type="title"/>
+          </p:nvPr>
+        </p:nvSpPr>
+        <p:spPr>
+          <a:xfrm>
+            <a:off x="782958" y="143703"/>
+            <a:ext cx="10626083" cy="2254082"/>
+          </a:xfrm>
+        </p:spPr>
+        <p:txBody>
+          <a:bodyPr/>
+          <a:lstStyle/>
+          <a:p>
+            <a:pPr algn="ctr"/>
+            <a:r>
+              <a:rPr lang="en-US" sz="3600" b="1" dirty="0"/>
+              <a:t>User Interface</a:t>
+            </a:r>
+            <a:br>
+              <a:rPr lang="en-US" sz="3600" b="1" dirty="0"/>
+            </a:br>
+            <a:r>
+              <a:rPr lang="en-US" sz="3600" b="1" dirty="0"/>
+              <a:t>Approve by supervisor</a:t>
+            </a:r>
+            <a:br>
+              <a:rPr lang="en-US" sz="3600" b="1" dirty="0"/>
+            </a:br>
+            <a:endParaRPr lang="en-US" sz="3600" b="1" dirty="0"/>
+          </a:p>
+        </p:txBody>
+      </p:sp>
+      <p:pic>
+        <p:nvPicPr>
+          <p:cNvPr id="6" name="Picture 5">
+            <a:extLst>
+              <a:ext uri="{FF2B5EF4-FFF2-40B4-BE49-F238E27FC236}">
+                <a16:creationId xmlns:a16="http://schemas.microsoft.com/office/drawing/2014/main" id="{9F3273AF-BF66-4D67-B2A5-B523A20257DF}"/>
+              </a:ext>
+            </a:extLst>
+          </p:cNvPr>
+          <p:cNvPicPr>
+            <a:picLocks noChangeAspect="1"/>
+          </p:cNvPicPr>
+          <p:nvPr/>
+        </p:nvPicPr>
+        <p:blipFill>
+          <a:blip r:embed="rId2"/>
+          <a:stretch>
+            <a:fillRect/>
+          </a:stretch>
+        </p:blipFill>
+        <p:spPr>
+          <a:xfrm>
+            <a:off x="983512" y="1350329"/>
+            <a:ext cx="10224973" cy="5363968"/>
+          </a:xfrm>
+          <a:prstGeom prst="rect">
+            <a:avLst/>
+          </a:prstGeom>
+        </p:spPr>
+      </p:pic>
+    </p:spTree>
+    <p:extLst>
+      <p:ext uri="{BB962C8B-B14F-4D97-AF65-F5344CB8AC3E}">
+        <p14:creationId xmlns:p14="http://schemas.microsoft.com/office/powerpoint/2010/main" val="1864825445"/>
+      </p:ext>
+    </p:extLst>
+  </p:cSld>
+  <p:clrMapOvr>
+    <a:masterClrMapping/>
+  </p:clrMapOvr>
+</p:sld>
+</file>
+
+<file path=ppt/slides/slide36.xml><?xml version="1.0" encoding="utf-8"?>
+<p:sld xmlns:a="http://schemas.openxmlformats.org/drawingml/2006/main" xmlns:r="http://schemas.openxmlformats.org/officeDocument/2006/relationships" xmlns:p="http://schemas.openxmlformats.org/presentationml/2006/main">
+  <p:cSld>
+    <p:spTree>
+      <p:nvGrpSpPr>
+        <p:cNvPr id="1" name=""/>
+        <p:cNvGrpSpPr/>
+        <p:nvPr/>
+      </p:nvGrpSpPr>
+      <p:grpSpPr>
+        <a:xfrm>
+          <a:off x="0" y="0"/>
+          <a:ext cx="0" cy="0"/>
+          <a:chOff x="0" y="0"/>
+          <a:chExt cx="0" cy="0"/>
+        </a:xfrm>
+      </p:grpSpPr>
+      <p:sp>
+        <p:nvSpPr>
+          <p:cNvPr id="2" name="Title 1">
+            <a:extLst>
+              <a:ext uri="{FF2B5EF4-FFF2-40B4-BE49-F238E27FC236}">
+                <a16:creationId xmlns:a16="http://schemas.microsoft.com/office/drawing/2014/main" id="{89E05A28-06C8-49A2-A759-6124FBE09FB0}"/>
+              </a:ext>
+            </a:extLst>
+          </p:cNvPr>
+          <p:cNvSpPr>
+            <a:spLocks noGrp="1"/>
+          </p:cNvSpPr>
+          <p:nvPr>
+            <p:ph type="title"/>
+          </p:nvPr>
+        </p:nvSpPr>
+        <p:spPr>
+          <a:xfrm>
+            <a:off x="491411" y="2028470"/>
+            <a:ext cx="11209178" cy="1400530"/>
+          </a:xfrm>
+        </p:spPr>
+        <p:txBody>
+          <a:bodyPr/>
+          <a:lstStyle/>
+          <a:p>
+            <a:pPr algn="ctr"/>
+            <a:r>
+              <a:rPr lang="en-US" sz="8800" b="1" dirty="0">
+                <a:solidFill>
+                  <a:schemeClr val="accent3">
+                    <a:lumMod val="60000"/>
+                    <a:lumOff val="40000"/>
+                  </a:schemeClr>
+                </a:solidFill>
+              </a:rPr>
+              <a:t>APPROVE BY MANAGER</a:t>
+            </a:r>
+            <a:br>
+              <a:rPr lang="en-US" sz="8800" b="1" dirty="0">
+                <a:solidFill>
+                  <a:schemeClr val="accent3">
+                    <a:lumMod val="60000"/>
+                    <a:lumOff val="40000"/>
+                  </a:schemeClr>
+                </a:solidFill>
+              </a:rPr>
+            </a:br>
+            <a:endParaRPr lang="en-US" sz="8800" b="1" dirty="0">
+              <a:solidFill>
+                <a:schemeClr val="accent3">
+                  <a:lumMod val="60000"/>
+                  <a:lumOff val="40000"/>
+                </a:schemeClr>
+              </a:solidFill>
+            </a:endParaRPr>
+          </a:p>
+        </p:txBody>
+      </p:sp>
+      <p:sp>
+        <p:nvSpPr>
+          <p:cNvPr id="4" name="Slide Number Placeholder 3">
+            <a:extLst>
+              <a:ext uri="{FF2B5EF4-FFF2-40B4-BE49-F238E27FC236}">
+                <a16:creationId xmlns:a16="http://schemas.microsoft.com/office/drawing/2014/main" id="{D1B85F67-A45C-4FC7-B75D-DFF096FEE71B}"/>
+              </a:ext>
+            </a:extLst>
+          </p:cNvPr>
+          <p:cNvSpPr>
+            <a:spLocks noGrp="1"/>
+          </p:cNvSpPr>
+          <p:nvPr>
+            <p:ph type="sldNum" sz="quarter" idx="12"/>
+          </p:nvPr>
+        </p:nvSpPr>
+        <p:spPr/>
+        <p:txBody>
+          <a:bodyPr/>
+          <a:lstStyle/>
+          <a:p>
+            <a:fld id="{856BCB40-DA03-48F7-A2D3-509646EF08FA}" type="slidenum">
+              <a:rPr lang="en-US" smtClean="0"/>
+              <a:t>36</a:t>
+            </a:fld>
+            <a:endParaRPr lang="en-US"/>
+          </a:p>
+        </p:txBody>
+      </p:sp>
+    </p:spTree>
+    <p:extLst>
+      <p:ext uri="{BB962C8B-B14F-4D97-AF65-F5344CB8AC3E}">
+        <p14:creationId xmlns:p14="http://schemas.microsoft.com/office/powerpoint/2010/main" val="4042095287"/>
+      </p:ext>
+    </p:extLst>
+  </p:cSld>
+  <p:clrMapOvr>
+    <a:masterClrMapping/>
+  </p:clrMapOvr>
+</p:sld>
+</file>
+
+<file path=ppt/slides/slide37.xml><?xml version="1.0" encoding="utf-8"?>
+<p:sld xmlns:a="http://schemas.openxmlformats.org/drawingml/2006/main" xmlns:r="http://schemas.openxmlformats.org/officeDocument/2006/relationships" xmlns:p="http://schemas.openxmlformats.org/presentationml/2006/main">
+  <p:cSld>
+    <p:spTree>
+      <p:nvGrpSpPr>
+        <p:cNvPr id="1" name=""/>
+        <p:cNvGrpSpPr/>
+        <p:nvPr/>
+      </p:nvGrpSpPr>
+      <p:grpSpPr>
+        <a:xfrm>
+          <a:off x="0" y="0"/>
+          <a:ext cx="0" cy="0"/>
+          <a:chOff x="0" y="0"/>
+          <a:chExt cx="0" cy="0"/>
+        </a:xfrm>
+      </p:grpSpPr>
+      <p:sp>
+        <p:nvSpPr>
+          <p:cNvPr id="4" name="Slide Number Placeholder 3">
+            <a:extLst>
+              <a:ext uri="{FF2B5EF4-FFF2-40B4-BE49-F238E27FC236}">
+                <a16:creationId xmlns:a16="http://schemas.microsoft.com/office/drawing/2014/main" id="{CBC505C8-107C-4F2E-AF0C-7E7C0E308541}"/>
+              </a:ext>
+            </a:extLst>
+          </p:cNvPr>
+          <p:cNvSpPr>
+            <a:spLocks noGrp="1"/>
+          </p:cNvSpPr>
+          <p:nvPr>
+            <p:ph type="sldNum" sz="quarter" idx="12"/>
+          </p:nvPr>
+        </p:nvSpPr>
+        <p:spPr/>
+        <p:txBody>
+          <a:bodyPr/>
+          <a:lstStyle/>
+          <a:p>
+            <a:fld id="{856BCB40-DA03-48F7-A2D3-509646EF08FA}" type="slidenum">
+              <a:rPr lang="en-US" smtClean="0"/>
+              <a:t>37</a:t>
+            </a:fld>
+            <a:endParaRPr lang="en-US"/>
+          </a:p>
+        </p:txBody>
+      </p:sp>
+      <p:sp>
+        <p:nvSpPr>
           <p:cNvPr id="3" name="Title 1">
             <a:extLst>
               <a:ext uri="{FF2B5EF4-FFF2-40B4-BE49-F238E27FC236}">
-                <a16:creationId xmlns:a16="http://schemas.microsoft.com/office/drawing/2014/main" id="{DFD63211-DE8E-4358-A8BC-434B1B808A46}"/>
+                <a16:creationId xmlns:a16="http://schemas.microsoft.com/office/drawing/2014/main" id="{433E3FE9-6134-4207-AC32-EA05B86075F9}"/>
               </a:ext>
             </a:extLst>
           </p:cNvPr>
@@ -11054,7 +11261,7 @@
             <a:pPr algn="ctr"/>
             <a:r>
               <a:rPr lang="en-US" sz="6000" b="1" dirty="0"/>
-              <a:t>Approve by supervisor</a:t>
+              <a:t>Approve by manager</a:t>
             </a:r>
           </a:p>
           <a:p>
@@ -11069,230 +11276,7 @@
     </p:spTree>
     <p:extLst>
       <p:ext uri="{BB962C8B-B14F-4D97-AF65-F5344CB8AC3E}">
-        <p14:creationId xmlns:p14="http://schemas.microsoft.com/office/powerpoint/2010/main" val="3538500739"/>
-      </p:ext>
-    </p:extLst>
-  </p:cSld>
-  <p:clrMapOvr>
-    <a:masterClrMapping/>
-  </p:clrMapOvr>
-</p:sld>
-</file>
-
-<file path=ppt/slides/slide36.xml><?xml version="1.0" encoding="utf-8"?>
-<p:sld xmlns:a="http://schemas.openxmlformats.org/drawingml/2006/main" xmlns:r="http://schemas.openxmlformats.org/officeDocument/2006/relationships" xmlns:p="http://schemas.openxmlformats.org/presentationml/2006/main">
-  <p:cSld>
-    <p:spTree>
-      <p:nvGrpSpPr>
-        <p:cNvPr id="1" name=""/>
-        <p:cNvGrpSpPr/>
-        <p:nvPr/>
-      </p:nvGrpSpPr>
-      <p:grpSpPr>
-        <a:xfrm>
-          <a:off x="0" y="0"/>
-          <a:ext cx="0" cy="0"/>
-          <a:chOff x="0" y="0"/>
-          <a:chExt cx="0" cy="0"/>
-        </a:xfrm>
-      </p:grpSpPr>
-      <p:sp>
-        <p:nvSpPr>
-          <p:cNvPr id="4" name="Slide Number Placeholder 3">
-            <a:extLst>
-              <a:ext uri="{FF2B5EF4-FFF2-40B4-BE49-F238E27FC236}">
-                <a16:creationId xmlns:a16="http://schemas.microsoft.com/office/drawing/2014/main" id="{CBC505C8-107C-4F2E-AF0C-7E7C0E308541}"/>
-              </a:ext>
-            </a:extLst>
-          </p:cNvPr>
-          <p:cNvSpPr>
-            <a:spLocks noGrp="1"/>
-          </p:cNvSpPr>
-          <p:nvPr>
-            <p:ph type="sldNum" sz="quarter" idx="12"/>
-          </p:nvPr>
-        </p:nvSpPr>
-        <p:spPr/>
-        <p:txBody>
-          <a:bodyPr/>
-          <a:lstStyle/>
-          <a:p>
-            <a:fld id="{856BCB40-DA03-48F7-A2D3-509646EF08FA}" type="slidenum">
-              <a:rPr lang="en-US" smtClean="0"/>
-              <a:t>36</a:t>
-            </a:fld>
-            <a:endParaRPr lang="en-US"/>
-          </a:p>
-        </p:txBody>
-      </p:sp>
-      <p:pic>
-        <p:nvPicPr>
-          <p:cNvPr id="2" name="Picture 1">
-            <a:extLst>
-              <a:ext uri="{FF2B5EF4-FFF2-40B4-BE49-F238E27FC236}">
-                <a16:creationId xmlns:a16="http://schemas.microsoft.com/office/drawing/2014/main" id="{51DF9F43-A995-452F-BFE4-FFEF4D204A10}"/>
-              </a:ext>
-            </a:extLst>
-          </p:cNvPr>
-          <p:cNvPicPr>
-            <a:picLocks noChangeAspect="1"/>
-          </p:cNvPicPr>
-          <p:nvPr/>
-        </p:nvPicPr>
-        <p:blipFill>
-          <a:blip r:embed="rId2"/>
-          <a:stretch>
-            <a:fillRect/>
-          </a:stretch>
-        </p:blipFill>
-        <p:spPr>
-          <a:xfrm>
-            <a:off x="2604880" y="45326"/>
-            <a:ext cx="6982239" cy="6767348"/>
-          </a:xfrm>
-          <a:prstGeom prst="rect">
-            <a:avLst/>
-          </a:prstGeom>
-        </p:spPr>
-      </p:pic>
-    </p:spTree>
-    <p:extLst>
-      <p:ext uri="{BB962C8B-B14F-4D97-AF65-F5344CB8AC3E}">
-        <p14:creationId xmlns:p14="http://schemas.microsoft.com/office/powerpoint/2010/main" val="1477761666"/>
-      </p:ext>
-    </p:extLst>
-  </p:cSld>
-  <p:clrMapOvr>
-    <a:masterClrMapping/>
-  </p:clrMapOvr>
-</p:sld>
-</file>
-
-<file path=ppt/slides/slide37.xml><?xml version="1.0" encoding="utf-8"?>
-<p:sld xmlns:a="http://schemas.openxmlformats.org/drawingml/2006/main" xmlns:r="http://schemas.openxmlformats.org/officeDocument/2006/relationships" xmlns:p="http://schemas.openxmlformats.org/presentationml/2006/main">
-  <p:cSld>
-    <p:spTree>
-      <p:nvGrpSpPr>
-        <p:cNvPr id="1" name=""/>
-        <p:cNvGrpSpPr/>
-        <p:nvPr/>
-      </p:nvGrpSpPr>
-      <p:grpSpPr>
-        <a:xfrm>
-          <a:off x="0" y="0"/>
-          <a:ext cx="0" cy="0"/>
-          <a:chOff x="0" y="0"/>
-          <a:chExt cx="0" cy="0"/>
-        </a:xfrm>
-      </p:grpSpPr>
-      <p:sp>
-        <p:nvSpPr>
-          <p:cNvPr id="4" name="Slide Number Placeholder 3">
-            <a:extLst>
-              <a:ext uri="{FF2B5EF4-FFF2-40B4-BE49-F238E27FC236}">
-                <a16:creationId xmlns:a16="http://schemas.microsoft.com/office/drawing/2014/main" id="{3E17E1F1-C756-4263-9523-1CD31C656259}"/>
-              </a:ext>
-            </a:extLst>
-          </p:cNvPr>
-          <p:cNvSpPr>
-            <a:spLocks noGrp="1"/>
-          </p:cNvSpPr>
-          <p:nvPr>
-            <p:ph type="sldNum" sz="quarter" idx="12"/>
-          </p:nvPr>
-        </p:nvSpPr>
-        <p:spPr/>
-        <p:txBody>
-          <a:bodyPr/>
-          <a:lstStyle/>
-          <a:p>
-            <a:fld id="{856BCB40-DA03-48F7-A2D3-509646EF08FA}" type="slidenum">
-              <a:rPr lang="en-US" smtClean="0"/>
-              <a:t>37</a:t>
-            </a:fld>
-            <a:endParaRPr lang="en-US"/>
-          </a:p>
-        </p:txBody>
-      </p:sp>
-      <p:sp>
-        <p:nvSpPr>
-          <p:cNvPr id="7" name="Title 1">
-            <a:extLst>
-              <a:ext uri="{FF2B5EF4-FFF2-40B4-BE49-F238E27FC236}">
-                <a16:creationId xmlns:a16="http://schemas.microsoft.com/office/drawing/2014/main" id="{B1EDFCA7-4935-4B01-AB7E-2D76D03B0BEF}"/>
-              </a:ext>
-            </a:extLst>
-          </p:cNvPr>
-          <p:cNvSpPr>
-            <a:spLocks noGrp="1"/>
-          </p:cNvSpPr>
-          <p:nvPr>
-            <p:ph type="title"/>
-          </p:nvPr>
-        </p:nvSpPr>
-        <p:spPr>
-          <a:xfrm>
-            <a:off x="782958" y="143703"/>
-            <a:ext cx="10626083" cy="2254082"/>
-          </a:xfrm>
-        </p:spPr>
-        <p:txBody>
-          <a:bodyPr/>
-          <a:lstStyle/>
-          <a:p>
-            <a:pPr algn="ctr"/>
-            <a:r>
-              <a:rPr lang="en-US" sz="3600" b="1" dirty="0"/>
-              <a:t>User Interface</a:t>
-            </a:r>
-            <a:br>
-              <a:rPr lang="en-US" sz="3600" b="1" dirty="0"/>
-            </a:br>
-            <a:r>
-              <a:rPr lang="en-US" sz="3600" b="1" dirty="0"/>
-              <a:t>Approve by supervisor</a:t>
-            </a:r>
-            <a:br>
-              <a:rPr lang="en-US" sz="3600" b="1" dirty="0"/>
-            </a:br>
-            <a:endParaRPr lang="en-US" sz="3600" b="1" dirty="0"/>
-          </a:p>
-        </p:txBody>
-      </p:sp>
-      <p:pic>
-        <p:nvPicPr>
-          <p:cNvPr id="2" name="Picture 1">
-            <a:extLst>
-              <a:ext uri="{FF2B5EF4-FFF2-40B4-BE49-F238E27FC236}">
-                <a16:creationId xmlns:a16="http://schemas.microsoft.com/office/drawing/2014/main" id="{6B283F01-C59F-4D85-A194-470EC02C7670}"/>
-              </a:ext>
-            </a:extLst>
-          </p:cNvPr>
-          <p:cNvPicPr>
-            <a:picLocks noChangeAspect="1"/>
-          </p:cNvPicPr>
-          <p:nvPr/>
-        </p:nvPicPr>
-        <p:blipFill>
-          <a:blip r:embed="rId2"/>
-          <a:stretch>
-            <a:fillRect/>
-          </a:stretch>
-        </p:blipFill>
-        <p:spPr>
-          <a:xfrm>
-            <a:off x="974033" y="1280545"/>
-            <a:ext cx="10243931" cy="5433752"/>
-          </a:xfrm>
-          <a:prstGeom prst="rect">
-            <a:avLst/>
-          </a:prstGeom>
-        </p:spPr>
-      </p:pic>
-    </p:spTree>
-    <p:extLst>
-      <p:ext uri="{BB962C8B-B14F-4D97-AF65-F5344CB8AC3E}">
-        <p14:creationId xmlns:p14="http://schemas.microsoft.com/office/powerpoint/2010/main" val="1864825445"/>
+        <p14:creationId xmlns:p14="http://schemas.microsoft.com/office/powerpoint/2010/main" val="1917092567"/>
       </p:ext>
     </p:extLst>
   </p:cSld>
@@ -11321,69 +11305,10 @@
       </p:grpSpPr>
       <p:sp>
         <p:nvSpPr>
-          <p:cNvPr id="2" name="Title 1">
-            <a:extLst>
-              <a:ext uri="{FF2B5EF4-FFF2-40B4-BE49-F238E27FC236}">
-                <a16:creationId xmlns:a16="http://schemas.microsoft.com/office/drawing/2014/main" id="{89E05A28-06C8-49A2-A759-6124FBE09FB0}"/>
-              </a:ext>
-            </a:extLst>
-          </p:cNvPr>
-          <p:cNvSpPr>
-            <a:spLocks noGrp="1"/>
-          </p:cNvSpPr>
-          <p:nvPr>
-            <p:ph type="title"/>
-          </p:nvPr>
-        </p:nvSpPr>
-        <p:spPr>
-          <a:xfrm>
-            <a:off x="491411" y="2028470"/>
-            <a:ext cx="11209178" cy="1400530"/>
-          </a:xfrm>
-        </p:spPr>
-        <p:txBody>
-          <a:bodyPr/>
-          <a:lstStyle/>
-          <a:p>
-            <a:pPr algn="ctr"/>
-            <a:r>
-              <a:rPr lang="en-US" sz="8800" b="1" dirty="0">
-                <a:solidFill>
-                  <a:schemeClr val="accent3">
-                    <a:lumMod val="60000"/>
-                    <a:lumOff val="40000"/>
-                  </a:schemeClr>
-                </a:solidFill>
-              </a:rPr>
-              <a:t>APPROVE BY MANAGER</a:t>
-            </a:r>
-            <a:br>
-              <a:rPr lang="en-US" sz="8800" b="1" dirty="0">
-                <a:solidFill>
-                  <a:schemeClr val="accent3">
-                    <a:lumMod val="60000"/>
-                    <a:lumOff val="40000"/>
-                  </a:schemeClr>
-                </a:solidFill>
-              </a:rPr>
-            </a:br>
-            <a:endParaRPr lang="en-US" sz="8800" b="1" dirty="0">
-              <a:solidFill>
-                <a:schemeClr val="accent3">
-                  <a:lumMod val="60000"/>
-                  <a:lumOff val="40000"/>
-                </a:schemeClr>
-              </a:solidFill>
-            </a:endParaRPr>
-          </a:p>
-        </p:txBody>
-      </p:sp>
-      <p:sp>
-        <p:nvSpPr>
           <p:cNvPr id="4" name="Slide Number Placeholder 3">
             <a:extLst>
               <a:ext uri="{FF2B5EF4-FFF2-40B4-BE49-F238E27FC236}">
-                <a16:creationId xmlns:a16="http://schemas.microsoft.com/office/drawing/2014/main" id="{D1B85F67-A45C-4FC7-B75D-DFF096FEE71B}"/>
+                <a16:creationId xmlns:a16="http://schemas.microsoft.com/office/drawing/2014/main" id="{CBC505C8-107C-4F2E-AF0C-7E7C0E308541}"/>
               </a:ext>
             </a:extLst>
           </p:cNvPr>
@@ -11407,10 +11332,40 @@
           </a:p>
         </p:txBody>
       </p:sp>
+      <p:pic>
+        <p:nvPicPr>
+          <p:cNvPr id="3" name="Picture 2">
+            <a:extLst>
+              <a:ext uri="{FF2B5EF4-FFF2-40B4-BE49-F238E27FC236}">
+                <a16:creationId xmlns:a16="http://schemas.microsoft.com/office/drawing/2014/main" id="{76A72AAE-D342-4010-93D5-3DC9E67076D8}"/>
+              </a:ext>
+            </a:extLst>
+          </p:cNvPr>
+          <p:cNvPicPr>
+            <a:picLocks noChangeAspect="1"/>
+          </p:cNvPicPr>
+          <p:nvPr/>
+        </p:nvPicPr>
+        <p:blipFill>
+          <a:blip r:embed="rId2"/>
+          <a:stretch>
+            <a:fillRect/>
+          </a:stretch>
+        </p:blipFill>
+        <p:spPr>
+          <a:xfrm>
+            <a:off x="2474740" y="98052"/>
+            <a:ext cx="7242520" cy="6661896"/>
+          </a:xfrm>
+          <a:prstGeom prst="rect">
+            <a:avLst/>
+          </a:prstGeom>
+        </p:spPr>
+      </p:pic>
     </p:spTree>
     <p:extLst>
       <p:ext uri="{BB962C8B-B14F-4D97-AF65-F5344CB8AC3E}">
-        <p14:creationId xmlns:p14="http://schemas.microsoft.com/office/powerpoint/2010/main" val="4042095287"/>
+        <p14:creationId xmlns:p14="http://schemas.microsoft.com/office/powerpoint/2010/main" val="3893396537"/>
       </p:ext>
     </p:extLst>
   </p:cSld>
@@ -11442,7 +11397,7 @@
           <p:cNvPr id="4" name="Slide Number Placeholder 3">
             <a:extLst>
               <a:ext uri="{FF2B5EF4-FFF2-40B4-BE49-F238E27FC236}">
-                <a16:creationId xmlns:a16="http://schemas.microsoft.com/office/drawing/2014/main" id="{CBC505C8-107C-4F2E-AF0C-7E7C0E308541}"/>
+                <a16:creationId xmlns:a16="http://schemas.microsoft.com/office/drawing/2014/main" id="{3E17E1F1-C756-4263-9523-1CD31C656259}"/>
               </a:ext>
             </a:extLst>
           </p:cNvPr>
@@ -11468,10 +11423,584 @@
       </p:sp>
       <p:sp>
         <p:nvSpPr>
+          <p:cNvPr id="7" name="Title 1">
+            <a:extLst>
+              <a:ext uri="{FF2B5EF4-FFF2-40B4-BE49-F238E27FC236}">
+                <a16:creationId xmlns:a16="http://schemas.microsoft.com/office/drawing/2014/main" id="{B1EDFCA7-4935-4B01-AB7E-2D76D03B0BEF}"/>
+              </a:ext>
+            </a:extLst>
+          </p:cNvPr>
+          <p:cNvSpPr>
+            <a:spLocks noGrp="1"/>
+          </p:cNvSpPr>
+          <p:nvPr>
+            <p:ph type="title"/>
+          </p:nvPr>
+        </p:nvSpPr>
+        <p:spPr>
+          <a:xfrm>
+            <a:off x="782958" y="143703"/>
+            <a:ext cx="10626083" cy="2254082"/>
+          </a:xfrm>
+        </p:spPr>
+        <p:txBody>
+          <a:bodyPr/>
+          <a:lstStyle/>
+          <a:p>
+            <a:pPr algn="ctr"/>
+            <a:r>
+              <a:rPr lang="en-US" sz="3600" b="1" dirty="0"/>
+              <a:t>User Interface</a:t>
+            </a:r>
+            <a:br>
+              <a:rPr lang="en-US" sz="3600" b="1" dirty="0"/>
+            </a:br>
+            <a:r>
+              <a:rPr lang="en-US" sz="3600" b="1" dirty="0"/>
+              <a:t>Approve by manager</a:t>
+            </a:r>
+            <a:br>
+              <a:rPr lang="en-US" sz="3600" b="1" dirty="0"/>
+            </a:br>
+            <a:endParaRPr lang="en-US" sz="3600" b="1" dirty="0"/>
+          </a:p>
+        </p:txBody>
+      </p:sp>
+      <p:pic>
+        <p:nvPicPr>
+          <p:cNvPr id="2" name="Picture 1">
+            <a:extLst>
+              <a:ext uri="{FF2B5EF4-FFF2-40B4-BE49-F238E27FC236}">
+                <a16:creationId xmlns:a16="http://schemas.microsoft.com/office/drawing/2014/main" id="{D7FE6728-2353-45FA-899F-537F3D5932F1}"/>
+              </a:ext>
+            </a:extLst>
+          </p:cNvPr>
+          <p:cNvPicPr>
+            <a:picLocks noChangeAspect="1"/>
+          </p:cNvPicPr>
+          <p:nvPr/>
+        </p:nvPicPr>
+        <p:blipFill>
+          <a:blip r:embed="rId2"/>
+          <a:stretch>
+            <a:fillRect/>
+          </a:stretch>
+        </p:blipFill>
+        <p:spPr>
+          <a:xfrm>
+            <a:off x="983512" y="1350329"/>
+            <a:ext cx="10224973" cy="5363968"/>
+          </a:xfrm>
+          <a:prstGeom prst="rect">
+            <a:avLst/>
+          </a:prstGeom>
+        </p:spPr>
+      </p:pic>
+    </p:spTree>
+    <p:extLst>
+      <p:ext uri="{BB962C8B-B14F-4D97-AF65-F5344CB8AC3E}">
+        <p14:creationId xmlns:p14="http://schemas.microsoft.com/office/powerpoint/2010/main" val="3373036809"/>
+      </p:ext>
+    </p:extLst>
+  </p:cSld>
+  <p:clrMapOvr>
+    <a:masterClrMapping/>
+  </p:clrMapOvr>
+</p:sld>
+</file>
+
+<file path=ppt/slides/slide4.xml><?xml version="1.0" encoding="utf-8"?>
+<p:sld xmlns:a="http://schemas.openxmlformats.org/drawingml/2006/main" xmlns:r="http://schemas.openxmlformats.org/officeDocument/2006/relationships" xmlns:p="http://schemas.openxmlformats.org/presentationml/2006/main">
+  <p:cSld>
+    <p:spTree>
+      <p:nvGrpSpPr>
+        <p:cNvPr id="1" name=""/>
+        <p:cNvGrpSpPr/>
+        <p:nvPr/>
+      </p:nvGrpSpPr>
+      <p:grpSpPr>
+        <a:xfrm>
+          <a:off x="0" y="0"/>
+          <a:ext cx="0" cy="0"/>
+          <a:chOff x="0" y="0"/>
+          <a:chExt cx="0" cy="0"/>
+        </a:xfrm>
+      </p:grpSpPr>
+      <p:sp>
+        <p:nvSpPr>
+          <p:cNvPr id="2" name="Title 1">
+            <a:extLst>
+              <a:ext uri="{FF2B5EF4-FFF2-40B4-BE49-F238E27FC236}">
+                <a16:creationId xmlns:a16="http://schemas.microsoft.com/office/drawing/2014/main" id="{432E7936-E890-479C-9851-E3E7DD680140}"/>
+              </a:ext>
+            </a:extLst>
+          </p:cNvPr>
+          <p:cNvSpPr>
+            <a:spLocks noGrp="1"/>
+          </p:cNvSpPr>
+          <p:nvPr>
+            <p:ph type="ctrTitle"/>
+          </p:nvPr>
+        </p:nvSpPr>
+        <p:spPr>
+          <a:xfrm>
+            <a:off x="1129788" y="578840"/>
+            <a:ext cx="8825658" cy="1648287"/>
+          </a:xfrm>
+        </p:spPr>
+        <p:txBody>
+          <a:bodyPr/>
+          <a:lstStyle/>
+          <a:p>
+            <a:r>
+              <a:rPr lang="en-US" dirty="0"/>
+              <a:t>User</a:t>
+            </a:r>
+            <a:r>
+              <a:rPr lang="th-TH" dirty="0"/>
+              <a:t> </a:t>
+            </a:r>
+            <a:r>
+              <a:rPr lang="en-US" dirty="0"/>
+              <a:t>story</a:t>
+            </a:r>
+          </a:p>
+        </p:txBody>
+      </p:sp>
+      <p:sp>
+        <p:nvSpPr>
+          <p:cNvPr id="3" name="Subtitle 2">
+            <a:extLst>
+              <a:ext uri="{FF2B5EF4-FFF2-40B4-BE49-F238E27FC236}">
+                <a16:creationId xmlns:a16="http://schemas.microsoft.com/office/drawing/2014/main" id="{942D96FE-3F1B-4A23-9590-C12C55ACF3F3}"/>
+              </a:ext>
+            </a:extLst>
+          </p:cNvPr>
+          <p:cNvSpPr>
+            <a:spLocks noGrp="1"/>
+          </p:cNvSpPr>
+          <p:nvPr>
+            <p:ph type="subTitle" idx="1"/>
+          </p:nvPr>
+        </p:nvSpPr>
+        <p:spPr>
+          <a:xfrm>
+            <a:off x="1247234" y="2403296"/>
+            <a:ext cx="8825658" cy="3343163"/>
+          </a:xfrm>
+        </p:spPr>
+        <p:txBody>
+          <a:bodyPr>
+            <a:noAutofit/>
+          </a:bodyPr>
+          <a:lstStyle/>
+          <a:p>
+            <a:r>
+              <a:rPr lang="th-TH" sz="4000" b="1" dirty="0">
+                <a:latin typeface="Browallia New" panose="020B0604020202020204" pitchFamily="34" charset="-34"/>
+                <a:cs typeface="Browallia New" panose="020B0604020202020204" pitchFamily="34" charset="-34"/>
+              </a:rPr>
+              <a:t>ในฐานนะเจ้าหน้าที่ </a:t>
+            </a:r>
+            <a:r>
+              <a:rPr lang="en-US" sz="4000" b="1" dirty="0">
+                <a:latin typeface="Browallia New" panose="020B0604020202020204" pitchFamily="34" charset="-34"/>
+                <a:cs typeface="Browallia New" panose="020B0604020202020204" pitchFamily="34" charset="-34"/>
+              </a:rPr>
+              <a:t>HR </a:t>
+            </a:r>
+            <a:endParaRPr lang="th-TH" sz="4000" b="1" dirty="0">
+              <a:latin typeface="Browallia New" panose="020B0604020202020204" pitchFamily="34" charset="-34"/>
+              <a:cs typeface="Browallia New" panose="020B0604020202020204" pitchFamily="34" charset="-34"/>
+            </a:endParaRPr>
+          </a:p>
+          <a:p>
+            <a:r>
+              <a:rPr lang="th-TH" sz="4000" b="1" dirty="0">
+                <a:latin typeface="Browallia New" panose="020B0604020202020204" pitchFamily="34" charset="-34"/>
+                <a:cs typeface="Browallia New" panose="020B0604020202020204" pitchFamily="34" charset="-34"/>
+              </a:rPr>
+              <a:t>เราต้องการระบบ ลางาน</a:t>
+            </a:r>
+            <a:r>
+              <a:rPr lang="en-US" sz="4000" b="1" dirty="0">
+                <a:latin typeface="Browallia New" panose="020B0604020202020204" pitchFamily="34" charset="-34"/>
+                <a:cs typeface="Browallia New" panose="020B0604020202020204" pitchFamily="34" charset="-34"/>
+              </a:rPr>
+              <a:t>,</a:t>
+            </a:r>
+            <a:r>
+              <a:rPr lang="th-TH" sz="4000" b="1" dirty="0">
+                <a:latin typeface="Browallia New" panose="020B0604020202020204" pitchFamily="34" charset="-34"/>
+                <a:cs typeface="Browallia New" panose="020B0604020202020204" pitchFamily="34" charset="-34"/>
+              </a:rPr>
+              <a:t>โอที ผ่านเว็ปไซต์หรือออนไลน์ โดยผ่าน </a:t>
+            </a:r>
+            <a:r>
+              <a:rPr lang="en-US" sz="4000" b="1" dirty="0">
+                <a:latin typeface="Browallia New" panose="020B0604020202020204" pitchFamily="34" charset="-34"/>
+                <a:cs typeface="Browallia New" panose="020B0604020202020204" pitchFamily="34" charset="-34"/>
+              </a:rPr>
+              <a:t>manager </a:t>
+            </a:r>
+            <a:r>
+              <a:rPr lang="th-TH" sz="4000" b="1" dirty="0">
+                <a:latin typeface="Browallia New" panose="020B0604020202020204" pitchFamily="34" charset="-34"/>
+                <a:cs typeface="Browallia New" panose="020B0604020202020204" pitchFamily="34" charset="-34"/>
+              </a:rPr>
+              <a:t>และ </a:t>
+            </a:r>
+            <a:r>
+              <a:rPr lang="en-US" sz="4000" b="1" dirty="0">
+                <a:latin typeface="Browallia New" panose="020B0604020202020204" pitchFamily="34" charset="-34"/>
+                <a:cs typeface="Browallia New" panose="020B0604020202020204" pitchFamily="34" charset="-34"/>
+              </a:rPr>
+              <a:t>supervisor</a:t>
+            </a:r>
+            <a:endParaRPr lang="th-TH" sz="4000" b="1" dirty="0">
+              <a:latin typeface="Browallia New" panose="020B0604020202020204" pitchFamily="34" charset="-34"/>
+              <a:cs typeface="Browallia New" panose="020B0604020202020204" pitchFamily="34" charset="-34"/>
+            </a:endParaRPr>
+          </a:p>
+          <a:p>
+            <a:r>
+              <a:rPr lang="th-TH" sz="4000" b="1" dirty="0">
+                <a:latin typeface="Browallia New" panose="020B0604020202020204" pitchFamily="34" charset="-34"/>
+                <a:cs typeface="Browallia New" panose="020B0604020202020204" pitchFamily="34" charset="-34"/>
+              </a:rPr>
+              <a:t>เพื่อสะดวกและรวดเร็วในการจัดการ</a:t>
+            </a:r>
+            <a:endParaRPr lang="en-US" sz="4000" b="1" dirty="0">
+              <a:latin typeface="Browallia New" panose="020B0604020202020204" pitchFamily="34" charset="-34"/>
+              <a:cs typeface="Browallia New" panose="020B0604020202020204" pitchFamily="34" charset="-34"/>
+            </a:endParaRPr>
+          </a:p>
+        </p:txBody>
+      </p:sp>
+      <p:sp>
+        <p:nvSpPr>
+          <p:cNvPr id="5" name="Slide Number Placeholder 4">
+            <a:extLst>
+              <a:ext uri="{FF2B5EF4-FFF2-40B4-BE49-F238E27FC236}">
+                <a16:creationId xmlns:a16="http://schemas.microsoft.com/office/drawing/2014/main" id="{BC974F00-37D4-428C-9D6D-713A7EA0AD50}"/>
+              </a:ext>
+            </a:extLst>
+          </p:cNvPr>
+          <p:cNvSpPr>
+            <a:spLocks noGrp="1"/>
+          </p:cNvSpPr>
+          <p:nvPr>
+            <p:ph type="sldNum" sz="quarter" idx="12"/>
+          </p:nvPr>
+        </p:nvSpPr>
+        <p:spPr/>
+        <p:txBody>
+          <a:bodyPr/>
+          <a:lstStyle/>
+          <a:p>
+            <a:fld id="{856BCB40-DA03-48F7-A2D3-509646EF08FA}" type="slidenum">
+              <a:rPr lang="en-US" smtClean="0"/>
+              <a:t>4</a:t>
+            </a:fld>
+            <a:endParaRPr lang="en-US"/>
+          </a:p>
+        </p:txBody>
+      </p:sp>
+    </p:spTree>
+    <p:extLst>
+      <p:ext uri="{BB962C8B-B14F-4D97-AF65-F5344CB8AC3E}">
+        <p14:creationId xmlns:p14="http://schemas.microsoft.com/office/powerpoint/2010/main" val="3897654586"/>
+      </p:ext>
+    </p:extLst>
+  </p:cSld>
+  <p:clrMapOvr>
+    <a:masterClrMapping/>
+  </p:clrMapOvr>
+</p:sld>
+</file>
+
+<file path=ppt/slides/slide40.xml><?xml version="1.0" encoding="utf-8"?>
+<p:sld xmlns:a="http://schemas.openxmlformats.org/drawingml/2006/main" xmlns:r="http://schemas.openxmlformats.org/officeDocument/2006/relationships" xmlns:p="http://schemas.openxmlformats.org/presentationml/2006/main">
+  <p:cSld>
+    <p:spTree>
+      <p:nvGrpSpPr>
+        <p:cNvPr id="1" name=""/>
+        <p:cNvGrpSpPr/>
+        <p:nvPr/>
+      </p:nvGrpSpPr>
+      <p:grpSpPr>
+        <a:xfrm>
+          <a:off x="0" y="0"/>
+          <a:ext cx="0" cy="0"/>
+          <a:chOff x="0" y="0"/>
+          <a:chExt cx="0" cy="0"/>
+        </a:xfrm>
+      </p:grpSpPr>
+      <p:sp>
+        <p:nvSpPr>
+          <p:cNvPr id="2" name="Title 1">
+            <a:extLst>
+              <a:ext uri="{FF2B5EF4-FFF2-40B4-BE49-F238E27FC236}">
+                <a16:creationId xmlns:a16="http://schemas.microsoft.com/office/drawing/2014/main" id="{89E05A28-06C8-49A2-A759-6124FBE09FB0}"/>
+              </a:ext>
+            </a:extLst>
+          </p:cNvPr>
+          <p:cNvSpPr>
+            <a:spLocks noGrp="1"/>
+          </p:cNvSpPr>
+          <p:nvPr>
+            <p:ph type="title"/>
+          </p:nvPr>
+        </p:nvSpPr>
+        <p:spPr>
+          <a:xfrm>
+            <a:off x="491411" y="2200749"/>
+            <a:ext cx="11209178" cy="1400530"/>
+          </a:xfrm>
+        </p:spPr>
+        <p:txBody>
+          <a:bodyPr/>
+          <a:lstStyle/>
+          <a:p>
+            <a:pPr algn="ctr"/>
+            <a:r>
+              <a:rPr lang="en-US" sz="8800" b="1" dirty="0">
+                <a:solidFill>
+                  <a:schemeClr val="accent2">
+                    <a:lumMod val="60000"/>
+                    <a:lumOff val="40000"/>
+                  </a:schemeClr>
+                </a:solidFill>
+              </a:rPr>
+              <a:t>OVER TIME</a:t>
+            </a:r>
+          </a:p>
+        </p:txBody>
+      </p:sp>
+      <p:sp>
+        <p:nvSpPr>
+          <p:cNvPr id="4" name="Slide Number Placeholder 3">
+            <a:extLst>
+              <a:ext uri="{FF2B5EF4-FFF2-40B4-BE49-F238E27FC236}">
+                <a16:creationId xmlns:a16="http://schemas.microsoft.com/office/drawing/2014/main" id="{D1B85F67-A45C-4FC7-B75D-DFF096FEE71B}"/>
+              </a:ext>
+            </a:extLst>
+          </p:cNvPr>
+          <p:cNvSpPr>
+            <a:spLocks noGrp="1"/>
+          </p:cNvSpPr>
+          <p:nvPr>
+            <p:ph type="sldNum" sz="quarter" idx="12"/>
+          </p:nvPr>
+        </p:nvSpPr>
+        <p:spPr/>
+        <p:txBody>
+          <a:bodyPr/>
+          <a:lstStyle/>
+          <a:p>
+            <a:fld id="{856BCB40-DA03-48F7-A2D3-509646EF08FA}" type="slidenum">
+              <a:rPr lang="en-US" smtClean="0"/>
+              <a:t>40</a:t>
+            </a:fld>
+            <a:endParaRPr lang="en-US"/>
+          </a:p>
+        </p:txBody>
+      </p:sp>
+    </p:spTree>
+    <p:extLst>
+      <p:ext uri="{BB962C8B-B14F-4D97-AF65-F5344CB8AC3E}">
+        <p14:creationId xmlns:p14="http://schemas.microsoft.com/office/powerpoint/2010/main" val="1836743641"/>
+      </p:ext>
+    </p:extLst>
+  </p:cSld>
+  <p:clrMapOvr>
+    <a:masterClrMapping/>
+  </p:clrMapOvr>
+</p:sld>
+</file>
+
+<file path=ppt/slides/slide41.xml><?xml version="1.0" encoding="utf-8"?>
+<p:sld xmlns:a="http://schemas.openxmlformats.org/drawingml/2006/main" xmlns:r="http://schemas.openxmlformats.org/officeDocument/2006/relationships" xmlns:p="http://schemas.openxmlformats.org/presentationml/2006/main">
+  <p:cSld>
+    <p:spTree>
+      <p:nvGrpSpPr>
+        <p:cNvPr id="1" name=""/>
+        <p:cNvGrpSpPr/>
+        <p:nvPr/>
+      </p:nvGrpSpPr>
+      <p:grpSpPr>
+        <a:xfrm>
+          <a:off x="0" y="0"/>
+          <a:ext cx="0" cy="0"/>
+          <a:chOff x="0" y="0"/>
+          <a:chExt cx="0" cy="0"/>
+        </a:xfrm>
+      </p:grpSpPr>
+      <p:sp>
+        <p:nvSpPr>
+          <p:cNvPr id="4" name="Slide Number Placeholder 3">
+            <a:extLst>
+              <a:ext uri="{FF2B5EF4-FFF2-40B4-BE49-F238E27FC236}">
+                <a16:creationId xmlns:a16="http://schemas.microsoft.com/office/drawing/2014/main" id="{93B04E02-80F0-44FD-86C2-044645213E6D}"/>
+              </a:ext>
+            </a:extLst>
+          </p:cNvPr>
+          <p:cNvSpPr>
+            <a:spLocks noGrp="1"/>
+          </p:cNvSpPr>
+          <p:nvPr>
+            <p:ph type="sldNum" sz="quarter" idx="12"/>
+          </p:nvPr>
+        </p:nvSpPr>
+        <p:spPr/>
+        <p:txBody>
+          <a:bodyPr/>
+          <a:lstStyle/>
+          <a:p>
+            <a:fld id="{856BCB40-DA03-48F7-A2D3-509646EF08FA}" type="slidenum">
+              <a:rPr lang="en-US" smtClean="0"/>
+              <a:t>41</a:t>
+            </a:fld>
+            <a:endParaRPr lang="en-US"/>
+          </a:p>
+        </p:txBody>
+      </p:sp>
+      <p:sp>
+        <p:nvSpPr>
+          <p:cNvPr id="5" name="Rectangle 4">
+            <a:extLst>
+              <a:ext uri="{FF2B5EF4-FFF2-40B4-BE49-F238E27FC236}">
+                <a16:creationId xmlns:a16="http://schemas.microsoft.com/office/drawing/2014/main" id="{D6376FFB-BDAF-4C73-8A1B-D6CBEB919106}"/>
+              </a:ext>
+            </a:extLst>
+          </p:cNvPr>
+          <p:cNvSpPr/>
+          <p:nvPr/>
+        </p:nvSpPr>
+        <p:spPr>
+          <a:xfrm>
+            <a:off x="1540925" y="125574"/>
+            <a:ext cx="9110147" cy="1107996"/>
+          </a:xfrm>
+          <a:prstGeom prst="rect">
+            <a:avLst/>
+          </a:prstGeom>
+        </p:spPr>
+        <p:txBody>
+          <a:bodyPr wrap="square">
+            <a:spAutoFit/>
+          </a:bodyPr>
+          <a:lstStyle/>
+          <a:p>
+            <a:pPr algn="ctr"/>
+            <a:r>
+              <a:rPr lang="en-US" sz="6600" b="1" dirty="0">
+                <a:latin typeface="TH Sarabun New" panose="020B0500040200020003" pitchFamily="34" charset="-34"/>
+                <a:cs typeface="Andalus" panose="02010000000000000000" pitchFamily="2" charset="-78"/>
+              </a:rPr>
+              <a:t>Class Diagram Over Time</a:t>
+            </a:r>
+            <a:endParaRPr lang="en-US" sz="8800" b="1" dirty="0">
+              <a:cs typeface="Andalus" panose="02010000000000000000" pitchFamily="2" charset="-78"/>
+            </a:endParaRPr>
+          </a:p>
+        </p:txBody>
+      </p:sp>
+      <p:pic>
+        <p:nvPicPr>
+          <p:cNvPr id="3" name="Picture 2">
+            <a:extLst>
+              <a:ext uri="{FF2B5EF4-FFF2-40B4-BE49-F238E27FC236}">
+                <a16:creationId xmlns:a16="http://schemas.microsoft.com/office/drawing/2014/main" id="{D6987AC9-2DE5-439B-99C1-F6C73A7A227F}"/>
+              </a:ext>
+            </a:extLst>
+          </p:cNvPr>
+          <p:cNvPicPr>
+            <a:picLocks noChangeAspect="1"/>
+          </p:cNvPicPr>
+          <p:nvPr/>
+        </p:nvPicPr>
+        <p:blipFill>
+          <a:blip r:embed="rId2"/>
+          <a:stretch>
+            <a:fillRect/>
+          </a:stretch>
+        </p:blipFill>
+        <p:spPr>
+          <a:xfrm>
+            <a:off x="197643" y="1278151"/>
+            <a:ext cx="11796713" cy="5454275"/>
+          </a:xfrm>
+          <a:prstGeom prst="rect">
+            <a:avLst/>
+          </a:prstGeom>
+        </p:spPr>
+      </p:pic>
+    </p:spTree>
+    <p:extLst>
+      <p:ext uri="{BB962C8B-B14F-4D97-AF65-F5344CB8AC3E}">
+        <p14:creationId xmlns:p14="http://schemas.microsoft.com/office/powerpoint/2010/main" val="1064469672"/>
+      </p:ext>
+    </p:extLst>
+  </p:cSld>
+  <p:clrMapOvr>
+    <a:masterClrMapping/>
+  </p:clrMapOvr>
+</p:sld>
+</file>
+
+<file path=ppt/slides/slide42.xml><?xml version="1.0" encoding="utf-8"?>
+<p:sld xmlns:a="http://schemas.openxmlformats.org/drawingml/2006/main" xmlns:r="http://schemas.openxmlformats.org/officeDocument/2006/relationships" xmlns:p="http://schemas.openxmlformats.org/presentationml/2006/main">
+  <p:cSld>
+    <p:spTree>
+      <p:nvGrpSpPr>
+        <p:cNvPr id="1" name=""/>
+        <p:cNvGrpSpPr/>
+        <p:nvPr/>
+      </p:nvGrpSpPr>
+      <p:grpSpPr>
+        <a:xfrm>
+          <a:off x="0" y="0"/>
+          <a:ext cx="0" cy="0"/>
+          <a:chOff x="0" y="0"/>
+          <a:chExt cx="0" cy="0"/>
+        </a:xfrm>
+      </p:grpSpPr>
+      <p:sp>
+        <p:nvSpPr>
+          <p:cNvPr id="4" name="Slide Number Placeholder 3">
+            <a:extLst>
+              <a:ext uri="{FF2B5EF4-FFF2-40B4-BE49-F238E27FC236}">
+                <a16:creationId xmlns:a16="http://schemas.microsoft.com/office/drawing/2014/main" id="{CBC505C8-107C-4F2E-AF0C-7E7C0E308541}"/>
+              </a:ext>
+            </a:extLst>
+          </p:cNvPr>
+          <p:cNvSpPr>
+            <a:spLocks noGrp="1"/>
+          </p:cNvSpPr>
+          <p:nvPr>
+            <p:ph type="sldNum" sz="quarter" idx="12"/>
+          </p:nvPr>
+        </p:nvSpPr>
+        <p:spPr/>
+        <p:txBody>
+          <a:bodyPr/>
+          <a:lstStyle/>
+          <a:p>
+            <a:fld id="{856BCB40-DA03-48F7-A2D3-509646EF08FA}" type="slidenum">
+              <a:rPr lang="en-US" smtClean="0"/>
+              <a:t>42</a:t>
+            </a:fld>
+            <a:endParaRPr lang="en-US"/>
+          </a:p>
+        </p:txBody>
+      </p:sp>
+      <p:sp>
+        <p:nvSpPr>
           <p:cNvPr id="3" name="Title 1">
             <a:extLst>
               <a:ext uri="{FF2B5EF4-FFF2-40B4-BE49-F238E27FC236}">
-                <a16:creationId xmlns:a16="http://schemas.microsoft.com/office/drawing/2014/main" id="{433E3FE9-6134-4207-AC32-EA05B86075F9}"/>
+                <a16:creationId xmlns:a16="http://schemas.microsoft.com/office/drawing/2014/main" id="{ED2E254B-069D-4716-BB47-FBDF10EDD823}"/>
               </a:ext>
             </a:extLst>
           </p:cNvPr>
@@ -11482,7 +12011,7 @@
         </p:nvSpPr>
         <p:spPr>
           <a:xfrm>
-            <a:off x="782958" y="2450440"/>
+            <a:off x="782958" y="1970655"/>
             <a:ext cx="10626083" cy="2916690"/>
           </a:xfrm>
           <a:prstGeom prst="rect">
@@ -11576,7 +12105,7 @@
             <a:pPr algn="ctr"/>
             <a:r>
               <a:rPr lang="en-US" sz="6000" b="1" dirty="0"/>
-              <a:t>Approve by manager</a:t>
+              <a:t>Over Time</a:t>
             </a:r>
           </a:p>
           <a:p>
@@ -11591,540 +12120,7 @@
     </p:spTree>
     <p:extLst>
       <p:ext uri="{BB962C8B-B14F-4D97-AF65-F5344CB8AC3E}">
-        <p14:creationId xmlns:p14="http://schemas.microsoft.com/office/powerpoint/2010/main" val="1917092567"/>
-      </p:ext>
-    </p:extLst>
-  </p:cSld>
-  <p:clrMapOvr>
-    <a:masterClrMapping/>
-  </p:clrMapOvr>
-</p:sld>
-</file>
-
-<file path=ppt/slides/slide4.xml><?xml version="1.0" encoding="utf-8"?>
-<p:sld xmlns:a="http://schemas.openxmlformats.org/drawingml/2006/main" xmlns:r="http://schemas.openxmlformats.org/officeDocument/2006/relationships" xmlns:p="http://schemas.openxmlformats.org/presentationml/2006/main">
-  <p:cSld>
-    <p:spTree>
-      <p:nvGrpSpPr>
-        <p:cNvPr id="1" name=""/>
-        <p:cNvGrpSpPr/>
-        <p:nvPr/>
-      </p:nvGrpSpPr>
-      <p:grpSpPr>
-        <a:xfrm>
-          <a:off x="0" y="0"/>
-          <a:ext cx="0" cy="0"/>
-          <a:chOff x="0" y="0"/>
-          <a:chExt cx="0" cy="0"/>
-        </a:xfrm>
-      </p:grpSpPr>
-      <p:sp>
-        <p:nvSpPr>
-          <p:cNvPr id="2" name="Title 1">
-            <a:extLst>
-              <a:ext uri="{FF2B5EF4-FFF2-40B4-BE49-F238E27FC236}">
-                <a16:creationId xmlns:a16="http://schemas.microsoft.com/office/drawing/2014/main" id="{432E7936-E890-479C-9851-E3E7DD680140}"/>
-              </a:ext>
-            </a:extLst>
-          </p:cNvPr>
-          <p:cNvSpPr>
-            <a:spLocks noGrp="1"/>
-          </p:cNvSpPr>
-          <p:nvPr>
-            <p:ph type="ctrTitle"/>
-          </p:nvPr>
-        </p:nvSpPr>
-        <p:spPr>
-          <a:xfrm>
-            <a:off x="1129788" y="578840"/>
-            <a:ext cx="8825658" cy="1648287"/>
-          </a:xfrm>
-        </p:spPr>
-        <p:txBody>
-          <a:bodyPr/>
-          <a:lstStyle/>
-          <a:p>
-            <a:r>
-              <a:rPr lang="en-US" dirty="0"/>
-              <a:t>User</a:t>
-            </a:r>
-            <a:r>
-              <a:rPr lang="th-TH" dirty="0"/>
-              <a:t> </a:t>
-            </a:r>
-            <a:r>
-              <a:rPr lang="en-US" dirty="0"/>
-              <a:t>story</a:t>
-            </a:r>
-          </a:p>
-        </p:txBody>
-      </p:sp>
-      <p:sp>
-        <p:nvSpPr>
-          <p:cNvPr id="3" name="Subtitle 2">
-            <a:extLst>
-              <a:ext uri="{FF2B5EF4-FFF2-40B4-BE49-F238E27FC236}">
-                <a16:creationId xmlns:a16="http://schemas.microsoft.com/office/drawing/2014/main" id="{942D96FE-3F1B-4A23-9590-C12C55ACF3F3}"/>
-              </a:ext>
-            </a:extLst>
-          </p:cNvPr>
-          <p:cNvSpPr>
-            <a:spLocks noGrp="1"/>
-          </p:cNvSpPr>
-          <p:nvPr>
-            <p:ph type="subTitle" idx="1"/>
-          </p:nvPr>
-        </p:nvSpPr>
-        <p:spPr>
-          <a:xfrm>
-            <a:off x="1247234" y="2403296"/>
-            <a:ext cx="8825658" cy="3343163"/>
-          </a:xfrm>
-        </p:spPr>
-        <p:txBody>
-          <a:bodyPr>
-            <a:noAutofit/>
-          </a:bodyPr>
-          <a:lstStyle/>
-          <a:p>
-            <a:r>
-              <a:rPr lang="th-TH" sz="4000" b="1" dirty="0">
-                <a:latin typeface="Browallia New" panose="020B0604020202020204" pitchFamily="34" charset="-34"/>
-                <a:cs typeface="Browallia New" panose="020B0604020202020204" pitchFamily="34" charset="-34"/>
-              </a:rPr>
-              <a:t>ในฐานนะเจ้าหน้าที่ </a:t>
-            </a:r>
-            <a:r>
-              <a:rPr lang="en-US" sz="4000" b="1" dirty="0">
-                <a:latin typeface="Browallia New" panose="020B0604020202020204" pitchFamily="34" charset="-34"/>
-                <a:cs typeface="Browallia New" panose="020B0604020202020204" pitchFamily="34" charset="-34"/>
-              </a:rPr>
-              <a:t>HR </a:t>
-            </a:r>
-            <a:endParaRPr lang="th-TH" sz="4000" b="1" dirty="0">
-              <a:latin typeface="Browallia New" panose="020B0604020202020204" pitchFamily="34" charset="-34"/>
-              <a:cs typeface="Browallia New" panose="020B0604020202020204" pitchFamily="34" charset="-34"/>
-            </a:endParaRPr>
-          </a:p>
-          <a:p>
-            <a:r>
-              <a:rPr lang="th-TH" sz="4000" b="1" dirty="0">
-                <a:latin typeface="Browallia New" panose="020B0604020202020204" pitchFamily="34" charset="-34"/>
-                <a:cs typeface="Browallia New" panose="020B0604020202020204" pitchFamily="34" charset="-34"/>
-              </a:rPr>
-              <a:t>ฉันต้องการระบบ ลางาน</a:t>
-            </a:r>
-            <a:r>
-              <a:rPr lang="en-US" sz="4000" b="1" dirty="0">
-                <a:latin typeface="Browallia New" panose="020B0604020202020204" pitchFamily="34" charset="-34"/>
-                <a:cs typeface="Browallia New" panose="020B0604020202020204" pitchFamily="34" charset="-34"/>
-              </a:rPr>
-              <a:t>,</a:t>
-            </a:r>
-            <a:r>
-              <a:rPr lang="th-TH" sz="4000" b="1" dirty="0">
-                <a:latin typeface="Browallia New" panose="020B0604020202020204" pitchFamily="34" charset="-34"/>
-                <a:cs typeface="Browallia New" panose="020B0604020202020204" pitchFamily="34" charset="-34"/>
-              </a:rPr>
-              <a:t>โอที ผ่านเว็ปไซต์หรือออนไลน์ โดยผ่าน </a:t>
-            </a:r>
-            <a:r>
-              <a:rPr lang="en-US" sz="4000" b="1" dirty="0">
-                <a:latin typeface="Browallia New" panose="020B0604020202020204" pitchFamily="34" charset="-34"/>
-                <a:cs typeface="Browallia New" panose="020B0604020202020204" pitchFamily="34" charset="-34"/>
-              </a:rPr>
-              <a:t>manager </a:t>
-            </a:r>
-            <a:r>
-              <a:rPr lang="th-TH" sz="4000" b="1" dirty="0">
-                <a:latin typeface="Browallia New" panose="020B0604020202020204" pitchFamily="34" charset="-34"/>
-                <a:cs typeface="Browallia New" panose="020B0604020202020204" pitchFamily="34" charset="-34"/>
-              </a:rPr>
-              <a:t>และ </a:t>
-            </a:r>
-            <a:r>
-              <a:rPr lang="en-US" sz="4000" b="1" dirty="0">
-                <a:latin typeface="Browallia New" panose="020B0604020202020204" pitchFamily="34" charset="-34"/>
-                <a:cs typeface="Browallia New" panose="020B0604020202020204" pitchFamily="34" charset="-34"/>
-              </a:rPr>
-              <a:t>supervisor</a:t>
-            </a:r>
-            <a:endParaRPr lang="th-TH" sz="4000" b="1" dirty="0">
-              <a:latin typeface="Browallia New" panose="020B0604020202020204" pitchFamily="34" charset="-34"/>
-              <a:cs typeface="Browallia New" panose="020B0604020202020204" pitchFamily="34" charset="-34"/>
-            </a:endParaRPr>
-          </a:p>
-          <a:p>
-            <a:r>
-              <a:rPr lang="th-TH" sz="4000" b="1" dirty="0">
-                <a:latin typeface="Browallia New" panose="020B0604020202020204" pitchFamily="34" charset="-34"/>
-                <a:cs typeface="Browallia New" panose="020B0604020202020204" pitchFamily="34" charset="-34"/>
-              </a:rPr>
-              <a:t>เพื่อสะดวกและรวดเร็วในการจัดการ</a:t>
-            </a:r>
-            <a:endParaRPr lang="en-US" sz="4000" b="1" dirty="0">
-              <a:latin typeface="Browallia New" panose="020B0604020202020204" pitchFamily="34" charset="-34"/>
-              <a:cs typeface="Browallia New" panose="020B0604020202020204" pitchFamily="34" charset="-34"/>
-            </a:endParaRPr>
-          </a:p>
-        </p:txBody>
-      </p:sp>
-      <p:sp>
-        <p:nvSpPr>
-          <p:cNvPr id="5" name="Slide Number Placeholder 4">
-            <a:extLst>
-              <a:ext uri="{FF2B5EF4-FFF2-40B4-BE49-F238E27FC236}">
-                <a16:creationId xmlns:a16="http://schemas.microsoft.com/office/drawing/2014/main" id="{BC974F00-37D4-428C-9D6D-713A7EA0AD50}"/>
-              </a:ext>
-            </a:extLst>
-          </p:cNvPr>
-          <p:cNvSpPr>
-            <a:spLocks noGrp="1"/>
-          </p:cNvSpPr>
-          <p:nvPr>
-            <p:ph type="sldNum" sz="quarter" idx="12"/>
-          </p:nvPr>
-        </p:nvSpPr>
-        <p:spPr/>
-        <p:txBody>
-          <a:bodyPr/>
-          <a:lstStyle/>
-          <a:p>
-            <a:fld id="{856BCB40-DA03-48F7-A2D3-509646EF08FA}" type="slidenum">
-              <a:rPr lang="en-US" smtClean="0"/>
-              <a:t>4</a:t>
-            </a:fld>
-            <a:endParaRPr lang="en-US"/>
-          </a:p>
-        </p:txBody>
-      </p:sp>
-    </p:spTree>
-    <p:extLst>
-      <p:ext uri="{BB962C8B-B14F-4D97-AF65-F5344CB8AC3E}">
-        <p14:creationId xmlns:p14="http://schemas.microsoft.com/office/powerpoint/2010/main" val="3897654586"/>
-      </p:ext>
-    </p:extLst>
-  </p:cSld>
-  <p:clrMapOvr>
-    <a:masterClrMapping/>
-  </p:clrMapOvr>
-</p:sld>
-</file>
-
-<file path=ppt/slides/slide40.xml><?xml version="1.0" encoding="utf-8"?>
-<p:sld xmlns:a="http://schemas.openxmlformats.org/drawingml/2006/main" xmlns:r="http://schemas.openxmlformats.org/officeDocument/2006/relationships" xmlns:p="http://schemas.openxmlformats.org/presentationml/2006/main">
-  <p:cSld>
-    <p:spTree>
-      <p:nvGrpSpPr>
-        <p:cNvPr id="1" name=""/>
-        <p:cNvGrpSpPr/>
-        <p:nvPr/>
-      </p:nvGrpSpPr>
-      <p:grpSpPr>
-        <a:xfrm>
-          <a:off x="0" y="0"/>
-          <a:ext cx="0" cy="0"/>
-          <a:chOff x="0" y="0"/>
-          <a:chExt cx="0" cy="0"/>
-        </a:xfrm>
-      </p:grpSpPr>
-      <p:sp>
-        <p:nvSpPr>
-          <p:cNvPr id="4" name="Slide Number Placeholder 3">
-            <a:extLst>
-              <a:ext uri="{FF2B5EF4-FFF2-40B4-BE49-F238E27FC236}">
-                <a16:creationId xmlns:a16="http://schemas.microsoft.com/office/drawing/2014/main" id="{CBC505C8-107C-4F2E-AF0C-7E7C0E308541}"/>
-              </a:ext>
-            </a:extLst>
-          </p:cNvPr>
-          <p:cNvSpPr>
-            <a:spLocks noGrp="1"/>
-          </p:cNvSpPr>
-          <p:nvPr>
-            <p:ph type="sldNum" sz="quarter" idx="12"/>
-          </p:nvPr>
-        </p:nvSpPr>
-        <p:spPr/>
-        <p:txBody>
-          <a:bodyPr/>
-          <a:lstStyle/>
-          <a:p>
-            <a:fld id="{856BCB40-DA03-48F7-A2D3-509646EF08FA}" type="slidenum">
-              <a:rPr lang="en-US" smtClean="0"/>
-              <a:t>40</a:t>
-            </a:fld>
-            <a:endParaRPr lang="en-US"/>
-          </a:p>
-        </p:txBody>
-      </p:sp>
-      <p:pic>
-        <p:nvPicPr>
-          <p:cNvPr id="3" name="Picture 2">
-            <a:extLst>
-              <a:ext uri="{FF2B5EF4-FFF2-40B4-BE49-F238E27FC236}">
-                <a16:creationId xmlns:a16="http://schemas.microsoft.com/office/drawing/2014/main" id="{76A72AAE-D342-4010-93D5-3DC9E67076D8}"/>
-              </a:ext>
-            </a:extLst>
-          </p:cNvPr>
-          <p:cNvPicPr>
-            <a:picLocks noChangeAspect="1"/>
-          </p:cNvPicPr>
-          <p:nvPr/>
-        </p:nvPicPr>
-        <p:blipFill>
-          <a:blip r:embed="rId2"/>
-          <a:stretch>
-            <a:fillRect/>
-          </a:stretch>
-        </p:blipFill>
-        <p:spPr>
-          <a:xfrm>
-            <a:off x="2474740" y="98052"/>
-            <a:ext cx="7242520" cy="6661896"/>
-          </a:xfrm>
-          <a:prstGeom prst="rect">
-            <a:avLst/>
-          </a:prstGeom>
-        </p:spPr>
-      </p:pic>
-    </p:spTree>
-    <p:extLst>
-      <p:ext uri="{BB962C8B-B14F-4D97-AF65-F5344CB8AC3E}">
-        <p14:creationId xmlns:p14="http://schemas.microsoft.com/office/powerpoint/2010/main" val="3893396537"/>
-      </p:ext>
-    </p:extLst>
-  </p:cSld>
-  <p:clrMapOvr>
-    <a:masterClrMapping/>
-  </p:clrMapOvr>
-</p:sld>
-</file>
-
-<file path=ppt/slides/slide41.xml><?xml version="1.0" encoding="utf-8"?>
-<p:sld xmlns:a="http://schemas.openxmlformats.org/drawingml/2006/main" xmlns:r="http://schemas.openxmlformats.org/officeDocument/2006/relationships" xmlns:p="http://schemas.openxmlformats.org/presentationml/2006/main">
-  <p:cSld>
-    <p:spTree>
-      <p:nvGrpSpPr>
-        <p:cNvPr id="1" name=""/>
-        <p:cNvGrpSpPr/>
-        <p:nvPr/>
-      </p:nvGrpSpPr>
-      <p:grpSpPr>
-        <a:xfrm>
-          <a:off x="0" y="0"/>
-          <a:ext cx="0" cy="0"/>
-          <a:chOff x="0" y="0"/>
-          <a:chExt cx="0" cy="0"/>
-        </a:xfrm>
-      </p:grpSpPr>
-      <p:sp>
-        <p:nvSpPr>
-          <p:cNvPr id="4" name="Slide Number Placeholder 3">
-            <a:extLst>
-              <a:ext uri="{FF2B5EF4-FFF2-40B4-BE49-F238E27FC236}">
-                <a16:creationId xmlns:a16="http://schemas.microsoft.com/office/drawing/2014/main" id="{3E17E1F1-C756-4263-9523-1CD31C656259}"/>
-              </a:ext>
-            </a:extLst>
-          </p:cNvPr>
-          <p:cNvSpPr>
-            <a:spLocks noGrp="1"/>
-          </p:cNvSpPr>
-          <p:nvPr>
-            <p:ph type="sldNum" sz="quarter" idx="12"/>
-          </p:nvPr>
-        </p:nvSpPr>
-        <p:spPr/>
-        <p:txBody>
-          <a:bodyPr/>
-          <a:lstStyle/>
-          <a:p>
-            <a:fld id="{856BCB40-DA03-48F7-A2D3-509646EF08FA}" type="slidenum">
-              <a:rPr lang="en-US" smtClean="0"/>
-              <a:t>41</a:t>
-            </a:fld>
-            <a:endParaRPr lang="en-US"/>
-          </a:p>
-        </p:txBody>
-      </p:sp>
-      <p:sp>
-        <p:nvSpPr>
-          <p:cNvPr id="7" name="Title 1">
-            <a:extLst>
-              <a:ext uri="{FF2B5EF4-FFF2-40B4-BE49-F238E27FC236}">
-                <a16:creationId xmlns:a16="http://schemas.microsoft.com/office/drawing/2014/main" id="{B1EDFCA7-4935-4B01-AB7E-2D76D03B0BEF}"/>
-              </a:ext>
-            </a:extLst>
-          </p:cNvPr>
-          <p:cNvSpPr>
-            <a:spLocks noGrp="1"/>
-          </p:cNvSpPr>
-          <p:nvPr>
-            <p:ph type="title"/>
-          </p:nvPr>
-        </p:nvSpPr>
-        <p:spPr>
-          <a:xfrm>
-            <a:off x="782958" y="143703"/>
-            <a:ext cx="10626083" cy="2254082"/>
-          </a:xfrm>
-        </p:spPr>
-        <p:txBody>
-          <a:bodyPr/>
-          <a:lstStyle/>
-          <a:p>
-            <a:pPr algn="ctr"/>
-            <a:r>
-              <a:rPr lang="en-US" sz="3600" b="1" dirty="0"/>
-              <a:t>User Interface</a:t>
-            </a:r>
-            <a:br>
-              <a:rPr lang="en-US" sz="3600" b="1" dirty="0"/>
-            </a:br>
-            <a:r>
-              <a:rPr lang="en-US" sz="3600" b="1" dirty="0"/>
-              <a:t>Approve by manager</a:t>
-            </a:r>
-            <a:br>
-              <a:rPr lang="en-US" sz="3600" b="1" dirty="0"/>
-            </a:br>
-            <a:endParaRPr lang="en-US" sz="3600" b="1" dirty="0"/>
-          </a:p>
-        </p:txBody>
-      </p:sp>
-      <p:pic>
-        <p:nvPicPr>
-          <p:cNvPr id="2" name="Picture 1">
-            <a:extLst>
-              <a:ext uri="{FF2B5EF4-FFF2-40B4-BE49-F238E27FC236}">
-                <a16:creationId xmlns:a16="http://schemas.microsoft.com/office/drawing/2014/main" id="{D7FE6728-2353-45FA-899F-537F3D5932F1}"/>
-              </a:ext>
-            </a:extLst>
-          </p:cNvPr>
-          <p:cNvPicPr>
-            <a:picLocks noChangeAspect="1"/>
-          </p:cNvPicPr>
-          <p:nvPr/>
-        </p:nvPicPr>
-        <p:blipFill>
-          <a:blip r:embed="rId2"/>
-          <a:stretch>
-            <a:fillRect/>
-          </a:stretch>
-        </p:blipFill>
-        <p:spPr>
-          <a:xfrm>
-            <a:off x="983512" y="1350329"/>
-            <a:ext cx="10224973" cy="5363968"/>
-          </a:xfrm>
-          <a:prstGeom prst="rect">
-            <a:avLst/>
-          </a:prstGeom>
-        </p:spPr>
-      </p:pic>
-    </p:spTree>
-    <p:extLst>
-      <p:ext uri="{BB962C8B-B14F-4D97-AF65-F5344CB8AC3E}">
-        <p14:creationId xmlns:p14="http://schemas.microsoft.com/office/powerpoint/2010/main" val="3373036809"/>
-      </p:ext>
-    </p:extLst>
-  </p:cSld>
-  <p:clrMapOvr>
-    <a:masterClrMapping/>
-  </p:clrMapOvr>
-</p:sld>
-</file>
-
-<file path=ppt/slides/slide42.xml><?xml version="1.0" encoding="utf-8"?>
-<p:sld xmlns:a="http://schemas.openxmlformats.org/drawingml/2006/main" xmlns:r="http://schemas.openxmlformats.org/officeDocument/2006/relationships" xmlns:p="http://schemas.openxmlformats.org/presentationml/2006/main">
-  <p:cSld>
-    <p:spTree>
-      <p:nvGrpSpPr>
-        <p:cNvPr id="1" name=""/>
-        <p:cNvGrpSpPr/>
-        <p:nvPr/>
-      </p:nvGrpSpPr>
-      <p:grpSpPr>
-        <a:xfrm>
-          <a:off x="0" y="0"/>
-          <a:ext cx="0" cy="0"/>
-          <a:chOff x="0" y="0"/>
-          <a:chExt cx="0" cy="0"/>
-        </a:xfrm>
-      </p:grpSpPr>
-      <p:sp>
-        <p:nvSpPr>
-          <p:cNvPr id="2" name="Title 1">
-            <a:extLst>
-              <a:ext uri="{FF2B5EF4-FFF2-40B4-BE49-F238E27FC236}">
-                <a16:creationId xmlns:a16="http://schemas.microsoft.com/office/drawing/2014/main" id="{89E05A28-06C8-49A2-A759-6124FBE09FB0}"/>
-              </a:ext>
-            </a:extLst>
-          </p:cNvPr>
-          <p:cNvSpPr>
-            <a:spLocks noGrp="1"/>
-          </p:cNvSpPr>
-          <p:nvPr>
-            <p:ph type="title"/>
-          </p:nvPr>
-        </p:nvSpPr>
-        <p:spPr>
-          <a:xfrm>
-            <a:off x="491411" y="2200749"/>
-            <a:ext cx="11209178" cy="1400530"/>
-          </a:xfrm>
-        </p:spPr>
-        <p:txBody>
-          <a:bodyPr/>
-          <a:lstStyle/>
-          <a:p>
-            <a:pPr algn="ctr"/>
-            <a:r>
-              <a:rPr lang="en-US" sz="8800" b="1" dirty="0">
-                <a:solidFill>
-                  <a:schemeClr val="accent2">
-                    <a:lumMod val="60000"/>
-                    <a:lumOff val="40000"/>
-                  </a:schemeClr>
-                </a:solidFill>
-              </a:rPr>
-              <a:t>OVER TIME</a:t>
-            </a:r>
-          </a:p>
-        </p:txBody>
-      </p:sp>
-      <p:sp>
-        <p:nvSpPr>
-          <p:cNvPr id="4" name="Slide Number Placeholder 3">
-            <a:extLst>
-              <a:ext uri="{FF2B5EF4-FFF2-40B4-BE49-F238E27FC236}">
-                <a16:creationId xmlns:a16="http://schemas.microsoft.com/office/drawing/2014/main" id="{D1B85F67-A45C-4FC7-B75D-DFF096FEE71B}"/>
-              </a:ext>
-            </a:extLst>
-          </p:cNvPr>
-          <p:cNvSpPr>
-            <a:spLocks noGrp="1"/>
-          </p:cNvSpPr>
-          <p:nvPr>
-            <p:ph type="sldNum" sz="quarter" idx="12"/>
-          </p:nvPr>
-        </p:nvSpPr>
-        <p:spPr/>
-        <p:txBody>
-          <a:bodyPr/>
-          <a:lstStyle/>
-          <a:p>
-            <a:fld id="{856BCB40-DA03-48F7-A2D3-509646EF08FA}" type="slidenum">
-              <a:rPr lang="en-US" smtClean="0"/>
-              <a:t>42</a:t>
-            </a:fld>
-            <a:endParaRPr lang="en-US"/>
-          </a:p>
-        </p:txBody>
-      </p:sp>
-    </p:spTree>
-    <p:extLst>
-      <p:ext uri="{BB962C8B-B14F-4D97-AF65-F5344CB8AC3E}">
-        <p14:creationId xmlns:p14="http://schemas.microsoft.com/office/powerpoint/2010/main" val="1836743641"/>
+        <p14:creationId xmlns:p14="http://schemas.microsoft.com/office/powerpoint/2010/main" val="2010425730"/>
       </p:ext>
     </p:extLst>
   </p:cSld>
@@ -12156,7 +12152,7 @@
           <p:cNvPr id="4" name="Slide Number Placeholder 3">
             <a:extLst>
               <a:ext uri="{FF2B5EF4-FFF2-40B4-BE49-F238E27FC236}">
-                <a16:creationId xmlns:a16="http://schemas.microsoft.com/office/drawing/2014/main" id="{93B04E02-80F0-44FD-86C2-044645213E6D}"/>
+                <a16:creationId xmlns:a16="http://schemas.microsoft.com/office/drawing/2014/main" id="{CBC505C8-107C-4F2E-AF0C-7E7C0E308541}"/>
               </a:ext>
             </a:extLst>
           </p:cNvPr>
@@ -12180,53 +12176,12 @@
           </a:p>
         </p:txBody>
       </p:sp>
-      <p:sp>
-        <p:nvSpPr>
-          <p:cNvPr id="5" name="Rectangle 4">
+      <p:pic>
+        <p:nvPicPr>
+          <p:cNvPr id="2" name="Picture 1">
             <a:extLst>
               <a:ext uri="{FF2B5EF4-FFF2-40B4-BE49-F238E27FC236}">
-                <a16:creationId xmlns:a16="http://schemas.microsoft.com/office/drawing/2014/main" id="{D6376FFB-BDAF-4C73-8A1B-D6CBEB919106}"/>
-              </a:ext>
-            </a:extLst>
-          </p:cNvPr>
-          <p:cNvSpPr/>
-          <p:nvPr/>
-        </p:nvSpPr>
-        <p:spPr>
-          <a:xfrm>
-            <a:off x="1540925" y="125574"/>
-            <a:ext cx="9110147" cy="1107996"/>
-          </a:xfrm>
-          <a:prstGeom prst="rect">
-            <a:avLst/>
-          </a:prstGeom>
-        </p:spPr>
-        <p:txBody>
-          <a:bodyPr wrap="square">
-            <a:spAutoFit/>
-          </a:bodyPr>
-          <a:lstStyle/>
-          <a:p>
-            <a:pPr algn="ctr"/>
-            <a:r>
-              <a:rPr lang="en-US" sz="6600" b="1" dirty="0">
-                <a:latin typeface="TH Sarabun New" panose="020B0500040200020003" pitchFamily="34" charset="-34"/>
-                <a:cs typeface="Andalus" panose="02010000000000000000" pitchFamily="2" charset="-78"/>
-              </a:rPr>
-              <a:t>Class Diagram Over Time</a:t>
-            </a:r>
-            <a:endParaRPr lang="en-US" sz="8800" b="1" dirty="0">
-              <a:cs typeface="Andalus" panose="02010000000000000000" pitchFamily="2" charset="-78"/>
-            </a:endParaRPr>
-          </a:p>
-        </p:txBody>
-      </p:sp>
-      <p:pic>
-        <p:nvPicPr>
-          <p:cNvPr id="3" name="Picture 2">
-            <a:extLst>
-              <a:ext uri="{FF2B5EF4-FFF2-40B4-BE49-F238E27FC236}">
-                <a16:creationId xmlns:a16="http://schemas.microsoft.com/office/drawing/2014/main" id="{D6987AC9-2DE5-439B-99C1-F6C73A7A227F}"/>
+                <a16:creationId xmlns:a16="http://schemas.microsoft.com/office/drawing/2014/main" id="{B66118DD-8F1E-4AFD-9224-4767D56A2298}"/>
               </a:ext>
             </a:extLst>
           </p:cNvPr>
@@ -12243,8 +12198,8 @@
         </p:blipFill>
         <p:spPr>
           <a:xfrm>
-            <a:off x="197643" y="1278151"/>
-            <a:ext cx="11796713" cy="5454275"/>
+            <a:off x="3035372" y="0"/>
+            <a:ext cx="6121255" cy="6858000"/>
           </a:xfrm>
           <a:prstGeom prst="rect">
             <a:avLst/>
@@ -12254,7 +12209,7 @@
     </p:spTree>
     <p:extLst>
       <p:ext uri="{BB962C8B-B14F-4D97-AF65-F5344CB8AC3E}">
-        <p14:creationId xmlns:p14="http://schemas.microsoft.com/office/powerpoint/2010/main" val="1064469672"/>
+        <p14:creationId xmlns:p14="http://schemas.microsoft.com/office/powerpoint/2010/main" val="2957094010"/>
       </p:ext>
     </p:extLst>
   </p:cSld>
@@ -12286,7 +12241,7 @@
           <p:cNvPr id="4" name="Slide Number Placeholder 3">
             <a:extLst>
               <a:ext uri="{FF2B5EF4-FFF2-40B4-BE49-F238E27FC236}">
-                <a16:creationId xmlns:a16="http://schemas.microsoft.com/office/drawing/2014/main" id="{CBC505C8-107C-4F2E-AF0C-7E7C0E308541}"/>
+                <a16:creationId xmlns:a16="http://schemas.microsoft.com/office/drawing/2014/main" id="{3E17E1F1-C756-4263-9523-1CD31C656259}"/>
               </a:ext>
             </a:extLst>
           </p:cNvPr>
@@ -12312,10 +12267,262 @@
       </p:sp>
       <p:sp>
         <p:nvSpPr>
+          <p:cNvPr id="7" name="Title 1">
+            <a:extLst>
+              <a:ext uri="{FF2B5EF4-FFF2-40B4-BE49-F238E27FC236}">
+                <a16:creationId xmlns:a16="http://schemas.microsoft.com/office/drawing/2014/main" id="{B1EDFCA7-4935-4B01-AB7E-2D76D03B0BEF}"/>
+              </a:ext>
+            </a:extLst>
+          </p:cNvPr>
+          <p:cNvSpPr>
+            <a:spLocks noGrp="1"/>
+          </p:cNvSpPr>
+          <p:nvPr>
+            <p:ph type="title"/>
+          </p:nvPr>
+        </p:nvSpPr>
+        <p:spPr>
+          <a:xfrm>
+            <a:off x="782958" y="143703"/>
+            <a:ext cx="10626083" cy="2254082"/>
+          </a:xfrm>
+        </p:spPr>
+        <p:txBody>
+          <a:bodyPr/>
+          <a:lstStyle/>
+          <a:p>
+            <a:pPr algn="ctr"/>
+            <a:r>
+              <a:rPr lang="en-US" sz="3600" b="1" dirty="0"/>
+              <a:t>User Interface</a:t>
+            </a:r>
+            <a:br>
+              <a:rPr lang="en-US" sz="3600" b="1" dirty="0"/>
+            </a:br>
+            <a:r>
+              <a:rPr lang="en-US" sz="3600" b="1" dirty="0"/>
+              <a:t>Over Time</a:t>
+            </a:r>
+            <a:br>
+              <a:rPr lang="en-US" sz="3600" b="1" dirty="0"/>
+            </a:br>
+            <a:endParaRPr lang="en-US" sz="3600" b="1" dirty="0"/>
+          </a:p>
+        </p:txBody>
+      </p:sp>
+      <p:pic>
+        <p:nvPicPr>
+          <p:cNvPr id="2" name="Picture 1">
+            <a:extLst>
+              <a:ext uri="{FF2B5EF4-FFF2-40B4-BE49-F238E27FC236}">
+                <a16:creationId xmlns:a16="http://schemas.microsoft.com/office/drawing/2014/main" id="{08025D32-6A2B-419E-AAE2-0DD749254C53}"/>
+              </a:ext>
+            </a:extLst>
+          </p:cNvPr>
+          <p:cNvPicPr>
+            <a:picLocks noChangeAspect="1"/>
+          </p:cNvPicPr>
+          <p:nvPr/>
+        </p:nvPicPr>
+        <p:blipFill>
+          <a:blip r:embed="rId2"/>
+          <a:stretch>
+            <a:fillRect/>
+          </a:stretch>
+        </p:blipFill>
+        <p:spPr>
+          <a:xfrm>
+            <a:off x="475029" y="1270744"/>
+            <a:ext cx="11241940" cy="5562600"/>
+          </a:xfrm>
+          <a:prstGeom prst="rect">
+            <a:avLst/>
+          </a:prstGeom>
+        </p:spPr>
+      </p:pic>
+    </p:spTree>
+    <p:extLst>
+      <p:ext uri="{BB962C8B-B14F-4D97-AF65-F5344CB8AC3E}">
+        <p14:creationId xmlns:p14="http://schemas.microsoft.com/office/powerpoint/2010/main" val="3919808287"/>
+      </p:ext>
+    </p:extLst>
+  </p:cSld>
+  <p:clrMapOvr>
+    <a:masterClrMapping/>
+  </p:clrMapOvr>
+</p:sld>
+</file>
+
+<file path=ppt/slides/slide45.xml><?xml version="1.0" encoding="utf-8"?>
+<p:sld xmlns:a="http://schemas.openxmlformats.org/drawingml/2006/main" xmlns:r="http://schemas.openxmlformats.org/officeDocument/2006/relationships" xmlns:p="http://schemas.openxmlformats.org/presentationml/2006/main">
+  <p:cSld>
+    <p:spTree>
+      <p:nvGrpSpPr>
+        <p:cNvPr id="1" name=""/>
+        <p:cNvGrpSpPr/>
+        <p:nvPr/>
+      </p:nvGrpSpPr>
+      <p:grpSpPr>
+        <a:xfrm>
+          <a:off x="0" y="0"/>
+          <a:ext cx="0" cy="0"/>
+          <a:chOff x="0" y="0"/>
+          <a:chExt cx="0" cy="0"/>
+        </a:xfrm>
+      </p:grpSpPr>
+      <p:sp>
+        <p:nvSpPr>
+          <p:cNvPr id="2" name="Title 1">
+            <a:extLst>
+              <a:ext uri="{FF2B5EF4-FFF2-40B4-BE49-F238E27FC236}">
+                <a16:creationId xmlns:a16="http://schemas.microsoft.com/office/drawing/2014/main" id="{89E05A28-06C8-49A2-A759-6124FBE09FB0}"/>
+              </a:ext>
+            </a:extLst>
+          </p:cNvPr>
+          <p:cNvSpPr>
+            <a:spLocks noGrp="1"/>
+          </p:cNvSpPr>
+          <p:nvPr>
+            <p:ph type="title"/>
+          </p:nvPr>
+        </p:nvSpPr>
+        <p:spPr>
+          <a:xfrm>
+            <a:off x="491411" y="2028470"/>
+            <a:ext cx="11209178" cy="1400530"/>
+          </a:xfrm>
+        </p:spPr>
+        <p:txBody>
+          <a:bodyPr/>
+          <a:lstStyle/>
+          <a:p>
+            <a:pPr algn="ctr"/>
+            <a:r>
+              <a:rPr lang="en-US" sz="8800" b="1" dirty="0">
+                <a:solidFill>
+                  <a:schemeClr val="accent3">
+                    <a:lumMod val="60000"/>
+                    <a:lumOff val="40000"/>
+                  </a:schemeClr>
+                </a:solidFill>
+              </a:rPr>
+              <a:t>DATA OVER TIME</a:t>
+            </a:r>
+            <a:br>
+              <a:rPr lang="en-US" sz="8800" b="1" dirty="0">
+                <a:solidFill>
+                  <a:schemeClr val="accent3">
+                    <a:lumMod val="60000"/>
+                    <a:lumOff val="40000"/>
+                  </a:schemeClr>
+                </a:solidFill>
+              </a:rPr>
+            </a:br>
+            <a:endParaRPr lang="en-US" sz="8800" b="1" dirty="0">
+              <a:solidFill>
+                <a:schemeClr val="accent3">
+                  <a:lumMod val="60000"/>
+                  <a:lumOff val="40000"/>
+                </a:schemeClr>
+              </a:solidFill>
+            </a:endParaRPr>
+          </a:p>
+        </p:txBody>
+      </p:sp>
+      <p:sp>
+        <p:nvSpPr>
+          <p:cNvPr id="4" name="Slide Number Placeholder 3">
+            <a:extLst>
+              <a:ext uri="{FF2B5EF4-FFF2-40B4-BE49-F238E27FC236}">
+                <a16:creationId xmlns:a16="http://schemas.microsoft.com/office/drawing/2014/main" id="{D1B85F67-A45C-4FC7-B75D-DFF096FEE71B}"/>
+              </a:ext>
+            </a:extLst>
+          </p:cNvPr>
+          <p:cNvSpPr>
+            <a:spLocks noGrp="1"/>
+          </p:cNvSpPr>
+          <p:nvPr>
+            <p:ph type="sldNum" sz="quarter" idx="12"/>
+          </p:nvPr>
+        </p:nvSpPr>
+        <p:spPr/>
+        <p:txBody>
+          <a:bodyPr/>
+          <a:lstStyle/>
+          <a:p>
+            <a:fld id="{856BCB40-DA03-48F7-A2D3-509646EF08FA}" type="slidenum">
+              <a:rPr lang="en-US" smtClean="0"/>
+              <a:t>45</a:t>
+            </a:fld>
+            <a:endParaRPr lang="en-US"/>
+          </a:p>
+        </p:txBody>
+      </p:sp>
+    </p:spTree>
+    <p:extLst>
+      <p:ext uri="{BB962C8B-B14F-4D97-AF65-F5344CB8AC3E}">
+        <p14:creationId xmlns:p14="http://schemas.microsoft.com/office/powerpoint/2010/main" val="2042636089"/>
+      </p:ext>
+    </p:extLst>
+  </p:cSld>
+  <p:clrMapOvr>
+    <a:masterClrMapping/>
+  </p:clrMapOvr>
+</p:sld>
+</file>
+
+<file path=ppt/slides/slide46.xml><?xml version="1.0" encoding="utf-8"?>
+<p:sld xmlns:a="http://schemas.openxmlformats.org/drawingml/2006/main" xmlns:r="http://schemas.openxmlformats.org/officeDocument/2006/relationships" xmlns:p="http://schemas.openxmlformats.org/presentationml/2006/main">
+  <p:cSld>
+    <p:spTree>
+      <p:nvGrpSpPr>
+        <p:cNvPr id="1" name=""/>
+        <p:cNvGrpSpPr/>
+        <p:nvPr/>
+      </p:nvGrpSpPr>
+      <p:grpSpPr>
+        <a:xfrm>
+          <a:off x="0" y="0"/>
+          <a:ext cx="0" cy="0"/>
+          <a:chOff x="0" y="0"/>
+          <a:chExt cx="0" cy="0"/>
+        </a:xfrm>
+      </p:grpSpPr>
+      <p:sp>
+        <p:nvSpPr>
+          <p:cNvPr id="4" name="Slide Number Placeholder 3">
+            <a:extLst>
+              <a:ext uri="{FF2B5EF4-FFF2-40B4-BE49-F238E27FC236}">
+                <a16:creationId xmlns:a16="http://schemas.microsoft.com/office/drawing/2014/main" id="{CBC505C8-107C-4F2E-AF0C-7E7C0E308541}"/>
+              </a:ext>
+            </a:extLst>
+          </p:cNvPr>
+          <p:cNvSpPr>
+            <a:spLocks noGrp="1"/>
+          </p:cNvSpPr>
+          <p:nvPr>
+            <p:ph type="sldNum" sz="quarter" idx="12"/>
+          </p:nvPr>
+        </p:nvSpPr>
+        <p:spPr/>
+        <p:txBody>
+          <a:bodyPr/>
+          <a:lstStyle/>
+          <a:p>
+            <a:fld id="{856BCB40-DA03-48F7-A2D3-509646EF08FA}" type="slidenum">
+              <a:rPr lang="en-US" smtClean="0"/>
+              <a:t>46</a:t>
+            </a:fld>
+            <a:endParaRPr lang="en-US"/>
+          </a:p>
+        </p:txBody>
+      </p:sp>
+      <p:sp>
+        <p:nvSpPr>
           <p:cNvPr id="3" name="Title 1">
             <a:extLst>
               <a:ext uri="{FF2B5EF4-FFF2-40B4-BE49-F238E27FC236}">
-                <a16:creationId xmlns:a16="http://schemas.microsoft.com/office/drawing/2014/main" id="{ED2E254B-069D-4716-BB47-FBDF10EDD823}"/>
+                <a16:creationId xmlns:a16="http://schemas.microsoft.com/office/drawing/2014/main" id="{ABA283B5-7339-46A2-BFFC-7A9665E24125}"/>
               </a:ext>
             </a:extLst>
           </p:cNvPr>
@@ -12420,7 +12627,7 @@
             <a:pPr algn="ctr"/>
             <a:r>
               <a:rPr lang="en-US" sz="6000" b="1" dirty="0"/>
-              <a:t>Over Time</a:t>
+              <a:t>Data Over Time</a:t>
             </a:r>
           </a:p>
           <a:p>
@@ -12435,230 +12642,7 @@
     </p:spTree>
     <p:extLst>
       <p:ext uri="{BB962C8B-B14F-4D97-AF65-F5344CB8AC3E}">
-        <p14:creationId xmlns:p14="http://schemas.microsoft.com/office/powerpoint/2010/main" val="2010425730"/>
-      </p:ext>
-    </p:extLst>
-  </p:cSld>
-  <p:clrMapOvr>
-    <a:masterClrMapping/>
-  </p:clrMapOvr>
-</p:sld>
-</file>
-
-<file path=ppt/slides/slide45.xml><?xml version="1.0" encoding="utf-8"?>
-<p:sld xmlns:a="http://schemas.openxmlformats.org/drawingml/2006/main" xmlns:r="http://schemas.openxmlformats.org/officeDocument/2006/relationships" xmlns:p="http://schemas.openxmlformats.org/presentationml/2006/main">
-  <p:cSld>
-    <p:spTree>
-      <p:nvGrpSpPr>
-        <p:cNvPr id="1" name=""/>
-        <p:cNvGrpSpPr/>
-        <p:nvPr/>
-      </p:nvGrpSpPr>
-      <p:grpSpPr>
-        <a:xfrm>
-          <a:off x="0" y="0"/>
-          <a:ext cx="0" cy="0"/>
-          <a:chOff x="0" y="0"/>
-          <a:chExt cx="0" cy="0"/>
-        </a:xfrm>
-      </p:grpSpPr>
-      <p:sp>
-        <p:nvSpPr>
-          <p:cNvPr id="4" name="Slide Number Placeholder 3">
-            <a:extLst>
-              <a:ext uri="{FF2B5EF4-FFF2-40B4-BE49-F238E27FC236}">
-                <a16:creationId xmlns:a16="http://schemas.microsoft.com/office/drawing/2014/main" id="{CBC505C8-107C-4F2E-AF0C-7E7C0E308541}"/>
-              </a:ext>
-            </a:extLst>
-          </p:cNvPr>
-          <p:cNvSpPr>
-            <a:spLocks noGrp="1"/>
-          </p:cNvSpPr>
-          <p:nvPr>
-            <p:ph type="sldNum" sz="quarter" idx="12"/>
-          </p:nvPr>
-        </p:nvSpPr>
-        <p:spPr/>
-        <p:txBody>
-          <a:bodyPr/>
-          <a:lstStyle/>
-          <a:p>
-            <a:fld id="{856BCB40-DA03-48F7-A2D3-509646EF08FA}" type="slidenum">
-              <a:rPr lang="en-US" smtClean="0"/>
-              <a:t>45</a:t>
-            </a:fld>
-            <a:endParaRPr lang="en-US"/>
-          </a:p>
-        </p:txBody>
-      </p:sp>
-      <p:pic>
-        <p:nvPicPr>
-          <p:cNvPr id="2" name="Picture 1">
-            <a:extLst>
-              <a:ext uri="{FF2B5EF4-FFF2-40B4-BE49-F238E27FC236}">
-                <a16:creationId xmlns:a16="http://schemas.microsoft.com/office/drawing/2014/main" id="{B66118DD-8F1E-4AFD-9224-4767D56A2298}"/>
-              </a:ext>
-            </a:extLst>
-          </p:cNvPr>
-          <p:cNvPicPr>
-            <a:picLocks noChangeAspect="1"/>
-          </p:cNvPicPr>
-          <p:nvPr/>
-        </p:nvPicPr>
-        <p:blipFill>
-          <a:blip r:embed="rId2"/>
-          <a:stretch>
-            <a:fillRect/>
-          </a:stretch>
-        </p:blipFill>
-        <p:spPr>
-          <a:xfrm>
-            <a:off x="3035372" y="0"/>
-            <a:ext cx="6121255" cy="6858000"/>
-          </a:xfrm>
-          <a:prstGeom prst="rect">
-            <a:avLst/>
-          </a:prstGeom>
-        </p:spPr>
-      </p:pic>
-    </p:spTree>
-    <p:extLst>
-      <p:ext uri="{BB962C8B-B14F-4D97-AF65-F5344CB8AC3E}">
-        <p14:creationId xmlns:p14="http://schemas.microsoft.com/office/powerpoint/2010/main" val="2957094010"/>
-      </p:ext>
-    </p:extLst>
-  </p:cSld>
-  <p:clrMapOvr>
-    <a:masterClrMapping/>
-  </p:clrMapOvr>
-</p:sld>
-</file>
-
-<file path=ppt/slides/slide46.xml><?xml version="1.0" encoding="utf-8"?>
-<p:sld xmlns:a="http://schemas.openxmlformats.org/drawingml/2006/main" xmlns:r="http://schemas.openxmlformats.org/officeDocument/2006/relationships" xmlns:p="http://schemas.openxmlformats.org/presentationml/2006/main">
-  <p:cSld>
-    <p:spTree>
-      <p:nvGrpSpPr>
-        <p:cNvPr id="1" name=""/>
-        <p:cNvGrpSpPr/>
-        <p:nvPr/>
-      </p:nvGrpSpPr>
-      <p:grpSpPr>
-        <a:xfrm>
-          <a:off x="0" y="0"/>
-          <a:ext cx="0" cy="0"/>
-          <a:chOff x="0" y="0"/>
-          <a:chExt cx="0" cy="0"/>
-        </a:xfrm>
-      </p:grpSpPr>
-      <p:sp>
-        <p:nvSpPr>
-          <p:cNvPr id="4" name="Slide Number Placeholder 3">
-            <a:extLst>
-              <a:ext uri="{FF2B5EF4-FFF2-40B4-BE49-F238E27FC236}">
-                <a16:creationId xmlns:a16="http://schemas.microsoft.com/office/drawing/2014/main" id="{3E17E1F1-C756-4263-9523-1CD31C656259}"/>
-              </a:ext>
-            </a:extLst>
-          </p:cNvPr>
-          <p:cNvSpPr>
-            <a:spLocks noGrp="1"/>
-          </p:cNvSpPr>
-          <p:nvPr>
-            <p:ph type="sldNum" sz="quarter" idx="12"/>
-          </p:nvPr>
-        </p:nvSpPr>
-        <p:spPr/>
-        <p:txBody>
-          <a:bodyPr/>
-          <a:lstStyle/>
-          <a:p>
-            <a:fld id="{856BCB40-DA03-48F7-A2D3-509646EF08FA}" type="slidenum">
-              <a:rPr lang="en-US" smtClean="0"/>
-              <a:t>46</a:t>
-            </a:fld>
-            <a:endParaRPr lang="en-US"/>
-          </a:p>
-        </p:txBody>
-      </p:sp>
-      <p:sp>
-        <p:nvSpPr>
-          <p:cNvPr id="7" name="Title 1">
-            <a:extLst>
-              <a:ext uri="{FF2B5EF4-FFF2-40B4-BE49-F238E27FC236}">
-                <a16:creationId xmlns:a16="http://schemas.microsoft.com/office/drawing/2014/main" id="{B1EDFCA7-4935-4B01-AB7E-2D76D03B0BEF}"/>
-              </a:ext>
-            </a:extLst>
-          </p:cNvPr>
-          <p:cNvSpPr>
-            <a:spLocks noGrp="1"/>
-          </p:cNvSpPr>
-          <p:nvPr>
-            <p:ph type="title"/>
-          </p:nvPr>
-        </p:nvSpPr>
-        <p:spPr>
-          <a:xfrm>
-            <a:off x="782958" y="143703"/>
-            <a:ext cx="10626083" cy="2254082"/>
-          </a:xfrm>
-        </p:spPr>
-        <p:txBody>
-          <a:bodyPr/>
-          <a:lstStyle/>
-          <a:p>
-            <a:pPr algn="ctr"/>
-            <a:r>
-              <a:rPr lang="en-US" sz="3600" b="1" dirty="0"/>
-              <a:t>User Interface</a:t>
-            </a:r>
-            <a:br>
-              <a:rPr lang="en-US" sz="3600" b="1" dirty="0"/>
-            </a:br>
-            <a:r>
-              <a:rPr lang="en-US" sz="3600" b="1" dirty="0"/>
-              <a:t>Over Time</a:t>
-            </a:r>
-            <a:br>
-              <a:rPr lang="en-US" sz="3600" b="1" dirty="0"/>
-            </a:br>
-            <a:endParaRPr lang="en-US" sz="3600" b="1" dirty="0"/>
-          </a:p>
-        </p:txBody>
-      </p:sp>
-      <p:pic>
-        <p:nvPicPr>
-          <p:cNvPr id="2" name="Picture 1">
-            <a:extLst>
-              <a:ext uri="{FF2B5EF4-FFF2-40B4-BE49-F238E27FC236}">
-                <a16:creationId xmlns:a16="http://schemas.microsoft.com/office/drawing/2014/main" id="{08025D32-6A2B-419E-AAE2-0DD749254C53}"/>
-              </a:ext>
-            </a:extLst>
-          </p:cNvPr>
-          <p:cNvPicPr>
-            <a:picLocks noChangeAspect="1"/>
-          </p:cNvPicPr>
-          <p:nvPr/>
-        </p:nvPicPr>
-        <p:blipFill>
-          <a:blip r:embed="rId2"/>
-          <a:stretch>
-            <a:fillRect/>
-          </a:stretch>
-        </p:blipFill>
-        <p:spPr>
-          <a:xfrm>
-            <a:off x="475029" y="1270744"/>
-            <a:ext cx="11241940" cy="5562600"/>
-          </a:xfrm>
-          <a:prstGeom prst="rect">
-            <a:avLst/>
-          </a:prstGeom>
-        </p:spPr>
-      </p:pic>
-    </p:spTree>
-    <p:extLst>
-      <p:ext uri="{BB962C8B-B14F-4D97-AF65-F5344CB8AC3E}">
-        <p14:creationId xmlns:p14="http://schemas.microsoft.com/office/powerpoint/2010/main" val="3919808287"/>
+        <p14:creationId xmlns:p14="http://schemas.microsoft.com/office/powerpoint/2010/main" val="1382005942"/>
       </p:ext>
     </p:extLst>
   </p:cSld>
@@ -12687,69 +12671,10 @@
       </p:grpSpPr>
       <p:sp>
         <p:nvSpPr>
-          <p:cNvPr id="2" name="Title 1">
-            <a:extLst>
-              <a:ext uri="{FF2B5EF4-FFF2-40B4-BE49-F238E27FC236}">
-                <a16:creationId xmlns:a16="http://schemas.microsoft.com/office/drawing/2014/main" id="{89E05A28-06C8-49A2-A759-6124FBE09FB0}"/>
-              </a:ext>
-            </a:extLst>
-          </p:cNvPr>
-          <p:cNvSpPr>
-            <a:spLocks noGrp="1"/>
-          </p:cNvSpPr>
-          <p:nvPr>
-            <p:ph type="title"/>
-          </p:nvPr>
-        </p:nvSpPr>
-        <p:spPr>
-          <a:xfrm>
-            <a:off x="491411" y="2028470"/>
-            <a:ext cx="11209178" cy="1400530"/>
-          </a:xfrm>
-        </p:spPr>
-        <p:txBody>
-          <a:bodyPr/>
-          <a:lstStyle/>
-          <a:p>
-            <a:pPr algn="ctr"/>
-            <a:r>
-              <a:rPr lang="en-US" sz="8800" b="1" dirty="0">
-                <a:solidFill>
-                  <a:schemeClr val="accent3">
-                    <a:lumMod val="60000"/>
-                    <a:lumOff val="40000"/>
-                  </a:schemeClr>
-                </a:solidFill>
-              </a:rPr>
-              <a:t>DATA OVER TIME</a:t>
-            </a:r>
-            <a:br>
-              <a:rPr lang="en-US" sz="8800" b="1" dirty="0">
-                <a:solidFill>
-                  <a:schemeClr val="accent3">
-                    <a:lumMod val="60000"/>
-                    <a:lumOff val="40000"/>
-                  </a:schemeClr>
-                </a:solidFill>
-              </a:rPr>
-            </a:br>
-            <a:endParaRPr lang="en-US" sz="8800" b="1" dirty="0">
-              <a:solidFill>
-                <a:schemeClr val="accent3">
-                  <a:lumMod val="60000"/>
-                  <a:lumOff val="40000"/>
-                </a:schemeClr>
-              </a:solidFill>
-            </a:endParaRPr>
-          </a:p>
-        </p:txBody>
-      </p:sp>
-      <p:sp>
-        <p:nvSpPr>
           <p:cNvPr id="4" name="Slide Number Placeholder 3">
             <a:extLst>
               <a:ext uri="{FF2B5EF4-FFF2-40B4-BE49-F238E27FC236}">
-                <a16:creationId xmlns:a16="http://schemas.microsoft.com/office/drawing/2014/main" id="{D1B85F67-A45C-4FC7-B75D-DFF096FEE71B}"/>
+                <a16:creationId xmlns:a16="http://schemas.microsoft.com/office/drawing/2014/main" id="{CBC505C8-107C-4F2E-AF0C-7E7C0E308541}"/>
               </a:ext>
             </a:extLst>
           </p:cNvPr>
@@ -12773,10 +12698,40 @@
           </a:p>
         </p:txBody>
       </p:sp>
+      <p:pic>
+        <p:nvPicPr>
+          <p:cNvPr id="2" name="Picture 1">
+            <a:extLst>
+              <a:ext uri="{FF2B5EF4-FFF2-40B4-BE49-F238E27FC236}">
+                <a16:creationId xmlns:a16="http://schemas.microsoft.com/office/drawing/2014/main" id="{8977BBE0-BF55-4F47-8660-D52F22ABAFCE}"/>
+              </a:ext>
+            </a:extLst>
+          </p:cNvPr>
+          <p:cNvPicPr>
+            <a:picLocks noChangeAspect="1"/>
+          </p:cNvPicPr>
+          <p:nvPr/>
+        </p:nvPicPr>
+        <p:blipFill>
+          <a:blip r:embed="rId2"/>
+          <a:stretch>
+            <a:fillRect/>
+          </a:stretch>
+        </p:blipFill>
+        <p:spPr>
+          <a:xfrm>
+            <a:off x="2705100" y="90487"/>
+            <a:ext cx="6781800" cy="6677025"/>
+          </a:xfrm>
+          <a:prstGeom prst="rect">
+            <a:avLst/>
+          </a:prstGeom>
+        </p:spPr>
+      </p:pic>
     </p:spTree>
     <p:extLst>
       <p:ext uri="{BB962C8B-B14F-4D97-AF65-F5344CB8AC3E}">
-        <p14:creationId xmlns:p14="http://schemas.microsoft.com/office/powerpoint/2010/main" val="2042636089"/>
+        <p14:creationId xmlns:p14="http://schemas.microsoft.com/office/powerpoint/2010/main" val="2843964388"/>
       </p:ext>
     </p:extLst>
   </p:cSld>
@@ -12808,7 +12763,7 @@
           <p:cNvPr id="4" name="Slide Number Placeholder 3">
             <a:extLst>
               <a:ext uri="{FF2B5EF4-FFF2-40B4-BE49-F238E27FC236}">
-                <a16:creationId xmlns:a16="http://schemas.microsoft.com/office/drawing/2014/main" id="{CBC505C8-107C-4F2E-AF0C-7E7C0E308541}"/>
+                <a16:creationId xmlns:a16="http://schemas.microsoft.com/office/drawing/2014/main" id="{3E17E1F1-C756-4263-9523-1CD31C656259}"/>
               </a:ext>
             </a:extLst>
           </p:cNvPr>
@@ -12834,10 +12789,351 @@
       </p:sp>
       <p:sp>
         <p:nvSpPr>
+          <p:cNvPr id="7" name="Title 1">
+            <a:extLst>
+              <a:ext uri="{FF2B5EF4-FFF2-40B4-BE49-F238E27FC236}">
+                <a16:creationId xmlns:a16="http://schemas.microsoft.com/office/drawing/2014/main" id="{B1EDFCA7-4935-4B01-AB7E-2D76D03B0BEF}"/>
+              </a:ext>
+            </a:extLst>
+          </p:cNvPr>
+          <p:cNvSpPr>
+            <a:spLocks noGrp="1"/>
+          </p:cNvSpPr>
+          <p:nvPr>
+            <p:ph type="title"/>
+          </p:nvPr>
+        </p:nvSpPr>
+        <p:spPr>
+          <a:xfrm>
+            <a:off x="782958" y="143703"/>
+            <a:ext cx="10626083" cy="2254082"/>
+          </a:xfrm>
+        </p:spPr>
+        <p:txBody>
+          <a:bodyPr/>
+          <a:lstStyle/>
+          <a:p>
+            <a:pPr algn="ctr"/>
+            <a:r>
+              <a:rPr lang="en-US" sz="3600" b="1" dirty="0"/>
+              <a:t>User Interface</a:t>
+            </a:r>
+            <a:br>
+              <a:rPr lang="en-US" sz="3600" b="1" dirty="0"/>
+            </a:br>
+            <a:r>
+              <a:rPr lang="en-US" sz="3600" b="1" dirty="0"/>
+              <a:t>Date Over Time</a:t>
+            </a:r>
+            <a:br>
+              <a:rPr lang="en-US" sz="3600" b="1" dirty="0"/>
+            </a:br>
+            <a:endParaRPr lang="en-US" sz="3600" b="1" dirty="0"/>
+          </a:p>
+        </p:txBody>
+      </p:sp>
+      <p:pic>
+        <p:nvPicPr>
+          <p:cNvPr id="2" name="Picture 1">
+            <a:extLst>
+              <a:ext uri="{FF2B5EF4-FFF2-40B4-BE49-F238E27FC236}">
+                <a16:creationId xmlns:a16="http://schemas.microsoft.com/office/drawing/2014/main" id="{6B2FDB07-39BE-4989-AB3A-82B754C37A79}"/>
+              </a:ext>
+            </a:extLst>
+          </p:cNvPr>
+          <p:cNvPicPr>
+            <a:picLocks noChangeAspect="1"/>
+          </p:cNvPicPr>
+          <p:nvPr/>
+        </p:nvPicPr>
+        <p:blipFill>
+          <a:blip r:embed="rId2"/>
+          <a:stretch>
+            <a:fillRect/>
+          </a:stretch>
+        </p:blipFill>
+        <p:spPr>
+          <a:xfrm>
+            <a:off x="700086" y="1270744"/>
+            <a:ext cx="10791825" cy="5495925"/>
+          </a:xfrm>
+          <a:prstGeom prst="rect">
+            <a:avLst/>
+          </a:prstGeom>
+        </p:spPr>
+      </p:pic>
+    </p:spTree>
+    <p:extLst>
+      <p:ext uri="{BB962C8B-B14F-4D97-AF65-F5344CB8AC3E}">
+        <p14:creationId xmlns:p14="http://schemas.microsoft.com/office/powerpoint/2010/main" val="433106786"/>
+      </p:ext>
+    </p:extLst>
+  </p:cSld>
+  <p:clrMapOvr>
+    <a:masterClrMapping/>
+  </p:clrMapOvr>
+</p:sld>
+</file>
+
+<file path=ppt/slides/slide49.xml><?xml version="1.0" encoding="utf-8"?>
+<p:sld xmlns:a="http://schemas.openxmlformats.org/drawingml/2006/main" xmlns:r="http://schemas.openxmlformats.org/officeDocument/2006/relationships" xmlns:p="http://schemas.openxmlformats.org/presentationml/2006/main">
+  <p:cSld>
+    <p:spTree>
+      <p:nvGrpSpPr>
+        <p:cNvPr id="1" name=""/>
+        <p:cNvGrpSpPr/>
+        <p:nvPr/>
+      </p:nvGrpSpPr>
+      <p:grpSpPr>
+        <a:xfrm>
+          <a:off x="0" y="0"/>
+          <a:ext cx="0" cy="0"/>
+          <a:chOff x="0" y="0"/>
+          <a:chExt cx="0" cy="0"/>
+        </a:xfrm>
+      </p:grpSpPr>
+      <p:sp>
+        <p:nvSpPr>
+          <p:cNvPr id="2" name="Title 1">
+            <a:extLst>
+              <a:ext uri="{FF2B5EF4-FFF2-40B4-BE49-F238E27FC236}">
+                <a16:creationId xmlns:a16="http://schemas.microsoft.com/office/drawing/2014/main" id="{89E05A28-06C8-49A2-A759-6124FBE09FB0}"/>
+              </a:ext>
+            </a:extLst>
+          </p:cNvPr>
+          <p:cNvSpPr>
+            <a:spLocks noGrp="1"/>
+          </p:cNvSpPr>
+          <p:nvPr>
+            <p:ph type="title"/>
+          </p:nvPr>
+        </p:nvSpPr>
+        <p:spPr>
+          <a:xfrm>
+            <a:off x="491411" y="2028470"/>
+            <a:ext cx="11209178" cy="1400530"/>
+          </a:xfrm>
+        </p:spPr>
+        <p:txBody>
+          <a:bodyPr/>
+          <a:lstStyle/>
+          <a:p>
+            <a:pPr algn="ctr"/>
+            <a:r>
+              <a:rPr lang="en-US" sz="8800" b="1" dirty="0">
+                <a:solidFill>
+                  <a:schemeClr val="accent3">
+                    <a:lumMod val="60000"/>
+                    <a:lumOff val="40000"/>
+                  </a:schemeClr>
+                </a:solidFill>
+              </a:rPr>
+              <a:t>APPROVE OVER TIME</a:t>
+            </a:r>
+            <a:br>
+              <a:rPr lang="en-US" sz="8800" b="1" dirty="0">
+                <a:solidFill>
+                  <a:schemeClr val="accent3">
+                    <a:lumMod val="60000"/>
+                    <a:lumOff val="40000"/>
+                  </a:schemeClr>
+                </a:solidFill>
+              </a:rPr>
+            </a:br>
+            <a:endParaRPr lang="en-US" sz="8800" b="1" dirty="0">
+              <a:solidFill>
+                <a:schemeClr val="accent3">
+                  <a:lumMod val="60000"/>
+                  <a:lumOff val="40000"/>
+                </a:schemeClr>
+              </a:solidFill>
+            </a:endParaRPr>
+          </a:p>
+        </p:txBody>
+      </p:sp>
+      <p:sp>
+        <p:nvSpPr>
+          <p:cNvPr id="4" name="Slide Number Placeholder 3">
+            <a:extLst>
+              <a:ext uri="{FF2B5EF4-FFF2-40B4-BE49-F238E27FC236}">
+                <a16:creationId xmlns:a16="http://schemas.microsoft.com/office/drawing/2014/main" id="{D1B85F67-A45C-4FC7-B75D-DFF096FEE71B}"/>
+              </a:ext>
+            </a:extLst>
+          </p:cNvPr>
+          <p:cNvSpPr>
+            <a:spLocks noGrp="1"/>
+          </p:cNvSpPr>
+          <p:nvPr>
+            <p:ph type="sldNum" sz="quarter" idx="12"/>
+          </p:nvPr>
+        </p:nvSpPr>
+        <p:spPr/>
+        <p:txBody>
+          <a:bodyPr/>
+          <a:lstStyle/>
+          <a:p>
+            <a:fld id="{856BCB40-DA03-48F7-A2D3-509646EF08FA}" type="slidenum">
+              <a:rPr lang="en-US" smtClean="0"/>
+              <a:t>49</a:t>
+            </a:fld>
+            <a:endParaRPr lang="en-US"/>
+          </a:p>
+        </p:txBody>
+      </p:sp>
+    </p:spTree>
+    <p:extLst>
+      <p:ext uri="{BB962C8B-B14F-4D97-AF65-F5344CB8AC3E}">
+        <p14:creationId xmlns:p14="http://schemas.microsoft.com/office/powerpoint/2010/main" val="4093421250"/>
+      </p:ext>
+    </p:extLst>
+  </p:cSld>
+  <p:clrMapOvr>
+    <a:masterClrMapping/>
+  </p:clrMapOvr>
+</p:sld>
+</file>
+
+<file path=ppt/slides/slide5.xml><?xml version="1.0" encoding="utf-8"?>
+<p:sld xmlns:a="http://schemas.openxmlformats.org/drawingml/2006/main" xmlns:r="http://schemas.openxmlformats.org/officeDocument/2006/relationships" xmlns:p="http://schemas.openxmlformats.org/presentationml/2006/main">
+  <p:cSld>
+    <p:spTree>
+      <p:nvGrpSpPr>
+        <p:cNvPr id="1" name=""/>
+        <p:cNvGrpSpPr/>
+        <p:nvPr/>
+      </p:nvGrpSpPr>
+      <p:grpSpPr>
+        <a:xfrm>
+          <a:off x="0" y="0"/>
+          <a:ext cx="0" cy="0"/>
+          <a:chOff x="0" y="0"/>
+          <a:chExt cx="0" cy="0"/>
+        </a:xfrm>
+      </p:grpSpPr>
+      <p:sp>
+        <p:nvSpPr>
+          <p:cNvPr id="4" name="Slide Number Placeholder 3">
+            <a:extLst>
+              <a:ext uri="{FF2B5EF4-FFF2-40B4-BE49-F238E27FC236}">
+                <a16:creationId xmlns:a16="http://schemas.microsoft.com/office/drawing/2014/main" id="{5E60571E-9EC5-4CC4-A72A-9BF6ED36B2D2}"/>
+              </a:ext>
+            </a:extLst>
+          </p:cNvPr>
+          <p:cNvSpPr>
+            <a:spLocks noGrp="1"/>
+          </p:cNvSpPr>
+          <p:nvPr>
+            <p:ph type="sldNum" sz="quarter" idx="12"/>
+          </p:nvPr>
+        </p:nvSpPr>
+        <p:spPr/>
+        <p:txBody>
+          <a:bodyPr/>
+          <a:lstStyle/>
+          <a:p>
+            <a:fld id="{856BCB40-DA03-48F7-A2D3-509646EF08FA}" type="slidenum">
+              <a:rPr lang="en-US" smtClean="0"/>
+              <a:t>5</a:t>
+            </a:fld>
+            <a:endParaRPr lang="en-US"/>
+          </a:p>
+        </p:txBody>
+      </p:sp>
+      <p:pic>
+        <p:nvPicPr>
+          <p:cNvPr id="5" name="Picture 4">
+            <a:extLst>
+              <a:ext uri="{FF2B5EF4-FFF2-40B4-BE49-F238E27FC236}">
+                <a16:creationId xmlns:a16="http://schemas.microsoft.com/office/drawing/2014/main" id="{F5196F9C-3FF5-448C-BC67-93CEA2424ECC}"/>
+              </a:ext>
+            </a:extLst>
+          </p:cNvPr>
+          <p:cNvPicPr>
+            <a:picLocks noChangeAspect="1"/>
+          </p:cNvPicPr>
+          <p:nvPr/>
+        </p:nvPicPr>
+        <p:blipFill>
+          <a:blip r:embed="rId2"/>
+          <a:stretch>
+            <a:fillRect/>
+          </a:stretch>
+        </p:blipFill>
+        <p:spPr>
+          <a:xfrm>
+            <a:off x="0" y="101481"/>
+            <a:ext cx="12178315" cy="6655037"/>
+          </a:xfrm>
+          <a:prstGeom prst="rect">
+            <a:avLst/>
+          </a:prstGeom>
+        </p:spPr>
+      </p:pic>
+    </p:spTree>
+    <p:extLst>
+      <p:ext uri="{BB962C8B-B14F-4D97-AF65-F5344CB8AC3E}">
+        <p14:creationId xmlns:p14="http://schemas.microsoft.com/office/powerpoint/2010/main" val="3078553935"/>
+      </p:ext>
+    </p:extLst>
+  </p:cSld>
+  <p:clrMapOvr>
+    <a:masterClrMapping/>
+  </p:clrMapOvr>
+</p:sld>
+</file>
+
+<file path=ppt/slides/slide50.xml><?xml version="1.0" encoding="utf-8"?>
+<p:sld xmlns:a="http://schemas.openxmlformats.org/drawingml/2006/main" xmlns:r="http://schemas.openxmlformats.org/officeDocument/2006/relationships" xmlns:p="http://schemas.openxmlformats.org/presentationml/2006/main">
+  <p:cSld>
+    <p:spTree>
+      <p:nvGrpSpPr>
+        <p:cNvPr id="1" name=""/>
+        <p:cNvGrpSpPr/>
+        <p:nvPr/>
+      </p:nvGrpSpPr>
+      <p:grpSpPr>
+        <a:xfrm>
+          <a:off x="0" y="0"/>
+          <a:ext cx="0" cy="0"/>
+          <a:chOff x="0" y="0"/>
+          <a:chExt cx="0" cy="0"/>
+        </a:xfrm>
+      </p:grpSpPr>
+      <p:sp>
+        <p:nvSpPr>
+          <p:cNvPr id="4" name="Slide Number Placeholder 3">
+            <a:extLst>
+              <a:ext uri="{FF2B5EF4-FFF2-40B4-BE49-F238E27FC236}">
+                <a16:creationId xmlns:a16="http://schemas.microsoft.com/office/drawing/2014/main" id="{CBC505C8-107C-4F2E-AF0C-7E7C0E308541}"/>
+              </a:ext>
+            </a:extLst>
+          </p:cNvPr>
+          <p:cNvSpPr>
+            <a:spLocks noGrp="1"/>
+          </p:cNvSpPr>
+          <p:nvPr>
+            <p:ph type="sldNum" sz="quarter" idx="12"/>
+          </p:nvPr>
+        </p:nvSpPr>
+        <p:spPr/>
+        <p:txBody>
+          <a:bodyPr/>
+          <a:lstStyle/>
+          <a:p>
+            <a:fld id="{856BCB40-DA03-48F7-A2D3-509646EF08FA}" type="slidenum">
+              <a:rPr lang="en-US" smtClean="0"/>
+              <a:t>50</a:t>
+            </a:fld>
+            <a:endParaRPr lang="en-US"/>
+          </a:p>
+        </p:txBody>
+      </p:sp>
+      <p:sp>
+        <p:nvSpPr>
           <p:cNvPr id="3" name="Title 1">
             <a:extLst>
               <a:ext uri="{FF2B5EF4-FFF2-40B4-BE49-F238E27FC236}">
-                <a16:creationId xmlns:a16="http://schemas.microsoft.com/office/drawing/2014/main" id="{ABA283B5-7339-46A2-BFFC-7A9665E24125}"/>
+                <a16:creationId xmlns:a16="http://schemas.microsoft.com/office/drawing/2014/main" id="{2DEFB21B-498F-45F6-9D91-F1C053B1C31E}"/>
               </a:ext>
             </a:extLst>
           </p:cNvPr>
@@ -12942,7 +13238,7 @@
             <a:pPr algn="ctr"/>
             <a:r>
               <a:rPr lang="en-US" sz="6000" b="1" dirty="0"/>
-              <a:t>Data Over Time</a:t>
+              <a:t>Approve Over Time</a:t>
             </a:r>
           </a:p>
           <a:p>
@@ -12957,424 +13253,7 @@
     </p:spTree>
     <p:extLst>
       <p:ext uri="{BB962C8B-B14F-4D97-AF65-F5344CB8AC3E}">
-        <p14:creationId xmlns:p14="http://schemas.microsoft.com/office/powerpoint/2010/main" val="1382005942"/>
-      </p:ext>
-    </p:extLst>
-  </p:cSld>
-  <p:clrMapOvr>
-    <a:masterClrMapping/>
-  </p:clrMapOvr>
-</p:sld>
-</file>
-
-<file path=ppt/slides/slide49.xml><?xml version="1.0" encoding="utf-8"?>
-<p:sld xmlns:a="http://schemas.openxmlformats.org/drawingml/2006/main" xmlns:r="http://schemas.openxmlformats.org/officeDocument/2006/relationships" xmlns:p="http://schemas.openxmlformats.org/presentationml/2006/main">
-  <p:cSld>
-    <p:spTree>
-      <p:nvGrpSpPr>
-        <p:cNvPr id="1" name=""/>
-        <p:cNvGrpSpPr/>
-        <p:nvPr/>
-      </p:nvGrpSpPr>
-      <p:grpSpPr>
-        <a:xfrm>
-          <a:off x="0" y="0"/>
-          <a:ext cx="0" cy="0"/>
-          <a:chOff x="0" y="0"/>
-          <a:chExt cx="0" cy="0"/>
-        </a:xfrm>
-      </p:grpSpPr>
-      <p:sp>
-        <p:nvSpPr>
-          <p:cNvPr id="4" name="Slide Number Placeholder 3">
-            <a:extLst>
-              <a:ext uri="{FF2B5EF4-FFF2-40B4-BE49-F238E27FC236}">
-                <a16:creationId xmlns:a16="http://schemas.microsoft.com/office/drawing/2014/main" id="{CBC505C8-107C-4F2E-AF0C-7E7C0E308541}"/>
-              </a:ext>
-            </a:extLst>
-          </p:cNvPr>
-          <p:cNvSpPr>
-            <a:spLocks noGrp="1"/>
-          </p:cNvSpPr>
-          <p:nvPr>
-            <p:ph type="sldNum" sz="quarter" idx="12"/>
-          </p:nvPr>
-        </p:nvSpPr>
-        <p:spPr/>
-        <p:txBody>
-          <a:bodyPr/>
-          <a:lstStyle/>
-          <a:p>
-            <a:fld id="{856BCB40-DA03-48F7-A2D3-509646EF08FA}" type="slidenum">
-              <a:rPr lang="en-US" smtClean="0"/>
-              <a:t>49</a:t>
-            </a:fld>
-            <a:endParaRPr lang="en-US"/>
-          </a:p>
-        </p:txBody>
-      </p:sp>
-      <p:pic>
-        <p:nvPicPr>
-          <p:cNvPr id="2" name="Picture 1">
-            <a:extLst>
-              <a:ext uri="{FF2B5EF4-FFF2-40B4-BE49-F238E27FC236}">
-                <a16:creationId xmlns:a16="http://schemas.microsoft.com/office/drawing/2014/main" id="{8977BBE0-BF55-4F47-8660-D52F22ABAFCE}"/>
-              </a:ext>
-            </a:extLst>
-          </p:cNvPr>
-          <p:cNvPicPr>
-            <a:picLocks noChangeAspect="1"/>
-          </p:cNvPicPr>
-          <p:nvPr/>
-        </p:nvPicPr>
-        <p:blipFill>
-          <a:blip r:embed="rId2"/>
-          <a:stretch>
-            <a:fillRect/>
-          </a:stretch>
-        </p:blipFill>
-        <p:spPr>
-          <a:xfrm>
-            <a:off x="2705100" y="90487"/>
-            <a:ext cx="6781800" cy="6677025"/>
-          </a:xfrm>
-          <a:prstGeom prst="rect">
-            <a:avLst/>
-          </a:prstGeom>
-        </p:spPr>
-      </p:pic>
-    </p:spTree>
-    <p:extLst>
-      <p:ext uri="{BB962C8B-B14F-4D97-AF65-F5344CB8AC3E}">
-        <p14:creationId xmlns:p14="http://schemas.microsoft.com/office/powerpoint/2010/main" val="2843964388"/>
-      </p:ext>
-    </p:extLst>
-  </p:cSld>
-  <p:clrMapOvr>
-    <a:masterClrMapping/>
-  </p:clrMapOvr>
-</p:sld>
-</file>
-
-<file path=ppt/slides/slide5.xml><?xml version="1.0" encoding="utf-8"?>
-<p:sld xmlns:a="http://schemas.openxmlformats.org/drawingml/2006/main" xmlns:r="http://schemas.openxmlformats.org/officeDocument/2006/relationships" xmlns:p="http://schemas.openxmlformats.org/presentationml/2006/main">
-  <p:cSld>
-    <p:spTree>
-      <p:nvGrpSpPr>
-        <p:cNvPr id="1" name=""/>
-        <p:cNvGrpSpPr/>
-        <p:nvPr/>
-      </p:nvGrpSpPr>
-      <p:grpSpPr>
-        <a:xfrm>
-          <a:off x="0" y="0"/>
-          <a:ext cx="0" cy="0"/>
-          <a:chOff x="0" y="0"/>
-          <a:chExt cx="0" cy="0"/>
-        </a:xfrm>
-      </p:grpSpPr>
-      <p:sp>
-        <p:nvSpPr>
-          <p:cNvPr id="4" name="Slide Number Placeholder 3">
-            <a:extLst>
-              <a:ext uri="{FF2B5EF4-FFF2-40B4-BE49-F238E27FC236}">
-                <a16:creationId xmlns:a16="http://schemas.microsoft.com/office/drawing/2014/main" id="{3D9A5FCF-B429-46A8-B92B-1CF5A6F9246E}"/>
-              </a:ext>
-            </a:extLst>
-          </p:cNvPr>
-          <p:cNvSpPr>
-            <a:spLocks noGrp="1"/>
-          </p:cNvSpPr>
-          <p:nvPr>
-            <p:ph type="sldNum" sz="quarter" idx="12"/>
-          </p:nvPr>
-        </p:nvSpPr>
-        <p:spPr/>
-        <p:txBody>
-          <a:bodyPr/>
-          <a:lstStyle/>
-          <a:p>
-            <a:fld id="{856BCB40-DA03-48F7-A2D3-509646EF08FA}" type="slidenum">
-              <a:rPr lang="en-US" smtClean="0"/>
-              <a:t>5</a:t>
-            </a:fld>
-            <a:endParaRPr lang="en-US"/>
-          </a:p>
-        </p:txBody>
-      </p:sp>
-      <p:sp>
-        <p:nvSpPr>
-          <p:cNvPr id="5" name="TextBox 4">
-            <a:extLst>
-              <a:ext uri="{FF2B5EF4-FFF2-40B4-BE49-F238E27FC236}">
-                <a16:creationId xmlns:a16="http://schemas.microsoft.com/office/drawing/2014/main" id="{7EC563E3-077F-49BE-B81C-166EFFBC1EA1}"/>
-              </a:ext>
-            </a:extLst>
-          </p:cNvPr>
-          <p:cNvSpPr txBox="1"/>
-          <p:nvPr/>
-        </p:nvSpPr>
-        <p:spPr>
-          <a:xfrm>
-            <a:off x="1839460" y="922780"/>
-            <a:ext cx="2598788" cy="1015663"/>
-          </a:xfrm>
-          <a:prstGeom prst="rect">
-            <a:avLst/>
-          </a:prstGeom>
-          <a:noFill/>
-        </p:spPr>
-        <p:txBody>
-          <a:bodyPr wrap="none" rtlCol="0">
-            <a:spAutoFit/>
-          </a:bodyPr>
-          <a:lstStyle/>
-          <a:p>
-            <a:r>
-              <a:rPr lang="th-TH" sz="6000" b="1" dirty="0"/>
-              <a:t>ภาษาที่ใช้ </a:t>
-            </a:r>
-            <a:endParaRPr lang="en-US" sz="6000" b="1" dirty="0">
-              <a:cs typeface="Andalus" panose="02010000000000000000" pitchFamily="2" charset="-78"/>
-            </a:endParaRPr>
-          </a:p>
-        </p:txBody>
-      </p:sp>
-      <p:sp>
-        <p:nvSpPr>
-          <p:cNvPr id="6" name="TextBox 5">
-            <a:extLst>
-              <a:ext uri="{FF2B5EF4-FFF2-40B4-BE49-F238E27FC236}">
-                <a16:creationId xmlns:a16="http://schemas.microsoft.com/office/drawing/2014/main" id="{5BD8B2B1-0925-4EF9-B601-55AA2CF22073}"/>
-              </a:ext>
-            </a:extLst>
-          </p:cNvPr>
-          <p:cNvSpPr txBox="1"/>
-          <p:nvPr/>
-        </p:nvSpPr>
-        <p:spPr>
-          <a:xfrm>
-            <a:off x="1839460" y="2039045"/>
-            <a:ext cx="9261445" cy="3888372"/>
-          </a:xfrm>
-          <a:prstGeom prst="rect">
-            <a:avLst/>
-          </a:prstGeom>
-          <a:noFill/>
-        </p:spPr>
-        <p:txBody>
-          <a:bodyPr wrap="square" rtlCol="0">
-            <a:spAutoFit/>
-          </a:bodyPr>
-          <a:lstStyle/>
-          <a:p>
-            <a:pPr marL="342900" indent="-342900">
-              <a:lnSpc>
-                <a:spcPct val="150000"/>
-              </a:lnSpc>
-              <a:buAutoNum type="arabicPeriod"/>
-            </a:pPr>
-            <a:r>
-              <a:rPr lang="en-US" sz="2800" dirty="0"/>
-              <a:t>JAVA</a:t>
-            </a:r>
-          </a:p>
-          <a:p>
-            <a:pPr marL="342900" indent="-342900">
-              <a:lnSpc>
-                <a:spcPct val="150000"/>
-              </a:lnSpc>
-              <a:buAutoNum type="arabicPeriod"/>
-            </a:pPr>
-            <a:r>
-              <a:rPr lang="en-US" sz="2800" dirty="0"/>
-              <a:t>HTML</a:t>
-            </a:r>
-          </a:p>
-          <a:p>
-            <a:pPr marL="342900" indent="-342900">
-              <a:lnSpc>
-                <a:spcPct val="150000"/>
-              </a:lnSpc>
-              <a:buAutoNum type="arabicPeriod"/>
-            </a:pPr>
-            <a:r>
-              <a:rPr lang="en-US" sz="2800" dirty="0"/>
-              <a:t>CSS</a:t>
-            </a:r>
-          </a:p>
-          <a:p>
-            <a:pPr marL="342900" indent="-342900">
-              <a:lnSpc>
-                <a:spcPct val="150000"/>
-              </a:lnSpc>
-              <a:buAutoNum type="arabicPeriod"/>
-            </a:pPr>
-            <a:r>
-              <a:rPr lang="en-US" sz="2800" dirty="0"/>
-              <a:t>Type Script</a:t>
-            </a:r>
-          </a:p>
-          <a:p>
-            <a:pPr marL="342900" indent="-342900">
-              <a:lnSpc>
-                <a:spcPct val="150000"/>
-              </a:lnSpc>
-              <a:buAutoNum type="arabicPeriod"/>
-            </a:pPr>
-            <a:r>
-              <a:rPr lang="en-US" sz="2800" dirty="0"/>
-              <a:t>Framework Angular</a:t>
-            </a:r>
-          </a:p>
-          <a:p>
-            <a:pPr>
-              <a:lnSpc>
-                <a:spcPct val="150000"/>
-              </a:lnSpc>
-            </a:pPr>
-            <a:endParaRPr lang="en-US" sz="2400" dirty="0"/>
-          </a:p>
-        </p:txBody>
-      </p:sp>
-    </p:spTree>
-    <p:extLst>
-      <p:ext uri="{BB962C8B-B14F-4D97-AF65-F5344CB8AC3E}">
-        <p14:creationId xmlns:p14="http://schemas.microsoft.com/office/powerpoint/2010/main" val="284348209"/>
-      </p:ext>
-    </p:extLst>
-  </p:cSld>
-  <p:clrMapOvr>
-    <a:masterClrMapping/>
-  </p:clrMapOvr>
-</p:sld>
-</file>
-
-<file path=ppt/slides/slide50.xml><?xml version="1.0" encoding="utf-8"?>
-<p:sld xmlns:a="http://schemas.openxmlformats.org/drawingml/2006/main" xmlns:r="http://schemas.openxmlformats.org/officeDocument/2006/relationships" xmlns:p="http://schemas.openxmlformats.org/presentationml/2006/main">
-  <p:cSld>
-    <p:spTree>
-      <p:nvGrpSpPr>
-        <p:cNvPr id="1" name=""/>
-        <p:cNvGrpSpPr/>
-        <p:nvPr/>
-      </p:nvGrpSpPr>
-      <p:grpSpPr>
-        <a:xfrm>
-          <a:off x="0" y="0"/>
-          <a:ext cx="0" cy="0"/>
-          <a:chOff x="0" y="0"/>
-          <a:chExt cx="0" cy="0"/>
-        </a:xfrm>
-      </p:grpSpPr>
-      <p:sp>
-        <p:nvSpPr>
-          <p:cNvPr id="4" name="Slide Number Placeholder 3">
-            <a:extLst>
-              <a:ext uri="{FF2B5EF4-FFF2-40B4-BE49-F238E27FC236}">
-                <a16:creationId xmlns:a16="http://schemas.microsoft.com/office/drawing/2014/main" id="{3E17E1F1-C756-4263-9523-1CD31C656259}"/>
-              </a:ext>
-            </a:extLst>
-          </p:cNvPr>
-          <p:cNvSpPr>
-            <a:spLocks noGrp="1"/>
-          </p:cNvSpPr>
-          <p:nvPr>
-            <p:ph type="sldNum" sz="quarter" idx="12"/>
-          </p:nvPr>
-        </p:nvSpPr>
-        <p:spPr/>
-        <p:txBody>
-          <a:bodyPr/>
-          <a:lstStyle/>
-          <a:p>
-            <a:fld id="{856BCB40-DA03-48F7-A2D3-509646EF08FA}" type="slidenum">
-              <a:rPr lang="en-US" smtClean="0"/>
-              <a:t>50</a:t>
-            </a:fld>
-            <a:endParaRPr lang="en-US"/>
-          </a:p>
-        </p:txBody>
-      </p:sp>
-      <p:sp>
-        <p:nvSpPr>
-          <p:cNvPr id="7" name="Title 1">
-            <a:extLst>
-              <a:ext uri="{FF2B5EF4-FFF2-40B4-BE49-F238E27FC236}">
-                <a16:creationId xmlns:a16="http://schemas.microsoft.com/office/drawing/2014/main" id="{B1EDFCA7-4935-4B01-AB7E-2D76D03B0BEF}"/>
-              </a:ext>
-            </a:extLst>
-          </p:cNvPr>
-          <p:cNvSpPr>
-            <a:spLocks noGrp="1"/>
-          </p:cNvSpPr>
-          <p:nvPr>
-            <p:ph type="title"/>
-          </p:nvPr>
-        </p:nvSpPr>
-        <p:spPr>
-          <a:xfrm>
-            <a:off x="782958" y="143703"/>
-            <a:ext cx="10626083" cy="2254082"/>
-          </a:xfrm>
-        </p:spPr>
-        <p:txBody>
-          <a:bodyPr/>
-          <a:lstStyle/>
-          <a:p>
-            <a:pPr algn="ctr"/>
-            <a:r>
-              <a:rPr lang="en-US" sz="3600" b="1" dirty="0"/>
-              <a:t>User Interface</a:t>
-            </a:r>
-            <a:br>
-              <a:rPr lang="en-US" sz="3600" b="1" dirty="0"/>
-            </a:br>
-            <a:r>
-              <a:rPr lang="en-US" sz="3600" b="1" dirty="0"/>
-              <a:t>Date Over Time</a:t>
-            </a:r>
-            <a:br>
-              <a:rPr lang="en-US" sz="3600" b="1" dirty="0"/>
-            </a:br>
-            <a:endParaRPr lang="en-US" sz="3600" b="1" dirty="0"/>
-          </a:p>
-        </p:txBody>
-      </p:sp>
-      <p:pic>
-        <p:nvPicPr>
-          <p:cNvPr id="2" name="Picture 1">
-            <a:extLst>
-              <a:ext uri="{FF2B5EF4-FFF2-40B4-BE49-F238E27FC236}">
-                <a16:creationId xmlns:a16="http://schemas.microsoft.com/office/drawing/2014/main" id="{6B2FDB07-39BE-4989-AB3A-82B754C37A79}"/>
-              </a:ext>
-            </a:extLst>
-          </p:cNvPr>
-          <p:cNvPicPr>
-            <a:picLocks noChangeAspect="1"/>
-          </p:cNvPicPr>
-          <p:nvPr/>
-        </p:nvPicPr>
-        <p:blipFill>
-          <a:blip r:embed="rId2"/>
-          <a:stretch>
-            <a:fillRect/>
-          </a:stretch>
-        </p:blipFill>
-        <p:spPr>
-          <a:xfrm>
-            <a:off x="700086" y="1270744"/>
-            <a:ext cx="10791825" cy="5495925"/>
-          </a:xfrm>
-          <a:prstGeom prst="rect">
-            <a:avLst/>
-          </a:prstGeom>
-        </p:spPr>
-      </p:pic>
-    </p:spTree>
-    <p:extLst>
-      <p:ext uri="{BB962C8B-B14F-4D97-AF65-F5344CB8AC3E}">
-        <p14:creationId xmlns:p14="http://schemas.microsoft.com/office/powerpoint/2010/main" val="433106786"/>
+        <p14:creationId xmlns:p14="http://schemas.microsoft.com/office/powerpoint/2010/main" val="2724465451"/>
       </p:ext>
     </p:extLst>
   </p:cSld>
@@ -13403,124 +13282,6 @@
       </p:grpSpPr>
       <p:sp>
         <p:nvSpPr>
-          <p:cNvPr id="2" name="Title 1">
-            <a:extLst>
-              <a:ext uri="{FF2B5EF4-FFF2-40B4-BE49-F238E27FC236}">
-                <a16:creationId xmlns:a16="http://schemas.microsoft.com/office/drawing/2014/main" id="{89E05A28-06C8-49A2-A759-6124FBE09FB0}"/>
-              </a:ext>
-            </a:extLst>
-          </p:cNvPr>
-          <p:cNvSpPr>
-            <a:spLocks noGrp="1"/>
-          </p:cNvSpPr>
-          <p:nvPr>
-            <p:ph type="title"/>
-          </p:nvPr>
-        </p:nvSpPr>
-        <p:spPr>
-          <a:xfrm>
-            <a:off x="491411" y="2028470"/>
-            <a:ext cx="11209178" cy="1400530"/>
-          </a:xfrm>
-        </p:spPr>
-        <p:txBody>
-          <a:bodyPr/>
-          <a:lstStyle/>
-          <a:p>
-            <a:pPr algn="ctr"/>
-            <a:r>
-              <a:rPr lang="en-US" sz="8800" b="1" dirty="0">
-                <a:solidFill>
-                  <a:schemeClr val="accent3">
-                    <a:lumMod val="60000"/>
-                    <a:lumOff val="40000"/>
-                  </a:schemeClr>
-                </a:solidFill>
-              </a:rPr>
-              <a:t>APPROVE OVER TIME</a:t>
-            </a:r>
-            <a:br>
-              <a:rPr lang="en-US" sz="8800" b="1" dirty="0">
-                <a:solidFill>
-                  <a:schemeClr val="accent3">
-                    <a:lumMod val="60000"/>
-                    <a:lumOff val="40000"/>
-                  </a:schemeClr>
-                </a:solidFill>
-              </a:rPr>
-            </a:br>
-            <a:endParaRPr lang="en-US" sz="8800" b="1" dirty="0">
-              <a:solidFill>
-                <a:schemeClr val="accent3">
-                  <a:lumMod val="60000"/>
-                  <a:lumOff val="40000"/>
-                </a:schemeClr>
-              </a:solidFill>
-            </a:endParaRPr>
-          </a:p>
-        </p:txBody>
-      </p:sp>
-      <p:sp>
-        <p:nvSpPr>
-          <p:cNvPr id="4" name="Slide Number Placeholder 3">
-            <a:extLst>
-              <a:ext uri="{FF2B5EF4-FFF2-40B4-BE49-F238E27FC236}">
-                <a16:creationId xmlns:a16="http://schemas.microsoft.com/office/drawing/2014/main" id="{D1B85F67-A45C-4FC7-B75D-DFF096FEE71B}"/>
-              </a:ext>
-            </a:extLst>
-          </p:cNvPr>
-          <p:cNvSpPr>
-            <a:spLocks noGrp="1"/>
-          </p:cNvSpPr>
-          <p:nvPr>
-            <p:ph type="sldNum" sz="quarter" idx="12"/>
-          </p:nvPr>
-        </p:nvSpPr>
-        <p:spPr/>
-        <p:txBody>
-          <a:bodyPr/>
-          <a:lstStyle/>
-          <a:p>
-            <a:fld id="{856BCB40-DA03-48F7-A2D3-509646EF08FA}" type="slidenum">
-              <a:rPr lang="en-US" smtClean="0"/>
-              <a:t>51</a:t>
-            </a:fld>
-            <a:endParaRPr lang="en-US"/>
-          </a:p>
-        </p:txBody>
-      </p:sp>
-    </p:spTree>
-    <p:extLst>
-      <p:ext uri="{BB962C8B-B14F-4D97-AF65-F5344CB8AC3E}">
-        <p14:creationId xmlns:p14="http://schemas.microsoft.com/office/powerpoint/2010/main" val="4093421250"/>
-      </p:ext>
-    </p:extLst>
-  </p:cSld>
-  <p:clrMapOvr>
-    <a:masterClrMapping/>
-  </p:clrMapOvr>
-</p:sld>
-</file>
-
-<file path=ppt/slides/slide52.xml><?xml version="1.0" encoding="utf-8"?>
-<p:sld xmlns:a="http://schemas.openxmlformats.org/drawingml/2006/main" xmlns:r="http://schemas.openxmlformats.org/officeDocument/2006/relationships" xmlns:p="http://schemas.openxmlformats.org/presentationml/2006/main">
-  <p:cSld>
-    <p:spTree>
-      <p:nvGrpSpPr>
-        <p:cNvPr id="1" name=""/>
-        <p:cNvGrpSpPr/>
-        <p:nvPr/>
-      </p:nvGrpSpPr>
-      <p:grpSpPr>
-        <a:xfrm>
-          <a:off x="0" y="0"/>
-          <a:ext cx="0" cy="0"/>
-          <a:chOff x="0" y="0"/>
-          <a:chExt cx="0" cy="0"/>
-        </a:xfrm>
-      </p:grpSpPr>
-      <p:sp>
-        <p:nvSpPr>
           <p:cNvPr id="4" name="Slide Number Placeholder 3">
             <a:extLst>
               <a:ext uri="{FF2B5EF4-FFF2-40B4-BE49-F238E27FC236}">
@@ -13542,188 +13303,7 @@
           <a:p>
             <a:fld id="{856BCB40-DA03-48F7-A2D3-509646EF08FA}" type="slidenum">
               <a:rPr lang="en-US" smtClean="0"/>
-              <a:t>52</a:t>
-            </a:fld>
-            <a:endParaRPr lang="en-US"/>
-          </a:p>
-        </p:txBody>
-      </p:sp>
-      <p:sp>
-        <p:nvSpPr>
-          <p:cNvPr id="3" name="Title 1">
-            <a:extLst>
-              <a:ext uri="{FF2B5EF4-FFF2-40B4-BE49-F238E27FC236}">
-                <a16:creationId xmlns:a16="http://schemas.microsoft.com/office/drawing/2014/main" id="{2DEFB21B-498F-45F6-9D91-F1C053B1C31E}"/>
-              </a:ext>
-            </a:extLst>
-          </p:cNvPr>
-          <p:cNvSpPr txBox="1">
-            <a:spLocks/>
-          </p:cNvSpPr>
-          <p:nvPr/>
-        </p:nvSpPr>
-        <p:spPr>
-          <a:xfrm>
-            <a:off x="782958" y="1970655"/>
-            <a:ext cx="10626083" cy="2916690"/>
-          </a:xfrm>
-          <a:prstGeom prst="rect">
-            <a:avLst/>
-          </a:prstGeom>
-        </p:spPr>
-        <p:txBody>
-          <a:bodyPr vert="horz" lIns="91440" tIns="45720" rIns="91440" bIns="45720" rtlCol="0" anchor="t">
-            <a:noAutofit/>
-          </a:bodyPr>
-          <a:lstStyle>
-            <a:lvl1pPr algn="l" defTabSz="457200" rtl="0" eaLnBrk="1" latinLnBrk="0" hangingPunct="1">
-              <a:spcBef>
-                <a:spcPct val="0"/>
-              </a:spcBef>
-              <a:buNone/>
-              <a:defRPr sz="4200" b="0" i="0" kern="1200">
-                <a:solidFill>
-                  <a:schemeClr val="tx2"/>
-                </a:solidFill>
-                <a:latin typeface="+mj-lt"/>
-                <a:ea typeface="+mj-ea"/>
-                <a:cs typeface="+mj-cs"/>
-              </a:defRPr>
-            </a:lvl1pPr>
-            <a:lvl2pPr eaLnBrk="1" hangingPunct="1">
-              <a:defRPr>
-                <a:solidFill>
-                  <a:schemeClr val="tx2"/>
-                </a:solidFill>
-              </a:defRPr>
-            </a:lvl2pPr>
-            <a:lvl3pPr eaLnBrk="1" hangingPunct="1">
-              <a:defRPr>
-                <a:solidFill>
-                  <a:schemeClr val="tx2"/>
-                </a:solidFill>
-              </a:defRPr>
-            </a:lvl3pPr>
-            <a:lvl4pPr eaLnBrk="1" hangingPunct="1">
-              <a:defRPr>
-                <a:solidFill>
-                  <a:schemeClr val="tx2"/>
-                </a:solidFill>
-              </a:defRPr>
-            </a:lvl4pPr>
-            <a:lvl5pPr eaLnBrk="1" hangingPunct="1">
-              <a:defRPr>
-                <a:solidFill>
-                  <a:schemeClr val="tx2"/>
-                </a:solidFill>
-              </a:defRPr>
-            </a:lvl5pPr>
-            <a:lvl6pPr eaLnBrk="1" hangingPunct="1">
-              <a:defRPr>
-                <a:solidFill>
-                  <a:schemeClr val="tx2"/>
-                </a:solidFill>
-              </a:defRPr>
-            </a:lvl6pPr>
-            <a:lvl7pPr eaLnBrk="1" hangingPunct="1">
-              <a:defRPr>
-                <a:solidFill>
-                  <a:schemeClr val="tx2"/>
-                </a:solidFill>
-              </a:defRPr>
-            </a:lvl7pPr>
-            <a:lvl8pPr eaLnBrk="1" hangingPunct="1">
-              <a:defRPr>
-                <a:solidFill>
-                  <a:schemeClr val="tx2"/>
-                </a:solidFill>
-              </a:defRPr>
-            </a:lvl8pPr>
-            <a:lvl9pPr eaLnBrk="1" hangingPunct="1">
-              <a:defRPr>
-                <a:solidFill>
-                  <a:schemeClr val="tx2"/>
-                </a:solidFill>
-              </a:defRPr>
-            </a:lvl9pPr>
-          </a:lstStyle>
-          <a:p>
-            <a:pPr algn="ctr"/>
-            <a:r>
-              <a:rPr lang="en-US" sz="6000" b="1" dirty="0"/>
-              <a:t>Activity Diagram </a:t>
-            </a:r>
-          </a:p>
-          <a:p>
-            <a:pPr algn="ctr"/>
-            <a:r>
-              <a:rPr lang="en-US" sz="6000" b="1" dirty="0"/>
-              <a:t>Approve Over Time</a:t>
-            </a:r>
-          </a:p>
-          <a:p>
-            <a:pPr algn="ctr"/>
-            <a:br>
-              <a:rPr lang="en-US" sz="6000" b="1" dirty="0"/>
-            </a:br>
-            <a:endParaRPr lang="en-US" sz="6000" b="1" dirty="0"/>
-          </a:p>
-        </p:txBody>
-      </p:sp>
-    </p:spTree>
-    <p:extLst>
-      <p:ext uri="{BB962C8B-B14F-4D97-AF65-F5344CB8AC3E}">
-        <p14:creationId xmlns:p14="http://schemas.microsoft.com/office/powerpoint/2010/main" val="2724465451"/>
-      </p:ext>
-    </p:extLst>
-  </p:cSld>
-  <p:clrMapOvr>
-    <a:masterClrMapping/>
-  </p:clrMapOvr>
-</p:sld>
-</file>
-
-<file path=ppt/slides/slide53.xml><?xml version="1.0" encoding="utf-8"?>
-<p:sld xmlns:a="http://schemas.openxmlformats.org/drawingml/2006/main" xmlns:r="http://schemas.openxmlformats.org/officeDocument/2006/relationships" xmlns:p="http://schemas.openxmlformats.org/presentationml/2006/main">
-  <p:cSld>
-    <p:spTree>
-      <p:nvGrpSpPr>
-        <p:cNvPr id="1" name=""/>
-        <p:cNvGrpSpPr/>
-        <p:nvPr/>
-      </p:nvGrpSpPr>
-      <p:grpSpPr>
-        <a:xfrm>
-          <a:off x="0" y="0"/>
-          <a:ext cx="0" cy="0"/>
-          <a:chOff x="0" y="0"/>
-          <a:chExt cx="0" cy="0"/>
-        </a:xfrm>
-      </p:grpSpPr>
-      <p:sp>
-        <p:nvSpPr>
-          <p:cNvPr id="4" name="Slide Number Placeholder 3">
-            <a:extLst>
-              <a:ext uri="{FF2B5EF4-FFF2-40B4-BE49-F238E27FC236}">
-                <a16:creationId xmlns:a16="http://schemas.microsoft.com/office/drawing/2014/main" id="{CBC505C8-107C-4F2E-AF0C-7E7C0E308541}"/>
-              </a:ext>
-            </a:extLst>
-          </p:cNvPr>
-          <p:cNvSpPr>
-            <a:spLocks noGrp="1"/>
-          </p:cNvSpPr>
-          <p:nvPr>
-            <p:ph type="sldNum" sz="quarter" idx="12"/>
-          </p:nvPr>
-        </p:nvSpPr>
-        <p:spPr/>
-        <p:txBody>
-          <a:bodyPr/>
-          <a:lstStyle/>
-          <a:p>
-            <a:fld id="{856BCB40-DA03-48F7-A2D3-509646EF08FA}" type="slidenum">
-              <a:rPr lang="en-US" smtClean="0"/>
-              <a:t>53</a:t>
+              <a:t>51</a:t>
             </a:fld>
             <a:endParaRPr lang="en-US"/>
           </a:p>
@@ -13772,7 +13352,7 @@
 </p:sld>
 </file>
 
-<file path=ppt/slides/slide54.xml><?xml version="1.0" encoding="utf-8"?>
+<file path=ppt/slides/slide52.xml><?xml version="1.0" encoding="utf-8"?>
 <p:sld xmlns:a="http://schemas.openxmlformats.org/drawingml/2006/main" xmlns:r="http://schemas.openxmlformats.org/officeDocument/2006/relationships" xmlns:p="http://schemas.openxmlformats.org/presentationml/2006/main">
   <p:cSld>
     <p:spTree>
@@ -13812,7 +13392,7 @@
           <a:p>
             <a:fld id="{856BCB40-DA03-48F7-A2D3-509646EF08FA}" type="slidenum">
               <a:rPr lang="en-US" smtClean="0"/>
-              <a:t>54</a:t>
+              <a:t>52</a:t>
             </a:fld>
             <a:endParaRPr lang="en-US"/>
           </a:p>
@@ -13925,51 +13505,10 @@
       </p:grpSpPr>
       <p:sp>
         <p:nvSpPr>
-          <p:cNvPr id="2" name="Title 1">
-            <a:extLst>
-              <a:ext uri="{FF2B5EF4-FFF2-40B4-BE49-F238E27FC236}">
-                <a16:creationId xmlns:a16="http://schemas.microsoft.com/office/drawing/2014/main" id="{89E05A28-06C8-49A2-A759-6124FBE09FB0}"/>
-              </a:ext>
-            </a:extLst>
-          </p:cNvPr>
-          <p:cNvSpPr>
-            <a:spLocks noGrp="1"/>
-          </p:cNvSpPr>
-          <p:nvPr>
-            <p:ph type="title"/>
-          </p:nvPr>
-        </p:nvSpPr>
-        <p:spPr>
-          <a:xfrm>
-            <a:off x="491411" y="2728735"/>
-            <a:ext cx="11209178" cy="1400530"/>
-          </a:xfrm>
-        </p:spPr>
-        <p:txBody>
-          <a:bodyPr/>
-          <a:lstStyle/>
-          <a:p>
-            <a:pPr algn="ctr"/>
-            <a:r>
-              <a:rPr lang="en-US" sz="8800" b="1" dirty="0">
-                <a:solidFill>
-                  <a:schemeClr val="accent2">
-                    <a:lumMod val="60000"/>
-                    <a:lumOff val="40000"/>
-                  </a:schemeClr>
-                </a:solidFill>
-              </a:rPr>
-              <a:t>SYSTEM USE CASE</a:t>
-            </a:r>
-          </a:p>
-        </p:txBody>
-      </p:sp>
-      <p:sp>
-        <p:nvSpPr>
           <p:cNvPr id="4" name="Slide Number Placeholder 3">
             <a:extLst>
               <a:ext uri="{FF2B5EF4-FFF2-40B4-BE49-F238E27FC236}">
-                <a16:creationId xmlns:a16="http://schemas.microsoft.com/office/drawing/2014/main" id="{D1B85F67-A45C-4FC7-B75D-DFF096FEE71B}"/>
+                <a16:creationId xmlns:a16="http://schemas.microsoft.com/office/drawing/2014/main" id="{3D9A5FCF-B429-46A8-B92B-1CF5A6F9246E}"/>
               </a:ext>
             </a:extLst>
           </p:cNvPr>
@@ -13993,10 +13532,145 @@
           </a:p>
         </p:txBody>
       </p:sp>
+      <p:sp>
+        <p:nvSpPr>
+          <p:cNvPr id="5" name="TextBox 4">
+            <a:extLst>
+              <a:ext uri="{FF2B5EF4-FFF2-40B4-BE49-F238E27FC236}">
+                <a16:creationId xmlns:a16="http://schemas.microsoft.com/office/drawing/2014/main" id="{7EC563E3-077F-49BE-B81C-166EFFBC1EA1}"/>
+              </a:ext>
+            </a:extLst>
+          </p:cNvPr>
+          <p:cNvSpPr txBox="1"/>
+          <p:nvPr/>
+        </p:nvSpPr>
+        <p:spPr>
+          <a:xfrm>
+            <a:off x="1839460" y="922780"/>
+            <a:ext cx="2598788" cy="1015663"/>
+          </a:xfrm>
+          <a:prstGeom prst="rect">
+            <a:avLst/>
+          </a:prstGeom>
+          <a:noFill/>
+        </p:spPr>
+        <p:txBody>
+          <a:bodyPr wrap="none" rtlCol="0">
+            <a:spAutoFit/>
+          </a:bodyPr>
+          <a:lstStyle/>
+          <a:p>
+            <a:r>
+              <a:rPr lang="th-TH" sz="6000" b="1" dirty="0"/>
+              <a:t>ภาษาที่ใช้ </a:t>
+            </a:r>
+            <a:endParaRPr lang="en-US" sz="6000" b="1" dirty="0">
+              <a:cs typeface="Andalus" panose="02010000000000000000" pitchFamily="2" charset="-78"/>
+            </a:endParaRPr>
+          </a:p>
+        </p:txBody>
+      </p:sp>
+      <p:sp>
+        <p:nvSpPr>
+          <p:cNvPr id="6" name="TextBox 5">
+            <a:extLst>
+              <a:ext uri="{FF2B5EF4-FFF2-40B4-BE49-F238E27FC236}">
+                <a16:creationId xmlns:a16="http://schemas.microsoft.com/office/drawing/2014/main" id="{5BD8B2B1-0925-4EF9-B601-55AA2CF22073}"/>
+              </a:ext>
+            </a:extLst>
+          </p:cNvPr>
+          <p:cNvSpPr txBox="1"/>
+          <p:nvPr/>
+        </p:nvSpPr>
+        <p:spPr>
+          <a:xfrm>
+            <a:off x="1839460" y="2039045"/>
+            <a:ext cx="9261445" cy="3888372"/>
+          </a:xfrm>
+          <a:prstGeom prst="rect">
+            <a:avLst/>
+          </a:prstGeom>
+          <a:noFill/>
+        </p:spPr>
+        <p:txBody>
+          <a:bodyPr wrap="square" rtlCol="0">
+            <a:spAutoFit/>
+          </a:bodyPr>
+          <a:lstStyle/>
+          <a:p>
+            <a:pPr marL="342900" indent="-342900">
+              <a:lnSpc>
+                <a:spcPct val="150000"/>
+              </a:lnSpc>
+              <a:buAutoNum type="arabicPeriod"/>
+            </a:pPr>
+            <a:r>
+              <a:rPr lang="en-US" sz="2800" dirty="0"/>
+              <a:t>JAVA</a:t>
+            </a:r>
+          </a:p>
+          <a:p>
+            <a:pPr marL="342900" indent="-342900">
+              <a:lnSpc>
+                <a:spcPct val="150000"/>
+              </a:lnSpc>
+              <a:buAutoNum type="arabicPeriod"/>
+            </a:pPr>
+            <a:r>
+              <a:rPr lang="en-US" sz="2800" dirty="0"/>
+              <a:t>HTML</a:t>
+            </a:r>
+          </a:p>
+          <a:p>
+            <a:pPr marL="342900" indent="-342900">
+              <a:lnSpc>
+                <a:spcPct val="150000"/>
+              </a:lnSpc>
+              <a:buAutoNum type="arabicPeriod"/>
+            </a:pPr>
+            <a:r>
+              <a:rPr lang="en-US" sz="2800" dirty="0"/>
+              <a:t>CSS</a:t>
+            </a:r>
+          </a:p>
+          <a:p>
+            <a:pPr marL="342900" indent="-342900">
+              <a:lnSpc>
+                <a:spcPct val="150000"/>
+              </a:lnSpc>
+              <a:buAutoNum type="arabicPeriod"/>
+            </a:pPr>
+            <a:r>
+              <a:rPr lang="en-US" sz="2800" dirty="0"/>
+              <a:t>Type Script</a:t>
+            </a:r>
+          </a:p>
+          <a:p>
+            <a:pPr marL="342900" indent="-342900">
+              <a:lnSpc>
+                <a:spcPct val="150000"/>
+              </a:lnSpc>
+              <a:buAutoNum type="arabicPeriod"/>
+            </a:pPr>
+            <a:r>
+              <a:rPr lang="en-US" sz="2800" dirty="0"/>
+              <a:t>Framework Angular</a:t>
+            </a:r>
+          </a:p>
+          <a:p>
+            <a:pPr>
+              <a:lnSpc>
+                <a:spcPct val="150000"/>
+              </a:lnSpc>
+            </a:pPr>
+            <a:endParaRPr lang="en-US" sz="2400" dirty="0"/>
+          </a:p>
+        </p:txBody>
+      </p:sp>
     </p:spTree>
     <p:extLst>
       <p:ext uri="{BB962C8B-B14F-4D97-AF65-F5344CB8AC3E}">
-        <p14:creationId xmlns:p14="http://schemas.microsoft.com/office/powerpoint/2010/main" val="1285903473"/>
+        <p14:creationId xmlns:p14="http://schemas.microsoft.com/office/powerpoint/2010/main" val="284348209"/>
       </p:ext>
     </p:extLst>
   </p:cSld>
@@ -14025,6 +13699,106 @@
       </p:grpSpPr>
       <p:sp>
         <p:nvSpPr>
+          <p:cNvPr id="2" name="Title 1">
+            <a:extLst>
+              <a:ext uri="{FF2B5EF4-FFF2-40B4-BE49-F238E27FC236}">
+                <a16:creationId xmlns:a16="http://schemas.microsoft.com/office/drawing/2014/main" id="{89E05A28-06C8-49A2-A759-6124FBE09FB0}"/>
+              </a:ext>
+            </a:extLst>
+          </p:cNvPr>
+          <p:cNvSpPr>
+            <a:spLocks noGrp="1"/>
+          </p:cNvSpPr>
+          <p:nvPr>
+            <p:ph type="title"/>
+          </p:nvPr>
+        </p:nvSpPr>
+        <p:spPr>
+          <a:xfrm>
+            <a:off x="491411" y="2728735"/>
+            <a:ext cx="11209178" cy="1400530"/>
+          </a:xfrm>
+        </p:spPr>
+        <p:txBody>
+          <a:bodyPr/>
+          <a:lstStyle/>
+          <a:p>
+            <a:pPr algn="ctr"/>
+            <a:r>
+              <a:rPr lang="en-US" sz="8800" b="1" dirty="0">
+                <a:solidFill>
+                  <a:schemeClr val="accent2">
+                    <a:lumMod val="60000"/>
+                    <a:lumOff val="40000"/>
+                  </a:schemeClr>
+                </a:solidFill>
+              </a:rPr>
+              <a:t>SYSTEM USE CASE</a:t>
+            </a:r>
+          </a:p>
+        </p:txBody>
+      </p:sp>
+      <p:sp>
+        <p:nvSpPr>
+          <p:cNvPr id="4" name="Slide Number Placeholder 3">
+            <a:extLst>
+              <a:ext uri="{FF2B5EF4-FFF2-40B4-BE49-F238E27FC236}">
+                <a16:creationId xmlns:a16="http://schemas.microsoft.com/office/drawing/2014/main" id="{D1B85F67-A45C-4FC7-B75D-DFF096FEE71B}"/>
+              </a:ext>
+            </a:extLst>
+          </p:cNvPr>
+          <p:cNvSpPr>
+            <a:spLocks noGrp="1"/>
+          </p:cNvSpPr>
+          <p:nvPr>
+            <p:ph type="sldNum" sz="quarter" idx="12"/>
+          </p:nvPr>
+        </p:nvSpPr>
+        <p:spPr/>
+        <p:txBody>
+          <a:bodyPr/>
+          <a:lstStyle/>
+          <a:p>
+            <a:fld id="{856BCB40-DA03-48F7-A2D3-509646EF08FA}" type="slidenum">
+              <a:rPr lang="en-US" smtClean="0"/>
+              <a:t>7</a:t>
+            </a:fld>
+            <a:endParaRPr lang="en-US"/>
+          </a:p>
+        </p:txBody>
+      </p:sp>
+    </p:spTree>
+    <p:extLst>
+      <p:ext uri="{BB962C8B-B14F-4D97-AF65-F5344CB8AC3E}">
+        <p14:creationId xmlns:p14="http://schemas.microsoft.com/office/powerpoint/2010/main" val="1285903473"/>
+      </p:ext>
+    </p:extLst>
+  </p:cSld>
+  <p:clrMapOvr>
+    <a:masterClrMapping/>
+  </p:clrMapOvr>
+</p:sld>
+</file>
+
+<file path=ppt/slides/slide8.xml><?xml version="1.0" encoding="utf-8"?>
+<p:sld xmlns:a="http://schemas.openxmlformats.org/drawingml/2006/main" xmlns:r="http://schemas.openxmlformats.org/officeDocument/2006/relationships" xmlns:p="http://schemas.openxmlformats.org/presentationml/2006/main">
+  <p:cSld>
+    <p:spTree>
+      <p:nvGrpSpPr>
+        <p:cNvPr id="1" name=""/>
+        <p:cNvGrpSpPr/>
+        <p:nvPr/>
+      </p:nvGrpSpPr>
+      <p:grpSpPr>
+        <a:xfrm>
+          <a:off x="0" y="0"/>
+          <a:ext cx="0" cy="0"/>
+          <a:chOff x="0" y="0"/>
+          <a:chExt cx="0" cy="0"/>
+        </a:xfrm>
+      </p:grpSpPr>
+      <p:sp>
+        <p:nvSpPr>
           <p:cNvPr id="4" name="Slide Number Placeholder 3">
             <a:extLst>
               <a:ext uri="{FF2B5EF4-FFF2-40B4-BE49-F238E27FC236}">
@@ -14046,7 +13820,7 @@
           <a:p>
             <a:fld id="{856BCB40-DA03-48F7-A2D3-509646EF08FA}" type="slidenum">
               <a:rPr lang="en-US" smtClean="0"/>
-              <a:t>7</a:t>
+              <a:t>8</a:t>
             </a:fld>
             <a:endParaRPr lang="en-US"/>
           </a:p>
@@ -14142,7 +13916,7 @@
 </p:sld>
 </file>
 
-<file path=ppt/slides/slide8.xml><?xml version="1.0" encoding="utf-8"?>
+<file path=ppt/slides/slide9.xml><?xml version="1.0" encoding="utf-8"?>
 <p:sld xmlns:a="http://schemas.openxmlformats.org/drawingml/2006/main" xmlns:r="http://schemas.openxmlformats.org/officeDocument/2006/relationships" xmlns:p="http://schemas.openxmlformats.org/presentationml/2006/main">
   <p:cSld>
     <p:spTree>
@@ -14182,7 +13956,7 @@
           <a:p>
             <a:fld id="{856BCB40-DA03-48F7-A2D3-509646EF08FA}" type="slidenum">
               <a:rPr lang="en-US" smtClean="0"/>
-              <a:t>8</a:t>
+              <a:t>9</a:t>
             </a:fld>
             <a:endParaRPr lang="en-US"/>
           </a:p>
@@ -14269,142 +14043,6 @@
     <p:extLst>
       <p:ext uri="{BB962C8B-B14F-4D97-AF65-F5344CB8AC3E}">
         <p14:creationId xmlns:p14="http://schemas.microsoft.com/office/powerpoint/2010/main" val="2410765344"/>
-      </p:ext>
-    </p:extLst>
-  </p:cSld>
-  <p:clrMapOvr>
-    <a:masterClrMapping/>
-  </p:clrMapOvr>
-</p:sld>
-</file>
-
-<file path=ppt/slides/slide9.xml><?xml version="1.0" encoding="utf-8"?>
-<p:sld xmlns:a="http://schemas.openxmlformats.org/drawingml/2006/main" xmlns:r="http://schemas.openxmlformats.org/officeDocument/2006/relationships" xmlns:p="http://schemas.openxmlformats.org/presentationml/2006/main">
-  <p:cSld>
-    <p:spTree>
-      <p:nvGrpSpPr>
-        <p:cNvPr id="1" name=""/>
-        <p:cNvGrpSpPr/>
-        <p:nvPr/>
-      </p:nvGrpSpPr>
-      <p:grpSpPr>
-        <a:xfrm>
-          <a:off x="0" y="0"/>
-          <a:ext cx="0" cy="0"/>
-          <a:chOff x="0" y="0"/>
-          <a:chExt cx="0" cy="0"/>
-        </a:xfrm>
-      </p:grpSpPr>
-      <p:sp>
-        <p:nvSpPr>
-          <p:cNvPr id="4" name="Slide Number Placeholder 3">
-            <a:extLst>
-              <a:ext uri="{FF2B5EF4-FFF2-40B4-BE49-F238E27FC236}">
-                <a16:creationId xmlns:a16="http://schemas.microsoft.com/office/drawing/2014/main" id="{3D9A5FCF-B429-46A8-B92B-1CF5A6F9246E}"/>
-              </a:ext>
-            </a:extLst>
-          </p:cNvPr>
-          <p:cNvSpPr>
-            <a:spLocks noGrp="1"/>
-          </p:cNvSpPr>
-          <p:nvPr>
-            <p:ph type="sldNum" sz="quarter" idx="12"/>
-          </p:nvPr>
-        </p:nvSpPr>
-        <p:spPr/>
-        <p:txBody>
-          <a:bodyPr/>
-          <a:lstStyle/>
-          <a:p>
-            <a:fld id="{856BCB40-DA03-48F7-A2D3-509646EF08FA}" type="slidenum">
-              <a:rPr lang="en-US" smtClean="0"/>
-              <a:t>9</a:t>
-            </a:fld>
-            <a:endParaRPr lang="en-US"/>
-          </a:p>
-        </p:txBody>
-      </p:sp>
-      <p:sp>
-        <p:nvSpPr>
-          <p:cNvPr id="3" name="Rectangle 2">
-            <a:extLst>
-              <a:ext uri="{FF2B5EF4-FFF2-40B4-BE49-F238E27FC236}">
-                <a16:creationId xmlns:a16="http://schemas.microsoft.com/office/drawing/2014/main" id="{3EEF70BB-189F-4CC9-A0B5-76AE745BF649}"/>
-              </a:ext>
-            </a:extLst>
-          </p:cNvPr>
-          <p:cNvSpPr/>
-          <p:nvPr/>
-        </p:nvSpPr>
-        <p:spPr>
-          <a:xfrm>
-            <a:off x="2080591" y="125574"/>
-            <a:ext cx="8030817" cy="1107996"/>
-          </a:xfrm>
-          <a:prstGeom prst="rect">
-            <a:avLst/>
-          </a:prstGeom>
-        </p:spPr>
-        <p:txBody>
-          <a:bodyPr wrap="square">
-            <a:spAutoFit/>
-          </a:bodyPr>
-          <a:lstStyle/>
-          <a:p>
-            <a:r>
-              <a:rPr lang="en-US" sz="4800" b="1" dirty="0">
-                <a:latin typeface="TH Sarabun New" panose="020B0500040200020003" pitchFamily="34" charset="-34"/>
-                <a:cs typeface="Andalus" panose="02010000000000000000" pitchFamily="2" charset="-78"/>
-              </a:rPr>
-              <a:t> </a:t>
-            </a:r>
-            <a:r>
-              <a:rPr lang="en-US" sz="6600" b="1" dirty="0">
-                <a:latin typeface="TH Sarabun New" panose="020B0500040200020003" pitchFamily="34" charset="-34"/>
-                <a:cs typeface="Andalus" panose="02010000000000000000" pitchFamily="2" charset="-78"/>
-              </a:rPr>
-              <a:t>System Use Case For HR</a:t>
-            </a:r>
-            <a:endParaRPr lang="en-US" sz="6600" b="1" dirty="0">
-              <a:cs typeface="Andalus" panose="02010000000000000000" pitchFamily="2" charset="-78"/>
-            </a:endParaRPr>
-          </a:p>
-        </p:txBody>
-      </p:sp>
-      <p:pic>
-        <p:nvPicPr>
-          <p:cNvPr id="6" name="Picture 5">
-            <a:extLst>
-              <a:ext uri="{FF2B5EF4-FFF2-40B4-BE49-F238E27FC236}">
-                <a16:creationId xmlns:a16="http://schemas.microsoft.com/office/drawing/2014/main" id="{F5845DF8-CD11-4F03-84D3-C9749B817D96}"/>
-              </a:ext>
-            </a:extLst>
-          </p:cNvPr>
-          <p:cNvPicPr>
-            <a:picLocks noChangeAspect="1"/>
-          </p:cNvPicPr>
-          <p:nvPr/>
-        </p:nvPicPr>
-        <p:blipFill>
-          <a:blip r:embed="rId2"/>
-          <a:stretch>
-            <a:fillRect/>
-          </a:stretch>
-        </p:blipFill>
-        <p:spPr>
-          <a:xfrm>
-            <a:off x="1665889" y="1233570"/>
-            <a:ext cx="8860219" cy="5420739"/>
-          </a:xfrm>
-          <a:prstGeom prst="rect">
-            <a:avLst/>
-          </a:prstGeom>
-        </p:spPr>
-      </p:pic>
-    </p:spTree>
-    <p:extLst>
-      <p:ext uri="{BB962C8B-B14F-4D97-AF65-F5344CB8AC3E}">
-        <p14:creationId xmlns:p14="http://schemas.microsoft.com/office/powerpoint/2010/main" val="2000149658"/>
       </p:ext>
     </p:extLst>
   </p:cSld>
